--- a/reports/presentation.pptx
+++ b/reports/presentation.pptx
@@ -16,23 +16,25 @@
     <p:sldId id="261" r:id="rId11"/>
     <p:sldId id="262" r:id="rId12"/>
     <p:sldId id="263" r:id="rId13"/>
+    <p:sldId id="264" r:id="rId14"/>
+    <p:sldId id="265" r:id="rId15"/>
   </p:sldIdLst>
   <p:sldSz cy="5143500" cx="9144000"/>
   <p:notesSz cx="6858000" cy="9144000"/>
   <p:embeddedFontLst>
     <p:embeddedFont>
       <p:font typeface="Montserrat"/>
-      <p:regular r:id="rId14"/>
-      <p:bold r:id="rId15"/>
-      <p:italic r:id="rId16"/>
-      <p:boldItalic r:id="rId17"/>
+      <p:regular r:id="rId16"/>
+      <p:bold r:id="rId17"/>
+      <p:italic r:id="rId18"/>
+      <p:boldItalic r:id="rId19"/>
     </p:embeddedFont>
     <p:embeddedFont>
       <p:font typeface="Lato"/>
-      <p:regular r:id="rId18"/>
-      <p:bold r:id="rId19"/>
-      <p:italic r:id="rId20"/>
-      <p:boldItalic r:id="rId21"/>
+      <p:regular r:id="rId20"/>
+      <p:bold r:id="rId21"/>
+      <p:italic r:id="rId22"/>
+      <p:boldItalic r:id="rId23"/>
     </p:embeddedFont>
   </p:embeddedFontLst>
   <p:defaultTextStyle>
@@ -808,12 +810,12 @@
 </p:notes>
 </file>
 
-<file path=ppt/notesSlides/notesSlide2.xml><?xml version="1.0" encoding="utf-8"?>
+<file path=ppt/notesSlides/notesSlide10.xml><?xml version="1.0" encoding="utf-8"?>
 <p:notes xmlns:a="http://schemas.openxmlformats.org/drawingml/2006/main" xmlns:r="http://schemas.openxmlformats.org/officeDocument/2006/relationships" xmlns:mc="http://schemas.openxmlformats.org/markup-compatibility/2006" xmlns:mv="urn:schemas-microsoft-com:mac:vml" xmlns:p="http://schemas.openxmlformats.org/presentationml/2006/main" xmlns:c="http://schemas.openxmlformats.org/drawingml/2006/chart" xmlns:dgm="http://schemas.openxmlformats.org/drawingml/2006/diagram" xmlns:o="urn:schemas-microsoft-com:office:office" xmlns:v="urn:schemas-microsoft-com:vml" xmlns:pvml="urn:schemas-microsoft-com:office:powerpoint" xmlns:com="http://schemas.openxmlformats.org/drawingml/2006/compatibility" xmlns:p14="http://schemas.microsoft.com/office/powerpoint/2010/main" xmlns:p15="http://schemas.microsoft.com/office/powerpoint/2012/main" showMasterPhAnim="0" showMasterSp="0">
   <p:cSld>
     <p:spTree>
       <p:nvGrpSpPr>
-        <p:cNvPr id="137" name="Shape 137"/>
+        <p:cNvPr id="209" name="Shape 209"/>
         <p:cNvGrpSpPr/>
         <p:nvPr/>
       </p:nvGrpSpPr>
@@ -827,7 +829,7 @@
       </p:grpSpPr>
       <p:sp>
         <p:nvSpPr>
-          <p:cNvPr id="138" name="Google Shape;138;g7236f94fca_0_443:notes"/>
+          <p:cNvPr id="210" name="Google Shape;210;g7236f94fca_0_433:notes"/>
           <p:cNvSpPr/>
           <p:nvPr>
             <p:ph idx="2" type="sldImg"/>
@@ -862,7 +864,7 @@
       </p:sp>
       <p:sp>
         <p:nvSpPr>
-          <p:cNvPr id="139" name="Google Shape;139;g7236f94fca_0_443:notes"/>
+          <p:cNvPr id="211" name="Google Shape;211;g7236f94fca_0_433:notes"/>
           <p:cNvSpPr txBox="1"/>
           <p:nvPr>
             <p:ph idx="1" type="body"/>
@@ -907,12 +909,12 @@
 </p:notes>
 </file>
 
-<file path=ppt/notesSlides/notesSlide3.xml><?xml version="1.0" encoding="utf-8"?>
+<file path=ppt/notesSlides/notesSlide2.xml><?xml version="1.0" encoding="utf-8"?>
 <p:notes xmlns:a="http://schemas.openxmlformats.org/drawingml/2006/main" xmlns:r="http://schemas.openxmlformats.org/officeDocument/2006/relationships" xmlns:mc="http://schemas.openxmlformats.org/markup-compatibility/2006" xmlns:mv="urn:schemas-microsoft-com:mac:vml" xmlns:p="http://schemas.openxmlformats.org/presentationml/2006/main" xmlns:c="http://schemas.openxmlformats.org/drawingml/2006/chart" xmlns:dgm="http://schemas.openxmlformats.org/drawingml/2006/diagram" xmlns:o="urn:schemas-microsoft-com:office:office" xmlns:v="urn:schemas-microsoft-com:vml" xmlns:pvml="urn:schemas-microsoft-com:office:powerpoint" xmlns:com="http://schemas.openxmlformats.org/drawingml/2006/compatibility" xmlns:p14="http://schemas.microsoft.com/office/powerpoint/2010/main" xmlns:p15="http://schemas.microsoft.com/office/powerpoint/2012/main" showMasterPhAnim="0" showMasterSp="0">
   <p:cSld>
     <p:spTree>
       <p:nvGrpSpPr>
-        <p:cNvPr id="146" name="Shape 146"/>
+        <p:cNvPr id="137" name="Shape 137"/>
         <p:cNvGrpSpPr/>
         <p:nvPr/>
       </p:nvGrpSpPr>
@@ -926,7 +928,7 @@
       </p:grpSpPr>
       <p:sp>
         <p:nvSpPr>
-          <p:cNvPr id="147" name="Google Shape;147;g7236f94fca_0_271:notes"/>
+          <p:cNvPr id="138" name="Google Shape;138;g7236f94fca_0_465:notes"/>
           <p:cNvSpPr/>
           <p:nvPr>
             <p:ph idx="2" type="sldImg"/>
@@ -961,7 +963,7 @@
       </p:sp>
       <p:sp>
         <p:nvSpPr>
-          <p:cNvPr id="148" name="Google Shape;148;g7236f94fca_0_271:notes"/>
+          <p:cNvPr id="139" name="Google Shape;139;g7236f94fca_0_465:notes"/>
           <p:cNvSpPr txBox="1"/>
           <p:nvPr>
             <p:ph idx="1" type="body"/>
@@ -1006,12 +1008,12 @@
 </p:notes>
 </file>
 
-<file path=ppt/notesSlides/notesSlide4.xml><?xml version="1.0" encoding="utf-8"?>
+<file path=ppt/notesSlides/notesSlide3.xml><?xml version="1.0" encoding="utf-8"?>
 <p:notes xmlns:a="http://schemas.openxmlformats.org/drawingml/2006/main" xmlns:r="http://schemas.openxmlformats.org/officeDocument/2006/relationships" xmlns:mc="http://schemas.openxmlformats.org/markup-compatibility/2006" xmlns:mv="urn:schemas-microsoft-com:mac:vml" xmlns:p="http://schemas.openxmlformats.org/presentationml/2006/main" xmlns:c="http://schemas.openxmlformats.org/drawingml/2006/chart" xmlns:dgm="http://schemas.openxmlformats.org/drawingml/2006/diagram" xmlns:o="urn:schemas-microsoft-com:office:office" xmlns:v="urn:schemas-microsoft-com:vml" xmlns:pvml="urn:schemas-microsoft-com:office:powerpoint" xmlns:com="http://schemas.openxmlformats.org/drawingml/2006/compatibility" xmlns:p14="http://schemas.microsoft.com/office/powerpoint/2010/main" xmlns:p15="http://schemas.microsoft.com/office/powerpoint/2012/main" showMasterPhAnim="0" showMasterSp="0">
   <p:cSld>
     <p:spTree>
       <p:nvGrpSpPr>
-        <p:cNvPr id="157" name="Shape 157"/>
+        <p:cNvPr id="147" name="Shape 147"/>
         <p:cNvGrpSpPr/>
         <p:nvPr/>
       </p:nvGrpSpPr>
@@ -1025,7 +1027,7 @@
       </p:grpSpPr>
       <p:sp>
         <p:nvSpPr>
-          <p:cNvPr id="158" name="Google Shape;158;g7236f94fca_0_406:notes"/>
+          <p:cNvPr id="148" name="Google Shape;148;g7236f94fca_0_443:notes"/>
           <p:cNvSpPr/>
           <p:nvPr>
             <p:ph idx="2" type="sldImg"/>
@@ -1060,7 +1062,106 @@
       </p:sp>
       <p:sp>
         <p:nvSpPr>
-          <p:cNvPr id="159" name="Google Shape;159;g7236f94fca_0_406:notes"/>
+          <p:cNvPr id="149" name="Google Shape;149;g7236f94fca_0_443:notes"/>
+          <p:cNvSpPr txBox="1"/>
+          <p:nvPr>
+            <p:ph idx="1" type="body"/>
+          </p:nvPr>
+        </p:nvSpPr>
+        <p:spPr>
+          <a:xfrm>
+            <a:off x="685800" y="4343400"/>
+            <a:ext cx="5486400" cy="4114800"/>
+          </a:xfrm>
+          <a:prstGeom prst="rect">
+            <a:avLst/>
+          </a:prstGeom>
+        </p:spPr>
+        <p:txBody>
+          <a:bodyPr anchorCtr="0" anchor="t" bIns="91425" lIns="91425" spcFirstLastPara="1" rIns="91425" wrap="square" tIns="91425">
+            <a:noAutofit/>
+          </a:bodyPr>
+          <a:lstStyle/>
+          <a:p>
+            <a:pPr indent="0" lvl="0" marL="0" rtl="0" algn="l">
+              <a:spcBef>
+                <a:spcPts val="0"/>
+              </a:spcBef>
+              <a:spcAft>
+                <a:spcPts val="0"/>
+              </a:spcAft>
+              <a:buNone/>
+            </a:pPr>
+            <a:r>
+              <a:t/>
+            </a:r>
+            <a:endParaRPr/>
+          </a:p>
+        </p:txBody>
+      </p:sp>
+    </p:spTree>
+  </p:cSld>
+  <p:clrMapOvr>
+    <a:masterClrMapping/>
+  </p:clrMapOvr>
+</p:notes>
+</file>
+
+<file path=ppt/notesSlides/notesSlide4.xml><?xml version="1.0" encoding="utf-8"?>
+<p:notes xmlns:a="http://schemas.openxmlformats.org/drawingml/2006/main" xmlns:r="http://schemas.openxmlformats.org/officeDocument/2006/relationships" xmlns:mc="http://schemas.openxmlformats.org/markup-compatibility/2006" xmlns:mv="urn:schemas-microsoft-com:mac:vml" xmlns:p="http://schemas.openxmlformats.org/presentationml/2006/main" xmlns:c="http://schemas.openxmlformats.org/drawingml/2006/chart" xmlns:dgm="http://schemas.openxmlformats.org/drawingml/2006/diagram" xmlns:o="urn:schemas-microsoft-com:office:office" xmlns:v="urn:schemas-microsoft-com:vml" xmlns:pvml="urn:schemas-microsoft-com:office:powerpoint" xmlns:com="http://schemas.openxmlformats.org/drawingml/2006/compatibility" xmlns:p14="http://schemas.microsoft.com/office/powerpoint/2010/main" xmlns:p15="http://schemas.microsoft.com/office/powerpoint/2012/main" showMasterPhAnim="0" showMasterSp="0">
+  <p:cSld>
+    <p:spTree>
+      <p:nvGrpSpPr>
+        <p:cNvPr id="156" name="Shape 156"/>
+        <p:cNvGrpSpPr/>
+        <p:nvPr/>
+      </p:nvGrpSpPr>
+      <p:grpSpPr>
+        <a:xfrm>
+          <a:off x="0" y="0"/>
+          <a:ext cx="0" cy="0"/>
+          <a:chOff x="0" y="0"/>
+          <a:chExt cx="0" cy="0"/>
+        </a:xfrm>
+      </p:grpSpPr>
+      <p:sp>
+        <p:nvSpPr>
+          <p:cNvPr id="157" name="Google Shape;157;g7236f94fca_0_271:notes"/>
+          <p:cNvSpPr/>
+          <p:nvPr>
+            <p:ph idx="2" type="sldImg"/>
+          </p:nvPr>
+        </p:nvSpPr>
+        <p:spPr>
+          <a:xfrm>
+            <a:off x="381300" y="685800"/>
+            <a:ext cx="6096000" cy="3429000"/>
+          </a:xfrm>
+          <a:custGeom>
+            <a:rect b="b" l="l" r="r" t="t"/>
+            <a:pathLst>
+              <a:path extrusionOk="0" h="120000" w="120000">
+                <a:moveTo>
+                  <a:pt x="0" y="0"/>
+                </a:moveTo>
+                <a:lnTo>
+                  <a:pt x="120000" y="0"/>
+                </a:lnTo>
+                <a:lnTo>
+                  <a:pt x="120000" y="120000"/>
+                </a:lnTo>
+                <a:lnTo>
+                  <a:pt x="0" y="120000"/>
+                </a:lnTo>
+                <a:close/>
+              </a:path>
+            </a:pathLst>
+          </a:custGeom>
+        </p:spPr>
+      </p:sp>
+      <p:sp>
+        <p:nvSpPr>
+          <p:cNvPr id="158" name="Google Shape;158;g7236f94fca_0_271:notes"/>
           <p:cNvSpPr txBox="1"/>
           <p:nvPr>
             <p:ph idx="1" type="body"/>
@@ -1124,7 +1225,7 @@
       </p:grpSpPr>
       <p:sp>
         <p:nvSpPr>
-          <p:cNvPr id="168" name="Google Shape;168;g7236f94fca_0_419:notes"/>
+          <p:cNvPr id="168" name="Google Shape;168;g7236f94fca_0_406:notes"/>
           <p:cNvSpPr/>
           <p:nvPr>
             <p:ph idx="2" type="sldImg"/>
@@ -1159,7 +1260,7 @@
       </p:sp>
       <p:sp>
         <p:nvSpPr>
-          <p:cNvPr id="169" name="Google Shape;169;g7236f94fca_0_419:notes"/>
+          <p:cNvPr id="169" name="Google Shape;169;g7236f94fca_0_406:notes"/>
           <p:cNvSpPr txBox="1"/>
           <p:nvPr>
             <p:ph idx="1" type="body"/>
@@ -1223,7 +1324,7 @@
       </p:grpSpPr>
       <p:sp>
         <p:nvSpPr>
-          <p:cNvPr id="178" name="Google Shape;178;g7236f94fca_0_414:notes"/>
+          <p:cNvPr id="178" name="Google Shape;178;g7236f94fca_0_419:notes"/>
           <p:cNvSpPr/>
           <p:nvPr>
             <p:ph idx="2" type="sldImg"/>
@@ -1258,7 +1359,7 @@
       </p:sp>
       <p:sp>
         <p:nvSpPr>
-          <p:cNvPr id="179" name="Google Shape;179;g7236f94fca_0_414:notes"/>
+          <p:cNvPr id="179" name="Google Shape;179;g7236f94fca_0_419:notes"/>
           <p:cNvSpPr txBox="1"/>
           <p:nvPr>
             <p:ph idx="1" type="body"/>
@@ -1308,7 +1409,7 @@
   <p:cSld>
     <p:spTree>
       <p:nvGrpSpPr>
-        <p:cNvPr id="185" name="Shape 185"/>
+        <p:cNvPr id="187" name="Shape 187"/>
         <p:cNvGrpSpPr/>
         <p:nvPr/>
       </p:nvGrpSpPr>
@@ -1322,7 +1423,7 @@
       </p:grpSpPr>
       <p:sp>
         <p:nvSpPr>
-          <p:cNvPr id="186" name="Google Shape;186;g7236f94fca_0_428:notes"/>
+          <p:cNvPr id="188" name="Google Shape;188;g7236f94fca_0_414:notes"/>
           <p:cNvSpPr/>
           <p:nvPr>
             <p:ph idx="2" type="sldImg"/>
@@ -1357,7 +1458,7 @@
       </p:sp>
       <p:sp>
         <p:nvSpPr>
-          <p:cNvPr id="187" name="Google Shape;187;g7236f94fca_0_428:notes"/>
+          <p:cNvPr id="189" name="Google Shape;189;g7236f94fca_0_414:notes"/>
           <p:cNvSpPr txBox="1"/>
           <p:nvPr>
             <p:ph idx="1" type="body"/>
@@ -1407,7 +1508,7 @@
   <p:cSld>
     <p:spTree>
       <p:nvGrpSpPr>
-        <p:cNvPr id="191" name="Shape 191"/>
+        <p:cNvPr id="195" name="Shape 195"/>
         <p:cNvGrpSpPr/>
         <p:nvPr/>
       </p:nvGrpSpPr>
@@ -1421,7 +1522,7 @@
       </p:grpSpPr>
       <p:sp>
         <p:nvSpPr>
-          <p:cNvPr id="192" name="Google Shape;192;g7236f94fca_0_433:notes"/>
+          <p:cNvPr id="196" name="Google Shape;196;g7236f94fca_0_476:notes"/>
           <p:cNvSpPr/>
           <p:nvPr>
             <p:ph idx="2" type="sldImg"/>
@@ -1456,7 +1557,106 @@
       </p:sp>
       <p:sp>
         <p:nvSpPr>
-          <p:cNvPr id="193" name="Google Shape;193;g7236f94fca_0_433:notes"/>
+          <p:cNvPr id="197" name="Google Shape;197;g7236f94fca_0_476:notes"/>
+          <p:cNvSpPr txBox="1"/>
+          <p:nvPr>
+            <p:ph idx="1" type="body"/>
+          </p:nvPr>
+        </p:nvSpPr>
+        <p:spPr>
+          <a:xfrm>
+            <a:off x="685800" y="4343400"/>
+            <a:ext cx="5486400" cy="4114800"/>
+          </a:xfrm>
+          <a:prstGeom prst="rect">
+            <a:avLst/>
+          </a:prstGeom>
+        </p:spPr>
+        <p:txBody>
+          <a:bodyPr anchorCtr="0" anchor="t" bIns="91425" lIns="91425" spcFirstLastPara="1" rIns="91425" wrap="square" tIns="91425">
+            <a:noAutofit/>
+          </a:bodyPr>
+          <a:lstStyle/>
+          <a:p>
+            <a:pPr indent="0" lvl="0" marL="0" rtl="0" algn="l">
+              <a:spcBef>
+                <a:spcPts val="0"/>
+              </a:spcBef>
+              <a:spcAft>
+                <a:spcPts val="0"/>
+              </a:spcAft>
+              <a:buNone/>
+            </a:pPr>
+            <a:r>
+              <a:t/>
+            </a:r>
+            <a:endParaRPr/>
+          </a:p>
+        </p:txBody>
+      </p:sp>
+    </p:spTree>
+  </p:cSld>
+  <p:clrMapOvr>
+    <a:masterClrMapping/>
+  </p:clrMapOvr>
+</p:notes>
+</file>
+
+<file path=ppt/notesSlides/notesSlide9.xml><?xml version="1.0" encoding="utf-8"?>
+<p:notes xmlns:a="http://schemas.openxmlformats.org/drawingml/2006/main" xmlns:r="http://schemas.openxmlformats.org/officeDocument/2006/relationships" xmlns:mc="http://schemas.openxmlformats.org/markup-compatibility/2006" xmlns:mv="urn:schemas-microsoft-com:mac:vml" xmlns:p="http://schemas.openxmlformats.org/presentationml/2006/main" xmlns:c="http://schemas.openxmlformats.org/drawingml/2006/chart" xmlns:dgm="http://schemas.openxmlformats.org/drawingml/2006/diagram" xmlns:o="urn:schemas-microsoft-com:office:office" xmlns:v="urn:schemas-microsoft-com:vml" xmlns:pvml="urn:schemas-microsoft-com:office:powerpoint" xmlns:com="http://schemas.openxmlformats.org/drawingml/2006/compatibility" xmlns:p14="http://schemas.microsoft.com/office/powerpoint/2010/main" xmlns:p15="http://schemas.microsoft.com/office/powerpoint/2012/main" showMasterPhAnim="0" showMasterSp="0">
+  <p:cSld>
+    <p:spTree>
+      <p:nvGrpSpPr>
+        <p:cNvPr id="202" name="Shape 202"/>
+        <p:cNvGrpSpPr/>
+        <p:nvPr/>
+      </p:nvGrpSpPr>
+      <p:grpSpPr>
+        <a:xfrm>
+          <a:off x="0" y="0"/>
+          <a:ext cx="0" cy="0"/>
+          <a:chOff x="0" y="0"/>
+          <a:chExt cx="0" cy="0"/>
+        </a:xfrm>
+      </p:grpSpPr>
+      <p:sp>
+        <p:nvSpPr>
+          <p:cNvPr id="203" name="Google Shape;203;g7236f94fca_0_428:notes"/>
+          <p:cNvSpPr/>
+          <p:nvPr>
+            <p:ph idx="2" type="sldImg"/>
+          </p:nvPr>
+        </p:nvSpPr>
+        <p:spPr>
+          <a:xfrm>
+            <a:off x="381300" y="685800"/>
+            <a:ext cx="6096000" cy="3429000"/>
+          </a:xfrm>
+          <a:custGeom>
+            <a:rect b="b" l="l" r="r" t="t"/>
+            <a:pathLst>
+              <a:path extrusionOk="0" h="120000" w="120000">
+                <a:moveTo>
+                  <a:pt x="0" y="0"/>
+                </a:moveTo>
+                <a:lnTo>
+                  <a:pt x="120000" y="0"/>
+                </a:lnTo>
+                <a:lnTo>
+                  <a:pt x="120000" y="120000"/>
+                </a:lnTo>
+                <a:lnTo>
+                  <a:pt x="0" y="120000"/>
+                </a:lnTo>
+                <a:close/>
+              </a:path>
+            </a:pathLst>
+          </a:custGeom>
+        </p:spPr>
+      </p:sp>
+      <p:sp>
+        <p:nvSpPr>
+          <p:cNvPr id="204" name="Google Shape;204;g7236f94fca_0_428:notes"/>
           <p:cNvSpPr txBox="1"/>
           <p:nvPr>
             <p:ph idx="1" type="body"/>
@@ -9838,6 +10038,34 @@
                 <a:cs typeface="Times New Roman"/>
                 <a:sym typeface="Times New Roman"/>
               </a:rPr>
+              <a:t>Where is the bulk of the profit coming from (international vs domestic)?</a:t>
+            </a:r>
+            <a:endParaRPr sz="1400">
+              <a:latin typeface="Times New Roman"/>
+              <a:ea typeface="Times New Roman"/>
+              <a:cs typeface="Times New Roman"/>
+              <a:sym typeface="Times New Roman"/>
+            </a:endParaRPr>
+          </a:p>
+          <a:p>
+            <a:pPr indent="-317500" lvl="0" marL="457200" rtl="0" algn="l">
+              <a:spcBef>
+                <a:spcPts val="0"/>
+              </a:spcBef>
+              <a:spcAft>
+                <a:spcPts val="0"/>
+              </a:spcAft>
+              <a:buSzPts val="1400"/>
+              <a:buFont typeface="Times New Roman"/>
+              <a:buAutoNum type="arabicParenR"/>
+            </a:pPr>
+            <a:r>
+              <a:rPr lang="en" sz="1400">
+                <a:latin typeface="Times New Roman"/>
+                <a:ea typeface="Times New Roman"/>
+                <a:cs typeface="Times New Roman"/>
+                <a:sym typeface="Times New Roman"/>
+              </a:rPr>
               <a:t>Which genres generate the highest worldwide profit? </a:t>
             </a:r>
             <a:endParaRPr sz="1400">
@@ -9929,7 +10157,7 @@
         <p:spPr>
           <a:xfrm>
             <a:off x="557300" y="3132650"/>
-            <a:ext cx="7324500" cy="1317300"/>
+            <a:ext cx="7428600" cy="1511100"/>
           </a:xfrm>
           <a:prstGeom prst="rect">
             <a:avLst/>
@@ -9962,6 +10190,121 @@
             </a:pPr>
             <a:r>
               <a:t/>
+            </a:r>
+            <a:endParaRPr/>
+          </a:p>
+        </p:txBody>
+      </p:sp>
+    </p:spTree>
+  </p:cSld>
+  <p:clrMapOvr>
+    <a:masterClrMapping/>
+  </p:clrMapOvr>
+</p:sld>
+</file>
+
+<file path=ppt/slides/slide10.xml><?xml version="1.0" encoding="utf-8"?>
+<p:sld xmlns:a="http://schemas.openxmlformats.org/drawingml/2006/main" xmlns:r="http://schemas.openxmlformats.org/officeDocument/2006/relationships" xmlns:mc="http://schemas.openxmlformats.org/markup-compatibility/2006" xmlns:mv="urn:schemas-microsoft-com:mac:vml" xmlns:p="http://schemas.openxmlformats.org/presentationml/2006/main" xmlns:c="http://schemas.openxmlformats.org/drawingml/2006/chart" xmlns:dgm="http://schemas.openxmlformats.org/drawingml/2006/diagram" xmlns:o="urn:schemas-microsoft-com:office:office" xmlns:v="urn:schemas-microsoft-com:vml" xmlns:pvml="urn:schemas-microsoft-com:office:powerpoint" xmlns:com="http://schemas.openxmlformats.org/drawingml/2006/compatibility" xmlns:p14="http://schemas.microsoft.com/office/powerpoint/2010/main" xmlns:p15="http://schemas.microsoft.com/office/powerpoint/2012/main">
+  <p:cSld>
+    <p:spTree>
+      <p:nvGrpSpPr>
+        <p:cNvPr id="212" name="Shape 212"/>
+        <p:cNvGrpSpPr/>
+        <p:nvPr/>
+      </p:nvGrpSpPr>
+      <p:grpSpPr>
+        <a:xfrm>
+          <a:off x="0" y="0"/>
+          <a:ext cx="0" cy="0"/>
+          <a:chOff x="0" y="0"/>
+          <a:chExt cx="0" cy="0"/>
+        </a:xfrm>
+      </p:grpSpPr>
+      <p:sp>
+        <p:nvSpPr>
+          <p:cNvPr id="213" name="Google Shape;213;p22"/>
+          <p:cNvSpPr txBox="1"/>
+          <p:nvPr>
+            <p:ph type="title"/>
+          </p:nvPr>
+        </p:nvSpPr>
+        <p:spPr>
+          <a:xfrm>
+            <a:off x="3290850" y="1767250"/>
+            <a:ext cx="2562300" cy="903600"/>
+          </a:xfrm>
+          <a:prstGeom prst="rect">
+            <a:avLst/>
+          </a:prstGeom>
+        </p:spPr>
+        <p:txBody>
+          <a:bodyPr anchorCtr="0" anchor="t" bIns="91425" lIns="91425" spcFirstLastPara="1" rIns="91425" wrap="square" tIns="91425">
+            <a:noAutofit/>
+          </a:bodyPr>
+          <a:lstStyle/>
+          <a:p>
+            <a:pPr indent="0" lvl="0" marL="0" rtl="0" algn="l">
+              <a:spcBef>
+                <a:spcPts val="0"/>
+              </a:spcBef>
+              <a:spcAft>
+                <a:spcPts val="0"/>
+              </a:spcAft>
+              <a:buNone/>
+            </a:pPr>
+            <a:r>
+              <a:rPr lang="en" sz="4000">
+                <a:latin typeface="Times New Roman"/>
+                <a:ea typeface="Times New Roman"/>
+                <a:cs typeface="Times New Roman"/>
+                <a:sym typeface="Times New Roman"/>
+              </a:rPr>
+              <a:t>Thank you</a:t>
+            </a:r>
+            <a:endParaRPr sz="4000">
+              <a:latin typeface="Times New Roman"/>
+              <a:ea typeface="Times New Roman"/>
+              <a:cs typeface="Times New Roman"/>
+              <a:sym typeface="Times New Roman"/>
+            </a:endParaRPr>
+          </a:p>
+        </p:txBody>
+      </p:sp>
+      <p:sp>
+        <p:nvSpPr>
+          <p:cNvPr id="214" name="Google Shape;214;p22"/>
+          <p:cNvSpPr txBox="1"/>
+          <p:nvPr>
+            <p:ph idx="1" type="body"/>
+          </p:nvPr>
+        </p:nvSpPr>
+        <p:spPr>
+          <a:xfrm>
+            <a:off x="3993000" y="2634100"/>
+            <a:ext cx="1158000" cy="397800"/>
+          </a:xfrm>
+          <a:prstGeom prst="rect">
+            <a:avLst/>
+          </a:prstGeom>
+        </p:spPr>
+        <p:txBody>
+          <a:bodyPr anchorCtr="0" anchor="t" bIns="91425" lIns="91425" spcFirstLastPara="1" rIns="91425" wrap="square" tIns="91425">
+            <a:noAutofit/>
+          </a:bodyPr>
+          <a:lstStyle/>
+          <a:p>
+            <a:pPr indent="0" lvl="0" marL="0" rtl="0" algn="l">
+              <a:spcBef>
+                <a:spcPts val="0"/>
+              </a:spcBef>
+              <a:spcAft>
+                <a:spcPts val="1600"/>
+              </a:spcAft>
+              <a:buNone/>
+            </a:pPr>
+            <a:r>
+              <a:rPr lang="en"/>
+              <a:t>Luay Matalka</a:t>
             </a:r>
             <a:endParaRPr/>
           </a:p>
@@ -9997,13 +10340,13 @@
           <p:cNvPr id="141" name="Google Shape;141;p14"/>
           <p:cNvSpPr txBox="1"/>
           <p:nvPr>
-            <p:ph idx="1" type="body"/>
+            <p:ph type="title"/>
           </p:nvPr>
         </p:nvSpPr>
         <p:spPr>
           <a:xfrm>
-            <a:off x="4944950" y="3478674"/>
-            <a:ext cx="2472300" cy="1362600"/>
+            <a:off x="823850" y="1284675"/>
+            <a:ext cx="4776000" cy="1300800"/>
           </a:xfrm>
           <a:prstGeom prst="rect">
             <a:avLst/>
@@ -10020,7 +10363,49 @@
                 <a:spcPts val="0"/>
               </a:spcBef>
               <a:spcAft>
-                <a:spcPts val="1600"/>
+                <a:spcPts val="0"/>
+              </a:spcAft>
+              <a:buNone/>
+            </a:pPr>
+            <a:r>
+              <a:t/>
+            </a:r>
+            <a:endParaRPr/>
+          </a:p>
+        </p:txBody>
+      </p:sp>
+      <p:sp>
+        <p:nvSpPr>
+          <p:cNvPr id="142" name="Google Shape;142;p14"/>
+          <p:cNvSpPr txBox="1"/>
+          <p:nvPr>
+            <p:ph idx="1" type="body"/>
+          </p:nvPr>
+        </p:nvSpPr>
+        <p:spPr>
+          <a:xfrm>
+            <a:off x="228600" y="3427525"/>
+            <a:ext cx="8686800" cy="1359000"/>
+          </a:xfrm>
+          <a:prstGeom prst="rect">
+            <a:avLst/>
+          </a:prstGeom>
+        </p:spPr>
+        <p:txBody>
+          <a:bodyPr anchorCtr="0" anchor="t" bIns="91425" lIns="91425" spcFirstLastPara="1" rIns="91425" wrap="square" tIns="91425">
+            <a:noAutofit/>
+          </a:bodyPr>
+          <a:lstStyle/>
+          <a:p>
+            <a:pPr indent="0" lvl="0" marL="0" rtl="0" algn="l">
+              <a:lnSpc>
+                <a:spcPct val="135714"/>
+              </a:lnSpc>
+              <a:spcBef>
+                <a:spcPts val="0"/>
+              </a:spcBef>
+              <a:spcAft>
+                <a:spcPts val="0"/>
               </a:spcAft>
               <a:buNone/>
             </a:pPr>
@@ -10031,7 +10416,300 @@
                 <a:cs typeface="Times New Roman"/>
                 <a:sym typeface="Times New Roman"/>
               </a:rPr>
-              <a:t>According to the above line plot, there is a positive relationship between domestic profit and worldwide profit with a slope greater than 1.</a:t>
+              <a:t>According to the above plot, over the past 40 years, profit due to the international market has been growing at a faster rate than the domestic market without a proportional increase in overall production budget. This growth of the international market relative to the domestic market could be explained by saturation of US and Canadian markets (an adequate supply of tickets for the available demand), an increase in global marketing (perhaps promotion via social media), and/or the reduction of restrictions on which movies can be seen in a particular region or country, such as China. </a:t>
+            </a:r>
+            <a:endParaRPr b="1" sz="1200">
+              <a:latin typeface="Times New Roman"/>
+              <a:ea typeface="Times New Roman"/>
+              <a:cs typeface="Times New Roman"/>
+              <a:sym typeface="Times New Roman"/>
+            </a:endParaRPr>
+          </a:p>
+          <a:p>
+            <a:pPr indent="0" lvl="0" marL="0" rtl="0" algn="l">
+              <a:spcBef>
+                <a:spcPts val="0"/>
+              </a:spcBef>
+              <a:spcAft>
+                <a:spcPts val="1600"/>
+              </a:spcAft>
+              <a:buNone/>
+            </a:pPr>
+            <a:r>
+              <a:t/>
+            </a:r>
+            <a:endParaRPr/>
+          </a:p>
+        </p:txBody>
+      </p:sp>
+      <p:pic>
+        <p:nvPicPr>
+          <p:cNvPr id="143" name="Google Shape;143;p14"/>
+          <p:cNvPicPr preferRelativeResize="0"/>
+          <p:nvPr/>
+        </p:nvPicPr>
+        <p:blipFill>
+          <a:blip r:embed="rId3">
+            <a:alphaModFix/>
+          </a:blip>
+          <a:stretch>
+            <a:fillRect/>
+          </a:stretch>
+        </p:blipFill>
+        <p:spPr>
+          <a:xfrm>
+            <a:off x="228550" y="509688"/>
+            <a:ext cx="8686912" cy="2723875"/>
+          </a:xfrm>
+          <a:prstGeom prst="rect">
+            <a:avLst/>
+          </a:prstGeom>
+          <a:noFill/>
+          <a:ln>
+            <a:noFill/>
+          </a:ln>
+        </p:spPr>
+      </p:pic>
+      <p:sp>
+        <p:nvSpPr>
+          <p:cNvPr id="144" name="Google Shape;144;p14"/>
+          <p:cNvSpPr txBox="1"/>
+          <p:nvPr/>
+        </p:nvSpPr>
+        <p:spPr>
+          <a:xfrm>
+            <a:off x="2929650" y="171450"/>
+            <a:ext cx="3284700" cy="378900"/>
+          </a:xfrm>
+          <a:prstGeom prst="rect">
+            <a:avLst/>
+          </a:prstGeom>
+          <a:noFill/>
+          <a:ln>
+            <a:noFill/>
+          </a:ln>
+        </p:spPr>
+        <p:txBody>
+          <a:bodyPr anchorCtr="0" anchor="t" bIns="91425" lIns="91425" spcFirstLastPara="1" rIns="91425" wrap="square" tIns="91425">
+            <a:noAutofit/>
+          </a:bodyPr>
+          <a:lstStyle/>
+          <a:p>
+            <a:pPr indent="0" lvl="0" marL="0" rtl="0" algn="l">
+              <a:spcBef>
+                <a:spcPts val="0"/>
+              </a:spcBef>
+              <a:spcAft>
+                <a:spcPts val="0"/>
+              </a:spcAft>
+              <a:buNone/>
+            </a:pPr>
+            <a:r>
+              <a:rPr b="1" lang="en">
+                <a:solidFill>
+                  <a:schemeClr val="lt1"/>
+                </a:solidFill>
+                <a:latin typeface="Times New Roman"/>
+                <a:ea typeface="Times New Roman"/>
+                <a:cs typeface="Times New Roman"/>
+                <a:sym typeface="Times New Roman"/>
+              </a:rPr>
+              <a:t>Domestic and Worldwide Profit vs. Time</a:t>
+            </a:r>
+            <a:endParaRPr b="1">
+              <a:solidFill>
+                <a:schemeClr val="lt1"/>
+              </a:solidFill>
+              <a:latin typeface="Times New Roman"/>
+              <a:ea typeface="Times New Roman"/>
+              <a:cs typeface="Times New Roman"/>
+              <a:sym typeface="Times New Roman"/>
+            </a:endParaRPr>
+          </a:p>
+        </p:txBody>
+      </p:sp>
+      <p:sp>
+        <p:nvSpPr>
+          <p:cNvPr id="145" name="Google Shape;145;p14"/>
+          <p:cNvSpPr/>
+          <p:nvPr/>
+        </p:nvSpPr>
+        <p:spPr>
+          <a:xfrm>
+            <a:off x="228550" y="509625"/>
+            <a:ext cx="8686800" cy="2724000"/>
+          </a:xfrm>
+          <a:prstGeom prst="rect">
+            <a:avLst/>
+          </a:prstGeom>
+          <a:noFill/>
+          <a:ln cap="flat" cmpd="sng" w="76200">
+            <a:solidFill>
+              <a:srgbClr val="999999"/>
+            </a:solidFill>
+            <a:prstDash val="solid"/>
+            <a:round/>
+            <a:headEnd len="sm" w="sm" type="none"/>
+            <a:tailEnd len="sm" w="sm" type="none"/>
+          </a:ln>
+        </p:spPr>
+        <p:txBody>
+          <a:bodyPr anchorCtr="0" anchor="ctr" bIns="91425" lIns="91425" spcFirstLastPara="1" rIns="91425" wrap="square" tIns="91425">
+            <a:noAutofit/>
+          </a:bodyPr>
+          <a:lstStyle/>
+          <a:p>
+            <a:pPr indent="0" lvl="0" marL="0" rtl="0" algn="l">
+              <a:spcBef>
+                <a:spcPts val="0"/>
+              </a:spcBef>
+              <a:spcAft>
+                <a:spcPts val="0"/>
+              </a:spcAft>
+              <a:buNone/>
+            </a:pPr>
+            <a:r>
+              <a:t/>
+            </a:r>
+            <a:endParaRPr/>
+          </a:p>
+        </p:txBody>
+      </p:sp>
+      <p:sp>
+        <p:nvSpPr>
+          <p:cNvPr id="146" name="Google Shape;146;p14"/>
+          <p:cNvSpPr/>
+          <p:nvPr/>
+        </p:nvSpPr>
+        <p:spPr>
+          <a:xfrm>
+            <a:off x="228550" y="3427525"/>
+            <a:ext cx="8686800" cy="1359000"/>
+          </a:xfrm>
+          <a:prstGeom prst="rect">
+            <a:avLst/>
+          </a:prstGeom>
+          <a:noFill/>
+          <a:ln cap="flat" cmpd="sng" w="76200">
+            <a:solidFill>
+              <a:srgbClr val="999999"/>
+            </a:solidFill>
+            <a:prstDash val="solid"/>
+            <a:round/>
+            <a:headEnd len="sm" w="sm" type="none"/>
+            <a:tailEnd len="sm" w="sm" type="none"/>
+          </a:ln>
+        </p:spPr>
+        <p:txBody>
+          <a:bodyPr anchorCtr="0" anchor="ctr" bIns="91425" lIns="91425" spcFirstLastPara="1" rIns="91425" wrap="square" tIns="91425">
+            <a:noAutofit/>
+          </a:bodyPr>
+          <a:lstStyle/>
+          <a:p>
+            <a:pPr indent="0" lvl="0" marL="0" rtl="0" algn="l">
+              <a:spcBef>
+                <a:spcPts val="0"/>
+              </a:spcBef>
+              <a:spcAft>
+                <a:spcPts val="0"/>
+              </a:spcAft>
+              <a:buNone/>
+            </a:pPr>
+            <a:r>
+              <a:t/>
+            </a:r>
+            <a:endParaRPr/>
+          </a:p>
+        </p:txBody>
+      </p:sp>
+    </p:spTree>
+  </p:cSld>
+  <p:clrMapOvr>
+    <a:masterClrMapping/>
+  </p:clrMapOvr>
+</p:sld>
+</file>
+
+<file path=ppt/slides/slide3.xml><?xml version="1.0" encoding="utf-8"?>
+<p:sld xmlns:a="http://schemas.openxmlformats.org/drawingml/2006/main" xmlns:r="http://schemas.openxmlformats.org/officeDocument/2006/relationships" xmlns:mc="http://schemas.openxmlformats.org/markup-compatibility/2006" xmlns:mv="urn:schemas-microsoft-com:mac:vml" xmlns:p="http://schemas.openxmlformats.org/presentationml/2006/main" xmlns:c="http://schemas.openxmlformats.org/drawingml/2006/chart" xmlns:dgm="http://schemas.openxmlformats.org/drawingml/2006/diagram" xmlns:o="urn:schemas-microsoft-com:office:office" xmlns:v="urn:schemas-microsoft-com:vml" xmlns:pvml="urn:schemas-microsoft-com:office:powerpoint" xmlns:com="http://schemas.openxmlformats.org/drawingml/2006/compatibility" xmlns:p14="http://schemas.microsoft.com/office/powerpoint/2010/main" xmlns:p15="http://schemas.microsoft.com/office/powerpoint/2012/main">
+  <p:cSld>
+    <p:spTree>
+      <p:nvGrpSpPr>
+        <p:cNvPr id="150" name="Shape 150"/>
+        <p:cNvGrpSpPr/>
+        <p:nvPr/>
+      </p:nvGrpSpPr>
+      <p:grpSpPr>
+        <a:xfrm>
+          <a:off x="0" y="0"/>
+          <a:ext cx="0" cy="0"/>
+          <a:chOff x="0" y="0"/>
+          <a:chExt cx="0" cy="0"/>
+        </a:xfrm>
+      </p:grpSpPr>
+      <p:sp>
+        <p:nvSpPr>
+          <p:cNvPr id="151" name="Google Shape;151;p15"/>
+          <p:cNvSpPr txBox="1"/>
+          <p:nvPr>
+            <p:ph idx="1" type="body"/>
+          </p:nvPr>
+        </p:nvSpPr>
+        <p:spPr>
+          <a:xfrm>
+            <a:off x="4944950" y="3075725"/>
+            <a:ext cx="2472300" cy="1635600"/>
+          </a:xfrm>
+          <a:prstGeom prst="rect">
+            <a:avLst/>
+          </a:prstGeom>
+        </p:spPr>
+        <p:txBody>
+          <a:bodyPr anchorCtr="0" anchor="t" bIns="91425" lIns="91425" spcFirstLastPara="1" rIns="91425" wrap="square" tIns="91425">
+            <a:noAutofit/>
+          </a:bodyPr>
+          <a:lstStyle/>
+          <a:p>
+            <a:pPr indent="0" lvl="0" marL="0" rtl="0" algn="l">
+              <a:lnSpc>
+                <a:spcPct val="135714"/>
+              </a:lnSpc>
+              <a:spcBef>
+                <a:spcPts val="0"/>
+              </a:spcBef>
+              <a:spcAft>
+                <a:spcPts val="0"/>
+              </a:spcAft>
+              <a:buNone/>
+            </a:pPr>
+            <a:r>
+              <a:rPr b="1" lang="en" sz="1200">
+                <a:latin typeface="Times New Roman"/>
+                <a:ea typeface="Times New Roman"/>
+                <a:cs typeface="Times New Roman"/>
+                <a:sym typeface="Times New Roman"/>
+              </a:rPr>
+              <a:t>This is further shown in the Worldwide Profit vs. Domestic Profit scatter plot which shows a positive relationship between domestic profit and worldwide profit with a slope greater than 1.</a:t>
+            </a:r>
+            <a:endParaRPr b="1" sz="1200">
+              <a:latin typeface="Times New Roman"/>
+              <a:ea typeface="Times New Roman"/>
+              <a:cs typeface="Times New Roman"/>
+              <a:sym typeface="Times New Roman"/>
+            </a:endParaRPr>
+          </a:p>
+          <a:p>
+            <a:pPr indent="0" lvl="0" marL="0" rtl="0" algn="l">
+              <a:spcBef>
+                <a:spcPts val="0"/>
+              </a:spcBef>
+              <a:spcAft>
+                <a:spcPts val="1600"/>
+              </a:spcAft>
+              <a:buNone/>
+            </a:pPr>
+            <a:r>
+              <a:t/>
             </a:r>
             <a:endParaRPr b="1" sz="1200">
               <a:latin typeface="Times New Roman"/>
@@ -10044,7 +10722,7 @@
       </p:sp>
       <p:pic>
         <p:nvPicPr>
-          <p:cNvPr id="142" name="Google Shape;142;p14"/>
+          <p:cNvPr id="152" name="Google Shape;152;p15"/>
           <p:cNvPicPr preferRelativeResize="0"/>
           <p:nvPr/>
         </p:nvPicPr>
@@ -10072,7 +10750,7 @@
       </p:pic>
       <p:sp>
         <p:nvSpPr>
-          <p:cNvPr id="143" name="Google Shape;143;p14"/>
+          <p:cNvPr id="153" name="Google Shape;153;p15"/>
           <p:cNvSpPr txBox="1"/>
           <p:nvPr/>
         </p:nvSpPr>
@@ -10130,14 +10808,14 @@
       </p:sp>
       <p:sp>
         <p:nvSpPr>
-          <p:cNvPr id="144" name="Google Shape;144;p14"/>
+          <p:cNvPr id="154" name="Google Shape;154;p15"/>
           <p:cNvSpPr/>
           <p:nvPr/>
         </p:nvSpPr>
         <p:spPr>
           <a:xfrm>
-            <a:off x="4944950" y="3478675"/>
-            <a:ext cx="2328000" cy="1362600"/>
+            <a:off x="4944950" y="3110525"/>
+            <a:ext cx="2351400" cy="1566000"/>
           </a:xfrm>
           <a:prstGeom prst="rect">
             <a:avLst/>
@@ -10177,7 +10855,7 @@
       </p:sp>
       <p:sp>
         <p:nvSpPr>
-          <p:cNvPr id="145" name="Google Shape;145;p14"/>
+          <p:cNvPr id="155" name="Google Shape;155;p15"/>
           <p:cNvSpPr/>
           <p:nvPr/>
         </p:nvSpPr>
@@ -10230,12 +10908,12 @@
 </p:sld>
 </file>
 
-<file path=ppt/slides/slide3.xml><?xml version="1.0" encoding="utf-8"?>
+<file path=ppt/slides/slide4.xml><?xml version="1.0" encoding="utf-8"?>
 <p:sld xmlns:a="http://schemas.openxmlformats.org/drawingml/2006/main" xmlns:r="http://schemas.openxmlformats.org/officeDocument/2006/relationships" xmlns:mc="http://schemas.openxmlformats.org/markup-compatibility/2006" xmlns:mv="urn:schemas-microsoft-com:mac:vml" xmlns:p="http://schemas.openxmlformats.org/presentationml/2006/main" xmlns:c="http://schemas.openxmlformats.org/drawingml/2006/chart" xmlns:dgm="http://schemas.openxmlformats.org/drawingml/2006/diagram" xmlns:o="urn:schemas-microsoft-com:office:office" xmlns:v="urn:schemas-microsoft-com:vml" xmlns:pvml="urn:schemas-microsoft-com:office:powerpoint" xmlns:com="http://schemas.openxmlformats.org/drawingml/2006/compatibility" xmlns:p14="http://schemas.microsoft.com/office/powerpoint/2010/main" xmlns:p15="http://schemas.microsoft.com/office/powerpoint/2012/main">
   <p:cSld>
     <p:spTree>
       <p:nvGrpSpPr>
-        <p:cNvPr id="149" name="Shape 149"/>
+        <p:cNvPr id="159" name="Shape 159"/>
         <p:cNvGrpSpPr/>
         <p:nvPr/>
       </p:nvGrpSpPr>
@@ -10249,7 +10927,7 @@
       </p:grpSpPr>
       <p:sp>
         <p:nvSpPr>
-          <p:cNvPr id="150" name="Google Shape;150;p15"/>
+          <p:cNvPr id="160" name="Google Shape;160;p16"/>
           <p:cNvSpPr txBox="1"/>
           <p:nvPr>
             <p:ph type="title"/>
@@ -10288,7 +10966,7 @@
       </p:sp>
       <p:sp>
         <p:nvSpPr>
-          <p:cNvPr id="151" name="Google Shape;151;p15"/>
+          <p:cNvPr id="161" name="Google Shape;161;p16"/>
           <p:cNvSpPr txBox="1"/>
           <p:nvPr>
             <p:ph idx="1" type="body"/>
@@ -10385,7 +11063,7 @@
       </p:sp>
       <p:pic>
         <p:nvPicPr>
-          <p:cNvPr id="152" name="Google Shape;152;p15"/>
+          <p:cNvPr id="162" name="Google Shape;162;p16"/>
           <p:cNvPicPr preferRelativeResize="0"/>
           <p:nvPr/>
         </p:nvPicPr>
@@ -10413,7 +11091,7 @@
       </p:pic>
       <p:sp>
         <p:nvSpPr>
-          <p:cNvPr id="153" name="Google Shape;153;p15"/>
+          <p:cNvPr id="163" name="Google Shape;163;p16"/>
           <p:cNvSpPr txBox="1"/>
           <p:nvPr/>
         </p:nvSpPr>
@@ -10459,7 +11137,7 @@
       </p:sp>
       <p:sp>
         <p:nvSpPr>
-          <p:cNvPr id="154" name="Google Shape;154;p15"/>
+          <p:cNvPr id="164" name="Google Shape;164;p16"/>
           <p:cNvSpPr txBox="1"/>
           <p:nvPr/>
         </p:nvSpPr>
@@ -10517,7 +11195,7 @@
       </p:sp>
       <p:sp>
         <p:nvSpPr>
-          <p:cNvPr id="155" name="Google Shape;155;p15"/>
+          <p:cNvPr id="165" name="Google Shape;165;p16"/>
           <p:cNvSpPr/>
           <p:nvPr/>
         </p:nvSpPr>
@@ -10564,7 +11242,7 @@
       </p:sp>
       <p:sp>
         <p:nvSpPr>
-          <p:cNvPr id="156" name="Google Shape;156;p15"/>
+          <p:cNvPr id="166" name="Google Shape;166;p16"/>
           <p:cNvSpPr/>
           <p:nvPr/>
         </p:nvSpPr>
@@ -10572,327 +11250,6 @@
           <a:xfrm>
             <a:off x="199200" y="877750"/>
             <a:ext cx="8745600" cy="3283800"/>
-          </a:xfrm>
-          <a:prstGeom prst="rect">
-            <a:avLst/>
-          </a:prstGeom>
-          <a:noFill/>
-          <a:ln cap="flat" cmpd="sng" w="76200">
-            <a:solidFill>
-              <a:schemeClr val="dk2"/>
-            </a:solidFill>
-            <a:prstDash val="solid"/>
-            <a:round/>
-            <a:headEnd len="sm" w="sm" type="none"/>
-            <a:tailEnd len="sm" w="sm" type="none"/>
-          </a:ln>
-        </p:spPr>
-        <p:txBody>
-          <a:bodyPr anchorCtr="0" anchor="ctr" bIns="91425" lIns="91425" spcFirstLastPara="1" rIns="91425" wrap="square" tIns="91425">
-            <a:noAutofit/>
-          </a:bodyPr>
-          <a:lstStyle/>
-          <a:p>
-            <a:pPr indent="0" lvl="0" marL="0" rtl="0" algn="l">
-              <a:spcBef>
-                <a:spcPts val="0"/>
-              </a:spcBef>
-              <a:spcAft>
-                <a:spcPts val="0"/>
-              </a:spcAft>
-              <a:buNone/>
-            </a:pPr>
-            <a:r>
-              <a:t/>
-            </a:r>
-            <a:endParaRPr/>
-          </a:p>
-        </p:txBody>
-      </p:sp>
-    </p:spTree>
-  </p:cSld>
-  <p:clrMapOvr>
-    <a:masterClrMapping/>
-  </p:clrMapOvr>
-</p:sld>
-</file>
-
-<file path=ppt/slides/slide4.xml><?xml version="1.0" encoding="utf-8"?>
-<p:sld xmlns:a="http://schemas.openxmlformats.org/drawingml/2006/main" xmlns:r="http://schemas.openxmlformats.org/officeDocument/2006/relationships" xmlns:mc="http://schemas.openxmlformats.org/markup-compatibility/2006" xmlns:mv="urn:schemas-microsoft-com:mac:vml" xmlns:p="http://schemas.openxmlformats.org/presentationml/2006/main" xmlns:c="http://schemas.openxmlformats.org/drawingml/2006/chart" xmlns:dgm="http://schemas.openxmlformats.org/drawingml/2006/diagram" xmlns:o="urn:schemas-microsoft-com:office:office" xmlns:v="urn:schemas-microsoft-com:vml" xmlns:pvml="urn:schemas-microsoft-com:office:powerpoint" xmlns:com="http://schemas.openxmlformats.org/drawingml/2006/compatibility" xmlns:p14="http://schemas.microsoft.com/office/powerpoint/2010/main" xmlns:p15="http://schemas.microsoft.com/office/powerpoint/2012/main">
-  <p:cSld>
-    <p:spTree>
-      <p:nvGrpSpPr>
-        <p:cNvPr id="160" name="Shape 160"/>
-        <p:cNvGrpSpPr/>
-        <p:nvPr/>
-      </p:nvGrpSpPr>
-      <p:grpSpPr>
-        <a:xfrm>
-          <a:off x="0" y="0"/>
-          <a:ext cx="0" cy="0"/>
-          <a:chOff x="0" y="0"/>
-          <a:chExt cx="0" cy="0"/>
-        </a:xfrm>
-      </p:grpSpPr>
-      <p:sp>
-        <p:nvSpPr>
-          <p:cNvPr id="161" name="Google Shape;161;p16"/>
-          <p:cNvSpPr txBox="1"/>
-          <p:nvPr>
-            <p:ph type="title"/>
-          </p:nvPr>
-        </p:nvSpPr>
-        <p:spPr>
-          <a:xfrm>
-            <a:off x="823850" y="1284675"/>
-            <a:ext cx="4776000" cy="1300800"/>
-          </a:xfrm>
-          <a:prstGeom prst="rect">
-            <a:avLst/>
-          </a:prstGeom>
-        </p:spPr>
-        <p:txBody>
-          <a:bodyPr anchorCtr="0" anchor="t" bIns="91425" lIns="91425" spcFirstLastPara="1" rIns="91425" wrap="square" tIns="91425">
-            <a:noAutofit/>
-          </a:bodyPr>
-          <a:lstStyle/>
-          <a:p>
-            <a:pPr indent="0" lvl="0" marL="0" rtl="0" algn="l">
-              <a:spcBef>
-                <a:spcPts val="0"/>
-              </a:spcBef>
-              <a:spcAft>
-                <a:spcPts val="0"/>
-              </a:spcAft>
-              <a:buNone/>
-            </a:pPr>
-            <a:r>
-              <a:t/>
-            </a:r>
-            <a:endParaRPr/>
-          </a:p>
-        </p:txBody>
-      </p:sp>
-      <p:sp>
-        <p:nvSpPr>
-          <p:cNvPr id="162" name="Google Shape;162;p16"/>
-          <p:cNvSpPr txBox="1"/>
-          <p:nvPr>
-            <p:ph idx="1" type="body"/>
-          </p:nvPr>
-        </p:nvSpPr>
-        <p:spPr>
-          <a:xfrm>
-            <a:off x="148800" y="4486525"/>
-            <a:ext cx="8846400" cy="509400"/>
-          </a:xfrm>
-          <a:prstGeom prst="rect">
-            <a:avLst/>
-          </a:prstGeom>
-        </p:spPr>
-        <p:txBody>
-          <a:bodyPr anchorCtr="0" anchor="t" bIns="91425" lIns="91425" spcFirstLastPara="1" rIns="91425" wrap="square" tIns="91425">
-            <a:noAutofit/>
-          </a:bodyPr>
-          <a:lstStyle/>
-          <a:p>
-            <a:pPr indent="0" lvl="0" marL="0" rtl="0" algn="l">
-              <a:lnSpc>
-                <a:spcPct val="135714"/>
-              </a:lnSpc>
-              <a:spcBef>
-                <a:spcPts val="0"/>
-              </a:spcBef>
-              <a:spcAft>
-                <a:spcPts val="0"/>
-              </a:spcAft>
-              <a:buNone/>
-            </a:pPr>
-            <a:r>
-              <a:rPr b="1" lang="en" sz="1200">
-                <a:solidFill>
-                  <a:srgbClr val="D4D4D4"/>
-                </a:solidFill>
-                <a:highlight>
-                  <a:srgbClr val="1E1E1E"/>
-                </a:highlight>
-                <a:latin typeface="Times New Roman"/>
-                <a:ea typeface="Times New Roman"/>
-                <a:cs typeface="Times New Roman"/>
-                <a:sym typeface="Times New Roman"/>
-              </a:rPr>
-              <a:t>According to the above bar plot, Month vs Worldwide Profit, the five months that generate the highest worldwide profit, in order, are: May, June, July, November, and December.</a:t>
-            </a:r>
-            <a:endParaRPr b="1" sz="1200">
-              <a:solidFill>
-                <a:srgbClr val="D4D4D4"/>
-              </a:solidFill>
-              <a:highlight>
-                <a:srgbClr val="1E1E1E"/>
-              </a:highlight>
-              <a:latin typeface="Times New Roman"/>
-              <a:ea typeface="Times New Roman"/>
-              <a:cs typeface="Times New Roman"/>
-              <a:sym typeface="Times New Roman"/>
-            </a:endParaRPr>
-          </a:p>
-          <a:p>
-            <a:pPr indent="0" lvl="0" marL="0" rtl="0" algn="l">
-              <a:spcBef>
-                <a:spcPts val="0"/>
-              </a:spcBef>
-              <a:spcAft>
-                <a:spcPts val="1600"/>
-              </a:spcAft>
-              <a:buNone/>
-            </a:pPr>
-            <a:r>
-              <a:t/>
-            </a:r>
-            <a:endParaRPr/>
-          </a:p>
-        </p:txBody>
-      </p:sp>
-      <p:pic>
-        <p:nvPicPr>
-          <p:cNvPr id="163" name="Google Shape;163;p16"/>
-          <p:cNvPicPr preferRelativeResize="0"/>
-          <p:nvPr/>
-        </p:nvPicPr>
-        <p:blipFill>
-          <a:blip r:embed="rId3">
-            <a:alphaModFix/>
-          </a:blip>
-          <a:stretch>
-            <a:fillRect/>
-          </a:stretch>
-        </p:blipFill>
-        <p:spPr>
-          <a:xfrm>
-            <a:off x="148800" y="712713"/>
-            <a:ext cx="8846401" cy="3674750"/>
-          </a:xfrm>
-          <a:prstGeom prst="rect">
-            <a:avLst/>
-          </a:prstGeom>
-          <a:noFill/>
-          <a:ln>
-            <a:noFill/>
-          </a:ln>
-        </p:spPr>
-      </p:pic>
-      <p:sp>
-        <p:nvSpPr>
-          <p:cNvPr id="164" name="Google Shape;164;p16"/>
-          <p:cNvSpPr txBox="1"/>
-          <p:nvPr/>
-        </p:nvSpPr>
-        <p:spPr>
-          <a:xfrm>
-            <a:off x="3389500" y="171450"/>
-            <a:ext cx="2346000" cy="442200"/>
-          </a:xfrm>
-          <a:prstGeom prst="rect">
-            <a:avLst/>
-          </a:prstGeom>
-          <a:noFill/>
-          <a:ln>
-            <a:noFill/>
-          </a:ln>
-        </p:spPr>
-        <p:txBody>
-          <a:bodyPr anchorCtr="0" anchor="t" bIns="91425" lIns="91425" spcFirstLastPara="1" rIns="91425" wrap="square" tIns="91425">
-            <a:noAutofit/>
-          </a:bodyPr>
-          <a:lstStyle/>
-          <a:p>
-            <a:pPr indent="0" lvl="0" marL="0" rtl="0" algn="l">
-              <a:spcBef>
-                <a:spcPts val="0"/>
-              </a:spcBef>
-              <a:spcAft>
-                <a:spcPts val="0"/>
-              </a:spcAft>
-              <a:buNone/>
-            </a:pPr>
-            <a:r>
-              <a:rPr b="1" lang="en">
-                <a:solidFill>
-                  <a:schemeClr val="lt1"/>
-                </a:solidFill>
-                <a:latin typeface="Times New Roman"/>
-                <a:ea typeface="Times New Roman"/>
-                <a:cs typeface="Times New Roman"/>
-                <a:sym typeface="Times New Roman"/>
-              </a:rPr>
-              <a:t>Worldwide Profit vs. Month</a:t>
-            </a:r>
-            <a:endParaRPr>
-              <a:latin typeface="Lato"/>
-              <a:ea typeface="Lato"/>
-              <a:cs typeface="Lato"/>
-              <a:sym typeface="Lato"/>
-            </a:endParaRPr>
-          </a:p>
-        </p:txBody>
-      </p:sp>
-      <p:sp>
-        <p:nvSpPr>
-          <p:cNvPr id="165" name="Google Shape;165;p16"/>
-          <p:cNvSpPr/>
-          <p:nvPr/>
-        </p:nvSpPr>
-        <p:spPr>
-          <a:xfrm>
-            <a:off x="148800" y="4529875"/>
-            <a:ext cx="8846400" cy="554400"/>
-          </a:xfrm>
-          <a:prstGeom prst="rect">
-            <a:avLst/>
-          </a:prstGeom>
-          <a:noFill/>
-          <a:ln cap="flat" cmpd="sng" w="76200">
-            <a:solidFill>
-              <a:schemeClr val="dk2"/>
-            </a:solidFill>
-            <a:prstDash val="solid"/>
-            <a:round/>
-            <a:headEnd len="sm" w="sm" type="none"/>
-            <a:tailEnd len="sm" w="sm" type="none"/>
-          </a:ln>
-        </p:spPr>
-        <p:txBody>
-          <a:bodyPr anchorCtr="0" anchor="ctr" bIns="91425" lIns="91425" spcFirstLastPara="1" rIns="91425" wrap="square" tIns="91425">
-            <a:noAutofit/>
-          </a:bodyPr>
-          <a:lstStyle/>
-          <a:p>
-            <a:pPr indent="0" lvl="0" marL="0" rtl="0" algn="l">
-              <a:spcBef>
-                <a:spcPts val="0"/>
-              </a:spcBef>
-              <a:spcAft>
-                <a:spcPts val="0"/>
-              </a:spcAft>
-              <a:buNone/>
-            </a:pPr>
-            <a:r>
-              <a:t/>
-            </a:r>
-            <a:endParaRPr/>
-          </a:p>
-        </p:txBody>
-      </p:sp>
-      <p:sp>
-        <p:nvSpPr>
-          <p:cNvPr id="166" name="Google Shape;166;p16"/>
-          <p:cNvSpPr/>
-          <p:nvPr/>
-        </p:nvSpPr>
-        <p:spPr>
-          <a:xfrm>
-            <a:off x="148800" y="712725"/>
-            <a:ext cx="8846400" cy="3674700"/>
           </a:xfrm>
           <a:prstGeom prst="rect">
             <a:avLst/>
@@ -11004,8 +11361,8 @@
         </p:nvSpPr>
         <p:spPr>
           <a:xfrm>
-            <a:off x="199188" y="4419800"/>
-            <a:ext cx="8982600" cy="486300"/>
+            <a:off x="148800" y="4486525"/>
+            <a:ext cx="8846400" cy="509400"/>
           </a:xfrm>
           <a:prstGeom prst="rect">
             <a:avLst/>
@@ -11018,29 +11375,59 @@
           <a:lstStyle/>
           <a:p>
             <a:pPr indent="0" lvl="0" marL="0" rtl="0" algn="l">
-              <a:spcBef>
-                <a:spcPts val="0"/>
-              </a:spcBef>
-              <a:spcAft>
-                <a:spcPts val="1600"/>
+              <a:lnSpc>
+                <a:spcPct val="135714"/>
+              </a:lnSpc>
+              <a:spcBef>
+                <a:spcPts val="0"/>
+              </a:spcBef>
+              <a:spcAft>
+                <a:spcPts val="0"/>
               </a:spcAft>
               <a:buNone/>
             </a:pPr>
             <a:r>
               <a:rPr b="1" lang="en" sz="1200">
+                <a:solidFill>
+                  <a:srgbClr val="D4D4D4"/>
+                </a:solidFill>
+                <a:highlight>
+                  <a:srgbClr val="1E1E1E"/>
+                </a:highlight>
                 <a:latin typeface="Times New Roman"/>
                 <a:ea typeface="Times New Roman"/>
                 <a:cs typeface="Times New Roman"/>
                 <a:sym typeface="Times New Roman"/>
               </a:rPr>
-              <a:t>Shows a boxplot of the previous graph. Still shows May, June, July, November, and December as months with the highest worldwide profits. </a:t>
+              <a:t>According to the above bar plot, Month vs Worldwide Profit, the five months that generate the highest worldwide profit, in order, are: May, June, July, November, and December.</a:t>
             </a:r>
             <a:endParaRPr b="1" sz="1200">
+              <a:solidFill>
+                <a:srgbClr val="D4D4D4"/>
+              </a:solidFill>
+              <a:highlight>
+                <a:srgbClr val="1E1E1E"/>
+              </a:highlight>
               <a:latin typeface="Times New Roman"/>
               <a:ea typeface="Times New Roman"/>
               <a:cs typeface="Times New Roman"/>
               <a:sym typeface="Times New Roman"/>
             </a:endParaRPr>
+          </a:p>
+          <a:p>
+            <a:pPr indent="0" lvl="0" marL="0" rtl="0" algn="l">
+              <a:spcBef>
+                <a:spcPts val="0"/>
+              </a:spcBef>
+              <a:spcAft>
+                <a:spcPts val="1600"/>
+              </a:spcAft>
+              <a:buNone/>
+            </a:pPr>
+            <a:r>
+              <a:t/>
+            </a:r>
+            <a:endParaRPr/>
           </a:p>
         </p:txBody>
       </p:sp>
@@ -11060,8 +11447,8 @@
         </p:blipFill>
         <p:spPr>
           <a:xfrm>
-            <a:off x="199200" y="666363"/>
-            <a:ext cx="8745600" cy="3647975"/>
+            <a:off x="148800" y="712713"/>
+            <a:ext cx="8846401" cy="3674750"/>
           </a:xfrm>
           <a:prstGeom prst="rect">
             <a:avLst/>
@@ -11080,8 +11467,8 @@
         </p:nvSpPr>
         <p:spPr>
           <a:xfrm>
-            <a:off x="2782050" y="131025"/>
-            <a:ext cx="3579900" cy="429900"/>
+            <a:off x="3389500" y="171450"/>
+            <a:ext cx="2346000" cy="442200"/>
           </a:xfrm>
           <a:prstGeom prst="rect">
             <a:avLst/>
@@ -11116,16 +11503,13 @@
                 <a:cs typeface="Times New Roman"/>
                 <a:sym typeface="Times New Roman"/>
               </a:rPr>
-              <a:t>Worldwide Profit vs Release Month Box Plot</a:t>
+              <a:t>Worldwide Profit vs. Month</a:t>
             </a:r>
-            <a:endParaRPr b="1">
-              <a:solidFill>
-                <a:schemeClr val="lt1"/>
-              </a:solidFill>
-              <a:latin typeface="Times New Roman"/>
-              <a:ea typeface="Times New Roman"/>
-              <a:cs typeface="Times New Roman"/>
-              <a:sym typeface="Times New Roman"/>
+            <a:endParaRPr>
+              <a:latin typeface="Lato"/>
+              <a:ea typeface="Lato"/>
+              <a:cs typeface="Lato"/>
+              <a:sym typeface="Lato"/>
             </a:endParaRPr>
           </a:p>
         </p:txBody>
@@ -11138,8 +11522,8 @@
         </p:nvSpPr>
         <p:spPr>
           <a:xfrm>
-            <a:off x="199200" y="4419800"/>
-            <a:ext cx="8745600" cy="651600"/>
+            <a:off x="148800" y="4529875"/>
+            <a:ext cx="8846400" cy="554400"/>
           </a:xfrm>
           <a:prstGeom prst="rect">
             <a:avLst/>
@@ -11185,8 +11569,8 @@
         </p:nvSpPr>
         <p:spPr>
           <a:xfrm>
-            <a:off x="199200" y="666375"/>
-            <a:ext cx="8745600" cy="3648000"/>
+            <a:off x="148800" y="712725"/>
+            <a:ext cx="8846400" cy="3674700"/>
           </a:xfrm>
           <a:prstGeom prst="rect">
             <a:avLst/>
@@ -11249,9 +11633,303 @@
           <a:chExt cx="0" cy="0"/>
         </a:xfrm>
       </p:grpSpPr>
+      <p:sp>
+        <p:nvSpPr>
+          <p:cNvPr id="181" name="Google Shape;181;p18"/>
+          <p:cNvSpPr txBox="1"/>
+          <p:nvPr>
+            <p:ph type="title"/>
+          </p:nvPr>
+        </p:nvSpPr>
+        <p:spPr>
+          <a:xfrm>
+            <a:off x="823850" y="1284675"/>
+            <a:ext cx="4776000" cy="1300800"/>
+          </a:xfrm>
+          <a:prstGeom prst="rect">
+            <a:avLst/>
+          </a:prstGeom>
+        </p:spPr>
+        <p:txBody>
+          <a:bodyPr anchorCtr="0" anchor="t" bIns="91425" lIns="91425" spcFirstLastPara="1" rIns="91425" wrap="square" tIns="91425">
+            <a:noAutofit/>
+          </a:bodyPr>
+          <a:lstStyle/>
+          <a:p>
+            <a:pPr indent="0" lvl="0" marL="0" rtl="0" algn="l">
+              <a:spcBef>
+                <a:spcPts val="0"/>
+              </a:spcBef>
+              <a:spcAft>
+                <a:spcPts val="0"/>
+              </a:spcAft>
+              <a:buNone/>
+            </a:pPr>
+            <a:r>
+              <a:t/>
+            </a:r>
+            <a:endParaRPr/>
+          </a:p>
+        </p:txBody>
+      </p:sp>
+      <p:sp>
+        <p:nvSpPr>
+          <p:cNvPr id="182" name="Google Shape;182;p18"/>
+          <p:cNvSpPr txBox="1"/>
+          <p:nvPr>
+            <p:ph idx="1" type="body"/>
+          </p:nvPr>
+        </p:nvSpPr>
+        <p:spPr>
+          <a:xfrm>
+            <a:off x="199188" y="4419800"/>
+            <a:ext cx="8982600" cy="486300"/>
+          </a:xfrm>
+          <a:prstGeom prst="rect">
+            <a:avLst/>
+          </a:prstGeom>
+        </p:spPr>
+        <p:txBody>
+          <a:bodyPr anchorCtr="0" anchor="t" bIns="91425" lIns="91425" spcFirstLastPara="1" rIns="91425" wrap="square" tIns="91425">
+            <a:noAutofit/>
+          </a:bodyPr>
+          <a:lstStyle/>
+          <a:p>
+            <a:pPr indent="0" lvl="0" marL="0" rtl="0" algn="l">
+              <a:spcBef>
+                <a:spcPts val="0"/>
+              </a:spcBef>
+              <a:spcAft>
+                <a:spcPts val="1600"/>
+              </a:spcAft>
+              <a:buNone/>
+            </a:pPr>
+            <a:r>
+              <a:rPr b="1" lang="en" sz="1200">
+                <a:latin typeface="Times New Roman"/>
+                <a:ea typeface="Times New Roman"/>
+                <a:cs typeface="Times New Roman"/>
+                <a:sym typeface="Times New Roman"/>
+              </a:rPr>
+              <a:t>Shows a boxplot of the previous graph. Still shows May, June, July, November, and December as months with the highest worldwide profits. </a:t>
+            </a:r>
+            <a:endParaRPr b="1" sz="1200">
+              <a:latin typeface="Times New Roman"/>
+              <a:ea typeface="Times New Roman"/>
+              <a:cs typeface="Times New Roman"/>
+              <a:sym typeface="Times New Roman"/>
+            </a:endParaRPr>
+          </a:p>
+        </p:txBody>
+      </p:sp>
       <p:pic>
         <p:nvPicPr>
-          <p:cNvPr id="181" name="Google Shape;181;p18"/>
+          <p:cNvPr id="183" name="Google Shape;183;p18"/>
+          <p:cNvPicPr preferRelativeResize="0"/>
+          <p:nvPr/>
+        </p:nvPicPr>
+        <p:blipFill>
+          <a:blip r:embed="rId3">
+            <a:alphaModFix/>
+          </a:blip>
+          <a:stretch>
+            <a:fillRect/>
+          </a:stretch>
+        </p:blipFill>
+        <p:spPr>
+          <a:xfrm>
+            <a:off x="199200" y="666363"/>
+            <a:ext cx="8745600" cy="3647975"/>
+          </a:xfrm>
+          <a:prstGeom prst="rect">
+            <a:avLst/>
+          </a:prstGeom>
+          <a:noFill/>
+          <a:ln>
+            <a:noFill/>
+          </a:ln>
+        </p:spPr>
+      </p:pic>
+      <p:sp>
+        <p:nvSpPr>
+          <p:cNvPr id="184" name="Google Shape;184;p18"/>
+          <p:cNvSpPr txBox="1"/>
+          <p:nvPr/>
+        </p:nvSpPr>
+        <p:spPr>
+          <a:xfrm>
+            <a:off x="2782050" y="131025"/>
+            <a:ext cx="3579900" cy="429900"/>
+          </a:xfrm>
+          <a:prstGeom prst="rect">
+            <a:avLst/>
+          </a:prstGeom>
+          <a:noFill/>
+          <a:ln>
+            <a:noFill/>
+          </a:ln>
+        </p:spPr>
+        <p:txBody>
+          <a:bodyPr anchorCtr="0" anchor="t" bIns="91425" lIns="91425" spcFirstLastPara="1" rIns="91425" wrap="square" tIns="91425">
+            <a:noAutofit/>
+          </a:bodyPr>
+          <a:lstStyle/>
+          <a:p>
+            <a:pPr indent="0" lvl="0" marL="0" rtl="0" algn="l">
+              <a:spcBef>
+                <a:spcPts val="0"/>
+              </a:spcBef>
+              <a:spcAft>
+                <a:spcPts val="0"/>
+              </a:spcAft>
+              <a:buNone/>
+            </a:pPr>
+            <a:r>
+              <a:rPr b="1" lang="en">
+                <a:solidFill>
+                  <a:schemeClr val="lt1"/>
+                </a:solidFill>
+                <a:latin typeface="Times New Roman"/>
+                <a:ea typeface="Times New Roman"/>
+                <a:cs typeface="Times New Roman"/>
+                <a:sym typeface="Times New Roman"/>
+              </a:rPr>
+              <a:t>Worldwide Profit vs Release Month Box Plot</a:t>
+            </a:r>
+            <a:endParaRPr b="1">
+              <a:solidFill>
+                <a:schemeClr val="lt1"/>
+              </a:solidFill>
+              <a:latin typeface="Times New Roman"/>
+              <a:ea typeface="Times New Roman"/>
+              <a:cs typeface="Times New Roman"/>
+              <a:sym typeface="Times New Roman"/>
+            </a:endParaRPr>
+          </a:p>
+        </p:txBody>
+      </p:sp>
+      <p:sp>
+        <p:nvSpPr>
+          <p:cNvPr id="185" name="Google Shape;185;p18"/>
+          <p:cNvSpPr/>
+          <p:nvPr/>
+        </p:nvSpPr>
+        <p:spPr>
+          <a:xfrm>
+            <a:off x="199200" y="4419800"/>
+            <a:ext cx="8745600" cy="651600"/>
+          </a:xfrm>
+          <a:prstGeom prst="rect">
+            <a:avLst/>
+          </a:prstGeom>
+          <a:noFill/>
+          <a:ln cap="flat" cmpd="sng" w="76200">
+            <a:solidFill>
+              <a:schemeClr val="dk2"/>
+            </a:solidFill>
+            <a:prstDash val="solid"/>
+            <a:round/>
+            <a:headEnd len="sm" w="sm" type="none"/>
+            <a:tailEnd len="sm" w="sm" type="none"/>
+          </a:ln>
+        </p:spPr>
+        <p:txBody>
+          <a:bodyPr anchorCtr="0" anchor="ctr" bIns="91425" lIns="91425" spcFirstLastPara="1" rIns="91425" wrap="square" tIns="91425">
+            <a:noAutofit/>
+          </a:bodyPr>
+          <a:lstStyle/>
+          <a:p>
+            <a:pPr indent="0" lvl="0" marL="0" rtl="0" algn="l">
+              <a:spcBef>
+                <a:spcPts val="0"/>
+              </a:spcBef>
+              <a:spcAft>
+                <a:spcPts val="0"/>
+              </a:spcAft>
+              <a:buNone/>
+            </a:pPr>
+            <a:r>
+              <a:t/>
+            </a:r>
+            <a:endParaRPr/>
+          </a:p>
+        </p:txBody>
+      </p:sp>
+      <p:sp>
+        <p:nvSpPr>
+          <p:cNvPr id="186" name="Google Shape;186;p18"/>
+          <p:cNvSpPr/>
+          <p:nvPr/>
+        </p:nvSpPr>
+        <p:spPr>
+          <a:xfrm>
+            <a:off x="199200" y="666375"/>
+            <a:ext cx="8745600" cy="3648000"/>
+          </a:xfrm>
+          <a:prstGeom prst="rect">
+            <a:avLst/>
+          </a:prstGeom>
+          <a:noFill/>
+          <a:ln cap="flat" cmpd="sng" w="76200">
+            <a:solidFill>
+              <a:schemeClr val="dk2"/>
+            </a:solidFill>
+            <a:prstDash val="solid"/>
+            <a:round/>
+            <a:headEnd len="sm" w="sm" type="none"/>
+            <a:tailEnd len="sm" w="sm" type="none"/>
+          </a:ln>
+        </p:spPr>
+        <p:txBody>
+          <a:bodyPr anchorCtr="0" anchor="ctr" bIns="91425" lIns="91425" spcFirstLastPara="1" rIns="91425" wrap="square" tIns="91425">
+            <a:noAutofit/>
+          </a:bodyPr>
+          <a:lstStyle/>
+          <a:p>
+            <a:pPr indent="0" lvl="0" marL="0" rtl="0" algn="l">
+              <a:spcBef>
+                <a:spcPts val="0"/>
+              </a:spcBef>
+              <a:spcAft>
+                <a:spcPts val="0"/>
+              </a:spcAft>
+              <a:buNone/>
+            </a:pPr>
+            <a:r>
+              <a:t/>
+            </a:r>
+            <a:endParaRPr/>
+          </a:p>
+        </p:txBody>
+      </p:sp>
+    </p:spTree>
+  </p:cSld>
+  <p:clrMapOvr>
+    <a:masterClrMapping/>
+  </p:clrMapOvr>
+</p:sld>
+</file>
+
+<file path=ppt/slides/slide7.xml><?xml version="1.0" encoding="utf-8"?>
+<p:sld xmlns:a="http://schemas.openxmlformats.org/drawingml/2006/main" xmlns:r="http://schemas.openxmlformats.org/officeDocument/2006/relationships" xmlns:mc="http://schemas.openxmlformats.org/markup-compatibility/2006" xmlns:mv="urn:schemas-microsoft-com:mac:vml" xmlns:p="http://schemas.openxmlformats.org/presentationml/2006/main" xmlns:c="http://schemas.openxmlformats.org/drawingml/2006/chart" xmlns:dgm="http://schemas.openxmlformats.org/drawingml/2006/diagram" xmlns:o="urn:schemas-microsoft-com:office:office" xmlns:v="urn:schemas-microsoft-com:vml" xmlns:pvml="urn:schemas-microsoft-com:office:powerpoint" xmlns:com="http://schemas.openxmlformats.org/drawingml/2006/compatibility" xmlns:p14="http://schemas.microsoft.com/office/powerpoint/2010/main" xmlns:p15="http://schemas.microsoft.com/office/powerpoint/2012/main">
+  <p:cSld>
+    <p:spTree>
+      <p:nvGrpSpPr>
+        <p:cNvPr id="190" name="Shape 190"/>
+        <p:cNvGrpSpPr/>
+        <p:nvPr/>
+      </p:nvGrpSpPr>
+      <p:grpSpPr>
+        <a:xfrm>
+          <a:off x="0" y="0"/>
+          <a:ext cx="0" cy="0"/>
+          <a:chOff x="0" y="0"/>
+          <a:chExt cx="0" cy="0"/>
+        </a:xfrm>
+      </p:grpSpPr>
+      <p:pic>
+        <p:nvPicPr>
+          <p:cNvPr id="191" name="Google Shape;191;p19"/>
           <p:cNvPicPr preferRelativeResize="0"/>
           <p:nvPr/>
         </p:nvPicPr>
@@ -11279,7 +11957,7 @@
       </p:pic>
       <p:sp>
         <p:nvSpPr>
-          <p:cNvPr id="182" name="Google Shape;182;p18"/>
+          <p:cNvPr id="192" name="Google Shape;192;p19"/>
           <p:cNvSpPr txBox="1"/>
           <p:nvPr/>
         </p:nvSpPr>
@@ -11337,7 +12015,7 @@
       </p:sp>
       <p:sp>
         <p:nvSpPr>
-          <p:cNvPr id="183" name="Google Shape;183;p18"/>
+          <p:cNvPr id="193" name="Google Shape;193;p19"/>
           <p:cNvSpPr/>
           <p:nvPr/>
         </p:nvSpPr>
@@ -11384,7 +12062,7 @@
       </p:sp>
       <p:sp>
         <p:nvSpPr>
-          <p:cNvPr id="184" name="Google Shape;184;p18"/>
+          <p:cNvPr id="194" name="Google Shape;194;p19"/>
           <p:cNvSpPr/>
           <p:nvPr/>
         </p:nvSpPr>
@@ -11437,12 +12115,12 @@
 </p:sld>
 </file>
 
-<file path=ppt/slides/slide7.xml><?xml version="1.0" encoding="utf-8"?>
+<file path=ppt/slides/slide8.xml><?xml version="1.0" encoding="utf-8"?>
 <p:sld xmlns:a="http://schemas.openxmlformats.org/drawingml/2006/main" xmlns:r="http://schemas.openxmlformats.org/officeDocument/2006/relationships" xmlns:mc="http://schemas.openxmlformats.org/markup-compatibility/2006" xmlns:mv="urn:schemas-microsoft-com:mac:vml" xmlns:p="http://schemas.openxmlformats.org/presentationml/2006/main" xmlns:c="http://schemas.openxmlformats.org/drawingml/2006/chart" xmlns:dgm="http://schemas.openxmlformats.org/drawingml/2006/diagram" xmlns:o="urn:schemas-microsoft-com:office:office" xmlns:v="urn:schemas-microsoft-com:vml" xmlns:pvml="urn:schemas-microsoft-com:office:powerpoint" xmlns:com="http://schemas.openxmlformats.org/drawingml/2006/compatibility" xmlns:p14="http://schemas.microsoft.com/office/powerpoint/2010/main" xmlns:p15="http://schemas.microsoft.com/office/powerpoint/2012/main">
   <p:cSld>
     <p:spTree>
       <p:nvGrpSpPr>
-        <p:cNvPr id="188" name="Shape 188"/>
+        <p:cNvPr id="198" name="Shape 198"/>
         <p:cNvGrpSpPr/>
         <p:nvPr/>
       </p:nvGrpSpPr>
@@ -11456,7 +12134,7 @@
       </p:grpSpPr>
       <p:sp>
         <p:nvSpPr>
-          <p:cNvPr id="189" name="Google Shape;189;p19"/>
+          <p:cNvPr id="199" name="Google Shape;199;p20"/>
           <p:cNvSpPr txBox="1"/>
           <p:nvPr>
             <p:ph type="title"/>
@@ -11464,7 +12142,444 @@
         </p:nvSpPr>
         <p:spPr>
           <a:xfrm>
-            <a:off x="2990400" y="635625"/>
+            <a:off x="3218400" y="239775"/>
+            <a:ext cx="2707200" cy="886200"/>
+          </a:xfrm>
+          <a:prstGeom prst="rect">
+            <a:avLst/>
+          </a:prstGeom>
+        </p:spPr>
+        <p:txBody>
+          <a:bodyPr anchorCtr="0" anchor="t" bIns="91425" lIns="91425" spcFirstLastPara="1" rIns="91425" wrap="square" tIns="91425">
+            <a:noAutofit/>
+          </a:bodyPr>
+          <a:lstStyle/>
+          <a:p>
+            <a:pPr indent="0" lvl="0" marL="0" rtl="0" algn="l">
+              <a:spcBef>
+                <a:spcPts val="0"/>
+              </a:spcBef>
+              <a:spcAft>
+                <a:spcPts val="0"/>
+              </a:spcAft>
+              <a:buNone/>
+            </a:pPr>
+            <a:r>
+              <a:rPr b="1" lang="en" sz="4000">
+                <a:latin typeface="Times New Roman"/>
+                <a:ea typeface="Times New Roman"/>
+                <a:cs typeface="Times New Roman"/>
+                <a:sym typeface="Times New Roman"/>
+              </a:rPr>
+              <a:t>Conclusion</a:t>
+            </a:r>
+            <a:endParaRPr b="1" sz="4000">
+              <a:latin typeface="Times New Roman"/>
+              <a:ea typeface="Times New Roman"/>
+              <a:cs typeface="Times New Roman"/>
+              <a:sym typeface="Times New Roman"/>
+            </a:endParaRPr>
+          </a:p>
+        </p:txBody>
+      </p:sp>
+      <p:sp>
+        <p:nvSpPr>
+          <p:cNvPr id="200" name="Google Shape;200;p20"/>
+          <p:cNvSpPr txBox="1"/>
+          <p:nvPr>
+            <p:ph idx="1" type="body"/>
+          </p:nvPr>
+        </p:nvSpPr>
+        <p:spPr>
+          <a:xfrm>
+            <a:off x="562625" y="1587050"/>
+            <a:ext cx="7850700" cy="3087900"/>
+          </a:xfrm>
+          <a:prstGeom prst="rect">
+            <a:avLst/>
+          </a:prstGeom>
+        </p:spPr>
+        <p:txBody>
+          <a:bodyPr anchorCtr="0" anchor="t" bIns="91425" lIns="91425" spcFirstLastPara="1" rIns="91425" wrap="square" tIns="91425">
+            <a:noAutofit/>
+          </a:bodyPr>
+          <a:lstStyle/>
+          <a:p>
+            <a:pPr indent="-304800" lvl="0" marL="457200" rtl="0" algn="l">
+              <a:spcBef>
+                <a:spcPts val="0"/>
+              </a:spcBef>
+              <a:spcAft>
+                <a:spcPts val="0"/>
+              </a:spcAft>
+              <a:buSzPts val="1200"/>
+              <a:buFont typeface="Times New Roman"/>
+              <a:buChar char="●"/>
+            </a:pPr>
+            <a:r>
+              <a:rPr b="1" lang="en" sz="1200">
+                <a:latin typeface="Times New Roman"/>
+                <a:ea typeface="Times New Roman"/>
+                <a:cs typeface="Times New Roman"/>
+                <a:sym typeface="Times New Roman"/>
+              </a:rPr>
+              <a:t>Special emphasis should be given to the international market due to its rapid growth compared with the domestic market. This can be done with a greater allocation of overall marketing budget towards that market, with the utilization of social media, along with focusing on stories, characters, and ideas that are of interest to other countries and regions. </a:t>
+            </a:r>
+            <a:endParaRPr b="1" sz="1200">
+              <a:latin typeface="Times New Roman"/>
+              <a:ea typeface="Times New Roman"/>
+              <a:cs typeface="Times New Roman"/>
+              <a:sym typeface="Times New Roman"/>
+            </a:endParaRPr>
+          </a:p>
+          <a:p>
+            <a:pPr indent="-304800" lvl="0" marL="457200" rtl="0" algn="l">
+              <a:spcBef>
+                <a:spcPts val="0"/>
+              </a:spcBef>
+              <a:spcAft>
+                <a:spcPts val="0"/>
+              </a:spcAft>
+              <a:buSzPts val="1200"/>
+              <a:buFont typeface="Times New Roman"/>
+              <a:buChar char="●"/>
+            </a:pPr>
+            <a:r>
+              <a:rPr b="1" lang="en" sz="1200">
+                <a:latin typeface="Times New Roman"/>
+                <a:ea typeface="Times New Roman"/>
+                <a:cs typeface="Times New Roman"/>
+                <a:sym typeface="Times New Roman"/>
+              </a:rPr>
+              <a:t>Release movies during one of these months in one or more of these genres:</a:t>
+            </a:r>
+            <a:endParaRPr b="1" sz="1200">
+              <a:latin typeface="Times New Roman"/>
+              <a:ea typeface="Times New Roman"/>
+              <a:cs typeface="Times New Roman"/>
+              <a:sym typeface="Times New Roman"/>
+            </a:endParaRPr>
+          </a:p>
+          <a:p>
+            <a:pPr indent="-304800" lvl="1" marL="914400" rtl="0" algn="l">
+              <a:lnSpc>
+                <a:spcPct val="135714"/>
+              </a:lnSpc>
+              <a:spcBef>
+                <a:spcPts val="0"/>
+              </a:spcBef>
+              <a:spcAft>
+                <a:spcPts val="0"/>
+              </a:spcAft>
+              <a:buSzPts val="1200"/>
+              <a:buFont typeface="Times New Roman"/>
+              <a:buChar char="○"/>
+            </a:pPr>
+            <a:r>
+              <a:rPr b="1" lang="en" sz="1200">
+                <a:latin typeface="Times New Roman"/>
+                <a:ea typeface="Times New Roman"/>
+                <a:cs typeface="Times New Roman"/>
+                <a:sym typeface="Times New Roman"/>
+              </a:rPr>
+              <a:t>May: Animation, Sci-Fi, and/or Adventure. </a:t>
+            </a:r>
+            <a:endParaRPr b="1" sz="1200">
+              <a:latin typeface="Times New Roman"/>
+              <a:ea typeface="Times New Roman"/>
+              <a:cs typeface="Times New Roman"/>
+              <a:sym typeface="Times New Roman"/>
+            </a:endParaRPr>
+          </a:p>
+          <a:p>
+            <a:pPr indent="-304800" lvl="1" marL="914400" rtl="0" algn="l">
+              <a:lnSpc>
+                <a:spcPct val="135714"/>
+              </a:lnSpc>
+              <a:spcBef>
+                <a:spcPts val="0"/>
+              </a:spcBef>
+              <a:spcAft>
+                <a:spcPts val="0"/>
+              </a:spcAft>
+              <a:buSzPts val="1200"/>
+              <a:buFont typeface="Times New Roman"/>
+              <a:buChar char="○"/>
+            </a:pPr>
+            <a:r>
+              <a:rPr b="1" lang="en" sz="1200">
+                <a:latin typeface="Times New Roman"/>
+                <a:ea typeface="Times New Roman"/>
+                <a:cs typeface="Times New Roman"/>
+                <a:sym typeface="Times New Roman"/>
+              </a:rPr>
+              <a:t>June: Animation, Adventure, and/or Sci-Fi. </a:t>
+            </a:r>
+            <a:endParaRPr b="1" sz="1200">
+              <a:latin typeface="Times New Roman"/>
+              <a:ea typeface="Times New Roman"/>
+              <a:cs typeface="Times New Roman"/>
+              <a:sym typeface="Times New Roman"/>
+            </a:endParaRPr>
+          </a:p>
+          <a:p>
+            <a:pPr indent="-304800" lvl="1" marL="914400" rtl="0" algn="l">
+              <a:lnSpc>
+                <a:spcPct val="135714"/>
+              </a:lnSpc>
+              <a:spcBef>
+                <a:spcPts val="0"/>
+              </a:spcBef>
+              <a:spcAft>
+                <a:spcPts val="0"/>
+              </a:spcAft>
+              <a:buSzPts val="1200"/>
+              <a:buFont typeface="Times New Roman"/>
+              <a:buChar char="○"/>
+            </a:pPr>
+            <a:r>
+              <a:rPr b="1" lang="en" sz="1200">
+                <a:latin typeface="Times New Roman"/>
+                <a:ea typeface="Times New Roman"/>
+                <a:cs typeface="Times New Roman"/>
+                <a:sym typeface="Times New Roman"/>
+              </a:rPr>
+              <a:t>July: War, Animation, and/or Musical. </a:t>
+            </a:r>
+            <a:endParaRPr b="1" sz="1200">
+              <a:latin typeface="Times New Roman"/>
+              <a:ea typeface="Times New Roman"/>
+              <a:cs typeface="Times New Roman"/>
+              <a:sym typeface="Times New Roman"/>
+            </a:endParaRPr>
+          </a:p>
+          <a:p>
+            <a:pPr indent="-304800" lvl="1" marL="914400" rtl="0" algn="l">
+              <a:lnSpc>
+                <a:spcPct val="135714"/>
+              </a:lnSpc>
+              <a:spcBef>
+                <a:spcPts val="0"/>
+              </a:spcBef>
+              <a:spcAft>
+                <a:spcPts val="0"/>
+              </a:spcAft>
+              <a:buSzPts val="1200"/>
+              <a:buFont typeface="Times New Roman"/>
+              <a:buChar char="○"/>
+            </a:pPr>
+            <a:r>
+              <a:rPr b="1" lang="en" sz="1200">
+                <a:latin typeface="Times New Roman"/>
+                <a:ea typeface="Times New Roman"/>
+                <a:cs typeface="Times New Roman"/>
+                <a:sym typeface="Times New Roman"/>
+              </a:rPr>
+              <a:t>November: Animation, Adventure, and/or Family. </a:t>
+            </a:r>
+            <a:endParaRPr b="1" sz="1200">
+              <a:latin typeface="Times New Roman"/>
+              <a:ea typeface="Times New Roman"/>
+              <a:cs typeface="Times New Roman"/>
+              <a:sym typeface="Times New Roman"/>
+            </a:endParaRPr>
+          </a:p>
+          <a:p>
+            <a:pPr indent="-304800" lvl="1" marL="914400" rtl="0" algn="l">
+              <a:lnSpc>
+                <a:spcPct val="135714"/>
+              </a:lnSpc>
+              <a:spcBef>
+                <a:spcPts val="0"/>
+              </a:spcBef>
+              <a:spcAft>
+                <a:spcPts val="0"/>
+              </a:spcAft>
+              <a:buSzPts val="1200"/>
+              <a:buFont typeface="Times New Roman"/>
+              <a:buChar char="○"/>
+            </a:pPr>
+            <a:r>
+              <a:rPr b="1" lang="en" sz="1200">
+                <a:latin typeface="Times New Roman"/>
+                <a:ea typeface="Times New Roman"/>
+                <a:cs typeface="Times New Roman"/>
+                <a:sym typeface="Times New Roman"/>
+              </a:rPr>
+              <a:t>December: Fantasy, Adventure, and/or Action.</a:t>
+            </a:r>
+            <a:endParaRPr b="1" sz="1200">
+              <a:latin typeface="Times New Roman"/>
+              <a:ea typeface="Times New Roman"/>
+              <a:cs typeface="Times New Roman"/>
+              <a:sym typeface="Times New Roman"/>
+            </a:endParaRPr>
+          </a:p>
+          <a:p>
+            <a:pPr indent="-304800" lvl="0" marL="457200" rtl="0" algn="l">
+              <a:lnSpc>
+                <a:spcPct val="135714"/>
+              </a:lnSpc>
+              <a:spcBef>
+                <a:spcPts val="0"/>
+              </a:spcBef>
+              <a:spcAft>
+                <a:spcPts val="0"/>
+              </a:spcAft>
+              <a:buSzPts val="1200"/>
+              <a:buFont typeface="Times New Roman"/>
+              <a:buChar char="●"/>
+            </a:pPr>
+            <a:r>
+              <a:rPr b="1" lang="en" sz="1200">
+                <a:latin typeface="Times New Roman"/>
+                <a:ea typeface="Times New Roman"/>
+                <a:cs typeface="Times New Roman"/>
+                <a:sym typeface="Times New Roman"/>
+              </a:rPr>
+              <a:t>If the release month cannot be </a:t>
+            </a:r>
+            <a:r>
+              <a:rPr b="1" lang="en" sz="1200">
+                <a:latin typeface="Times New Roman"/>
+                <a:ea typeface="Times New Roman"/>
+                <a:cs typeface="Times New Roman"/>
+                <a:sym typeface="Times New Roman"/>
+              </a:rPr>
+              <a:t>predetermined</a:t>
+            </a:r>
+            <a:r>
+              <a:rPr b="1" lang="en" sz="1200">
+                <a:latin typeface="Times New Roman"/>
+                <a:ea typeface="Times New Roman"/>
+                <a:cs typeface="Times New Roman"/>
+                <a:sym typeface="Times New Roman"/>
+              </a:rPr>
+              <a:t>, then focus on the following genres: </a:t>
+            </a:r>
+            <a:endParaRPr b="1" sz="1200">
+              <a:latin typeface="Times New Roman"/>
+              <a:ea typeface="Times New Roman"/>
+              <a:cs typeface="Times New Roman"/>
+              <a:sym typeface="Times New Roman"/>
+            </a:endParaRPr>
+          </a:p>
+          <a:p>
+            <a:pPr indent="-304800" lvl="1" marL="914400" rtl="0" algn="l">
+              <a:lnSpc>
+                <a:spcPct val="135714"/>
+              </a:lnSpc>
+              <a:spcBef>
+                <a:spcPts val="0"/>
+              </a:spcBef>
+              <a:spcAft>
+                <a:spcPts val="0"/>
+              </a:spcAft>
+              <a:buSzPts val="1200"/>
+              <a:buFont typeface="Times New Roman"/>
+              <a:buChar char="○"/>
+            </a:pPr>
+            <a:r>
+              <a:rPr b="1" lang="en" sz="1200">
+                <a:latin typeface="Times New Roman"/>
+                <a:ea typeface="Times New Roman"/>
+                <a:cs typeface="Times New Roman"/>
+                <a:sym typeface="Times New Roman"/>
+              </a:rPr>
+              <a:t>Animation, Adventure, Sci-Fi, Family, and/or Action.</a:t>
+            </a:r>
+            <a:endParaRPr b="1" sz="1200">
+              <a:latin typeface="Times New Roman"/>
+              <a:ea typeface="Times New Roman"/>
+              <a:cs typeface="Times New Roman"/>
+              <a:sym typeface="Times New Roman"/>
+            </a:endParaRPr>
+          </a:p>
+        </p:txBody>
+      </p:sp>
+      <p:sp>
+        <p:nvSpPr>
+          <p:cNvPr id="201" name="Google Shape;201;p20"/>
+          <p:cNvSpPr/>
+          <p:nvPr/>
+        </p:nvSpPr>
+        <p:spPr>
+          <a:xfrm>
+            <a:off x="537125" y="1553900"/>
+            <a:ext cx="7901700" cy="3154200"/>
+          </a:xfrm>
+          <a:prstGeom prst="rect">
+            <a:avLst/>
+          </a:prstGeom>
+          <a:noFill/>
+          <a:ln cap="flat" cmpd="sng" w="76200">
+            <a:solidFill>
+              <a:schemeClr val="dk2"/>
+            </a:solidFill>
+            <a:prstDash val="solid"/>
+            <a:round/>
+            <a:headEnd len="sm" w="sm" type="none"/>
+            <a:tailEnd len="sm" w="sm" type="none"/>
+          </a:ln>
+        </p:spPr>
+        <p:txBody>
+          <a:bodyPr anchorCtr="0" anchor="ctr" bIns="91425" lIns="91425" spcFirstLastPara="1" rIns="91425" wrap="square" tIns="91425">
+            <a:noAutofit/>
+          </a:bodyPr>
+          <a:lstStyle/>
+          <a:p>
+            <a:pPr indent="0" lvl="0" marL="0" rtl="0" algn="l">
+              <a:spcBef>
+                <a:spcPts val="0"/>
+              </a:spcBef>
+              <a:spcAft>
+                <a:spcPts val="0"/>
+              </a:spcAft>
+              <a:buNone/>
+            </a:pPr>
+            <a:r>
+              <a:t/>
+            </a:r>
+            <a:endParaRPr/>
+          </a:p>
+        </p:txBody>
+      </p:sp>
+    </p:spTree>
+  </p:cSld>
+  <p:clrMapOvr>
+    <a:masterClrMapping/>
+  </p:clrMapOvr>
+</p:sld>
+</file>
+
+<file path=ppt/slides/slide9.xml><?xml version="1.0" encoding="utf-8"?>
+<p:sld xmlns:a="http://schemas.openxmlformats.org/drawingml/2006/main" xmlns:r="http://schemas.openxmlformats.org/officeDocument/2006/relationships" xmlns:mc="http://schemas.openxmlformats.org/markup-compatibility/2006" xmlns:mv="urn:schemas-microsoft-com:mac:vml" xmlns:p="http://schemas.openxmlformats.org/presentationml/2006/main" xmlns:c="http://schemas.openxmlformats.org/drawingml/2006/chart" xmlns:dgm="http://schemas.openxmlformats.org/drawingml/2006/diagram" xmlns:o="urn:schemas-microsoft-com:office:office" xmlns:v="urn:schemas-microsoft-com:vml" xmlns:pvml="urn:schemas-microsoft-com:office:powerpoint" xmlns:com="http://schemas.openxmlformats.org/drawingml/2006/compatibility" xmlns:p14="http://schemas.microsoft.com/office/powerpoint/2010/main" xmlns:p15="http://schemas.microsoft.com/office/powerpoint/2012/main">
+  <p:cSld>
+    <p:spTree>
+      <p:nvGrpSpPr>
+        <p:cNvPr id="205" name="Shape 205"/>
+        <p:cNvGrpSpPr/>
+        <p:nvPr/>
+      </p:nvGrpSpPr>
+      <p:grpSpPr>
+        <a:xfrm>
+          <a:off x="0" y="0"/>
+          <a:ext cx="0" cy="0"/>
+          <a:chOff x="0" y="0"/>
+          <a:chExt cx="0" cy="0"/>
+        </a:xfrm>
+      </p:grpSpPr>
+      <p:sp>
+        <p:nvSpPr>
+          <p:cNvPr id="206" name="Google Shape;206;p21"/>
+          <p:cNvSpPr txBox="1"/>
+          <p:nvPr>
+            <p:ph type="title"/>
+          </p:nvPr>
+        </p:nvSpPr>
+        <p:spPr>
+          <a:xfrm>
+            <a:off x="2990400" y="852200"/>
             <a:ext cx="3163200" cy="893400"/>
           </a:xfrm>
           <a:prstGeom prst="rect">
@@ -11506,7 +12621,7 @@
       </p:sp>
       <p:sp>
         <p:nvSpPr>
-          <p:cNvPr id="190" name="Google Shape;190;p19"/>
+          <p:cNvPr id="207" name="Google Shape;207;p21"/>
           <p:cNvSpPr txBox="1"/>
           <p:nvPr>
             <p:ph idx="1" type="body"/>
@@ -11514,8 +12629,8 @@
         </p:nvSpPr>
         <p:spPr>
           <a:xfrm>
-            <a:off x="595575" y="2173925"/>
-            <a:ext cx="7485300" cy="2080200"/>
+            <a:off x="586550" y="2404250"/>
+            <a:ext cx="7485300" cy="2009400"/>
           </a:xfrm>
           <a:prstGeom prst="rect">
             <a:avLst/>
@@ -11527,27 +12642,27 @@
           </a:bodyPr>
           <a:lstStyle/>
           <a:p>
-            <a:pPr indent="-330200" lvl="0" marL="457200" rtl="0" algn="l">
-              <a:spcBef>
-                <a:spcPts val="0"/>
-              </a:spcBef>
-              <a:spcAft>
-                <a:spcPts val="0"/>
-              </a:spcAft>
-              <a:buSzPts val="1600"/>
+            <a:pPr indent="-304800" lvl="0" marL="457200" rtl="0" algn="l">
+              <a:spcBef>
+                <a:spcPts val="0"/>
+              </a:spcBef>
+              <a:spcAft>
+                <a:spcPts val="0"/>
+              </a:spcAft>
+              <a:buSzPts val="1200"/>
               <a:buFont typeface="Times New Roman"/>
               <a:buChar char="●"/>
             </a:pPr>
             <a:r>
-              <a:rPr lang="en" sz="1600">
+              <a:rPr b="1" lang="en" sz="1200">
                 <a:latin typeface="Times New Roman"/>
                 <a:ea typeface="Times New Roman"/>
                 <a:cs typeface="Times New Roman"/>
                 <a:sym typeface="Times New Roman"/>
               </a:rPr>
-              <a:t>To find which actors, actresses, and directors generate the most worldwide profits per genre. </a:t>
+              <a:t>Gathering data to show the relationship between domestic and global marketing budgets to domestic and global profits. </a:t>
             </a:r>
-            <a:endParaRPr sz="1600">
+            <a:endParaRPr b="1" sz="1200">
               <a:latin typeface="Times New Roman"/>
               <a:ea typeface="Times New Roman"/>
               <a:cs typeface="Times New Roman"/>
@@ -11555,19 +12670,84 @@
             </a:endParaRPr>
           </a:p>
           <a:p>
-            <a:pPr indent="-330200" lvl="0" marL="457200" rtl="0" algn="l">
-              <a:spcBef>
-                <a:spcPts val="0"/>
-              </a:spcBef>
-              <a:spcAft>
-                <a:spcPts val="0"/>
-              </a:spcAft>
-              <a:buSzPts val="1600"/>
+            <a:pPr indent="-304800" lvl="0" marL="457200" rtl="0" algn="l">
+              <a:spcBef>
+                <a:spcPts val="0"/>
+              </a:spcBef>
+              <a:spcAft>
+                <a:spcPts val="0"/>
+              </a:spcAft>
+              <a:buSzPts val="1200"/>
               <a:buFont typeface="Times New Roman"/>
               <a:buChar char="●"/>
             </a:pPr>
             <a:r>
-              <a:rPr lang="en" sz="1600">
+              <a:rPr b="1" lang="en" sz="1200">
+                <a:latin typeface="Times New Roman"/>
+                <a:ea typeface="Times New Roman"/>
+                <a:cs typeface="Times New Roman"/>
+                <a:sym typeface="Times New Roman"/>
+              </a:rPr>
+              <a:t>To find which genres and storylines are </a:t>
+            </a:r>
+            <a:r>
+              <a:rPr b="1" lang="en" sz="1200">
+                <a:latin typeface="Times New Roman"/>
+                <a:ea typeface="Times New Roman"/>
+                <a:cs typeface="Times New Roman"/>
+                <a:sym typeface="Times New Roman"/>
+              </a:rPr>
+              <a:t>most appealing to growing international markets, such as China. </a:t>
+            </a:r>
+            <a:endParaRPr b="1" sz="1200">
+              <a:latin typeface="Times New Roman"/>
+              <a:ea typeface="Times New Roman"/>
+              <a:cs typeface="Times New Roman"/>
+              <a:sym typeface="Times New Roman"/>
+            </a:endParaRPr>
+          </a:p>
+          <a:p>
+            <a:pPr indent="-304800" lvl="0" marL="457200" rtl="0" algn="l">
+              <a:spcBef>
+                <a:spcPts val="0"/>
+              </a:spcBef>
+              <a:spcAft>
+                <a:spcPts val="0"/>
+              </a:spcAft>
+              <a:buSzPts val="1200"/>
+              <a:buFont typeface="Times New Roman"/>
+              <a:buChar char="●"/>
+            </a:pPr>
+            <a:r>
+              <a:rPr b="1" lang="en" sz="1200">
+                <a:latin typeface="Times New Roman"/>
+                <a:ea typeface="Times New Roman"/>
+                <a:cs typeface="Times New Roman"/>
+                <a:sym typeface="Times New Roman"/>
+              </a:rPr>
+              <a:t>To find which directors, actors, and actresses are most popular in those international markets as well.</a:t>
+            </a:r>
+            <a:endParaRPr b="1" sz="1200">
+              <a:latin typeface="Times New Roman"/>
+              <a:ea typeface="Times New Roman"/>
+              <a:cs typeface="Times New Roman"/>
+              <a:sym typeface="Times New Roman"/>
+            </a:endParaRPr>
+          </a:p>
+          <a:p>
+            <a:pPr indent="-304800" lvl="0" marL="457200" rtl="0" algn="l">
+              <a:spcBef>
+                <a:spcPts val="0"/>
+              </a:spcBef>
+              <a:spcAft>
+                <a:spcPts val="0"/>
+              </a:spcAft>
+              <a:buSzPts val="1200"/>
+              <a:buFont typeface="Times New Roman"/>
+              <a:buChar char="●"/>
+            </a:pPr>
+            <a:r>
+              <a:rPr b="1" lang="en" sz="1200">
                 <a:latin typeface="Times New Roman"/>
                 <a:ea typeface="Times New Roman"/>
                 <a:cs typeface="Times New Roman"/>
@@ -11575,7 +12755,7 @@
               </a:rPr>
               <a:t>To find which movie lengths generate the most worldwide profits per genre. </a:t>
             </a:r>
-            <a:endParaRPr sz="1600">
+            <a:endParaRPr b="1" sz="1200">
               <a:latin typeface="Times New Roman"/>
               <a:ea typeface="Times New Roman"/>
               <a:cs typeface="Times New Roman"/>
@@ -11583,102 +12763,27 @@
             </a:endParaRPr>
           </a:p>
           <a:p>
-            <a:pPr indent="-330200" lvl="0" marL="457200" rtl="0" algn="l">
-              <a:spcBef>
-                <a:spcPts val="0"/>
-              </a:spcBef>
-              <a:spcAft>
-                <a:spcPts val="0"/>
-              </a:spcAft>
-              <a:buSzPts val="1600"/>
+            <a:pPr indent="-304800" lvl="0" marL="457200" rtl="0" algn="l">
+              <a:spcBef>
+                <a:spcPts val="0"/>
+              </a:spcBef>
+              <a:spcAft>
+                <a:spcPts val="0"/>
+              </a:spcAft>
+              <a:buSzPts val="1200"/>
               <a:buFont typeface="Times New Roman"/>
               <a:buChar char="●"/>
             </a:pPr>
             <a:r>
-              <a:rPr lang="en" sz="1600">
+              <a:rPr b="1" lang="en" sz="1200">
                 <a:latin typeface="Times New Roman"/>
                 <a:ea typeface="Times New Roman"/>
                 <a:cs typeface="Times New Roman"/>
                 <a:sym typeface="Times New Roman"/>
               </a:rPr>
-              <a:t>To generate a model that predicts the ROI with specific genres and directors. </a:t>
+              <a:t>To generate a model that predicts the ROI with specific marketing budgets, genres and directors. </a:t>
             </a:r>
-            <a:endParaRPr sz="1600">
-              <a:latin typeface="Times New Roman"/>
-              <a:ea typeface="Times New Roman"/>
-              <a:cs typeface="Times New Roman"/>
-              <a:sym typeface="Times New Roman"/>
-            </a:endParaRPr>
-          </a:p>
-        </p:txBody>
-      </p:sp>
-    </p:spTree>
-  </p:cSld>
-  <p:clrMapOvr>
-    <a:masterClrMapping/>
-  </p:clrMapOvr>
-</p:sld>
-</file>
-
-<file path=ppt/slides/slide8.xml><?xml version="1.0" encoding="utf-8"?>
-<p:sld xmlns:a="http://schemas.openxmlformats.org/drawingml/2006/main" xmlns:r="http://schemas.openxmlformats.org/officeDocument/2006/relationships" xmlns:mc="http://schemas.openxmlformats.org/markup-compatibility/2006" xmlns:mv="urn:schemas-microsoft-com:mac:vml" xmlns:p="http://schemas.openxmlformats.org/presentationml/2006/main" xmlns:c="http://schemas.openxmlformats.org/drawingml/2006/chart" xmlns:dgm="http://schemas.openxmlformats.org/drawingml/2006/diagram" xmlns:o="urn:schemas-microsoft-com:office:office" xmlns:v="urn:schemas-microsoft-com:vml" xmlns:pvml="urn:schemas-microsoft-com:office:powerpoint" xmlns:com="http://schemas.openxmlformats.org/drawingml/2006/compatibility" xmlns:p14="http://schemas.microsoft.com/office/powerpoint/2010/main" xmlns:p15="http://schemas.microsoft.com/office/powerpoint/2012/main">
-  <p:cSld>
-    <p:spTree>
-      <p:nvGrpSpPr>
-        <p:cNvPr id="194" name="Shape 194"/>
-        <p:cNvGrpSpPr/>
-        <p:nvPr/>
-      </p:nvGrpSpPr>
-      <p:grpSpPr>
-        <a:xfrm>
-          <a:off x="0" y="0"/>
-          <a:ext cx="0" cy="0"/>
-          <a:chOff x="0" y="0"/>
-          <a:chExt cx="0" cy="0"/>
-        </a:xfrm>
-      </p:grpSpPr>
-      <p:sp>
-        <p:nvSpPr>
-          <p:cNvPr id="195" name="Google Shape;195;p20"/>
-          <p:cNvSpPr txBox="1"/>
-          <p:nvPr>
-            <p:ph type="title"/>
-          </p:nvPr>
-        </p:nvSpPr>
-        <p:spPr>
-          <a:xfrm>
-            <a:off x="3290850" y="1767250"/>
-            <a:ext cx="2562300" cy="903600"/>
-          </a:xfrm>
-          <a:prstGeom prst="rect">
-            <a:avLst/>
-          </a:prstGeom>
-        </p:spPr>
-        <p:txBody>
-          <a:bodyPr anchorCtr="0" anchor="t" bIns="91425" lIns="91425" spcFirstLastPara="1" rIns="91425" wrap="square" tIns="91425">
-            <a:noAutofit/>
-          </a:bodyPr>
-          <a:lstStyle/>
-          <a:p>
-            <a:pPr indent="0" lvl="0" marL="0" rtl="0" algn="l">
-              <a:spcBef>
-                <a:spcPts val="0"/>
-              </a:spcBef>
-              <a:spcAft>
-                <a:spcPts val="0"/>
-              </a:spcAft>
-              <a:buNone/>
-            </a:pPr>
-            <a:r>
-              <a:rPr lang="en" sz="4000">
-                <a:latin typeface="Times New Roman"/>
-                <a:ea typeface="Times New Roman"/>
-                <a:cs typeface="Times New Roman"/>
-                <a:sym typeface="Times New Roman"/>
-              </a:rPr>
-              <a:t>Thank you</a:t>
-            </a:r>
-            <a:endParaRPr sz="4000">
+            <a:endParaRPr b="1" sz="1200">
               <a:latin typeface="Times New Roman"/>
               <a:ea typeface="Times New Roman"/>
               <a:cs typeface="Times New Roman"/>
@@ -11689,23 +12794,31 @@
       </p:sp>
       <p:sp>
         <p:nvSpPr>
-          <p:cNvPr id="196" name="Google Shape;196;p20"/>
-          <p:cNvSpPr txBox="1"/>
-          <p:nvPr>
-            <p:ph idx="1" type="body"/>
-          </p:nvPr>
+          <p:cNvPr id="208" name="Google Shape;208;p21"/>
+          <p:cNvSpPr/>
+          <p:nvPr/>
         </p:nvSpPr>
         <p:spPr>
           <a:xfrm>
-            <a:off x="3993000" y="2634100"/>
-            <a:ext cx="1158000" cy="397800"/>
+            <a:off x="586550" y="2404250"/>
+            <a:ext cx="7700100" cy="1642500"/>
           </a:xfrm>
           <a:prstGeom prst="rect">
             <a:avLst/>
           </a:prstGeom>
+          <a:noFill/>
+          <a:ln cap="flat" cmpd="sng" w="76200">
+            <a:solidFill>
+              <a:schemeClr val="dk2"/>
+            </a:solidFill>
+            <a:prstDash val="solid"/>
+            <a:round/>
+            <a:headEnd len="sm" w="sm" type="none"/>
+            <a:tailEnd len="sm" w="sm" type="none"/>
+          </a:ln>
         </p:spPr>
         <p:txBody>
-          <a:bodyPr anchorCtr="0" anchor="t" bIns="91425" lIns="91425" spcFirstLastPara="1" rIns="91425" wrap="square" tIns="91425">
+          <a:bodyPr anchorCtr="0" anchor="ctr" bIns="91425" lIns="91425" spcFirstLastPara="1" rIns="91425" wrap="square" tIns="91425">
             <a:noAutofit/>
           </a:bodyPr>
           <a:lstStyle/>
@@ -11715,13 +12828,12 @@
                 <a:spcPts val="0"/>
               </a:spcBef>
               <a:spcAft>
-                <a:spcPts val="1600"/>
+                <a:spcPts val="0"/>
               </a:spcAft>
               <a:buNone/>
             </a:pPr>
             <a:r>
-              <a:rPr lang="en"/>
-              <a:t>Luay Matalka</a:t>
+              <a:t/>
             </a:r>
             <a:endParaRPr/>
           </a:p>

--- a/reports/presentation.pptx
+++ b/reports/presentation.pptx
@@ -1,44 +1,44 @@
 
 <file path=ppt/presentation.xml><?xml version="1.0" encoding="utf-8"?>
-<p:presentation xmlns:a="http://schemas.openxmlformats.org/drawingml/2006/main" xmlns:r="http://schemas.openxmlformats.org/officeDocument/2006/relationships" xmlns:mc="http://schemas.openxmlformats.org/markup-compatibility/2006" xmlns:mv="urn:schemas-microsoft-com:mac:vml" xmlns:p="http://schemas.openxmlformats.org/presentationml/2006/main" xmlns:c="http://schemas.openxmlformats.org/drawingml/2006/chart" xmlns:dgm="http://schemas.openxmlformats.org/drawingml/2006/diagram" xmlns:o="urn:schemas-microsoft-com:office:office" xmlns:v="urn:schemas-microsoft-com:vml" xmlns:pvml="urn:schemas-microsoft-com:office:powerpoint" xmlns:com="http://schemas.openxmlformats.org/drawingml/2006/compatibility" xmlns:p14="http://schemas.microsoft.com/office/powerpoint/2010/main" xmlns:p15="http://schemas.microsoft.com/office/powerpoint/2012/main" autoCompressPictures="0" embedTrueTypeFonts="1" strictFirstAndLastChars="0" saveSubsetFonts="1">
+<p:presentation xmlns:a="http://schemas.openxmlformats.org/drawingml/2006/main" xmlns:r="http://schemas.openxmlformats.org/officeDocument/2006/relationships" xmlns:p="http://schemas.openxmlformats.org/presentationml/2006/main" strictFirstAndLastChars="0" embedTrueTypeFonts="1" saveSubsetFonts="1" autoCompressPictures="0">
   <p:sldMasterIdLst>
-    <p:sldMasterId id="2147483659" r:id="rId4"/>
+    <p:sldMasterId id="2147483659" r:id="rId1"/>
   </p:sldMasterIdLst>
   <p:notesMasterIdLst>
-    <p:notesMasterId r:id="rId5"/>
+    <p:notesMasterId r:id="rId12"/>
   </p:notesMasterIdLst>
   <p:sldIdLst>
-    <p:sldId id="256" r:id="rId6"/>
-    <p:sldId id="257" r:id="rId7"/>
-    <p:sldId id="258" r:id="rId8"/>
-    <p:sldId id="259" r:id="rId9"/>
-    <p:sldId id="260" r:id="rId10"/>
-    <p:sldId id="261" r:id="rId11"/>
-    <p:sldId id="262" r:id="rId12"/>
-    <p:sldId id="263" r:id="rId13"/>
-    <p:sldId id="264" r:id="rId14"/>
-    <p:sldId id="265" r:id="rId15"/>
+    <p:sldId id="256" r:id="rId2"/>
+    <p:sldId id="257" r:id="rId3"/>
+    <p:sldId id="258" r:id="rId4"/>
+    <p:sldId id="259" r:id="rId5"/>
+    <p:sldId id="260" r:id="rId6"/>
+    <p:sldId id="261" r:id="rId7"/>
+    <p:sldId id="262" r:id="rId8"/>
+    <p:sldId id="263" r:id="rId9"/>
+    <p:sldId id="264" r:id="rId10"/>
+    <p:sldId id="265" r:id="rId11"/>
   </p:sldIdLst>
-  <p:sldSz cy="5143500" cx="9144000"/>
+  <p:sldSz cx="9144000" cy="5143500" type="screen16x9"/>
   <p:notesSz cx="6858000" cy="9144000"/>
   <p:embeddedFontLst>
     <p:embeddedFont>
-      <p:font typeface="Montserrat"/>
-      <p:regular r:id="rId16"/>
-      <p:bold r:id="rId17"/>
-      <p:italic r:id="rId18"/>
-      <p:boldItalic r:id="rId19"/>
+      <p:font typeface="Lato" panose="020B0604020202020204" charset="0"/>
+      <p:regular r:id="rId13"/>
+      <p:bold r:id="rId14"/>
+      <p:italic r:id="rId15"/>
+      <p:boldItalic r:id="rId16"/>
     </p:embeddedFont>
     <p:embeddedFont>
-      <p:font typeface="Lato"/>
-      <p:regular r:id="rId20"/>
-      <p:bold r:id="rId21"/>
-      <p:italic r:id="rId22"/>
-      <p:boldItalic r:id="rId23"/>
+      <p:font typeface="Montserrat" panose="020B0604020202020204" charset="0"/>
+      <p:regular r:id="rId17"/>
+      <p:bold r:id="rId18"/>
+      <p:italic r:id="rId19"/>
+      <p:boldItalic r:id="rId20"/>
     </p:embeddedFont>
   </p:embeddedFontLst>
   <p:defaultTextStyle>
-    <a:defPPr lvl="0" marR="0" rtl="0" algn="l">
+    <a:defPPr marR="0" lvl="0" algn="l" rtl="0">
       <a:lnSpc>
         <a:spcPct val="100000"/>
       </a:lnSpc>
@@ -49,7 +49,7 @@
         <a:spcPts val="0"/>
       </a:spcAft>
     </a:defPPr>
-    <a:lvl1pPr lvl="0" marR="0" rtl="0" algn="l">
+    <a:lvl1pPr marR="0" lvl="0" algn="l" rtl="0">
       <a:lnSpc>
         <a:spcPct val="100000"/>
       </a:lnSpc>
@@ -63,7 +63,7 @@
         <a:srgbClr val="000000"/>
       </a:buClr>
       <a:buFont typeface="Arial"/>
-      <a:defRPr b="0" i="0" sz="1400" u="none" cap="none" strike="noStrike">
+      <a:defRPr sz="1400" b="0" i="0" u="none" strike="noStrike" cap="none">
         <a:solidFill>
           <a:srgbClr val="000000"/>
         </a:solidFill>
@@ -73,7 +73,7 @@
         <a:sym typeface="Arial"/>
       </a:defRPr>
     </a:lvl1pPr>
-    <a:lvl2pPr lvl="1" marR="0" rtl="0" algn="l">
+    <a:lvl2pPr marR="0" lvl="1" algn="l" rtl="0">
       <a:lnSpc>
         <a:spcPct val="100000"/>
       </a:lnSpc>
@@ -87,7 +87,7 @@
         <a:srgbClr val="000000"/>
       </a:buClr>
       <a:buFont typeface="Arial"/>
-      <a:defRPr b="0" i="0" sz="1400" u="none" cap="none" strike="noStrike">
+      <a:defRPr sz="1400" b="0" i="0" u="none" strike="noStrike" cap="none">
         <a:solidFill>
           <a:srgbClr val="000000"/>
         </a:solidFill>
@@ -97,7 +97,7 @@
         <a:sym typeface="Arial"/>
       </a:defRPr>
     </a:lvl2pPr>
-    <a:lvl3pPr lvl="2" marR="0" rtl="0" algn="l">
+    <a:lvl3pPr marR="0" lvl="2" algn="l" rtl="0">
       <a:lnSpc>
         <a:spcPct val="100000"/>
       </a:lnSpc>
@@ -111,7 +111,7 @@
         <a:srgbClr val="000000"/>
       </a:buClr>
       <a:buFont typeface="Arial"/>
-      <a:defRPr b="0" i="0" sz="1400" u="none" cap="none" strike="noStrike">
+      <a:defRPr sz="1400" b="0" i="0" u="none" strike="noStrike" cap="none">
         <a:solidFill>
           <a:srgbClr val="000000"/>
         </a:solidFill>
@@ -121,7 +121,7 @@
         <a:sym typeface="Arial"/>
       </a:defRPr>
     </a:lvl3pPr>
-    <a:lvl4pPr lvl="3" marR="0" rtl="0" algn="l">
+    <a:lvl4pPr marR="0" lvl="3" algn="l" rtl="0">
       <a:lnSpc>
         <a:spcPct val="100000"/>
       </a:lnSpc>
@@ -135,7 +135,7 @@
         <a:srgbClr val="000000"/>
       </a:buClr>
       <a:buFont typeface="Arial"/>
-      <a:defRPr b="0" i="0" sz="1400" u="none" cap="none" strike="noStrike">
+      <a:defRPr sz="1400" b="0" i="0" u="none" strike="noStrike" cap="none">
         <a:solidFill>
           <a:srgbClr val="000000"/>
         </a:solidFill>
@@ -145,7 +145,7 @@
         <a:sym typeface="Arial"/>
       </a:defRPr>
     </a:lvl4pPr>
-    <a:lvl5pPr lvl="4" marR="0" rtl="0" algn="l">
+    <a:lvl5pPr marR="0" lvl="4" algn="l" rtl="0">
       <a:lnSpc>
         <a:spcPct val="100000"/>
       </a:lnSpc>
@@ -159,7 +159,7 @@
         <a:srgbClr val="000000"/>
       </a:buClr>
       <a:buFont typeface="Arial"/>
-      <a:defRPr b="0" i="0" sz="1400" u="none" cap="none" strike="noStrike">
+      <a:defRPr sz="1400" b="0" i="0" u="none" strike="noStrike" cap="none">
         <a:solidFill>
           <a:srgbClr val="000000"/>
         </a:solidFill>
@@ -169,7 +169,7 @@
         <a:sym typeface="Arial"/>
       </a:defRPr>
     </a:lvl5pPr>
-    <a:lvl6pPr lvl="5" marR="0" rtl="0" algn="l">
+    <a:lvl6pPr marR="0" lvl="5" algn="l" rtl="0">
       <a:lnSpc>
         <a:spcPct val="100000"/>
       </a:lnSpc>
@@ -183,7 +183,7 @@
         <a:srgbClr val="000000"/>
       </a:buClr>
       <a:buFont typeface="Arial"/>
-      <a:defRPr b="0" i="0" sz="1400" u="none" cap="none" strike="noStrike">
+      <a:defRPr sz="1400" b="0" i="0" u="none" strike="noStrike" cap="none">
         <a:solidFill>
           <a:srgbClr val="000000"/>
         </a:solidFill>
@@ -193,7 +193,7 @@
         <a:sym typeface="Arial"/>
       </a:defRPr>
     </a:lvl6pPr>
-    <a:lvl7pPr lvl="6" marR="0" rtl="0" algn="l">
+    <a:lvl7pPr marR="0" lvl="6" algn="l" rtl="0">
       <a:lnSpc>
         <a:spcPct val="100000"/>
       </a:lnSpc>
@@ -207,7 +207,7 @@
         <a:srgbClr val="000000"/>
       </a:buClr>
       <a:buFont typeface="Arial"/>
-      <a:defRPr b="0" i="0" sz="1400" u="none" cap="none" strike="noStrike">
+      <a:defRPr sz="1400" b="0" i="0" u="none" strike="noStrike" cap="none">
         <a:solidFill>
           <a:srgbClr val="000000"/>
         </a:solidFill>
@@ -217,7 +217,7 @@
         <a:sym typeface="Arial"/>
       </a:defRPr>
     </a:lvl7pPr>
-    <a:lvl8pPr lvl="7" marR="0" rtl="0" algn="l">
+    <a:lvl8pPr marR="0" lvl="7" algn="l" rtl="0">
       <a:lnSpc>
         <a:spcPct val="100000"/>
       </a:lnSpc>
@@ -231,7 +231,7 @@
         <a:srgbClr val="000000"/>
       </a:buClr>
       <a:buFont typeface="Arial"/>
-      <a:defRPr b="0" i="0" sz="1400" u="none" cap="none" strike="noStrike">
+      <a:defRPr sz="1400" b="0" i="0" u="none" strike="noStrike" cap="none">
         <a:solidFill>
           <a:srgbClr val="000000"/>
         </a:solidFill>
@@ -241,7 +241,7 @@
         <a:sym typeface="Arial"/>
       </a:defRPr>
     </a:lvl8pPr>
-    <a:lvl9pPr lvl="8" marR="0" rtl="0" algn="l">
+    <a:lvl9pPr marR="0" lvl="8" algn="l" rtl="0">
       <a:lnSpc>
         <a:spcPct val="100000"/>
       </a:lnSpc>
@@ -255,7 +255,7 @@
         <a:srgbClr val="000000"/>
       </a:buClr>
       <a:buFont typeface="Arial"/>
-      <a:defRPr b="0" i="0" sz="1400" u="none" cap="none" strike="noStrike">
+      <a:defRPr sz="1400" b="0" i="0" u="none" strike="noStrike" cap="none">
         <a:solidFill>
           <a:srgbClr val="000000"/>
         </a:solidFill>
@@ -268,7 +268,7 @@
   </p:defaultTextStyle>
   <p:extLst>
     <p:ext uri="{EFAFB233-063F-42B5-8137-9DF3F51BA10A}">
-      <p15:sldGuideLst>
+      <p15:sldGuideLst xmlns:p15="http://schemas.microsoft.com/office/powerpoint/2012/main">
         <p15:guide id="1" orient="horz" pos="1620">
           <p15:clr>
             <a:srgbClr val="A4A3A4"/>
@@ -286,11 +286,16 @@
 </file>
 
 <file path=ppt/notesMasters/notesMaster1.xml><?xml version="1.0" encoding="utf-8"?>
-<p:notesMaster xmlns:a="http://schemas.openxmlformats.org/drawingml/2006/main" xmlns:r="http://schemas.openxmlformats.org/officeDocument/2006/relationships" xmlns:mc="http://schemas.openxmlformats.org/markup-compatibility/2006" xmlns:mv="urn:schemas-microsoft-com:mac:vml" xmlns:p="http://schemas.openxmlformats.org/presentationml/2006/main" xmlns:c="http://schemas.openxmlformats.org/drawingml/2006/chart" xmlns:dgm="http://schemas.openxmlformats.org/drawingml/2006/diagram" xmlns:o="urn:schemas-microsoft-com:office:office" xmlns:v="urn:schemas-microsoft-com:vml" xmlns:pvml="urn:schemas-microsoft-com:office:powerpoint" xmlns:com="http://schemas.openxmlformats.org/drawingml/2006/compatibility" xmlns:p14="http://schemas.microsoft.com/office/powerpoint/2010/main" xmlns:p15="http://schemas.microsoft.com/office/powerpoint/2012/main">
+<p:notesMaster xmlns:a="http://schemas.openxmlformats.org/drawingml/2006/main" xmlns:r="http://schemas.openxmlformats.org/officeDocument/2006/relationships" xmlns:p="http://schemas.openxmlformats.org/presentationml/2006/main">
   <p:cSld>
+    <p:bg>
+      <p:bgRef idx="1001">
+        <a:schemeClr val="bg1"/>
+      </p:bgRef>
+    </p:bg>
     <p:spTree>
       <p:nvGrpSpPr>
-        <p:cNvPr id="2" name="Shape 2"/>
+        <p:cNvPr id="1" name="Shape 2"/>
         <p:cNvGrpSpPr/>
         <p:nvPr/>
       </p:nvGrpSpPr>
@@ -305,9 +310,11 @@
       <p:sp>
         <p:nvSpPr>
           <p:cNvPr id="3" name="Google Shape;3;n"/>
-          <p:cNvSpPr/>
+          <p:cNvSpPr>
+            <a:spLocks noGrp="1" noRot="1" noChangeAspect="1"/>
+          </p:cNvSpPr>
           <p:nvPr>
-            <p:ph idx="2" type="sldImg"/>
+            <p:ph type="sldImg" idx="2"/>
           </p:nvPr>
         </p:nvSpPr>
         <p:spPr>
@@ -316,9 +323,13 @@
             <a:ext cx="6096075" cy="3429000"/>
           </a:xfrm>
           <a:custGeom>
-            <a:rect b="b" l="l" r="r" t="t"/>
+            <a:avLst/>
+            <a:gdLst/>
+            <a:ahLst/>
+            <a:cxnLst/>
+            <a:rect l="l" t="t" r="r" b="b"/>
             <a:pathLst>
-              <a:path extrusionOk="0" h="120000" w="120000">
+              <a:path w="120000" h="120000" extrusionOk="0">
                 <a:moveTo>
                   <a:pt x="0" y="0"/>
                 </a:moveTo>
@@ -336,23 +347,25 @@
             </a:pathLst>
           </a:custGeom>
           <a:noFill/>
-          <a:ln cap="flat" cmpd="sng" w="9525">
+          <a:ln w="9525" cap="flat" cmpd="sng">
             <a:solidFill>
               <a:srgbClr val="000000"/>
             </a:solidFill>
             <a:prstDash val="solid"/>
             <a:round/>
-            <a:headEnd len="sm" w="sm" type="none"/>
-            <a:tailEnd len="sm" w="sm" type="none"/>
+            <a:headEnd type="none" w="sm" len="sm"/>
+            <a:tailEnd type="none" w="sm" len="sm"/>
           </a:ln>
         </p:spPr>
       </p:sp>
       <p:sp>
         <p:nvSpPr>
           <p:cNvPr id="4" name="Google Shape;4;n"/>
-          <p:cNvSpPr txBox="1"/>
+          <p:cNvSpPr txBox="1">
+            <a:spLocks noGrp="1"/>
+          </p:cNvSpPr>
           <p:nvPr>
-            <p:ph idx="1" type="body"/>
+            <p:ph type="body" idx="1"/>
           </p:nvPr>
         </p:nvSpPr>
         <p:spPr>
@@ -369,11 +382,11 @@
           </a:ln>
         </p:spPr>
         <p:txBody>
-          <a:bodyPr anchorCtr="0" anchor="t" bIns="91425" lIns="91425" spcFirstLastPara="1" rIns="91425" wrap="square" tIns="91425">
+          <a:bodyPr spcFirstLastPara="1" wrap="square" lIns="91425" tIns="91425" rIns="91425" bIns="91425" anchor="t" anchorCtr="0">
             <a:noAutofit/>
           </a:bodyPr>
           <a:lstStyle>
-            <a:lvl1pPr indent="-298450" lvl="0" marL="457200">
+            <a:lvl1pPr marL="457200" lvl="0" indent="-298450">
               <a:spcBef>
                 <a:spcPts val="0"/>
               </a:spcBef>
@@ -384,7 +397,7 @@
               <a:buChar char="●"/>
               <a:defRPr sz="1100"/>
             </a:lvl1pPr>
-            <a:lvl2pPr indent="-298450" lvl="1" marL="914400">
+            <a:lvl2pPr marL="914400" lvl="1" indent="-298450">
               <a:spcBef>
                 <a:spcPts val="0"/>
               </a:spcBef>
@@ -395,7 +408,7 @@
               <a:buChar char="○"/>
               <a:defRPr sz="1100"/>
             </a:lvl2pPr>
-            <a:lvl3pPr indent="-298450" lvl="2" marL="1371600">
+            <a:lvl3pPr marL="1371600" lvl="2" indent="-298450">
               <a:spcBef>
                 <a:spcPts val="0"/>
               </a:spcBef>
@@ -406,7 +419,7 @@
               <a:buChar char="■"/>
               <a:defRPr sz="1100"/>
             </a:lvl3pPr>
-            <a:lvl4pPr indent="-298450" lvl="3" marL="1828800">
+            <a:lvl4pPr marL="1828800" lvl="3" indent="-298450">
               <a:spcBef>
                 <a:spcPts val="0"/>
               </a:spcBef>
@@ -417,7 +430,7 @@
               <a:buChar char="●"/>
               <a:defRPr sz="1100"/>
             </a:lvl4pPr>
-            <a:lvl5pPr indent="-298450" lvl="4" marL="2286000">
+            <a:lvl5pPr marL="2286000" lvl="4" indent="-298450">
               <a:spcBef>
                 <a:spcPts val="0"/>
               </a:spcBef>
@@ -428,7 +441,7 @@
               <a:buChar char="○"/>
               <a:defRPr sz="1100"/>
             </a:lvl5pPr>
-            <a:lvl6pPr indent="-298450" lvl="5" marL="2743200">
+            <a:lvl6pPr marL="2743200" lvl="5" indent="-298450">
               <a:spcBef>
                 <a:spcPts val="0"/>
               </a:spcBef>
@@ -439,7 +452,7 @@
               <a:buChar char="■"/>
               <a:defRPr sz="1100"/>
             </a:lvl6pPr>
-            <a:lvl7pPr indent="-298450" lvl="6" marL="3200400">
+            <a:lvl7pPr marL="3200400" lvl="6" indent="-298450">
               <a:spcBef>
                 <a:spcPts val="0"/>
               </a:spcBef>
@@ -450,7 +463,7 @@
               <a:buChar char="●"/>
               <a:defRPr sz="1100"/>
             </a:lvl7pPr>
-            <a:lvl8pPr indent="-298450" lvl="7" marL="3657600">
+            <a:lvl8pPr marL="3657600" lvl="7" indent="-298450">
               <a:spcBef>
                 <a:spcPts val="0"/>
               </a:spcBef>
@@ -461,7 +474,7 @@
               <a:buChar char="○"/>
               <a:defRPr sz="1100"/>
             </a:lvl8pPr>
-            <a:lvl9pPr indent="-298450" lvl="8" marL="4114800">
+            <a:lvl9pPr marL="4114800" lvl="8" indent="-298450">
               <a:spcBef>
                 <a:spcPts val="0"/>
               </a:spcBef>
@@ -473,14 +486,16 @@
               <a:defRPr sz="1100"/>
             </a:lvl9pPr>
           </a:lstStyle>
-          <a:p/>
+          <a:p>
+            <a:endParaRPr/>
+          </a:p>
         </p:txBody>
       </p:sp>
     </p:spTree>
   </p:cSld>
-  <p:clrMap accent1="accent1" accent2="accent2" accent3="accent3" accent4="accent4" accent5="accent5" accent6="accent6" bg1="lt1" bg2="dk2" tx1="dk1" tx2="lt2" folHlink="folHlink" hlink="hlink"/>
+  <p:clrMap bg1="lt1" tx1="dk1" bg2="dk2" tx2="lt2" accent1="accent1" accent2="accent2" accent3="accent3" accent4="accent4" accent5="accent5" accent6="accent6" hlink="hlink" folHlink="folHlink"/>
   <p:notesStyle>
-    <a:defPPr lvl="0" marR="0" rtl="0" algn="l">
+    <a:defPPr marR="0" lvl="0" algn="l" rtl="0">
       <a:lnSpc>
         <a:spcPct val="100000"/>
       </a:lnSpc>
@@ -491,7 +506,7 @@
         <a:spcPts val="0"/>
       </a:spcAft>
     </a:defPPr>
-    <a:lvl1pPr lvl="0" marR="0" rtl="0" algn="l">
+    <a:lvl1pPr marR="0" lvl="0" algn="l" rtl="0">
       <a:lnSpc>
         <a:spcPct val="100000"/>
       </a:lnSpc>
@@ -505,7 +520,7 @@
         <a:srgbClr val="000000"/>
       </a:buClr>
       <a:buFont typeface="Arial"/>
-      <a:defRPr b="0" i="0" sz="1400" u="none" cap="none" strike="noStrike">
+      <a:defRPr sz="1400" b="0" i="0" u="none" strike="noStrike" cap="none">
         <a:solidFill>
           <a:srgbClr val="000000"/>
         </a:solidFill>
@@ -515,7 +530,7 @@
         <a:sym typeface="Arial"/>
       </a:defRPr>
     </a:lvl1pPr>
-    <a:lvl2pPr lvl="1" marR="0" rtl="0" algn="l">
+    <a:lvl2pPr marR="0" lvl="1" algn="l" rtl="0">
       <a:lnSpc>
         <a:spcPct val="100000"/>
       </a:lnSpc>
@@ -529,7 +544,7 @@
         <a:srgbClr val="000000"/>
       </a:buClr>
       <a:buFont typeface="Arial"/>
-      <a:defRPr b="0" i="0" sz="1400" u="none" cap="none" strike="noStrike">
+      <a:defRPr sz="1400" b="0" i="0" u="none" strike="noStrike" cap="none">
         <a:solidFill>
           <a:srgbClr val="000000"/>
         </a:solidFill>
@@ -539,7 +554,7 @@
         <a:sym typeface="Arial"/>
       </a:defRPr>
     </a:lvl2pPr>
-    <a:lvl3pPr lvl="2" marR="0" rtl="0" algn="l">
+    <a:lvl3pPr marR="0" lvl="2" algn="l" rtl="0">
       <a:lnSpc>
         <a:spcPct val="100000"/>
       </a:lnSpc>
@@ -553,7 +568,7 @@
         <a:srgbClr val="000000"/>
       </a:buClr>
       <a:buFont typeface="Arial"/>
-      <a:defRPr b="0" i="0" sz="1400" u="none" cap="none" strike="noStrike">
+      <a:defRPr sz="1400" b="0" i="0" u="none" strike="noStrike" cap="none">
         <a:solidFill>
           <a:srgbClr val="000000"/>
         </a:solidFill>
@@ -563,7 +578,7 @@
         <a:sym typeface="Arial"/>
       </a:defRPr>
     </a:lvl3pPr>
-    <a:lvl4pPr lvl="3" marR="0" rtl="0" algn="l">
+    <a:lvl4pPr marR="0" lvl="3" algn="l" rtl="0">
       <a:lnSpc>
         <a:spcPct val="100000"/>
       </a:lnSpc>
@@ -577,7 +592,7 @@
         <a:srgbClr val="000000"/>
       </a:buClr>
       <a:buFont typeface="Arial"/>
-      <a:defRPr b="0" i="0" sz="1400" u="none" cap="none" strike="noStrike">
+      <a:defRPr sz="1400" b="0" i="0" u="none" strike="noStrike" cap="none">
         <a:solidFill>
           <a:srgbClr val="000000"/>
         </a:solidFill>
@@ -587,7 +602,7 @@
         <a:sym typeface="Arial"/>
       </a:defRPr>
     </a:lvl4pPr>
-    <a:lvl5pPr lvl="4" marR="0" rtl="0" algn="l">
+    <a:lvl5pPr marR="0" lvl="4" algn="l" rtl="0">
       <a:lnSpc>
         <a:spcPct val="100000"/>
       </a:lnSpc>
@@ -601,7 +616,7 @@
         <a:srgbClr val="000000"/>
       </a:buClr>
       <a:buFont typeface="Arial"/>
-      <a:defRPr b="0" i="0" sz="1400" u="none" cap="none" strike="noStrike">
+      <a:defRPr sz="1400" b="0" i="0" u="none" strike="noStrike" cap="none">
         <a:solidFill>
           <a:srgbClr val="000000"/>
         </a:solidFill>
@@ -611,7 +626,7 @@
         <a:sym typeface="Arial"/>
       </a:defRPr>
     </a:lvl5pPr>
-    <a:lvl6pPr lvl="5" marR="0" rtl="0" algn="l">
+    <a:lvl6pPr marR="0" lvl="5" algn="l" rtl="0">
       <a:lnSpc>
         <a:spcPct val="100000"/>
       </a:lnSpc>
@@ -625,7 +640,7 @@
         <a:srgbClr val="000000"/>
       </a:buClr>
       <a:buFont typeface="Arial"/>
-      <a:defRPr b="0" i="0" sz="1400" u="none" cap="none" strike="noStrike">
+      <a:defRPr sz="1400" b="0" i="0" u="none" strike="noStrike" cap="none">
         <a:solidFill>
           <a:srgbClr val="000000"/>
         </a:solidFill>
@@ -635,7 +650,7 @@
         <a:sym typeface="Arial"/>
       </a:defRPr>
     </a:lvl6pPr>
-    <a:lvl7pPr lvl="6" marR="0" rtl="0" algn="l">
+    <a:lvl7pPr marR="0" lvl="6" algn="l" rtl="0">
       <a:lnSpc>
         <a:spcPct val="100000"/>
       </a:lnSpc>
@@ -649,7 +664,7 @@
         <a:srgbClr val="000000"/>
       </a:buClr>
       <a:buFont typeface="Arial"/>
-      <a:defRPr b="0" i="0" sz="1400" u="none" cap="none" strike="noStrike">
+      <a:defRPr sz="1400" b="0" i="0" u="none" strike="noStrike" cap="none">
         <a:solidFill>
           <a:srgbClr val="000000"/>
         </a:solidFill>
@@ -659,7 +674,7 @@
         <a:sym typeface="Arial"/>
       </a:defRPr>
     </a:lvl7pPr>
-    <a:lvl8pPr lvl="7" marR="0" rtl="0" algn="l">
+    <a:lvl8pPr marR="0" lvl="7" algn="l" rtl="0">
       <a:lnSpc>
         <a:spcPct val="100000"/>
       </a:lnSpc>
@@ -673,7 +688,7 @@
         <a:srgbClr val="000000"/>
       </a:buClr>
       <a:buFont typeface="Arial"/>
-      <a:defRPr b="0" i="0" sz="1400" u="none" cap="none" strike="noStrike">
+      <a:defRPr sz="1400" b="0" i="0" u="none" strike="noStrike" cap="none">
         <a:solidFill>
           <a:srgbClr val="000000"/>
         </a:solidFill>
@@ -683,7 +698,7 @@
         <a:sym typeface="Arial"/>
       </a:defRPr>
     </a:lvl8pPr>
-    <a:lvl9pPr lvl="8" marR="0" rtl="0" algn="l">
+    <a:lvl9pPr marR="0" lvl="8" algn="l" rtl="0">
       <a:lnSpc>
         <a:spcPct val="100000"/>
       </a:lnSpc>
@@ -697,7 +712,7 @@
         <a:srgbClr val="000000"/>
       </a:buClr>
       <a:buFont typeface="Arial"/>
-      <a:defRPr b="0" i="0" sz="1400" u="none" cap="none" strike="noStrike">
+      <a:defRPr sz="1400" b="0" i="0" u="none" strike="noStrike" cap="none">
         <a:solidFill>
           <a:srgbClr val="000000"/>
         </a:solidFill>
@@ -712,11 +727,11 @@
 </file>
 
 <file path=ppt/notesSlides/notesSlide1.xml><?xml version="1.0" encoding="utf-8"?>
-<p:notes xmlns:a="http://schemas.openxmlformats.org/drawingml/2006/main" xmlns:r="http://schemas.openxmlformats.org/officeDocument/2006/relationships" xmlns:mc="http://schemas.openxmlformats.org/markup-compatibility/2006" xmlns:mv="urn:schemas-microsoft-com:mac:vml" xmlns:p="http://schemas.openxmlformats.org/presentationml/2006/main" xmlns:c="http://schemas.openxmlformats.org/drawingml/2006/chart" xmlns:dgm="http://schemas.openxmlformats.org/drawingml/2006/diagram" xmlns:o="urn:schemas-microsoft-com:office:office" xmlns:v="urn:schemas-microsoft-com:vml" xmlns:pvml="urn:schemas-microsoft-com:office:powerpoint" xmlns:com="http://schemas.openxmlformats.org/drawingml/2006/compatibility" xmlns:p14="http://schemas.microsoft.com/office/powerpoint/2010/main" xmlns:p15="http://schemas.microsoft.com/office/powerpoint/2012/main" showMasterPhAnim="0" showMasterSp="0">
+<p:notes xmlns:a="http://schemas.openxmlformats.org/drawingml/2006/main" xmlns:r="http://schemas.openxmlformats.org/officeDocument/2006/relationships" xmlns:p="http://schemas.openxmlformats.org/presentationml/2006/main" showMasterSp="0" showMasterPhAnim="0">
   <p:cSld>
     <p:spTree>
       <p:nvGrpSpPr>
-        <p:cNvPr id="130" name="Shape 130"/>
+        <p:cNvPr id="1" name="Shape 130"/>
         <p:cNvGrpSpPr/>
         <p:nvPr/>
       </p:nvGrpSpPr>
@@ -731,20 +746,26 @@
       <p:sp>
         <p:nvSpPr>
           <p:cNvPr id="131" name="Google Shape;131;p:notes"/>
-          <p:cNvSpPr/>
+          <p:cNvSpPr>
+            <a:spLocks noGrp="1" noRot="1" noChangeAspect="1"/>
+          </p:cNvSpPr>
           <p:nvPr>
-            <p:ph idx="2" type="sldImg"/>
+            <p:ph type="sldImg" idx="2"/>
           </p:nvPr>
         </p:nvSpPr>
         <p:spPr>
           <a:xfrm>
-            <a:off x="381300" y="685800"/>
-            <a:ext cx="6096075" cy="3429000"/>
+            <a:off x="381000" y="685800"/>
+            <a:ext cx="6096000" cy="3429000"/>
           </a:xfrm>
           <a:custGeom>
-            <a:rect b="b" l="l" r="r" t="t"/>
+            <a:avLst/>
+            <a:gdLst/>
+            <a:ahLst/>
+            <a:cxnLst/>
+            <a:rect l="l" t="t" r="r" b="b"/>
             <a:pathLst>
-              <a:path extrusionOk="0" h="120000" w="120000">
+              <a:path w="120000" h="120000" extrusionOk="0">
                 <a:moveTo>
                   <a:pt x="0" y="0"/>
                 </a:moveTo>
@@ -766,9 +787,11 @@
       <p:sp>
         <p:nvSpPr>
           <p:cNvPr id="132" name="Google Shape;132;p:notes"/>
-          <p:cNvSpPr txBox="1"/>
+          <p:cNvSpPr txBox="1">
+            <a:spLocks noGrp="1"/>
+          </p:cNvSpPr>
           <p:nvPr>
-            <p:ph idx="1" type="body"/>
+            <p:ph type="body" idx="1"/>
           </p:nvPr>
         </p:nvSpPr>
         <p:spPr>
@@ -781,12 +804,12 @@
           </a:prstGeom>
         </p:spPr>
         <p:txBody>
-          <a:bodyPr anchorCtr="0" anchor="t" bIns="91425" lIns="91425" spcFirstLastPara="1" rIns="91425" wrap="square" tIns="91425">
+          <a:bodyPr spcFirstLastPara="1" wrap="square" lIns="91425" tIns="91425" rIns="91425" bIns="91425" anchor="t" anchorCtr="0">
             <a:noAutofit/>
           </a:bodyPr>
           <a:lstStyle/>
           <a:p>
-            <a:pPr indent="0" lvl="0" marL="0" rtl="0" algn="l">
+            <a:pPr marL="0" lvl="0" indent="0" algn="l" rtl="0">
               <a:spcBef>
                 <a:spcPts val="0"/>
               </a:spcBef>
@@ -795,9 +818,6 @@
               </a:spcAft>
               <a:buNone/>
             </a:pPr>
-            <a:r>
-              <a:t/>
-            </a:r>
             <a:endParaRPr/>
           </a:p>
         </p:txBody>
@@ -811,11 +831,11 @@
 </file>
 
 <file path=ppt/notesSlides/notesSlide10.xml><?xml version="1.0" encoding="utf-8"?>
-<p:notes xmlns:a="http://schemas.openxmlformats.org/drawingml/2006/main" xmlns:r="http://schemas.openxmlformats.org/officeDocument/2006/relationships" xmlns:mc="http://schemas.openxmlformats.org/markup-compatibility/2006" xmlns:mv="urn:schemas-microsoft-com:mac:vml" xmlns:p="http://schemas.openxmlformats.org/presentationml/2006/main" xmlns:c="http://schemas.openxmlformats.org/drawingml/2006/chart" xmlns:dgm="http://schemas.openxmlformats.org/drawingml/2006/diagram" xmlns:o="urn:schemas-microsoft-com:office:office" xmlns:v="urn:schemas-microsoft-com:vml" xmlns:pvml="urn:schemas-microsoft-com:office:powerpoint" xmlns:com="http://schemas.openxmlformats.org/drawingml/2006/compatibility" xmlns:p14="http://schemas.microsoft.com/office/powerpoint/2010/main" xmlns:p15="http://schemas.microsoft.com/office/powerpoint/2012/main" showMasterPhAnim="0" showMasterSp="0">
+<p:notes xmlns:a="http://schemas.openxmlformats.org/drawingml/2006/main" xmlns:r="http://schemas.openxmlformats.org/officeDocument/2006/relationships" xmlns:p="http://schemas.openxmlformats.org/presentationml/2006/main" showMasterSp="0" showMasterPhAnim="0">
   <p:cSld>
     <p:spTree>
       <p:nvGrpSpPr>
-        <p:cNvPr id="209" name="Shape 209"/>
+        <p:cNvPr id="1" name="Shape 209"/>
         <p:cNvGrpSpPr/>
         <p:nvPr/>
       </p:nvGrpSpPr>
@@ -830,9 +850,11 @@
       <p:sp>
         <p:nvSpPr>
           <p:cNvPr id="210" name="Google Shape;210;g7236f94fca_0_433:notes"/>
-          <p:cNvSpPr/>
+          <p:cNvSpPr>
+            <a:spLocks noGrp="1" noRot="1" noChangeAspect="1"/>
+          </p:cNvSpPr>
           <p:nvPr>
-            <p:ph idx="2" type="sldImg"/>
+            <p:ph type="sldImg" idx="2"/>
           </p:nvPr>
         </p:nvSpPr>
         <p:spPr>
@@ -841,9 +863,13 @@
             <a:ext cx="6096000" cy="3429000"/>
           </a:xfrm>
           <a:custGeom>
-            <a:rect b="b" l="l" r="r" t="t"/>
+            <a:avLst/>
+            <a:gdLst/>
+            <a:ahLst/>
+            <a:cxnLst/>
+            <a:rect l="l" t="t" r="r" b="b"/>
             <a:pathLst>
-              <a:path extrusionOk="0" h="120000" w="120000">
+              <a:path w="120000" h="120000" extrusionOk="0">
                 <a:moveTo>
                   <a:pt x="0" y="0"/>
                 </a:moveTo>
@@ -865,9 +891,11 @@
       <p:sp>
         <p:nvSpPr>
           <p:cNvPr id="211" name="Google Shape;211;g7236f94fca_0_433:notes"/>
-          <p:cNvSpPr txBox="1"/>
+          <p:cNvSpPr txBox="1">
+            <a:spLocks noGrp="1"/>
+          </p:cNvSpPr>
           <p:nvPr>
-            <p:ph idx="1" type="body"/>
+            <p:ph type="body" idx="1"/>
           </p:nvPr>
         </p:nvSpPr>
         <p:spPr>
@@ -880,12 +908,12 @@
           </a:prstGeom>
         </p:spPr>
         <p:txBody>
-          <a:bodyPr anchorCtr="0" anchor="t" bIns="91425" lIns="91425" spcFirstLastPara="1" rIns="91425" wrap="square" tIns="91425">
+          <a:bodyPr spcFirstLastPara="1" wrap="square" lIns="91425" tIns="91425" rIns="91425" bIns="91425" anchor="t" anchorCtr="0">
             <a:noAutofit/>
           </a:bodyPr>
           <a:lstStyle/>
           <a:p>
-            <a:pPr indent="0" lvl="0" marL="0" rtl="0" algn="l">
+            <a:pPr marL="0" lvl="0" indent="0" algn="l" rtl="0">
               <a:spcBef>
                 <a:spcPts val="0"/>
               </a:spcBef>
@@ -894,9 +922,6 @@
               </a:spcAft>
               <a:buNone/>
             </a:pPr>
-            <a:r>
-              <a:t/>
-            </a:r>
             <a:endParaRPr/>
           </a:p>
         </p:txBody>
@@ -910,11 +935,11 @@
 </file>
 
 <file path=ppt/notesSlides/notesSlide2.xml><?xml version="1.0" encoding="utf-8"?>
-<p:notes xmlns:a="http://schemas.openxmlformats.org/drawingml/2006/main" xmlns:r="http://schemas.openxmlformats.org/officeDocument/2006/relationships" xmlns:mc="http://schemas.openxmlformats.org/markup-compatibility/2006" xmlns:mv="urn:schemas-microsoft-com:mac:vml" xmlns:p="http://schemas.openxmlformats.org/presentationml/2006/main" xmlns:c="http://schemas.openxmlformats.org/drawingml/2006/chart" xmlns:dgm="http://schemas.openxmlformats.org/drawingml/2006/diagram" xmlns:o="urn:schemas-microsoft-com:office:office" xmlns:v="urn:schemas-microsoft-com:vml" xmlns:pvml="urn:schemas-microsoft-com:office:powerpoint" xmlns:com="http://schemas.openxmlformats.org/drawingml/2006/compatibility" xmlns:p14="http://schemas.microsoft.com/office/powerpoint/2010/main" xmlns:p15="http://schemas.microsoft.com/office/powerpoint/2012/main" showMasterPhAnim="0" showMasterSp="0">
+<p:notes xmlns:a="http://schemas.openxmlformats.org/drawingml/2006/main" xmlns:r="http://schemas.openxmlformats.org/officeDocument/2006/relationships" xmlns:p="http://schemas.openxmlformats.org/presentationml/2006/main" showMasterSp="0" showMasterPhAnim="0">
   <p:cSld>
     <p:spTree>
       <p:nvGrpSpPr>
-        <p:cNvPr id="137" name="Shape 137"/>
+        <p:cNvPr id="1" name="Shape 137"/>
         <p:cNvGrpSpPr/>
         <p:nvPr/>
       </p:nvGrpSpPr>
@@ -929,9 +954,11 @@
       <p:sp>
         <p:nvSpPr>
           <p:cNvPr id="138" name="Google Shape;138;g7236f94fca_0_465:notes"/>
-          <p:cNvSpPr/>
+          <p:cNvSpPr>
+            <a:spLocks noGrp="1" noRot="1" noChangeAspect="1"/>
+          </p:cNvSpPr>
           <p:nvPr>
-            <p:ph idx="2" type="sldImg"/>
+            <p:ph type="sldImg" idx="2"/>
           </p:nvPr>
         </p:nvSpPr>
         <p:spPr>
@@ -940,9 +967,13 @@
             <a:ext cx="6096000" cy="3429000"/>
           </a:xfrm>
           <a:custGeom>
-            <a:rect b="b" l="l" r="r" t="t"/>
+            <a:avLst/>
+            <a:gdLst/>
+            <a:ahLst/>
+            <a:cxnLst/>
+            <a:rect l="l" t="t" r="r" b="b"/>
             <a:pathLst>
-              <a:path extrusionOk="0" h="120000" w="120000">
+              <a:path w="120000" h="120000" extrusionOk="0">
                 <a:moveTo>
                   <a:pt x="0" y="0"/>
                 </a:moveTo>
@@ -964,9 +995,11 @@
       <p:sp>
         <p:nvSpPr>
           <p:cNvPr id="139" name="Google Shape;139;g7236f94fca_0_465:notes"/>
-          <p:cNvSpPr txBox="1"/>
+          <p:cNvSpPr txBox="1">
+            <a:spLocks noGrp="1"/>
+          </p:cNvSpPr>
           <p:nvPr>
-            <p:ph idx="1" type="body"/>
+            <p:ph type="body" idx="1"/>
           </p:nvPr>
         </p:nvSpPr>
         <p:spPr>
@@ -979,12 +1012,12 @@
           </a:prstGeom>
         </p:spPr>
         <p:txBody>
-          <a:bodyPr anchorCtr="0" anchor="t" bIns="91425" lIns="91425" spcFirstLastPara="1" rIns="91425" wrap="square" tIns="91425">
+          <a:bodyPr spcFirstLastPara="1" wrap="square" lIns="91425" tIns="91425" rIns="91425" bIns="91425" anchor="t" anchorCtr="0">
             <a:noAutofit/>
           </a:bodyPr>
           <a:lstStyle/>
           <a:p>
-            <a:pPr indent="0" lvl="0" marL="0" rtl="0" algn="l">
+            <a:pPr marL="0" lvl="0" indent="0" algn="l" rtl="0">
               <a:spcBef>
                 <a:spcPts val="0"/>
               </a:spcBef>
@@ -993,9 +1026,6 @@
               </a:spcAft>
               <a:buNone/>
             </a:pPr>
-            <a:r>
-              <a:t/>
-            </a:r>
             <a:endParaRPr/>
           </a:p>
         </p:txBody>
@@ -1009,11 +1039,11 @@
 </file>
 
 <file path=ppt/notesSlides/notesSlide3.xml><?xml version="1.0" encoding="utf-8"?>
-<p:notes xmlns:a="http://schemas.openxmlformats.org/drawingml/2006/main" xmlns:r="http://schemas.openxmlformats.org/officeDocument/2006/relationships" xmlns:mc="http://schemas.openxmlformats.org/markup-compatibility/2006" xmlns:mv="urn:schemas-microsoft-com:mac:vml" xmlns:p="http://schemas.openxmlformats.org/presentationml/2006/main" xmlns:c="http://schemas.openxmlformats.org/drawingml/2006/chart" xmlns:dgm="http://schemas.openxmlformats.org/drawingml/2006/diagram" xmlns:o="urn:schemas-microsoft-com:office:office" xmlns:v="urn:schemas-microsoft-com:vml" xmlns:pvml="urn:schemas-microsoft-com:office:powerpoint" xmlns:com="http://schemas.openxmlformats.org/drawingml/2006/compatibility" xmlns:p14="http://schemas.microsoft.com/office/powerpoint/2010/main" xmlns:p15="http://schemas.microsoft.com/office/powerpoint/2012/main" showMasterPhAnim="0" showMasterSp="0">
+<p:notes xmlns:a="http://schemas.openxmlformats.org/drawingml/2006/main" xmlns:r="http://schemas.openxmlformats.org/officeDocument/2006/relationships" xmlns:p="http://schemas.openxmlformats.org/presentationml/2006/main" showMasterSp="0" showMasterPhAnim="0">
   <p:cSld>
     <p:spTree>
       <p:nvGrpSpPr>
-        <p:cNvPr id="147" name="Shape 147"/>
+        <p:cNvPr id="1" name="Shape 147"/>
         <p:cNvGrpSpPr/>
         <p:nvPr/>
       </p:nvGrpSpPr>
@@ -1028,9 +1058,11 @@
       <p:sp>
         <p:nvSpPr>
           <p:cNvPr id="148" name="Google Shape;148;g7236f94fca_0_443:notes"/>
-          <p:cNvSpPr/>
+          <p:cNvSpPr>
+            <a:spLocks noGrp="1" noRot="1" noChangeAspect="1"/>
+          </p:cNvSpPr>
           <p:nvPr>
-            <p:ph idx="2" type="sldImg"/>
+            <p:ph type="sldImg" idx="2"/>
           </p:nvPr>
         </p:nvSpPr>
         <p:spPr>
@@ -1039,9 +1071,13 @@
             <a:ext cx="6096000" cy="3429000"/>
           </a:xfrm>
           <a:custGeom>
-            <a:rect b="b" l="l" r="r" t="t"/>
+            <a:avLst/>
+            <a:gdLst/>
+            <a:ahLst/>
+            <a:cxnLst/>
+            <a:rect l="l" t="t" r="r" b="b"/>
             <a:pathLst>
-              <a:path extrusionOk="0" h="120000" w="120000">
+              <a:path w="120000" h="120000" extrusionOk="0">
                 <a:moveTo>
                   <a:pt x="0" y="0"/>
                 </a:moveTo>
@@ -1063,9 +1099,11 @@
       <p:sp>
         <p:nvSpPr>
           <p:cNvPr id="149" name="Google Shape;149;g7236f94fca_0_443:notes"/>
-          <p:cNvSpPr txBox="1"/>
+          <p:cNvSpPr txBox="1">
+            <a:spLocks noGrp="1"/>
+          </p:cNvSpPr>
           <p:nvPr>
-            <p:ph idx="1" type="body"/>
+            <p:ph type="body" idx="1"/>
           </p:nvPr>
         </p:nvSpPr>
         <p:spPr>
@@ -1078,12 +1116,12 @@
           </a:prstGeom>
         </p:spPr>
         <p:txBody>
-          <a:bodyPr anchorCtr="0" anchor="t" bIns="91425" lIns="91425" spcFirstLastPara="1" rIns="91425" wrap="square" tIns="91425">
+          <a:bodyPr spcFirstLastPara="1" wrap="square" lIns="91425" tIns="91425" rIns="91425" bIns="91425" anchor="t" anchorCtr="0">
             <a:noAutofit/>
           </a:bodyPr>
           <a:lstStyle/>
           <a:p>
-            <a:pPr indent="0" lvl="0" marL="0" rtl="0" algn="l">
+            <a:pPr marL="0" lvl="0" indent="0" algn="l" rtl="0">
               <a:spcBef>
                 <a:spcPts val="0"/>
               </a:spcBef>
@@ -1092,9 +1130,6 @@
               </a:spcAft>
               <a:buNone/>
             </a:pPr>
-            <a:r>
-              <a:t/>
-            </a:r>
             <a:endParaRPr/>
           </a:p>
         </p:txBody>
@@ -1108,11 +1143,11 @@
 </file>
 
 <file path=ppt/notesSlides/notesSlide4.xml><?xml version="1.0" encoding="utf-8"?>
-<p:notes xmlns:a="http://schemas.openxmlformats.org/drawingml/2006/main" xmlns:r="http://schemas.openxmlformats.org/officeDocument/2006/relationships" xmlns:mc="http://schemas.openxmlformats.org/markup-compatibility/2006" xmlns:mv="urn:schemas-microsoft-com:mac:vml" xmlns:p="http://schemas.openxmlformats.org/presentationml/2006/main" xmlns:c="http://schemas.openxmlformats.org/drawingml/2006/chart" xmlns:dgm="http://schemas.openxmlformats.org/drawingml/2006/diagram" xmlns:o="urn:schemas-microsoft-com:office:office" xmlns:v="urn:schemas-microsoft-com:vml" xmlns:pvml="urn:schemas-microsoft-com:office:powerpoint" xmlns:com="http://schemas.openxmlformats.org/drawingml/2006/compatibility" xmlns:p14="http://schemas.microsoft.com/office/powerpoint/2010/main" xmlns:p15="http://schemas.microsoft.com/office/powerpoint/2012/main" showMasterPhAnim="0" showMasterSp="0">
+<p:notes xmlns:a="http://schemas.openxmlformats.org/drawingml/2006/main" xmlns:r="http://schemas.openxmlformats.org/officeDocument/2006/relationships" xmlns:p="http://schemas.openxmlformats.org/presentationml/2006/main" showMasterSp="0" showMasterPhAnim="0">
   <p:cSld>
     <p:spTree>
       <p:nvGrpSpPr>
-        <p:cNvPr id="156" name="Shape 156"/>
+        <p:cNvPr id="1" name="Shape 156"/>
         <p:cNvGrpSpPr/>
         <p:nvPr/>
       </p:nvGrpSpPr>
@@ -1127,9 +1162,11 @@
       <p:sp>
         <p:nvSpPr>
           <p:cNvPr id="157" name="Google Shape;157;g7236f94fca_0_271:notes"/>
-          <p:cNvSpPr/>
+          <p:cNvSpPr>
+            <a:spLocks noGrp="1" noRot="1" noChangeAspect="1"/>
+          </p:cNvSpPr>
           <p:nvPr>
-            <p:ph idx="2" type="sldImg"/>
+            <p:ph type="sldImg" idx="2"/>
           </p:nvPr>
         </p:nvSpPr>
         <p:spPr>
@@ -1138,9 +1175,13 @@
             <a:ext cx="6096000" cy="3429000"/>
           </a:xfrm>
           <a:custGeom>
-            <a:rect b="b" l="l" r="r" t="t"/>
+            <a:avLst/>
+            <a:gdLst/>
+            <a:ahLst/>
+            <a:cxnLst/>
+            <a:rect l="l" t="t" r="r" b="b"/>
             <a:pathLst>
-              <a:path extrusionOk="0" h="120000" w="120000">
+              <a:path w="120000" h="120000" extrusionOk="0">
                 <a:moveTo>
                   <a:pt x="0" y="0"/>
                 </a:moveTo>
@@ -1162,9 +1203,11 @@
       <p:sp>
         <p:nvSpPr>
           <p:cNvPr id="158" name="Google Shape;158;g7236f94fca_0_271:notes"/>
-          <p:cNvSpPr txBox="1"/>
+          <p:cNvSpPr txBox="1">
+            <a:spLocks noGrp="1"/>
+          </p:cNvSpPr>
           <p:nvPr>
-            <p:ph idx="1" type="body"/>
+            <p:ph type="body" idx="1"/>
           </p:nvPr>
         </p:nvSpPr>
         <p:spPr>
@@ -1177,12 +1220,12 @@
           </a:prstGeom>
         </p:spPr>
         <p:txBody>
-          <a:bodyPr anchorCtr="0" anchor="t" bIns="91425" lIns="91425" spcFirstLastPara="1" rIns="91425" wrap="square" tIns="91425">
+          <a:bodyPr spcFirstLastPara="1" wrap="square" lIns="91425" tIns="91425" rIns="91425" bIns="91425" anchor="t" anchorCtr="0">
             <a:noAutofit/>
           </a:bodyPr>
           <a:lstStyle/>
           <a:p>
-            <a:pPr indent="0" lvl="0" marL="0" rtl="0" algn="l">
+            <a:pPr marL="0" lvl="0" indent="0" algn="l" rtl="0">
               <a:spcBef>
                 <a:spcPts val="0"/>
               </a:spcBef>
@@ -1191,9 +1234,6 @@
               </a:spcAft>
               <a:buNone/>
             </a:pPr>
-            <a:r>
-              <a:t/>
-            </a:r>
             <a:endParaRPr/>
           </a:p>
         </p:txBody>
@@ -1207,11 +1247,11 @@
 </file>
 
 <file path=ppt/notesSlides/notesSlide5.xml><?xml version="1.0" encoding="utf-8"?>
-<p:notes xmlns:a="http://schemas.openxmlformats.org/drawingml/2006/main" xmlns:r="http://schemas.openxmlformats.org/officeDocument/2006/relationships" xmlns:mc="http://schemas.openxmlformats.org/markup-compatibility/2006" xmlns:mv="urn:schemas-microsoft-com:mac:vml" xmlns:p="http://schemas.openxmlformats.org/presentationml/2006/main" xmlns:c="http://schemas.openxmlformats.org/drawingml/2006/chart" xmlns:dgm="http://schemas.openxmlformats.org/drawingml/2006/diagram" xmlns:o="urn:schemas-microsoft-com:office:office" xmlns:v="urn:schemas-microsoft-com:vml" xmlns:pvml="urn:schemas-microsoft-com:office:powerpoint" xmlns:com="http://schemas.openxmlformats.org/drawingml/2006/compatibility" xmlns:p14="http://schemas.microsoft.com/office/powerpoint/2010/main" xmlns:p15="http://schemas.microsoft.com/office/powerpoint/2012/main" showMasterPhAnim="0" showMasterSp="0">
+<p:notes xmlns:a="http://schemas.openxmlformats.org/drawingml/2006/main" xmlns:r="http://schemas.openxmlformats.org/officeDocument/2006/relationships" xmlns:p="http://schemas.openxmlformats.org/presentationml/2006/main" showMasterSp="0" showMasterPhAnim="0">
   <p:cSld>
     <p:spTree>
       <p:nvGrpSpPr>
-        <p:cNvPr id="167" name="Shape 167"/>
+        <p:cNvPr id="1" name="Shape 167"/>
         <p:cNvGrpSpPr/>
         <p:nvPr/>
       </p:nvGrpSpPr>
@@ -1226,9 +1266,11 @@
       <p:sp>
         <p:nvSpPr>
           <p:cNvPr id="168" name="Google Shape;168;g7236f94fca_0_406:notes"/>
-          <p:cNvSpPr/>
+          <p:cNvSpPr>
+            <a:spLocks noGrp="1" noRot="1" noChangeAspect="1"/>
+          </p:cNvSpPr>
           <p:nvPr>
-            <p:ph idx="2" type="sldImg"/>
+            <p:ph type="sldImg" idx="2"/>
           </p:nvPr>
         </p:nvSpPr>
         <p:spPr>
@@ -1237,9 +1279,13 @@
             <a:ext cx="6096000" cy="3429000"/>
           </a:xfrm>
           <a:custGeom>
-            <a:rect b="b" l="l" r="r" t="t"/>
+            <a:avLst/>
+            <a:gdLst/>
+            <a:ahLst/>
+            <a:cxnLst/>
+            <a:rect l="l" t="t" r="r" b="b"/>
             <a:pathLst>
-              <a:path extrusionOk="0" h="120000" w="120000">
+              <a:path w="120000" h="120000" extrusionOk="0">
                 <a:moveTo>
                   <a:pt x="0" y="0"/>
                 </a:moveTo>
@@ -1261,9 +1307,11 @@
       <p:sp>
         <p:nvSpPr>
           <p:cNvPr id="169" name="Google Shape;169;g7236f94fca_0_406:notes"/>
-          <p:cNvSpPr txBox="1"/>
+          <p:cNvSpPr txBox="1">
+            <a:spLocks noGrp="1"/>
+          </p:cNvSpPr>
           <p:nvPr>
-            <p:ph idx="1" type="body"/>
+            <p:ph type="body" idx="1"/>
           </p:nvPr>
         </p:nvSpPr>
         <p:spPr>
@@ -1276,12 +1324,12 @@
           </a:prstGeom>
         </p:spPr>
         <p:txBody>
-          <a:bodyPr anchorCtr="0" anchor="t" bIns="91425" lIns="91425" spcFirstLastPara="1" rIns="91425" wrap="square" tIns="91425">
+          <a:bodyPr spcFirstLastPara="1" wrap="square" lIns="91425" tIns="91425" rIns="91425" bIns="91425" anchor="t" anchorCtr="0">
             <a:noAutofit/>
           </a:bodyPr>
           <a:lstStyle/>
           <a:p>
-            <a:pPr indent="0" lvl="0" marL="0" rtl="0" algn="l">
+            <a:pPr marL="0" lvl="0" indent="0" algn="l" rtl="0">
               <a:spcBef>
                 <a:spcPts val="0"/>
               </a:spcBef>
@@ -1290,9 +1338,6 @@
               </a:spcAft>
               <a:buNone/>
             </a:pPr>
-            <a:r>
-              <a:t/>
-            </a:r>
             <a:endParaRPr/>
           </a:p>
         </p:txBody>
@@ -1306,11 +1351,11 @@
 </file>
 
 <file path=ppt/notesSlides/notesSlide6.xml><?xml version="1.0" encoding="utf-8"?>
-<p:notes xmlns:a="http://schemas.openxmlformats.org/drawingml/2006/main" xmlns:r="http://schemas.openxmlformats.org/officeDocument/2006/relationships" xmlns:mc="http://schemas.openxmlformats.org/markup-compatibility/2006" xmlns:mv="urn:schemas-microsoft-com:mac:vml" xmlns:p="http://schemas.openxmlformats.org/presentationml/2006/main" xmlns:c="http://schemas.openxmlformats.org/drawingml/2006/chart" xmlns:dgm="http://schemas.openxmlformats.org/drawingml/2006/diagram" xmlns:o="urn:schemas-microsoft-com:office:office" xmlns:v="urn:schemas-microsoft-com:vml" xmlns:pvml="urn:schemas-microsoft-com:office:powerpoint" xmlns:com="http://schemas.openxmlformats.org/drawingml/2006/compatibility" xmlns:p14="http://schemas.microsoft.com/office/powerpoint/2010/main" xmlns:p15="http://schemas.microsoft.com/office/powerpoint/2012/main" showMasterPhAnim="0" showMasterSp="0">
+<p:notes xmlns:a="http://schemas.openxmlformats.org/drawingml/2006/main" xmlns:r="http://schemas.openxmlformats.org/officeDocument/2006/relationships" xmlns:p="http://schemas.openxmlformats.org/presentationml/2006/main" showMasterSp="0" showMasterPhAnim="0">
   <p:cSld>
     <p:spTree>
       <p:nvGrpSpPr>
-        <p:cNvPr id="177" name="Shape 177"/>
+        <p:cNvPr id="1" name="Shape 177"/>
         <p:cNvGrpSpPr/>
         <p:nvPr/>
       </p:nvGrpSpPr>
@@ -1325,9 +1370,11 @@
       <p:sp>
         <p:nvSpPr>
           <p:cNvPr id="178" name="Google Shape;178;g7236f94fca_0_419:notes"/>
-          <p:cNvSpPr/>
+          <p:cNvSpPr>
+            <a:spLocks noGrp="1" noRot="1" noChangeAspect="1"/>
+          </p:cNvSpPr>
           <p:nvPr>
-            <p:ph idx="2" type="sldImg"/>
+            <p:ph type="sldImg" idx="2"/>
           </p:nvPr>
         </p:nvSpPr>
         <p:spPr>
@@ -1336,9 +1383,13 @@
             <a:ext cx="6096000" cy="3429000"/>
           </a:xfrm>
           <a:custGeom>
-            <a:rect b="b" l="l" r="r" t="t"/>
+            <a:avLst/>
+            <a:gdLst/>
+            <a:ahLst/>
+            <a:cxnLst/>
+            <a:rect l="l" t="t" r="r" b="b"/>
             <a:pathLst>
-              <a:path extrusionOk="0" h="120000" w="120000">
+              <a:path w="120000" h="120000" extrusionOk="0">
                 <a:moveTo>
                   <a:pt x="0" y="0"/>
                 </a:moveTo>
@@ -1360,9 +1411,11 @@
       <p:sp>
         <p:nvSpPr>
           <p:cNvPr id="179" name="Google Shape;179;g7236f94fca_0_419:notes"/>
-          <p:cNvSpPr txBox="1"/>
+          <p:cNvSpPr txBox="1">
+            <a:spLocks noGrp="1"/>
+          </p:cNvSpPr>
           <p:nvPr>
-            <p:ph idx="1" type="body"/>
+            <p:ph type="body" idx="1"/>
           </p:nvPr>
         </p:nvSpPr>
         <p:spPr>
@@ -1375,12 +1428,12 @@
           </a:prstGeom>
         </p:spPr>
         <p:txBody>
-          <a:bodyPr anchorCtr="0" anchor="t" bIns="91425" lIns="91425" spcFirstLastPara="1" rIns="91425" wrap="square" tIns="91425">
+          <a:bodyPr spcFirstLastPara="1" wrap="square" lIns="91425" tIns="91425" rIns="91425" bIns="91425" anchor="t" anchorCtr="0">
             <a:noAutofit/>
           </a:bodyPr>
           <a:lstStyle/>
           <a:p>
-            <a:pPr indent="0" lvl="0" marL="0" rtl="0" algn="l">
+            <a:pPr marL="0" lvl="0" indent="0" algn="l" rtl="0">
               <a:spcBef>
                 <a:spcPts val="0"/>
               </a:spcBef>
@@ -1389,9 +1442,6 @@
               </a:spcAft>
               <a:buNone/>
             </a:pPr>
-            <a:r>
-              <a:t/>
-            </a:r>
             <a:endParaRPr/>
           </a:p>
         </p:txBody>
@@ -1405,11 +1455,11 @@
 </file>
 
 <file path=ppt/notesSlides/notesSlide7.xml><?xml version="1.0" encoding="utf-8"?>
-<p:notes xmlns:a="http://schemas.openxmlformats.org/drawingml/2006/main" xmlns:r="http://schemas.openxmlformats.org/officeDocument/2006/relationships" xmlns:mc="http://schemas.openxmlformats.org/markup-compatibility/2006" xmlns:mv="urn:schemas-microsoft-com:mac:vml" xmlns:p="http://schemas.openxmlformats.org/presentationml/2006/main" xmlns:c="http://schemas.openxmlformats.org/drawingml/2006/chart" xmlns:dgm="http://schemas.openxmlformats.org/drawingml/2006/diagram" xmlns:o="urn:schemas-microsoft-com:office:office" xmlns:v="urn:schemas-microsoft-com:vml" xmlns:pvml="urn:schemas-microsoft-com:office:powerpoint" xmlns:com="http://schemas.openxmlformats.org/drawingml/2006/compatibility" xmlns:p14="http://schemas.microsoft.com/office/powerpoint/2010/main" xmlns:p15="http://schemas.microsoft.com/office/powerpoint/2012/main" showMasterPhAnim="0" showMasterSp="0">
+<p:notes xmlns:a="http://schemas.openxmlformats.org/drawingml/2006/main" xmlns:r="http://schemas.openxmlformats.org/officeDocument/2006/relationships" xmlns:p="http://schemas.openxmlformats.org/presentationml/2006/main" showMasterSp="0" showMasterPhAnim="0">
   <p:cSld>
     <p:spTree>
       <p:nvGrpSpPr>
-        <p:cNvPr id="187" name="Shape 187"/>
+        <p:cNvPr id="1" name="Shape 187"/>
         <p:cNvGrpSpPr/>
         <p:nvPr/>
       </p:nvGrpSpPr>
@@ -1424,9 +1474,11 @@
       <p:sp>
         <p:nvSpPr>
           <p:cNvPr id="188" name="Google Shape;188;g7236f94fca_0_414:notes"/>
-          <p:cNvSpPr/>
+          <p:cNvSpPr>
+            <a:spLocks noGrp="1" noRot="1" noChangeAspect="1"/>
+          </p:cNvSpPr>
           <p:nvPr>
-            <p:ph idx="2" type="sldImg"/>
+            <p:ph type="sldImg" idx="2"/>
           </p:nvPr>
         </p:nvSpPr>
         <p:spPr>
@@ -1435,9 +1487,13 @@
             <a:ext cx="6096000" cy="3429000"/>
           </a:xfrm>
           <a:custGeom>
-            <a:rect b="b" l="l" r="r" t="t"/>
+            <a:avLst/>
+            <a:gdLst/>
+            <a:ahLst/>
+            <a:cxnLst/>
+            <a:rect l="l" t="t" r="r" b="b"/>
             <a:pathLst>
-              <a:path extrusionOk="0" h="120000" w="120000">
+              <a:path w="120000" h="120000" extrusionOk="0">
                 <a:moveTo>
                   <a:pt x="0" y="0"/>
                 </a:moveTo>
@@ -1459,9 +1515,11 @@
       <p:sp>
         <p:nvSpPr>
           <p:cNvPr id="189" name="Google Shape;189;g7236f94fca_0_414:notes"/>
-          <p:cNvSpPr txBox="1"/>
+          <p:cNvSpPr txBox="1">
+            <a:spLocks noGrp="1"/>
+          </p:cNvSpPr>
           <p:nvPr>
-            <p:ph idx="1" type="body"/>
+            <p:ph type="body" idx="1"/>
           </p:nvPr>
         </p:nvSpPr>
         <p:spPr>
@@ -1474,12 +1532,12 @@
           </a:prstGeom>
         </p:spPr>
         <p:txBody>
-          <a:bodyPr anchorCtr="0" anchor="t" bIns="91425" lIns="91425" spcFirstLastPara="1" rIns="91425" wrap="square" tIns="91425">
+          <a:bodyPr spcFirstLastPara="1" wrap="square" lIns="91425" tIns="91425" rIns="91425" bIns="91425" anchor="t" anchorCtr="0">
             <a:noAutofit/>
           </a:bodyPr>
           <a:lstStyle/>
           <a:p>
-            <a:pPr indent="0" lvl="0" marL="0" rtl="0" algn="l">
+            <a:pPr marL="0" lvl="0" indent="0" algn="l" rtl="0">
               <a:spcBef>
                 <a:spcPts val="0"/>
               </a:spcBef>
@@ -1488,9 +1546,6 @@
               </a:spcAft>
               <a:buNone/>
             </a:pPr>
-            <a:r>
-              <a:t/>
-            </a:r>
             <a:endParaRPr/>
           </a:p>
         </p:txBody>
@@ -1504,11 +1559,11 @@
 </file>
 
 <file path=ppt/notesSlides/notesSlide8.xml><?xml version="1.0" encoding="utf-8"?>
-<p:notes xmlns:a="http://schemas.openxmlformats.org/drawingml/2006/main" xmlns:r="http://schemas.openxmlformats.org/officeDocument/2006/relationships" xmlns:mc="http://schemas.openxmlformats.org/markup-compatibility/2006" xmlns:mv="urn:schemas-microsoft-com:mac:vml" xmlns:p="http://schemas.openxmlformats.org/presentationml/2006/main" xmlns:c="http://schemas.openxmlformats.org/drawingml/2006/chart" xmlns:dgm="http://schemas.openxmlformats.org/drawingml/2006/diagram" xmlns:o="urn:schemas-microsoft-com:office:office" xmlns:v="urn:schemas-microsoft-com:vml" xmlns:pvml="urn:schemas-microsoft-com:office:powerpoint" xmlns:com="http://schemas.openxmlformats.org/drawingml/2006/compatibility" xmlns:p14="http://schemas.microsoft.com/office/powerpoint/2010/main" xmlns:p15="http://schemas.microsoft.com/office/powerpoint/2012/main" showMasterPhAnim="0" showMasterSp="0">
+<p:notes xmlns:a="http://schemas.openxmlformats.org/drawingml/2006/main" xmlns:r="http://schemas.openxmlformats.org/officeDocument/2006/relationships" xmlns:p="http://schemas.openxmlformats.org/presentationml/2006/main" showMasterSp="0" showMasterPhAnim="0">
   <p:cSld>
     <p:spTree>
       <p:nvGrpSpPr>
-        <p:cNvPr id="195" name="Shape 195"/>
+        <p:cNvPr id="1" name="Shape 195"/>
         <p:cNvGrpSpPr/>
         <p:nvPr/>
       </p:nvGrpSpPr>
@@ -1523,9 +1578,11 @@
       <p:sp>
         <p:nvSpPr>
           <p:cNvPr id="196" name="Google Shape;196;g7236f94fca_0_476:notes"/>
-          <p:cNvSpPr/>
+          <p:cNvSpPr>
+            <a:spLocks noGrp="1" noRot="1" noChangeAspect="1"/>
+          </p:cNvSpPr>
           <p:nvPr>
-            <p:ph idx="2" type="sldImg"/>
+            <p:ph type="sldImg" idx="2"/>
           </p:nvPr>
         </p:nvSpPr>
         <p:spPr>
@@ -1534,9 +1591,13 @@
             <a:ext cx="6096000" cy="3429000"/>
           </a:xfrm>
           <a:custGeom>
-            <a:rect b="b" l="l" r="r" t="t"/>
+            <a:avLst/>
+            <a:gdLst/>
+            <a:ahLst/>
+            <a:cxnLst/>
+            <a:rect l="l" t="t" r="r" b="b"/>
             <a:pathLst>
-              <a:path extrusionOk="0" h="120000" w="120000">
+              <a:path w="120000" h="120000" extrusionOk="0">
                 <a:moveTo>
                   <a:pt x="0" y="0"/>
                 </a:moveTo>
@@ -1558,9 +1619,11 @@
       <p:sp>
         <p:nvSpPr>
           <p:cNvPr id="197" name="Google Shape;197;g7236f94fca_0_476:notes"/>
-          <p:cNvSpPr txBox="1"/>
+          <p:cNvSpPr txBox="1">
+            <a:spLocks noGrp="1"/>
+          </p:cNvSpPr>
           <p:nvPr>
-            <p:ph idx="1" type="body"/>
+            <p:ph type="body" idx="1"/>
           </p:nvPr>
         </p:nvSpPr>
         <p:spPr>
@@ -1573,12 +1636,12 @@
           </a:prstGeom>
         </p:spPr>
         <p:txBody>
-          <a:bodyPr anchorCtr="0" anchor="t" bIns="91425" lIns="91425" spcFirstLastPara="1" rIns="91425" wrap="square" tIns="91425">
+          <a:bodyPr spcFirstLastPara="1" wrap="square" lIns="91425" tIns="91425" rIns="91425" bIns="91425" anchor="t" anchorCtr="0">
             <a:noAutofit/>
           </a:bodyPr>
           <a:lstStyle/>
           <a:p>
-            <a:pPr indent="0" lvl="0" marL="0" rtl="0" algn="l">
+            <a:pPr marL="0" lvl="0" indent="0" algn="l" rtl="0">
               <a:spcBef>
                 <a:spcPts val="0"/>
               </a:spcBef>
@@ -1587,9 +1650,6 @@
               </a:spcAft>
               <a:buNone/>
             </a:pPr>
-            <a:r>
-              <a:t/>
-            </a:r>
             <a:endParaRPr/>
           </a:p>
         </p:txBody>
@@ -1603,11 +1663,11 @@
 </file>
 
 <file path=ppt/notesSlides/notesSlide9.xml><?xml version="1.0" encoding="utf-8"?>
-<p:notes xmlns:a="http://schemas.openxmlformats.org/drawingml/2006/main" xmlns:r="http://schemas.openxmlformats.org/officeDocument/2006/relationships" xmlns:mc="http://schemas.openxmlformats.org/markup-compatibility/2006" xmlns:mv="urn:schemas-microsoft-com:mac:vml" xmlns:p="http://schemas.openxmlformats.org/presentationml/2006/main" xmlns:c="http://schemas.openxmlformats.org/drawingml/2006/chart" xmlns:dgm="http://schemas.openxmlformats.org/drawingml/2006/diagram" xmlns:o="urn:schemas-microsoft-com:office:office" xmlns:v="urn:schemas-microsoft-com:vml" xmlns:pvml="urn:schemas-microsoft-com:office:powerpoint" xmlns:com="http://schemas.openxmlformats.org/drawingml/2006/compatibility" xmlns:p14="http://schemas.microsoft.com/office/powerpoint/2010/main" xmlns:p15="http://schemas.microsoft.com/office/powerpoint/2012/main" showMasterPhAnim="0" showMasterSp="0">
+<p:notes xmlns:a="http://schemas.openxmlformats.org/drawingml/2006/main" xmlns:r="http://schemas.openxmlformats.org/officeDocument/2006/relationships" xmlns:p="http://schemas.openxmlformats.org/presentationml/2006/main" showMasterSp="0" showMasterPhAnim="0">
   <p:cSld>
     <p:spTree>
       <p:nvGrpSpPr>
-        <p:cNvPr id="202" name="Shape 202"/>
+        <p:cNvPr id="1" name="Shape 202"/>
         <p:cNvGrpSpPr/>
         <p:nvPr/>
       </p:nvGrpSpPr>
@@ -1622,9 +1682,11 @@
       <p:sp>
         <p:nvSpPr>
           <p:cNvPr id="203" name="Google Shape;203;g7236f94fca_0_428:notes"/>
-          <p:cNvSpPr/>
+          <p:cNvSpPr>
+            <a:spLocks noGrp="1" noRot="1" noChangeAspect="1"/>
+          </p:cNvSpPr>
           <p:nvPr>
-            <p:ph idx="2" type="sldImg"/>
+            <p:ph type="sldImg" idx="2"/>
           </p:nvPr>
         </p:nvSpPr>
         <p:spPr>
@@ -1633,9 +1695,13 @@
             <a:ext cx="6096000" cy="3429000"/>
           </a:xfrm>
           <a:custGeom>
-            <a:rect b="b" l="l" r="r" t="t"/>
+            <a:avLst/>
+            <a:gdLst/>
+            <a:ahLst/>
+            <a:cxnLst/>
+            <a:rect l="l" t="t" r="r" b="b"/>
             <a:pathLst>
-              <a:path extrusionOk="0" h="120000" w="120000">
+              <a:path w="120000" h="120000" extrusionOk="0">
                 <a:moveTo>
                   <a:pt x="0" y="0"/>
                 </a:moveTo>
@@ -1657,9 +1723,11 @@
       <p:sp>
         <p:nvSpPr>
           <p:cNvPr id="204" name="Google Shape;204;g7236f94fca_0_428:notes"/>
-          <p:cNvSpPr txBox="1"/>
+          <p:cNvSpPr txBox="1">
+            <a:spLocks noGrp="1"/>
+          </p:cNvSpPr>
           <p:nvPr>
-            <p:ph idx="1" type="body"/>
+            <p:ph type="body" idx="1"/>
           </p:nvPr>
         </p:nvSpPr>
         <p:spPr>
@@ -1672,12 +1740,12 @@
           </a:prstGeom>
         </p:spPr>
         <p:txBody>
-          <a:bodyPr anchorCtr="0" anchor="t" bIns="91425" lIns="91425" spcFirstLastPara="1" rIns="91425" wrap="square" tIns="91425">
+          <a:bodyPr spcFirstLastPara="1" wrap="square" lIns="91425" tIns="91425" rIns="91425" bIns="91425" anchor="t" anchorCtr="0">
             <a:noAutofit/>
           </a:bodyPr>
           <a:lstStyle/>
           <a:p>
-            <a:pPr indent="0" lvl="0" marL="0" rtl="0" algn="l">
+            <a:pPr marL="0" lvl="0" indent="0" algn="l" rtl="0">
               <a:spcBef>
                 <a:spcPts val="0"/>
               </a:spcBef>
@@ -1686,9 +1754,6 @@
               </a:spcAft>
               <a:buNone/>
             </a:pPr>
-            <a:r>
-              <a:t/>
-            </a:r>
             <a:endParaRPr/>
           </a:p>
         </p:txBody>
@@ -1702,11 +1767,11 @@
 </file>
 
 <file path=ppt/slideLayouts/slideLayout1.xml><?xml version="1.0" encoding="utf-8"?>
-<p:sldLayout xmlns:a="http://schemas.openxmlformats.org/drawingml/2006/main" xmlns:r="http://schemas.openxmlformats.org/officeDocument/2006/relationships" xmlns:mc="http://schemas.openxmlformats.org/markup-compatibility/2006" xmlns:mv="urn:schemas-microsoft-com:mac:vml" xmlns:p="http://schemas.openxmlformats.org/presentationml/2006/main" xmlns:c="http://schemas.openxmlformats.org/drawingml/2006/chart" xmlns:dgm="http://schemas.openxmlformats.org/drawingml/2006/diagram" xmlns:o="urn:schemas-microsoft-com:office:office" xmlns:v="urn:schemas-microsoft-com:vml" xmlns:pvml="urn:schemas-microsoft-com:office:powerpoint" xmlns:com="http://schemas.openxmlformats.org/drawingml/2006/compatibility" xmlns:p14="http://schemas.microsoft.com/office/powerpoint/2010/main" xmlns:p15="http://schemas.microsoft.com/office/powerpoint/2012/main" matchingName="Title slide" type="title">
+<p:sldLayout xmlns:a="http://schemas.openxmlformats.org/drawingml/2006/main" xmlns:r="http://schemas.openxmlformats.org/officeDocument/2006/relationships" xmlns:p="http://schemas.openxmlformats.org/presentationml/2006/main" matchingName="Title slide" type="title">
   <p:cSld name="TITLE">
     <p:spTree>
       <p:nvGrpSpPr>
-        <p:cNvPr id="9" name="Shape 9"/>
+        <p:cNvPr id="1" name="Shape 9"/>
         <p:cNvGrpSpPr/>
         <p:nvPr/>
       </p:nvGrpSpPr>
@@ -1731,7 +1796,7 @@
           </a:xfrm>
           <a:prstGeom prst="diagStripe">
             <a:avLst>
-              <a:gd fmla="val 0" name="adj"/>
+              <a:gd name="adj" fmla="val 0"/>
             </a:avLst>
           </a:prstGeom>
           <a:solidFill>
@@ -1744,12 +1809,12 @@
           </a:ln>
         </p:spPr>
         <p:txBody>
-          <a:bodyPr anchorCtr="0" anchor="ctr" bIns="91425" lIns="91425" spcFirstLastPara="1" rIns="91425" wrap="square" tIns="91425">
+          <a:bodyPr spcFirstLastPara="1" wrap="square" lIns="91425" tIns="91425" rIns="91425" bIns="91425" anchor="ctr" anchorCtr="0">
             <a:noAutofit/>
           </a:bodyPr>
           <a:lstStyle/>
           <a:p>
-            <a:pPr indent="0" lvl="0" marL="0" rtl="0" algn="l">
+            <a:pPr marL="0" lvl="0" indent="0" algn="l" rtl="0">
               <a:spcBef>
                 <a:spcPts val="0"/>
               </a:spcBef>
@@ -1758,9 +1823,6 @@
               </a:spcAft>
               <a:buNone/>
             </a:pPr>
-            <a:r>
-              <a:t/>
-            </a:r>
             <a:endParaRPr/>
           </a:p>
         </p:txBody>
@@ -1792,7 +1854,7 @@
             </a:xfrm>
             <a:prstGeom prst="diagStripe">
               <a:avLst>
-                <a:gd fmla="val 50000" name="adj"/>
+                <a:gd name="adj" fmla="val 50000"/>
               </a:avLst>
             </a:prstGeom>
             <a:solidFill>
@@ -1805,12 +1867,12 @@
             </a:ln>
           </p:spPr>
           <p:txBody>
-            <a:bodyPr anchorCtr="0" anchor="ctr" bIns="91425" lIns="91425" spcFirstLastPara="1" rIns="91425" wrap="square" tIns="91425">
+            <a:bodyPr spcFirstLastPara="1" wrap="square" lIns="91425" tIns="91425" rIns="91425" bIns="91425" anchor="ctr" anchorCtr="0">
               <a:noAutofit/>
             </a:bodyPr>
             <a:lstStyle/>
             <a:p>
-              <a:pPr indent="0" lvl="0" marL="0" rtl="0" algn="l">
+              <a:pPr marL="0" lvl="0" indent="0" algn="l" rtl="0">
                 <a:spcBef>
                   <a:spcPts val="0"/>
                 </a:spcBef>
@@ -1819,9 +1881,6 @@
                 </a:spcAft>
                 <a:buNone/>
               </a:pPr>
-              <a:r>
-                <a:t/>
-              </a:r>
               <a:endParaRPr/>
             </a:p>
           </p:txBody>
@@ -1839,7 +1898,7 @@
             </a:xfrm>
             <a:prstGeom prst="diagStripe">
               <a:avLst>
-                <a:gd fmla="val 58774" name="adj"/>
+                <a:gd name="adj" fmla="val 58774"/>
               </a:avLst>
             </a:prstGeom>
             <a:solidFill>
@@ -1852,12 +1911,12 @@
             </a:ln>
           </p:spPr>
           <p:txBody>
-            <a:bodyPr anchorCtr="0" anchor="ctr" bIns="91425" lIns="91425" spcFirstLastPara="1" rIns="91425" wrap="square" tIns="91425">
+            <a:bodyPr spcFirstLastPara="1" wrap="square" lIns="91425" tIns="91425" rIns="91425" bIns="91425" anchor="ctr" anchorCtr="0">
               <a:noAutofit/>
             </a:bodyPr>
             <a:lstStyle/>
             <a:p>
-              <a:pPr indent="0" lvl="0" marL="0" rtl="0" algn="l">
+              <a:pPr marL="0" lvl="0" indent="0" algn="l" rtl="0">
                 <a:spcBef>
                   <a:spcPts val="0"/>
                 </a:spcBef>
@@ -1866,9 +1925,6 @@
                 </a:spcAft>
                 <a:buNone/>
               </a:pPr>
-              <a:r>
-                <a:t/>
-              </a:r>
               <a:endParaRPr/>
             </a:p>
           </p:txBody>
@@ -1886,7 +1942,7 @@
             </a:xfrm>
             <a:prstGeom prst="diagStripe">
               <a:avLst>
-                <a:gd fmla="val 50000" name="adj"/>
+                <a:gd name="adj" fmla="val 50000"/>
               </a:avLst>
             </a:prstGeom>
             <a:solidFill>
@@ -1897,12 +1953,12 @@
             </a:ln>
           </p:spPr>
           <p:txBody>
-            <a:bodyPr anchorCtr="0" anchor="ctr" bIns="91425" lIns="91425" spcFirstLastPara="1" rIns="91425" wrap="square" tIns="91425">
+            <a:bodyPr spcFirstLastPara="1" wrap="square" lIns="91425" tIns="91425" rIns="91425" bIns="91425" anchor="ctr" anchorCtr="0">
               <a:noAutofit/>
             </a:bodyPr>
             <a:lstStyle/>
             <a:p>
-              <a:pPr indent="0" lvl="0" marL="0" rtl="0" algn="l">
+              <a:pPr marL="0" lvl="0" indent="0" algn="l" rtl="0">
                 <a:spcBef>
                   <a:spcPts val="0"/>
                 </a:spcBef>
@@ -1911,9 +1967,6 @@
                 </a:spcAft>
                 <a:buNone/>
               </a:pPr>
-              <a:r>
-                <a:t/>
-              </a:r>
               <a:endParaRPr/>
             </a:p>
           </p:txBody>
@@ -1931,7 +1984,7 @@
             </a:xfrm>
             <a:prstGeom prst="diagStripe">
               <a:avLst>
-                <a:gd fmla="val 50000" name="adj"/>
+                <a:gd name="adj" fmla="val 50000"/>
               </a:avLst>
             </a:prstGeom>
             <a:solidFill>
@@ -1942,12 +1995,12 @@
             </a:ln>
           </p:spPr>
           <p:txBody>
-            <a:bodyPr anchorCtr="0" anchor="ctr" bIns="91425" lIns="91425" spcFirstLastPara="1" rIns="91425" wrap="square" tIns="91425">
+            <a:bodyPr spcFirstLastPara="1" wrap="square" lIns="91425" tIns="91425" rIns="91425" bIns="91425" anchor="ctr" anchorCtr="0">
               <a:noAutofit/>
             </a:bodyPr>
             <a:lstStyle/>
             <a:p>
-              <a:pPr indent="0" lvl="0" marL="0" rtl="0" algn="l">
+              <a:pPr marL="0" lvl="0" indent="0" algn="l" rtl="0">
                 <a:spcBef>
                   <a:spcPts val="0"/>
                 </a:spcBef>
@@ -1956,9 +2009,6 @@
                 </a:spcAft>
                 <a:buNone/>
               </a:pPr>
-              <a:r>
-                <a:t/>
-              </a:r>
               <a:endParaRPr/>
             </a:p>
           </p:txBody>
@@ -1967,7 +2017,9 @@
       <p:sp>
         <p:nvSpPr>
           <p:cNvPr id="16" name="Google Shape;16;p2"/>
-          <p:cNvSpPr txBox="1"/>
+          <p:cNvSpPr txBox="1">
+            <a:spLocks noGrp="1"/>
+          </p:cNvSpPr>
           <p:nvPr>
             <p:ph type="ctrTitle"/>
           </p:nvPr>
@@ -1982,7 +2034,7 @@
           </a:prstGeom>
         </p:spPr>
         <p:txBody>
-          <a:bodyPr anchorCtr="0" anchor="t" bIns="91425" lIns="91425" spcFirstLastPara="1" rIns="91425" wrap="square" tIns="91425">
+          <a:bodyPr spcFirstLastPara="1" wrap="square" lIns="91425" tIns="91425" rIns="91425" bIns="91425" anchor="t" anchorCtr="0">
             <a:noAutofit/>
           </a:bodyPr>
           <a:lstStyle>
@@ -2086,15 +2138,19 @@
               <a:defRPr sz="4000"/>
             </a:lvl9pPr>
           </a:lstStyle>
-          <a:p/>
+          <a:p>
+            <a:endParaRPr/>
+          </a:p>
         </p:txBody>
       </p:sp>
       <p:sp>
         <p:nvSpPr>
           <p:cNvPr id="17" name="Google Shape;17;p2"/>
-          <p:cNvSpPr txBox="1"/>
+          <p:cNvSpPr txBox="1">
+            <a:spLocks noGrp="1"/>
+          </p:cNvSpPr>
           <p:nvPr>
-            <p:ph idx="1" type="subTitle"/>
+            <p:ph type="subTitle" idx="1"/>
           </p:nvPr>
         </p:nvSpPr>
         <p:spPr>
@@ -2107,7 +2163,7 @@
           </a:prstGeom>
         </p:spPr>
         <p:txBody>
-          <a:bodyPr anchorCtr="0" anchor="t" bIns="91425" lIns="91425" spcFirstLastPara="1" rIns="91425" wrap="square" tIns="91425">
+          <a:bodyPr spcFirstLastPara="1" wrap="square" lIns="91425" tIns="91425" rIns="91425" bIns="91425" anchor="t" anchorCtr="0">
             <a:noAutofit/>
           </a:bodyPr>
           <a:lstStyle>
@@ -2238,15 +2294,19 @@
               <a:defRPr sz="1300"/>
             </a:lvl9pPr>
           </a:lstStyle>
-          <a:p/>
+          <a:p>
+            <a:endParaRPr/>
+          </a:p>
         </p:txBody>
       </p:sp>
       <p:sp>
         <p:nvSpPr>
           <p:cNvPr id="18" name="Google Shape;18;p2"/>
-          <p:cNvSpPr txBox="1"/>
+          <p:cNvSpPr txBox="1">
+            <a:spLocks noGrp="1"/>
+          </p:cNvSpPr>
           <p:nvPr>
-            <p:ph idx="12" type="sldNum"/>
+            <p:ph type="sldNum" idx="12"/>
           </p:nvPr>
         </p:nvSpPr>
         <p:spPr>
@@ -2259,7 +2319,7 @@
           </a:prstGeom>
         </p:spPr>
         <p:txBody>
-          <a:bodyPr anchorCtr="0" anchor="ctr" bIns="91425" lIns="91425" spcFirstLastPara="1" rIns="91425" wrap="square" tIns="91425">
+          <a:bodyPr spcFirstLastPara="1" wrap="square" lIns="91425" tIns="91425" rIns="91425" bIns="91425" anchor="ctr" anchorCtr="0">
             <a:noAutofit/>
           </a:bodyPr>
           <a:lstStyle>
@@ -2301,7 +2361,7 @@
             </a:lvl9pPr>
           </a:lstStyle>
           <a:p>
-            <a:pPr indent="0" lvl="0" marL="0" rtl="0" algn="r">
+            <a:pPr marL="0" lvl="0" indent="0" algn="r" rtl="0">
               <a:spcBef>
                 <a:spcPts val="0"/>
               </a:spcBef>
@@ -2327,11 +2387,11 @@
 </file>
 
 <file path=ppt/slideLayouts/slideLayout10.xml><?xml version="1.0" encoding="utf-8"?>
-<p:sldLayout xmlns:a="http://schemas.openxmlformats.org/drawingml/2006/main" xmlns:r="http://schemas.openxmlformats.org/officeDocument/2006/relationships" xmlns:mc="http://schemas.openxmlformats.org/markup-compatibility/2006" xmlns:mv="urn:schemas-microsoft-com:mac:vml" xmlns:p="http://schemas.openxmlformats.org/presentationml/2006/main" xmlns:c="http://schemas.openxmlformats.org/drawingml/2006/chart" xmlns:dgm="http://schemas.openxmlformats.org/drawingml/2006/diagram" xmlns:o="urn:schemas-microsoft-com:office:office" xmlns:v="urn:schemas-microsoft-com:vml" xmlns:pvml="urn:schemas-microsoft-com:office:powerpoint" xmlns:com="http://schemas.openxmlformats.org/drawingml/2006/compatibility" xmlns:p14="http://schemas.microsoft.com/office/powerpoint/2010/main" xmlns:p15="http://schemas.microsoft.com/office/powerpoint/2012/main" matchingName="Big number">
+<p:sldLayout xmlns:a="http://schemas.openxmlformats.org/drawingml/2006/main" xmlns:r="http://schemas.openxmlformats.org/officeDocument/2006/relationships" xmlns:p="http://schemas.openxmlformats.org/presentationml/2006/main" matchingName="Big number">
   <p:cSld name="BIG_NUMBER">
     <p:spTree>
       <p:nvGrpSpPr>
-        <p:cNvPr id="105" name="Shape 105"/>
+        <p:cNvPr id="1" name="Shape 105"/>
         <p:cNvGrpSpPr/>
         <p:nvPr/>
       </p:nvGrpSpPr>
@@ -2370,7 +2430,7 @@
             </a:xfrm>
             <a:prstGeom prst="diagStripe">
               <a:avLst>
-                <a:gd fmla="val 49469" name="adj"/>
+                <a:gd name="adj" fmla="val 49469"/>
               </a:avLst>
             </a:prstGeom>
             <a:solidFill>
@@ -2383,12 +2443,12 @@
             </a:ln>
           </p:spPr>
           <p:txBody>
-            <a:bodyPr anchorCtr="0" anchor="ctr" bIns="91425" lIns="91425" spcFirstLastPara="1" rIns="91425" wrap="square" tIns="91425">
+            <a:bodyPr spcFirstLastPara="1" wrap="square" lIns="91425" tIns="91425" rIns="91425" bIns="91425" anchor="ctr" anchorCtr="0">
               <a:noAutofit/>
             </a:bodyPr>
             <a:lstStyle/>
             <a:p>
-              <a:pPr indent="0" lvl="0" marL="0" rtl="0" algn="l">
+              <a:pPr marL="0" lvl="0" indent="0" algn="l" rtl="0">
                 <a:spcBef>
                   <a:spcPts val="0"/>
                 </a:spcBef>
@@ -2397,9 +2457,6 @@
                 </a:spcAft>
                 <a:buNone/>
               </a:pPr>
-              <a:r>
-                <a:t/>
-              </a:r>
               <a:endParaRPr/>
             </a:p>
           </p:txBody>
@@ -2417,7 +2474,7 @@
             </a:xfrm>
             <a:prstGeom prst="diagStripe">
               <a:avLst>
-                <a:gd fmla="val 0" name="adj"/>
+                <a:gd name="adj" fmla="val 0"/>
               </a:avLst>
             </a:prstGeom>
             <a:solidFill>
@@ -2430,12 +2487,12 @@
             </a:ln>
           </p:spPr>
           <p:txBody>
-            <a:bodyPr anchorCtr="0" anchor="ctr" bIns="91425" lIns="91425" spcFirstLastPara="1" rIns="91425" wrap="square" tIns="91425">
+            <a:bodyPr spcFirstLastPara="1" wrap="square" lIns="91425" tIns="91425" rIns="91425" bIns="91425" anchor="ctr" anchorCtr="0">
               <a:noAutofit/>
             </a:bodyPr>
             <a:lstStyle/>
             <a:p>
-              <a:pPr indent="0" lvl="0" marL="0" rtl="0" algn="l">
+              <a:pPr marL="0" lvl="0" indent="0" algn="l" rtl="0">
                 <a:spcBef>
                   <a:spcPts val="0"/>
                 </a:spcBef>
@@ -2444,9 +2501,6 @@
                 </a:spcAft>
                 <a:buNone/>
               </a:pPr>
-              <a:r>
-                <a:t/>
-              </a:r>
               <a:endParaRPr/>
             </a:p>
           </p:txBody>
@@ -2464,7 +2518,7 @@
             </a:xfrm>
             <a:prstGeom prst="diagStripe">
               <a:avLst>
-                <a:gd fmla="val 50000" name="adj"/>
+                <a:gd name="adj" fmla="val 50000"/>
               </a:avLst>
             </a:prstGeom>
             <a:solidFill>
@@ -2477,12 +2531,12 @@
             </a:ln>
           </p:spPr>
           <p:txBody>
-            <a:bodyPr anchorCtr="0" anchor="ctr" bIns="91425" lIns="91425" spcFirstLastPara="1" rIns="91425" wrap="square" tIns="91425">
+            <a:bodyPr spcFirstLastPara="1" wrap="square" lIns="91425" tIns="91425" rIns="91425" bIns="91425" anchor="ctr" anchorCtr="0">
               <a:noAutofit/>
             </a:bodyPr>
             <a:lstStyle/>
             <a:p>
-              <a:pPr indent="0" lvl="0" marL="0" rtl="0" algn="l">
+              <a:pPr marL="0" lvl="0" indent="0" algn="l" rtl="0">
                 <a:spcBef>
                   <a:spcPts val="0"/>
                 </a:spcBef>
@@ -2491,9 +2545,6 @@
                 </a:spcAft>
                 <a:buNone/>
               </a:pPr>
-              <a:r>
-                <a:t/>
-              </a:r>
               <a:endParaRPr/>
             </a:p>
           </p:txBody>
@@ -2511,7 +2562,7 @@
             </a:xfrm>
             <a:prstGeom prst="diagStripe">
               <a:avLst>
-                <a:gd fmla="val 50000" name="adj"/>
+                <a:gd name="adj" fmla="val 50000"/>
               </a:avLst>
             </a:prstGeom>
             <a:solidFill>
@@ -2524,12 +2575,12 @@
             </a:ln>
           </p:spPr>
           <p:txBody>
-            <a:bodyPr anchorCtr="0" anchor="ctr" bIns="91425" lIns="91425" spcFirstLastPara="1" rIns="91425" wrap="square" tIns="91425">
+            <a:bodyPr spcFirstLastPara="1" wrap="square" lIns="91425" tIns="91425" rIns="91425" bIns="91425" anchor="ctr" anchorCtr="0">
               <a:noAutofit/>
             </a:bodyPr>
             <a:lstStyle/>
             <a:p>
-              <a:pPr indent="0" lvl="0" marL="0" rtl="0" algn="l">
+              <a:pPr marL="0" lvl="0" indent="0" algn="l" rtl="0">
                 <a:spcBef>
                   <a:spcPts val="0"/>
                 </a:spcBef>
@@ -2538,9 +2589,6 @@
                 </a:spcAft>
                 <a:buNone/>
               </a:pPr>
-              <a:r>
-                <a:t/>
-              </a:r>
               <a:endParaRPr/>
             </a:p>
           </p:txBody>
@@ -2558,7 +2606,7 @@
             </a:xfrm>
             <a:prstGeom prst="diagStripe">
               <a:avLst>
-                <a:gd fmla="val 50000" name="adj"/>
+                <a:gd name="adj" fmla="val 50000"/>
               </a:avLst>
             </a:prstGeom>
             <a:solidFill>
@@ -2571,12 +2619,12 @@
             </a:ln>
           </p:spPr>
           <p:txBody>
-            <a:bodyPr anchorCtr="0" anchor="ctr" bIns="91425" lIns="91425" spcFirstLastPara="1" rIns="91425" wrap="square" tIns="91425">
+            <a:bodyPr spcFirstLastPara="1" wrap="square" lIns="91425" tIns="91425" rIns="91425" bIns="91425" anchor="ctr" anchorCtr="0">
               <a:noAutofit/>
             </a:bodyPr>
             <a:lstStyle/>
             <a:p>
-              <a:pPr indent="0" lvl="0" marL="0" rtl="0" algn="l">
+              <a:pPr marL="0" lvl="0" indent="0" algn="l" rtl="0">
                 <a:spcBef>
                   <a:spcPts val="0"/>
                 </a:spcBef>
@@ -2585,9 +2633,6 @@
                 </a:spcAft>
                 <a:buNone/>
               </a:pPr>
-              <a:r>
-                <a:t/>
-              </a:r>
               <a:endParaRPr/>
             </a:p>
           </p:txBody>
@@ -2605,7 +2650,7 @@
             </a:xfrm>
             <a:prstGeom prst="diagStripe">
               <a:avLst>
-                <a:gd fmla="val 50000" name="adj"/>
+                <a:gd name="adj" fmla="val 50000"/>
               </a:avLst>
             </a:prstGeom>
             <a:solidFill>
@@ -2618,12 +2663,12 @@
             </a:ln>
           </p:spPr>
           <p:txBody>
-            <a:bodyPr anchorCtr="0" anchor="ctr" bIns="91425" lIns="91425" spcFirstLastPara="1" rIns="91425" wrap="square" tIns="91425">
+            <a:bodyPr spcFirstLastPara="1" wrap="square" lIns="91425" tIns="91425" rIns="91425" bIns="91425" anchor="ctr" anchorCtr="0">
               <a:noAutofit/>
             </a:bodyPr>
             <a:lstStyle/>
             <a:p>
-              <a:pPr indent="0" lvl="0" marL="0" rtl="0" algn="l">
+              <a:pPr marL="0" lvl="0" indent="0" algn="l" rtl="0">
                 <a:spcBef>
                   <a:spcPts val="0"/>
                 </a:spcBef>
@@ -2632,9 +2677,6 @@
                 </a:spcAft>
                 <a:buNone/>
               </a:pPr>
-              <a:r>
-                <a:t/>
-              </a:r>
               <a:endParaRPr/>
             </a:p>
           </p:txBody>
@@ -2652,7 +2694,7 @@
             </a:xfrm>
             <a:prstGeom prst="diagStripe">
               <a:avLst>
-                <a:gd fmla="val 50000" name="adj"/>
+                <a:gd name="adj" fmla="val 50000"/>
               </a:avLst>
             </a:prstGeom>
             <a:solidFill>
@@ -2665,12 +2707,12 @@
             </a:ln>
           </p:spPr>
           <p:txBody>
-            <a:bodyPr anchorCtr="0" anchor="ctr" bIns="91425" lIns="91425" spcFirstLastPara="1" rIns="91425" wrap="square" tIns="91425">
+            <a:bodyPr spcFirstLastPara="1" wrap="square" lIns="91425" tIns="91425" rIns="91425" bIns="91425" anchor="ctr" anchorCtr="0">
               <a:noAutofit/>
             </a:bodyPr>
             <a:lstStyle/>
             <a:p>
-              <a:pPr indent="0" lvl="0" marL="0" rtl="0" algn="l">
+              <a:pPr marL="0" lvl="0" indent="0" algn="l" rtl="0">
                 <a:spcBef>
                   <a:spcPts val="0"/>
                 </a:spcBef>
@@ -2679,9 +2721,6 @@
                 </a:spcAft>
                 <a:buNone/>
               </a:pPr>
-              <a:r>
-                <a:t/>
-              </a:r>
               <a:endParaRPr/>
             </a:p>
           </p:txBody>
@@ -2699,7 +2738,7 @@
             </a:xfrm>
             <a:prstGeom prst="diagStripe">
               <a:avLst>
-                <a:gd fmla="val 50000" name="adj"/>
+                <a:gd name="adj" fmla="val 50000"/>
               </a:avLst>
             </a:prstGeom>
             <a:solidFill>
@@ -2710,12 +2749,12 @@
             </a:ln>
           </p:spPr>
           <p:txBody>
-            <a:bodyPr anchorCtr="0" anchor="ctr" bIns="91425" lIns="91425" spcFirstLastPara="1" rIns="91425" wrap="square" tIns="91425">
+            <a:bodyPr spcFirstLastPara="1" wrap="square" lIns="91425" tIns="91425" rIns="91425" bIns="91425" anchor="ctr" anchorCtr="0">
               <a:noAutofit/>
             </a:bodyPr>
             <a:lstStyle/>
             <a:p>
-              <a:pPr indent="0" lvl="0" marL="0" rtl="0" algn="l">
+              <a:pPr marL="0" lvl="0" indent="0" algn="l" rtl="0">
                 <a:spcBef>
                   <a:spcPts val="0"/>
                 </a:spcBef>
@@ -2724,9 +2763,6 @@
                 </a:spcAft>
                 <a:buNone/>
               </a:pPr>
-              <a:r>
-                <a:t/>
-              </a:r>
               <a:endParaRPr/>
             </a:p>
           </p:txBody>
@@ -2744,7 +2780,7 @@
             </a:xfrm>
             <a:prstGeom prst="diagStripe">
               <a:avLst>
-                <a:gd fmla="val 50000" name="adj"/>
+                <a:gd name="adj" fmla="val 50000"/>
               </a:avLst>
             </a:prstGeom>
             <a:solidFill>
@@ -2757,12 +2793,12 @@
             </a:ln>
           </p:spPr>
           <p:txBody>
-            <a:bodyPr anchorCtr="0" anchor="ctr" bIns="91425" lIns="91425" spcFirstLastPara="1" rIns="91425" wrap="square" tIns="91425">
+            <a:bodyPr spcFirstLastPara="1" wrap="square" lIns="91425" tIns="91425" rIns="91425" bIns="91425" anchor="ctr" anchorCtr="0">
               <a:noAutofit/>
             </a:bodyPr>
             <a:lstStyle/>
             <a:p>
-              <a:pPr indent="0" lvl="0" marL="0" rtl="0" algn="l">
+              <a:pPr marL="0" lvl="0" indent="0" algn="l" rtl="0">
                 <a:spcBef>
                   <a:spcPts val="0"/>
                 </a:spcBef>
@@ -2771,9 +2807,6 @@
                 </a:spcAft>
                 <a:buNone/>
               </a:pPr>
-              <a:r>
-                <a:t/>
-              </a:r>
               <a:endParaRPr/>
             </a:p>
           </p:txBody>
@@ -2791,7 +2824,7 @@
             </a:xfrm>
             <a:prstGeom prst="diagStripe">
               <a:avLst>
-                <a:gd fmla="val 50000" name="adj"/>
+                <a:gd name="adj" fmla="val 50000"/>
               </a:avLst>
             </a:prstGeom>
             <a:solidFill>
@@ -2804,12 +2837,12 @@
             </a:ln>
           </p:spPr>
           <p:txBody>
-            <a:bodyPr anchorCtr="0" anchor="ctr" bIns="91425" lIns="91425" spcFirstLastPara="1" rIns="91425" wrap="square" tIns="91425">
+            <a:bodyPr spcFirstLastPara="1" wrap="square" lIns="91425" tIns="91425" rIns="91425" bIns="91425" anchor="ctr" anchorCtr="0">
               <a:noAutofit/>
             </a:bodyPr>
             <a:lstStyle/>
             <a:p>
-              <a:pPr indent="0" lvl="0" marL="0" rtl="0" algn="l">
+              <a:pPr marL="0" lvl="0" indent="0" algn="l" rtl="0">
                 <a:spcBef>
                   <a:spcPts val="0"/>
                 </a:spcBef>
@@ -2818,9 +2851,6 @@
                 </a:spcAft>
                 <a:buNone/>
               </a:pPr>
-              <a:r>
-                <a:t/>
-              </a:r>
               <a:endParaRPr/>
             </a:p>
           </p:txBody>
@@ -2838,7 +2868,7 @@
             </a:xfrm>
             <a:prstGeom prst="diagStripe">
               <a:avLst>
-                <a:gd fmla="val 50000" name="adj"/>
+                <a:gd name="adj" fmla="val 50000"/>
               </a:avLst>
             </a:prstGeom>
             <a:solidFill>
@@ -2851,12 +2881,12 @@
             </a:ln>
           </p:spPr>
           <p:txBody>
-            <a:bodyPr anchorCtr="0" anchor="ctr" bIns="91425" lIns="91425" spcFirstLastPara="1" rIns="91425" wrap="square" tIns="91425">
+            <a:bodyPr spcFirstLastPara="1" wrap="square" lIns="91425" tIns="91425" rIns="91425" bIns="91425" anchor="ctr" anchorCtr="0">
               <a:noAutofit/>
             </a:bodyPr>
             <a:lstStyle/>
             <a:p>
-              <a:pPr indent="0" lvl="0" marL="0" rtl="0" algn="l">
+              <a:pPr marL="0" lvl="0" indent="0" algn="l" rtl="0">
                 <a:spcBef>
                   <a:spcPts val="0"/>
                 </a:spcBef>
@@ -2865,9 +2895,6 @@
                 </a:spcAft>
                 <a:buNone/>
               </a:pPr>
-              <a:r>
-                <a:t/>
-              </a:r>
               <a:endParaRPr/>
             </a:p>
           </p:txBody>
@@ -2885,7 +2912,7 @@
             </a:xfrm>
             <a:prstGeom prst="diagStripe">
               <a:avLst>
-                <a:gd fmla="val 50000" name="adj"/>
+                <a:gd name="adj" fmla="val 50000"/>
               </a:avLst>
             </a:prstGeom>
             <a:solidFill>
@@ -2898,12 +2925,12 @@
             </a:ln>
           </p:spPr>
           <p:txBody>
-            <a:bodyPr anchorCtr="0" anchor="ctr" bIns="91425" lIns="91425" spcFirstLastPara="1" rIns="91425" wrap="square" tIns="91425">
+            <a:bodyPr spcFirstLastPara="1" wrap="square" lIns="91425" tIns="91425" rIns="91425" bIns="91425" anchor="ctr" anchorCtr="0">
               <a:noAutofit/>
             </a:bodyPr>
             <a:lstStyle/>
             <a:p>
-              <a:pPr indent="0" lvl="0" marL="0" rtl="0" algn="l">
+              <a:pPr marL="0" lvl="0" indent="0" algn="l" rtl="0">
                 <a:spcBef>
                   <a:spcPts val="0"/>
                 </a:spcBef>
@@ -2912,9 +2939,6 @@
                 </a:spcAft>
                 <a:buNone/>
               </a:pPr>
-              <a:r>
-                <a:t/>
-              </a:r>
               <a:endParaRPr/>
             </a:p>
           </p:txBody>
@@ -2932,7 +2956,7 @@
             </a:xfrm>
             <a:prstGeom prst="diagStripe">
               <a:avLst>
-                <a:gd fmla="val 50000" name="adj"/>
+                <a:gd name="adj" fmla="val 50000"/>
               </a:avLst>
             </a:prstGeom>
             <a:solidFill>
@@ -2945,12 +2969,12 @@
             </a:ln>
           </p:spPr>
           <p:txBody>
-            <a:bodyPr anchorCtr="0" anchor="ctr" bIns="91425" lIns="91425" spcFirstLastPara="1" rIns="91425" wrap="square" tIns="91425">
+            <a:bodyPr spcFirstLastPara="1" wrap="square" lIns="91425" tIns="91425" rIns="91425" bIns="91425" anchor="ctr" anchorCtr="0">
               <a:noAutofit/>
             </a:bodyPr>
             <a:lstStyle/>
             <a:p>
-              <a:pPr indent="0" lvl="0" marL="0" rtl="0" algn="l">
+              <a:pPr marL="0" lvl="0" indent="0" algn="l" rtl="0">
                 <a:spcBef>
                   <a:spcPts val="0"/>
                 </a:spcBef>
@@ -2959,9 +2983,6 @@
                 </a:spcAft>
                 <a:buNone/>
               </a:pPr>
-              <a:r>
-                <a:t/>
-              </a:r>
               <a:endParaRPr/>
             </a:p>
           </p:txBody>
@@ -2979,7 +3000,7 @@
             </a:xfrm>
             <a:prstGeom prst="diagStripe">
               <a:avLst>
-                <a:gd fmla="val 50000" name="adj"/>
+                <a:gd name="adj" fmla="val 50000"/>
               </a:avLst>
             </a:prstGeom>
             <a:solidFill>
@@ -2990,12 +3011,12 @@
             </a:ln>
           </p:spPr>
           <p:txBody>
-            <a:bodyPr anchorCtr="0" anchor="ctr" bIns="91425" lIns="91425" spcFirstLastPara="1" rIns="91425" wrap="square" tIns="91425">
+            <a:bodyPr spcFirstLastPara="1" wrap="square" lIns="91425" tIns="91425" rIns="91425" bIns="91425" anchor="ctr" anchorCtr="0">
               <a:noAutofit/>
             </a:bodyPr>
             <a:lstStyle/>
             <a:p>
-              <a:pPr indent="0" lvl="0" marL="0" rtl="0" algn="l">
+              <a:pPr marL="0" lvl="0" indent="0" algn="l" rtl="0">
                 <a:spcBef>
                   <a:spcPts val="0"/>
                 </a:spcBef>
@@ -3004,9 +3025,6 @@
                 </a:spcAft>
                 <a:buNone/>
               </a:pPr>
-              <a:r>
-                <a:t/>
-              </a:r>
               <a:endParaRPr/>
             </a:p>
           </p:txBody>
@@ -3024,7 +3042,7 @@
             </a:xfrm>
             <a:prstGeom prst="diagStripe">
               <a:avLst>
-                <a:gd fmla="val 50000" name="adj"/>
+                <a:gd name="adj" fmla="val 50000"/>
               </a:avLst>
             </a:prstGeom>
             <a:solidFill>
@@ -3037,12 +3055,12 @@
             </a:ln>
           </p:spPr>
           <p:txBody>
-            <a:bodyPr anchorCtr="0" anchor="ctr" bIns="91425" lIns="91425" spcFirstLastPara="1" rIns="91425" wrap="square" tIns="91425">
+            <a:bodyPr spcFirstLastPara="1" wrap="square" lIns="91425" tIns="91425" rIns="91425" bIns="91425" anchor="ctr" anchorCtr="0">
               <a:noAutofit/>
             </a:bodyPr>
             <a:lstStyle/>
             <a:p>
-              <a:pPr indent="0" lvl="0" marL="0" rtl="0" algn="l">
+              <a:pPr marL="0" lvl="0" indent="0" algn="l" rtl="0">
                 <a:spcBef>
                   <a:spcPts val="0"/>
                 </a:spcBef>
@@ -3051,9 +3069,6 @@
                 </a:spcAft>
                 <a:buNone/>
               </a:pPr>
-              <a:r>
-                <a:t/>
-              </a:r>
               <a:endParaRPr/>
             </a:p>
           </p:txBody>
@@ -3071,7 +3086,7 @@
             </a:xfrm>
             <a:prstGeom prst="diagStripe">
               <a:avLst>
-                <a:gd fmla="val 50000" name="adj"/>
+                <a:gd name="adj" fmla="val 50000"/>
               </a:avLst>
             </a:prstGeom>
             <a:solidFill>
@@ -3084,12 +3099,12 @@
             </a:ln>
           </p:spPr>
           <p:txBody>
-            <a:bodyPr anchorCtr="0" anchor="ctr" bIns="91425" lIns="91425" spcFirstLastPara="1" rIns="91425" wrap="square" tIns="91425">
+            <a:bodyPr spcFirstLastPara="1" wrap="square" lIns="91425" tIns="91425" rIns="91425" bIns="91425" anchor="ctr" anchorCtr="0">
               <a:noAutofit/>
             </a:bodyPr>
             <a:lstStyle/>
             <a:p>
-              <a:pPr indent="0" lvl="0" marL="0" rtl="0" algn="l">
+              <a:pPr marL="0" lvl="0" indent="0" algn="l" rtl="0">
                 <a:spcBef>
                   <a:spcPts val="0"/>
                 </a:spcBef>
@@ -3098,9 +3113,6 @@
                 </a:spcAft>
                 <a:buNone/>
               </a:pPr>
-              <a:r>
-                <a:t/>
-              </a:r>
               <a:endParaRPr/>
             </a:p>
           </p:txBody>
@@ -3118,7 +3130,7 @@
             </a:xfrm>
             <a:prstGeom prst="diagStripe">
               <a:avLst>
-                <a:gd fmla="val 50000" name="adj"/>
+                <a:gd name="adj" fmla="val 50000"/>
               </a:avLst>
             </a:prstGeom>
             <a:solidFill>
@@ -3131,12 +3143,12 @@
             </a:ln>
           </p:spPr>
           <p:txBody>
-            <a:bodyPr anchorCtr="0" anchor="ctr" bIns="91425" lIns="91425" spcFirstLastPara="1" rIns="91425" wrap="square" tIns="91425">
+            <a:bodyPr spcFirstLastPara="1" wrap="square" lIns="91425" tIns="91425" rIns="91425" bIns="91425" anchor="ctr" anchorCtr="0">
               <a:noAutofit/>
             </a:bodyPr>
             <a:lstStyle/>
             <a:p>
-              <a:pPr indent="0" lvl="0" marL="0" rtl="0" algn="l">
+              <a:pPr marL="0" lvl="0" indent="0" algn="l" rtl="0">
                 <a:spcBef>
                   <a:spcPts val="0"/>
                 </a:spcBef>
@@ -3145,9 +3157,6 @@
                 </a:spcAft>
                 <a:buNone/>
               </a:pPr>
-              <a:r>
-                <a:t/>
-              </a:r>
               <a:endParaRPr/>
             </a:p>
           </p:txBody>
@@ -3165,7 +3174,7 @@
             </a:xfrm>
             <a:prstGeom prst="diagStripe">
               <a:avLst>
-                <a:gd fmla="val 50000" name="adj"/>
+                <a:gd name="adj" fmla="val 50000"/>
               </a:avLst>
             </a:prstGeom>
             <a:solidFill>
@@ -3178,12 +3187,12 @@
             </a:ln>
           </p:spPr>
           <p:txBody>
-            <a:bodyPr anchorCtr="0" anchor="ctr" bIns="91425" lIns="91425" spcFirstLastPara="1" rIns="91425" wrap="square" tIns="91425">
+            <a:bodyPr spcFirstLastPara="1" wrap="square" lIns="91425" tIns="91425" rIns="91425" bIns="91425" anchor="ctr" anchorCtr="0">
               <a:noAutofit/>
             </a:bodyPr>
             <a:lstStyle/>
             <a:p>
-              <a:pPr indent="0" lvl="0" marL="0" rtl="0" algn="l">
+              <a:pPr marL="0" lvl="0" indent="0" algn="l" rtl="0">
                 <a:spcBef>
                   <a:spcPts val="0"/>
                 </a:spcBef>
@@ -3192,9 +3201,6 @@
                 </a:spcAft>
                 <a:buNone/>
               </a:pPr>
-              <a:r>
-                <a:t/>
-              </a:r>
               <a:endParaRPr/>
             </a:p>
           </p:txBody>
@@ -3203,9 +3209,11 @@
       <p:sp>
         <p:nvSpPr>
           <p:cNvPr id="125" name="Google Shape;125;p11"/>
-          <p:cNvSpPr txBox="1"/>
+          <p:cNvSpPr txBox="1">
+            <a:spLocks noGrp="1"/>
+          </p:cNvSpPr>
           <p:nvPr>
-            <p:ph hasCustomPrompt="1" type="title"/>
+            <p:ph type="title" hasCustomPrompt="1"/>
           </p:nvPr>
         </p:nvSpPr>
         <p:spPr>
@@ -3218,7 +3226,7 @@
           </a:prstGeom>
         </p:spPr>
         <p:txBody>
-          <a:bodyPr anchorCtr="0" anchor="t" bIns="91425" lIns="91425" spcFirstLastPara="1" rIns="91425" wrap="square" tIns="91425">
+          <a:bodyPr spcFirstLastPara="1" wrap="square" lIns="91425" tIns="91425" rIns="91425" bIns="91425" anchor="t" anchorCtr="0">
             <a:noAutofit/>
           </a:bodyPr>
           <a:lstStyle>
@@ -3332,9 +3340,11 @@
       <p:sp>
         <p:nvSpPr>
           <p:cNvPr id="126" name="Google Shape;126;p11"/>
-          <p:cNvSpPr txBox="1"/>
+          <p:cNvSpPr txBox="1">
+            <a:spLocks noGrp="1"/>
+          </p:cNvSpPr>
           <p:nvPr>
-            <p:ph idx="1" type="body"/>
+            <p:ph type="body" idx="1"/>
           </p:nvPr>
         </p:nvSpPr>
         <p:spPr>
@@ -3347,11 +3357,11 @@
           </a:prstGeom>
         </p:spPr>
         <p:txBody>
-          <a:bodyPr anchorCtr="0" anchor="t" bIns="91425" lIns="91425" spcFirstLastPara="1" rIns="91425" wrap="square" tIns="91425">
+          <a:bodyPr spcFirstLastPara="1" wrap="square" lIns="91425" tIns="91425" rIns="91425" bIns="91425" anchor="t" anchorCtr="0">
             <a:noAutofit/>
           </a:bodyPr>
           <a:lstStyle>
-            <a:lvl1pPr indent="-311150" lvl="0" marL="457200">
+            <a:lvl1pPr marL="457200" lvl="0" indent="-311150">
               <a:spcBef>
                 <a:spcPts val="0"/>
               </a:spcBef>
@@ -3362,7 +3372,7 @@
               <a:buChar char="●"/>
               <a:defRPr/>
             </a:lvl1pPr>
-            <a:lvl2pPr indent="-298450" lvl="1" marL="914400">
+            <a:lvl2pPr marL="914400" lvl="1" indent="-298450">
               <a:spcBef>
                 <a:spcPts val="1600"/>
               </a:spcBef>
@@ -3373,7 +3383,7 @@
               <a:buChar char="○"/>
               <a:defRPr/>
             </a:lvl2pPr>
-            <a:lvl3pPr indent="-298450" lvl="2" marL="1371600">
+            <a:lvl3pPr marL="1371600" lvl="2" indent="-298450">
               <a:spcBef>
                 <a:spcPts val="1600"/>
               </a:spcBef>
@@ -3384,7 +3394,7 @@
               <a:buChar char="■"/>
               <a:defRPr/>
             </a:lvl3pPr>
-            <a:lvl4pPr indent="-298450" lvl="3" marL="1828800">
+            <a:lvl4pPr marL="1828800" lvl="3" indent="-298450">
               <a:spcBef>
                 <a:spcPts val="1600"/>
               </a:spcBef>
@@ -3395,7 +3405,7 @@
               <a:buChar char="●"/>
               <a:defRPr/>
             </a:lvl4pPr>
-            <a:lvl5pPr indent="-298450" lvl="4" marL="2286000">
+            <a:lvl5pPr marL="2286000" lvl="4" indent="-298450">
               <a:spcBef>
                 <a:spcPts val="1600"/>
               </a:spcBef>
@@ -3406,7 +3416,7 @@
               <a:buChar char="○"/>
               <a:defRPr/>
             </a:lvl5pPr>
-            <a:lvl6pPr indent="-298450" lvl="5" marL="2743200">
+            <a:lvl6pPr marL="2743200" lvl="5" indent="-298450">
               <a:spcBef>
                 <a:spcPts val="1600"/>
               </a:spcBef>
@@ -3417,7 +3427,7 @@
               <a:buChar char="■"/>
               <a:defRPr/>
             </a:lvl6pPr>
-            <a:lvl7pPr indent="-298450" lvl="6" marL="3200400">
+            <a:lvl7pPr marL="3200400" lvl="6" indent="-298450">
               <a:spcBef>
                 <a:spcPts val="1600"/>
               </a:spcBef>
@@ -3428,7 +3438,7 @@
               <a:buChar char="●"/>
               <a:defRPr/>
             </a:lvl7pPr>
-            <a:lvl8pPr indent="-298450" lvl="7" marL="3657600">
+            <a:lvl8pPr marL="3657600" lvl="7" indent="-298450">
               <a:spcBef>
                 <a:spcPts val="1600"/>
               </a:spcBef>
@@ -3439,7 +3449,7 @@
               <a:buChar char="○"/>
               <a:defRPr/>
             </a:lvl8pPr>
-            <a:lvl9pPr indent="-298450" lvl="8" marL="4114800">
+            <a:lvl9pPr marL="4114800" lvl="8" indent="-298450">
               <a:spcBef>
                 <a:spcPts val="1600"/>
               </a:spcBef>
@@ -3451,15 +3461,19 @@
               <a:defRPr/>
             </a:lvl9pPr>
           </a:lstStyle>
-          <a:p/>
+          <a:p>
+            <a:endParaRPr/>
+          </a:p>
         </p:txBody>
       </p:sp>
       <p:sp>
         <p:nvSpPr>
           <p:cNvPr id="127" name="Google Shape;127;p11"/>
-          <p:cNvSpPr txBox="1"/>
+          <p:cNvSpPr txBox="1">
+            <a:spLocks noGrp="1"/>
+          </p:cNvSpPr>
           <p:nvPr>
-            <p:ph idx="12" type="sldNum"/>
+            <p:ph type="sldNum" idx="12"/>
           </p:nvPr>
         </p:nvSpPr>
         <p:spPr>
@@ -3472,7 +3486,7 @@
           </a:prstGeom>
         </p:spPr>
         <p:txBody>
-          <a:bodyPr anchorCtr="0" anchor="ctr" bIns="91425" lIns="91425" spcFirstLastPara="1" rIns="91425" wrap="square" tIns="91425">
+          <a:bodyPr spcFirstLastPara="1" wrap="square" lIns="91425" tIns="91425" rIns="91425" bIns="91425" anchor="ctr" anchorCtr="0">
             <a:noAutofit/>
           </a:bodyPr>
           <a:lstStyle>
@@ -3514,7 +3528,7 @@
             </a:lvl9pPr>
           </a:lstStyle>
           <a:p>
-            <a:pPr indent="0" lvl="0" marL="0" rtl="0" algn="r">
+            <a:pPr marL="0" lvl="0" indent="0" algn="r" rtl="0">
               <a:spcBef>
                 <a:spcPts val="0"/>
               </a:spcBef>
@@ -3540,11 +3554,11 @@
 </file>
 
 <file path=ppt/slideLayouts/slideLayout11.xml><?xml version="1.0" encoding="utf-8"?>
-<p:sldLayout xmlns:a="http://schemas.openxmlformats.org/drawingml/2006/main" xmlns:r="http://schemas.openxmlformats.org/officeDocument/2006/relationships" xmlns:mc="http://schemas.openxmlformats.org/markup-compatibility/2006" xmlns:mv="urn:schemas-microsoft-com:mac:vml" xmlns:p="http://schemas.openxmlformats.org/presentationml/2006/main" xmlns:c="http://schemas.openxmlformats.org/drawingml/2006/chart" xmlns:dgm="http://schemas.openxmlformats.org/drawingml/2006/diagram" xmlns:o="urn:schemas-microsoft-com:office:office" xmlns:v="urn:schemas-microsoft-com:vml" xmlns:pvml="urn:schemas-microsoft-com:office:powerpoint" xmlns:com="http://schemas.openxmlformats.org/drawingml/2006/compatibility" xmlns:p14="http://schemas.microsoft.com/office/powerpoint/2010/main" xmlns:p15="http://schemas.microsoft.com/office/powerpoint/2012/main" matchingName="Blank" type="blank">
+<p:sldLayout xmlns:a="http://schemas.openxmlformats.org/drawingml/2006/main" xmlns:r="http://schemas.openxmlformats.org/officeDocument/2006/relationships" xmlns:p="http://schemas.openxmlformats.org/presentationml/2006/main" matchingName="Blank" type="blank">
   <p:cSld name="BLANK">
     <p:spTree>
       <p:nvGrpSpPr>
-        <p:cNvPr id="128" name="Shape 128"/>
+        <p:cNvPr id="1" name="Shape 128"/>
         <p:cNvGrpSpPr/>
         <p:nvPr/>
       </p:nvGrpSpPr>
@@ -3559,9 +3573,11 @@
       <p:sp>
         <p:nvSpPr>
           <p:cNvPr id="129" name="Google Shape;129;p12"/>
-          <p:cNvSpPr txBox="1"/>
+          <p:cNvSpPr txBox="1">
+            <a:spLocks noGrp="1"/>
+          </p:cNvSpPr>
           <p:nvPr>
-            <p:ph idx="12" type="sldNum"/>
+            <p:ph type="sldNum" idx="12"/>
           </p:nvPr>
         </p:nvSpPr>
         <p:spPr>
@@ -3574,7 +3590,7 @@
           </a:prstGeom>
         </p:spPr>
         <p:txBody>
-          <a:bodyPr anchorCtr="0" anchor="ctr" bIns="91425" lIns="91425" spcFirstLastPara="1" rIns="91425" wrap="square" tIns="91425">
+          <a:bodyPr spcFirstLastPara="1" wrap="square" lIns="91425" tIns="91425" rIns="91425" bIns="91425" anchor="ctr" anchorCtr="0">
             <a:noAutofit/>
           </a:bodyPr>
           <a:lstStyle>
@@ -3616,7 +3632,7 @@
             </a:lvl9pPr>
           </a:lstStyle>
           <a:p>
-            <a:pPr indent="0" lvl="0" marL="0" rtl="0" algn="r">
+            <a:pPr marL="0" lvl="0" indent="0" algn="r" rtl="0">
               <a:spcBef>
                 <a:spcPts val="0"/>
               </a:spcBef>
@@ -3642,11 +3658,11 @@
 </file>
 
 <file path=ppt/slideLayouts/slideLayout2.xml><?xml version="1.0" encoding="utf-8"?>
-<p:sldLayout xmlns:a="http://schemas.openxmlformats.org/drawingml/2006/main" xmlns:r="http://schemas.openxmlformats.org/officeDocument/2006/relationships" xmlns:mc="http://schemas.openxmlformats.org/markup-compatibility/2006" xmlns:mv="urn:schemas-microsoft-com:mac:vml" xmlns:p="http://schemas.openxmlformats.org/presentationml/2006/main" xmlns:c="http://schemas.openxmlformats.org/drawingml/2006/chart" xmlns:dgm="http://schemas.openxmlformats.org/drawingml/2006/diagram" xmlns:o="urn:schemas-microsoft-com:office:office" xmlns:v="urn:schemas-microsoft-com:vml" xmlns:pvml="urn:schemas-microsoft-com:office:powerpoint" xmlns:com="http://schemas.openxmlformats.org/drawingml/2006/compatibility" xmlns:p14="http://schemas.microsoft.com/office/powerpoint/2010/main" xmlns:p15="http://schemas.microsoft.com/office/powerpoint/2012/main" matchingName="Section header" type="secHead">
+<p:sldLayout xmlns:a="http://schemas.openxmlformats.org/drawingml/2006/main" xmlns:r="http://schemas.openxmlformats.org/officeDocument/2006/relationships" xmlns:p="http://schemas.openxmlformats.org/presentationml/2006/main" matchingName="Section header" type="secHead">
   <p:cSld name="SECTION_HEADER">
     <p:spTree>
       <p:nvGrpSpPr>
-        <p:cNvPr id="19" name="Shape 19"/>
+        <p:cNvPr id="1" name="Shape 19"/>
         <p:cNvGrpSpPr/>
         <p:nvPr/>
       </p:nvGrpSpPr>
@@ -3685,7 +3701,7 @@
             </a:xfrm>
             <a:prstGeom prst="diagStripe">
               <a:avLst>
-                <a:gd fmla="val 49469" name="adj"/>
+                <a:gd name="adj" fmla="val 49469"/>
               </a:avLst>
             </a:prstGeom>
             <a:solidFill>
@@ -3698,12 +3714,12 @@
             </a:ln>
           </p:spPr>
           <p:txBody>
-            <a:bodyPr anchorCtr="0" anchor="ctr" bIns="91425" lIns="91425" spcFirstLastPara="1" rIns="91425" wrap="square" tIns="91425">
+            <a:bodyPr spcFirstLastPara="1" wrap="square" lIns="91425" tIns="91425" rIns="91425" bIns="91425" anchor="ctr" anchorCtr="0">
               <a:noAutofit/>
             </a:bodyPr>
             <a:lstStyle/>
             <a:p>
-              <a:pPr indent="0" lvl="0" marL="0" rtl="0" algn="l">
+              <a:pPr marL="0" lvl="0" indent="0" algn="l" rtl="0">
                 <a:spcBef>
                   <a:spcPts val="0"/>
                 </a:spcBef>
@@ -3712,9 +3728,6 @@
                 </a:spcAft>
                 <a:buNone/>
               </a:pPr>
-              <a:r>
-                <a:t/>
-              </a:r>
               <a:endParaRPr/>
             </a:p>
           </p:txBody>
@@ -3732,7 +3745,7 @@
             </a:xfrm>
             <a:prstGeom prst="diagStripe">
               <a:avLst>
-                <a:gd fmla="val 0" name="adj"/>
+                <a:gd name="adj" fmla="val 0"/>
               </a:avLst>
             </a:prstGeom>
             <a:solidFill>
@@ -3745,12 +3758,12 @@
             </a:ln>
           </p:spPr>
           <p:txBody>
-            <a:bodyPr anchorCtr="0" anchor="ctr" bIns="91425" lIns="91425" spcFirstLastPara="1" rIns="91425" wrap="square" tIns="91425">
+            <a:bodyPr spcFirstLastPara="1" wrap="square" lIns="91425" tIns="91425" rIns="91425" bIns="91425" anchor="ctr" anchorCtr="0">
               <a:noAutofit/>
             </a:bodyPr>
             <a:lstStyle/>
             <a:p>
-              <a:pPr indent="0" lvl="0" marL="0" rtl="0" algn="l">
+              <a:pPr marL="0" lvl="0" indent="0" algn="l" rtl="0">
                 <a:spcBef>
                   <a:spcPts val="0"/>
                 </a:spcBef>
@@ -3759,9 +3772,6 @@
                 </a:spcAft>
                 <a:buNone/>
               </a:pPr>
-              <a:r>
-                <a:t/>
-              </a:r>
               <a:endParaRPr/>
             </a:p>
           </p:txBody>
@@ -3779,7 +3789,7 @@
             </a:xfrm>
             <a:prstGeom prst="diagStripe">
               <a:avLst>
-                <a:gd fmla="val 50000" name="adj"/>
+                <a:gd name="adj" fmla="val 50000"/>
               </a:avLst>
             </a:prstGeom>
             <a:solidFill>
@@ -3792,12 +3802,12 @@
             </a:ln>
           </p:spPr>
           <p:txBody>
-            <a:bodyPr anchorCtr="0" anchor="ctr" bIns="91425" lIns="91425" spcFirstLastPara="1" rIns="91425" wrap="square" tIns="91425">
+            <a:bodyPr spcFirstLastPara="1" wrap="square" lIns="91425" tIns="91425" rIns="91425" bIns="91425" anchor="ctr" anchorCtr="0">
               <a:noAutofit/>
             </a:bodyPr>
             <a:lstStyle/>
             <a:p>
-              <a:pPr indent="0" lvl="0" marL="0" rtl="0" algn="l">
+              <a:pPr marL="0" lvl="0" indent="0" algn="l" rtl="0">
                 <a:spcBef>
                   <a:spcPts val="0"/>
                 </a:spcBef>
@@ -3806,9 +3816,6 @@
                 </a:spcAft>
                 <a:buNone/>
               </a:pPr>
-              <a:r>
-                <a:t/>
-              </a:r>
               <a:endParaRPr/>
             </a:p>
           </p:txBody>
@@ -3826,7 +3833,7 @@
             </a:xfrm>
             <a:prstGeom prst="diagStripe">
               <a:avLst>
-                <a:gd fmla="val 50000" name="adj"/>
+                <a:gd name="adj" fmla="val 50000"/>
               </a:avLst>
             </a:prstGeom>
             <a:solidFill>
@@ -3839,12 +3846,12 @@
             </a:ln>
           </p:spPr>
           <p:txBody>
-            <a:bodyPr anchorCtr="0" anchor="ctr" bIns="91425" lIns="91425" spcFirstLastPara="1" rIns="91425" wrap="square" tIns="91425">
+            <a:bodyPr spcFirstLastPara="1" wrap="square" lIns="91425" tIns="91425" rIns="91425" bIns="91425" anchor="ctr" anchorCtr="0">
               <a:noAutofit/>
             </a:bodyPr>
             <a:lstStyle/>
             <a:p>
-              <a:pPr indent="0" lvl="0" marL="0" rtl="0" algn="l">
+              <a:pPr marL="0" lvl="0" indent="0" algn="l" rtl="0">
                 <a:spcBef>
                   <a:spcPts val="0"/>
                 </a:spcBef>
@@ -3853,9 +3860,6 @@
                 </a:spcAft>
                 <a:buNone/>
               </a:pPr>
-              <a:r>
-                <a:t/>
-              </a:r>
               <a:endParaRPr/>
             </a:p>
           </p:txBody>
@@ -3873,7 +3877,7 @@
             </a:xfrm>
             <a:prstGeom prst="diagStripe">
               <a:avLst>
-                <a:gd fmla="val 50000" name="adj"/>
+                <a:gd name="adj" fmla="val 50000"/>
               </a:avLst>
             </a:prstGeom>
             <a:solidFill>
@@ -3886,12 +3890,12 @@
             </a:ln>
           </p:spPr>
           <p:txBody>
-            <a:bodyPr anchorCtr="0" anchor="ctr" bIns="91425" lIns="91425" spcFirstLastPara="1" rIns="91425" wrap="square" tIns="91425">
+            <a:bodyPr spcFirstLastPara="1" wrap="square" lIns="91425" tIns="91425" rIns="91425" bIns="91425" anchor="ctr" anchorCtr="0">
               <a:noAutofit/>
             </a:bodyPr>
             <a:lstStyle/>
             <a:p>
-              <a:pPr indent="0" lvl="0" marL="0" rtl="0" algn="l">
+              <a:pPr marL="0" lvl="0" indent="0" algn="l" rtl="0">
                 <a:spcBef>
                   <a:spcPts val="0"/>
                 </a:spcBef>
@@ -3900,9 +3904,6 @@
                 </a:spcAft>
                 <a:buNone/>
               </a:pPr>
-              <a:r>
-                <a:t/>
-              </a:r>
               <a:endParaRPr/>
             </a:p>
           </p:txBody>
@@ -3920,7 +3921,7 @@
             </a:xfrm>
             <a:prstGeom prst="diagStripe">
               <a:avLst>
-                <a:gd fmla="val 50000" name="adj"/>
+                <a:gd name="adj" fmla="val 50000"/>
               </a:avLst>
             </a:prstGeom>
             <a:solidFill>
@@ -3933,12 +3934,12 @@
             </a:ln>
           </p:spPr>
           <p:txBody>
-            <a:bodyPr anchorCtr="0" anchor="ctr" bIns="91425" lIns="91425" spcFirstLastPara="1" rIns="91425" wrap="square" tIns="91425">
+            <a:bodyPr spcFirstLastPara="1" wrap="square" lIns="91425" tIns="91425" rIns="91425" bIns="91425" anchor="ctr" anchorCtr="0">
               <a:noAutofit/>
             </a:bodyPr>
             <a:lstStyle/>
             <a:p>
-              <a:pPr indent="0" lvl="0" marL="0" rtl="0" algn="l">
+              <a:pPr marL="0" lvl="0" indent="0" algn="l" rtl="0">
                 <a:spcBef>
                   <a:spcPts val="0"/>
                 </a:spcBef>
@@ -3947,9 +3948,6 @@
                 </a:spcAft>
                 <a:buNone/>
               </a:pPr>
-              <a:r>
-                <a:t/>
-              </a:r>
               <a:endParaRPr/>
             </a:p>
           </p:txBody>
@@ -3967,7 +3965,7 @@
             </a:xfrm>
             <a:prstGeom prst="diagStripe">
               <a:avLst>
-                <a:gd fmla="val 50000" name="adj"/>
+                <a:gd name="adj" fmla="val 50000"/>
               </a:avLst>
             </a:prstGeom>
             <a:solidFill>
@@ -3980,12 +3978,12 @@
             </a:ln>
           </p:spPr>
           <p:txBody>
-            <a:bodyPr anchorCtr="0" anchor="ctr" bIns="91425" lIns="91425" spcFirstLastPara="1" rIns="91425" wrap="square" tIns="91425">
+            <a:bodyPr spcFirstLastPara="1" wrap="square" lIns="91425" tIns="91425" rIns="91425" bIns="91425" anchor="ctr" anchorCtr="0">
               <a:noAutofit/>
             </a:bodyPr>
             <a:lstStyle/>
             <a:p>
-              <a:pPr indent="0" lvl="0" marL="0" rtl="0" algn="l">
+              <a:pPr marL="0" lvl="0" indent="0" algn="l" rtl="0">
                 <a:spcBef>
                   <a:spcPts val="0"/>
                 </a:spcBef>
@@ -3994,9 +3992,6 @@
                 </a:spcAft>
                 <a:buNone/>
               </a:pPr>
-              <a:r>
-                <a:t/>
-              </a:r>
               <a:endParaRPr/>
             </a:p>
           </p:txBody>
@@ -4014,7 +4009,7 @@
             </a:xfrm>
             <a:prstGeom prst="diagStripe">
               <a:avLst>
-                <a:gd fmla="val 50000" name="adj"/>
+                <a:gd name="adj" fmla="val 50000"/>
               </a:avLst>
             </a:prstGeom>
             <a:solidFill>
@@ -4025,12 +4020,12 @@
             </a:ln>
           </p:spPr>
           <p:txBody>
-            <a:bodyPr anchorCtr="0" anchor="ctr" bIns="91425" lIns="91425" spcFirstLastPara="1" rIns="91425" wrap="square" tIns="91425">
+            <a:bodyPr spcFirstLastPara="1" wrap="square" lIns="91425" tIns="91425" rIns="91425" bIns="91425" anchor="ctr" anchorCtr="0">
               <a:noAutofit/>
             </a:bodyPr>
             <a:lstStyle/>
             <a:p>
-              <a:pPr indent="0" lvl="0" marL="0" rtl="0" algn="l">
+              <a:pPr marL="0" lvl="0" indent="0" algn="l" rtl="0">
                 <a:spcBef>
                   <a:spcPts val="0"/>
                 </a:spcBef>
@@ -4039,9 +4034,6 @@
                 </a:spcAft>
                 <a:buNone/>
               </a:pPr>
-              <a:r>
-                <a:t/>
-              </a:r>
               <a:endParaRPr/>
             </a:p>
           </p:txBody>
@@ -4059,7 +4051,7 @@
             </a:xfrm>
             <a:prstGeom prst="diagStripe">
               <a:avLst>
-                <a:gd fmla="val 50000" name="adj"/>
+                <a:gd name="adj" fmla="val 50000"/>
               </a:avLst>
             </a:prstGeom>
             <a:solidFill>
@@ -4072,12 +4064,12 @@
             </a:ln>
           </p:spPr>
           <p:txBody>
-            <a:bodyPr anchorCtr="0" anchor="ctr" bIns="91425" lIns="91425" spcFirstLastPara="1" rIns="91425" wrap="square" tIns="91425">
+            <a:bodyPr spcFirstLastPara="1" wrap="square" lIns="91425" tIns="91425" rIns="91425" bIns="91425" anchor="ctr" anchorCtr="0">
               <a:noAutofit/>
             </a:bodyPr>
             <a:lstStyle/>
             <a:p>
-              <a:pPr indent="0" lvl="0" marL="0" rtl="0" algn="l">
+              <a:pPr marL="0" lvl="0" indent="0" algn="l" rtl="0">
                 <a:spcBef>
                   <a:spcPts val="0"/>
                 </a:spcBef>
@@ -4086,9 +4078,6 @@
                 </a:spcAft>
                 <a:buNone/>
               </a:pPr>
-              <a:r>
-                <a:t/>
-              </a:r>
               <a:endParaRPr/>
             </a:p>
           </p:txBody>
@@ -4106,7 +4095,7 @@
             </a:xfrm>
             <a:prstGeom prst="diagStripe">
               <a:avLst>
-                <a:gd fmla="val 50000" name="adj"/>
+                <a:gd name="adj" fmla="val 50000"/>
               </a:avLst>
             </a:prstGeom>
             <a:solidFill>
@@ -4119,12 +4108,12 @@
             </a:ln>
           </p:spPr>
           <p:txBody>
-            <a:bodyPr anchorCtr="0" anchor="ctr" bIns="91425" lIns="91425" spcFirstLastPara="1" rIns="91425" wrap="square" tIns="91425">
+            <a:bodyPr spcFirstLastPara="1" wrap="square" lIns="91425" tIns="91425" rIns="91425" bIns="91425" anchor="ctr" anchorCtr="0">
               <a:noAutofit/>
             </a:bodyPr>
             <a:lstStyle/>
             <a:p>
-              <a:pPr indent="0" lvl="0" marL="0" rtl="0" algn="l">
+              <a:pPr marL="0" lvl="0" indent="0" algn="l" rtl="0">
                 <a:spcBef>
                   <a:spcPts val="0"/>
                 </a:spcBef>
@@ -4133,9 +4122,6 @@
                 </a:spcAft>
                 <a:buNone/>
               </a:pPr>
-              <a:r>
-                <a:t/>
-              </a:r>
               <a:endParaRPr/>
             </a:p>
           </p:txBody>
@@ -4153,7 +4139,7 @@
             </a:xfrm>
             <a:prstGeom prst="diagStripe">
               <a:avLst>
-                <a:gd fmla="val 50000" name="adj"/>
+                <a:gd name="adj" fmla="val 50000"/>
               </a:avLst>
             </a:prstGeom>
             <a:solidFill>
@@ -4166,12 +4152,12 @@
             </a:ln>
           </p:spPr>
           <p:txBody>
-            <a:bodyPr anchorCtr="0" anchor="ctr" bIns="91425" lIns="91425" spcFirstLastPara="1" rIns="91425" wrap="square" tIns="91425">
+            <a:bodyPr spcFirstLastPara="1" wrap="square" lIns="91425" tIns="91425" rIns="91425" bIns="91425" anchor="ctr" anchorCtr="0">
               <a:noAutofit/>
             </a:bodyPr>
             <a:lstStyle/>
             <a:p>
-              <a:pPr indent="0" lvl="0" marL="0" rtl="0" algn="l">
+              <a:pPr marL="0" lvl="0" indent="0" algn="l" rtl="0">
                 <a:spcBef>
                   <a:spcPts val="0"/>
                 </a:spcBef>
@@ -4180,9 +4166,6 @@
                 </a:spcAft>
                 <a:buNone/>
               </a:pPr>
-              <a:r>
-                <a:t/>
-              </a:r>
               <a:endParaRPr/>
             </a:p>
           </p:txBody>
@@ -4200,7 +4183,7 @@
             </a:xfrm>
             <a:prstGeom prst="diagStripe">
               <a:avLst>
-                <a:gd fmla="val 50000" name="adj"/>
+                <a:gd name="adj" fmla="val 50000"/>
               </a:avLst>
             </a:prstGeom>
             <a:solidFill>
@@ -4213,12 +4196,12 @@
             </a:ln>
           </p:spPr>
           <p:txBody>
-            <a:bodyPr anchorCtr="0" anchor="ctr" bIns="91425" lIns="91425" spcFirstLastPara="1" rIns="91425" wrap="square" tIns="91425">
+            <a:bodyPr spcFirstLastPara="1" wrap="square" lIns="91425" tIns="91425" rIns="91425" bIns="91425" anchor="ctr" anchorCtr="0">
               <a:noAutofit/>
             </a:bodyPr>
             <a:lstStyle/>
             <a:p>
-              <a:pPr indent="0" lvl="0" marL="0" rtl="0" algn="l">
+              <a:pPr marL="0" lvl="0" indent="0" algn="l" rtl="0">
                 <a:spcBef>
                   <a:spcPts val="0"/>
                 </a:spcBef>
@@ -4227,9 +4210,6 @@
                 </a:spcAft>
                 <a:buNone/>
               </a:pPr>
-              <a:r>
-                <a:t/>
-              </a:r>
               <a:endParaRPr/>
             </a:p>
           </p:txBody>
@@ -4247,7 +4227,7 @@
             </a:xfrm>
             <a:prstGeom prst="diagStripe">
               <a:avLst>
-                <a:gd fmla="val 50000" name="adj"/>
+                <a:gd name="adj" fmla="val 50000"/>
               </a:avLst>
             </a:prstGeom>
             <a:solidFill>
@@ -4260,12 +4240,12 @@
             </a:ln>
           </p:spPr>
           <p:txBody>
-            <a:bodyPr anchorCtr="0" anchor="ctr" bIns="91425" lIns="91425" spcFirstLastPara="1" rIns="91425" wrap="square" tIns="91425">
+            <a:bodyPr spcFirstLastPara="1" wrap="square" lIns="91425" tIns="91425" rIns="91425" bIns="91425" anchor="ctr" anchorCtr="0">
               <a:noAutofit/>
             </a:bodyPr>
             <a:lstStyle/>
             <a:p>
-              <a:pPr indent="0" lvl="0" marL="0" rtl="0" algn="l">
+              <a:pPr marL="0" lvl="0" indent="0" algn="l" rtl="0">
                 <a:spcBef>
                   <a:spcPts val="0"/>
                 </a:spcBef>
@@ -4274,9 +4254,6 @@
                 </a:spcAft>
                 <a:buNone/>
               </a:pPr>
-              <a:r>
-                <a:t/>
-              </a:r>
               <a:endParaRPr/>
             </a:p>
           </p:txBody>
@@ -4294,7 +4271,7 @@
             </a:xfrm>
             <a:prstGeom prst="diagStripe">
               <a:avLst>
-                <a:gd fmla="val 50000" name="adj"/>
+                <a:gd name="adj" fmla="val 50000"/>
               </a:avLst>
             </a:prstGeom>
             <a:solidFill>
@@ -4305,12 +4282,12 @@
             </a:ln>
           </p:spPr>
           <p:txBody>
-            <a:bodyPr anchorCtr="0" anchor="ctr" bIns="91425" lIns="91425" spcFirstLastPara="1" rIns="91425" wrap="square" tIns="91425">
+            <a:bodyPr spcFirstLastPara="1" wrap="square" lIns="91425" tIns="91425" rIns="91425" bIns="91425" anchor="ctr" anchorCtr="0">
               <a:noAutofit/>
             </a:bodyPr>
             <a:lstStyle/>
             <a:p>
-              <a:pPr indent="0" lvl="0" marL="0" rtl="0" algn="l">
+              <a:pPr marL="0" lvl="0" indent="0" algn="l" rtl="0">
                 <a:spcBef>
                   <a:spcPts val="0"/>
                 </a:spcBef>
@@ -4319,9 +4296,6 @@
                 </a:spcAft>
                 <a:buNone/>
               </a:pPr>
-              <a:r>
-                <a:t/>
-              </a:r>
               <a:endParaRPr/>
             </a:p>
           </p:txBody>
@@ -4339,7 +4313,7 @@
             </a:xfrm>
             <a:prstGeom prst="diagStripe">
               <a:avLst>
-                <a:gd fmla="val 50000" name="adj"/>
+                <a:gd name="adj" fmla="val 50000"/>
               </a:avLst>
             </a:prstGeom>
             <a:solidFill>
@@ -4352,12 +4326,12 @@
             </a:ln>
           </p:spPr>
           <p:txBody>
-            <a:bodyPr anchorCtr="0" anchor="ctr" bIns="91425" lIns="91425" spcFirstLastPara="1" rIns="91425" wrap="square" tIns="91425">
+            <a:bodyPr spcFirstLastPara="1" wrap="square" lIns="91425" tIns="91425" rIns="91425" bIns="91425" anchor="ctr" anchorCtr="0">
               <a:noAutofit/>
             </a:bodyPr>
             <a:lstStyle/>
             <a:p>
-              <a:pPr indent="0" lvl="0" marL="0" rtl="0" algn="l">
+              <a:pPr marL="0" lvl="0" indent="0" algn="l" rtl="0">
                 <a:spcBef>
                   <a:spcPts val="0"/>
                 </a:spcBef>
@@ -4366,9 +4340,6 @@
                 </a:spcAft>
                 <a:buNone/>
               </a:pPr>
-              <a:r>
-                <a:t/>
-              </a:r>
               <a:endParaRPr/>
             </a:p>
           </p:txBody>
@@ -4386,7 +4357,7 @@
             </a:xfrm>
             <a:prstGeom prst="diagStripe">
               <a:avLst>
-                <a:gd fmla="val 50000" name="adj"/>
+                <a:gd name="adj" fmla="val 50000"/>
               </a:avLst>
             </a:prstGeom>
             <a:solidFill>
@@ -4399,12 +4370,12 @@
             </a:ln>
           </p:spPr>
           <p:txBody>
-            <a:bodyPr anchorCtr="0" anchor="ctr" bIns="91425" lIns="91425" spcFirstLastPara="1" rIns="91425" wrap="square" tIns="91425">
+            <a:bodyPr spcFirstLastPara="1" wrap="square" lIns="91425" tIns="91425" rIns="91425" bIns="91425" anchor="ctr" anchorCtr="0">
               <a:noAutofit/>
             </a:bodyPr>
             <a:lstStyle/>
             <a:p>
-              <a:pPr indent="0" lvl="0" marL="0" rtl="0" algn="l">
+              <a:pPr marL="0" lvl="0" indent="0" algn="l" rtl="0">
                 <a:spcBef>
                   <a:spcPts val="0"/>
                 </a:spcBef>
@@ -4413,9 +4384,6 @@
                 </a:spcAft>
                 <a:buNone/>
               </a:pPr>
-              <a:r>
-                <a:t/>
-              </a:r>
               <a:endParaRPr/>
             </a:p>
           </p:txBody>
@@ -4433,7 +4401,7 @@
             </a:xfrm>
             <a:prstGeom prst="diagStripe">
               <a:avLst>
-                <a:gd fmla="val 50000" name="adj"/>
+                <a:gd name="adj" fmla="val 50000"/>
               </a:avLst>
             </a:prstGeom>
             <a:solidFill>
@@ -4446,12 +4414,12 @@
             </a:ln>
           </p:spPr>
           <p:txBody>
-            <a:bodyPr anchorCtr="0" anchor="ctr" bIns="91425" lIns="91425" spcFirstLastPara="1" rIns="91425" wrap="square" tIns="91425">
+            <a:bodyPr spcFirstLastPara="1" wrap="square" lIns="91425" tIns="91425" rIns="91425" bIns="91425" anchor="ctr" anchorCtr="0">
               <a:noAutofit/>
             </a:bodyPr>
             <a:lstStyle/>
             <a:p>
-              <a:pPr indent="0" lvl="0" marL="0" rtl="0" algn="l">
+              <a:pPr marL="0" lvl="0" indent="0" algn="l" rtl="0">
                 <a:spcBef>
                   <a:spcPts val="0"/>
                 </a:spcBef>
@@ -4460,9 +4428,6 @@
                 </a:spcAft>
                 <a:buNone/>
               </a:pPr>
-              <a:r>
-                <a:t/>
-              </a:r>
               <a:endParaRPr/>
             </a:p>
           </p:txBody>
@@ -4480,7 +4445,7 @@
             </a:xfrm>
             <a:prstGeom prst="diagStripe">
               <a:avLst>
-                <a:gd fmla="val 50000" name="adj"/>
+                <a:gd name="adj" fmla="val 50000"/>
               </a:avLst>
             </a:prstGeom>
             <a:solidFill>
@@ -4493,12 +4458,12 @@
             </a:ln>
           </p:spPr>
           <p:txBody>
-            <a:bodyPr anchorCtr="0" anchor="ctr" bIns="91425" lIns="91425" spcFirstLastPara="1" rIns="91425" wrap="square" tIns="91425">
+            <a:bodyPr spcFirstLastPara="1" wrap="square" lIns="91425" tIns="91425" rIns="91425" bIns="91425" anchor="ctr" anchorCtr="0">
               <a:noAutofit/>
             </a:bodyPr>
             <a:lstStyle/>
             <a:p>
-              <a:pPr indent="0" lvl="0" marL="0" rtl="0" algn="l">
+              <a:pPr marL="0" lvl="0" indent="0" algn="l" rtl="0">
                 <a:spcBef>
                   <a:spcPts val="0"/>
                 </a:spcBef>
@@ -4507,9 +4472,6 @@
                 </a:spcAft>
                 <a:buNone/>
               </a:pPr>
-              <a:r>
-                <a:t/>
-              </a:r>
               <a:endParaRPr/>
             </a:p>
           </p:txBody>
@@ -4518,7 +4480,9 @@
       <p:sp>
         <p:nvSpPr>
           <p:cNvPr id="39" name="Google Shape;39;p3"/>
-          <p:cNvSpPr txBox="1"/>
+          <p:cNvSpPr txBox="1">
+            <a:spLocks noGrp="1"/>
+          </p:cNvSpPr>
           <p:nvPr>
             <p:ph type="title"/>
           </p:nvPr>
@@ -4533,7 +4497,7 @@
           </a:prstGeom>
         </p:spPr>
         <p:txBody>
-          <a:bodyPr anchorCtr="0" anchor="ctr" bIns="91425" lIns="91425" spcFirstLastPara="1" rIns="91425" wrap="square" tIns="91425">
+          <a:bodyPr spcFirstLastPara="1" wrap="square" lIns="91425" tIns="91425" rIns="91425" bIns="91425" anchor="ctr" anchorCtr="0">
             <a:noAutofit/>
           </a:bodyPr>
           <a:lstStyle>
@@ -4637,15 +4601,19 @@
               <a:defRPr/>
             </a:lvl9pPr>
           </a:lstStyle>
-          <a:p/>
+          <a:p>
+            <a:endParaRPr/>
+          </a:p>
         </p:txBody>
       </p:sp>
       <p:sp>
         <p:nvSpPr>
           <p:cNvPr id="40" name="Google Shape;40;p3"/>
-          <p:cNvSpPr txBox="1"/>
+          <p:cNvSpPr txBox="1">
+            <a:spLocks noGrp="1"/>
+          </p:cNvSpPr>
           <p:nvPr>
-            <p:ph idx="12" type="sldNum"/>
+            <p:ph type="sldNum" idx="12"/>
           </p:nvPr>
         </p:nvSpPr>
         <p:spPr>
@@ -4658,7 +4626,7 @@
           </a:prstGeom>
         </p:spPr>
         <p:txBody>
-          <a:bodyPr anchorCtr="0" anchor="ctr" bIns="91425" lIns="91425" spcFirstLastPara="1" rIns="91425" wrap="square" tIns="91425">
+          <a:bodyPr spcFirstLastPara="1" wrap="square" lIns="91425" tIns="91425" rIns="91425" bIns="91425" anchor="ctr" anchorCtr="0">
             <a:noAutofit/>
           </a:bodyPr>
           <a:lstStyle>
@@ -4700,7 +4668,7 @@
             </a:lvl9pPr>
           </a:lstStyle>
           <a:p>
-            <a:pPr indent="0" lvl="0" marL="0" rtl="0" algn="r">
+            <a:pPr marL="0" lvl="0" indent="0" algn="r" rtl="0">
               <a:spcBef>
                 <a:spcPts val="0"/>
               </a:spcBef>
@@ -4726,11 +4694,11 @@
 </file>
 
 <file path=ppt/slideLayouts/slideLayout3.xml><?xml version="1.0" encoding="utf-8"?>
-<p:sldLayout xmlns:a="http://schemas.openxmlformats.org/drawingml/2006/main" xmlns:r="http://schemas.openxmlformats.org/officeDocument/2006/relationships" xmlns:mc="http://schemas.openxmlformats.org/markup-compatibility/2006" xmlns:mv="urn:schemas-microsoft-com:mac:vml" xmlns:p="http://schemas.openxmlformats.org/presentationml/2006/main" xmlns:c="http://schemas.openxmlformats.org/drawingml/2006/chart" xmlns:dgm="http://schemas.openxmlformats.org/drawingml/2006/diagram" xmlns:o="urn:schemas-microsoft-com:office:office" xmlns:v="urn:schemas-microsoft-com:vml" xmlns:pvml="urn:schemas-microsoft-com:office:powerpoint" xmlns:com="http://schemas.openxmlformats.org/drawingml/2006/compatibility" xmlns:p14="http://schemas.microsoft.com/office/powerpoint/2010/main" xmlns:p15="http://schemas.microsoft.com/office/powerpoint/2012/main" matchingName="Title and body" type="tx">
+<p:sldLayout xmlns:a="http://schemas.openxmlformats.org/drawingml/2006/main" xmlns:r="http://schemas.openxmlformats.org/officeDocument/2006/relationships" xmlns:p="http://schemas.openxmlformats.org/presentationml/2006/main" matchingName="Title and body" type="tx">
   <p:cSld name="TITLE_AND_BODY">
     <p:spTree>
       <p:nvGrpSpPr>
-        <p:cNvPr id="41" name="Shape 41"/>
+        <p:cNvPr id="1" name="Shape 41"/>
         <p:cNvGrpSpPr/>
         <p:nvPr/>
       </p:nvGrpSpPr>
@@ -4769,7 +4737,7 @@
             </a:xfrm>
             <a:prstGeom prst="diagStripe">
               <a:avLst>
-                <a:gd fmla="val 50000" name="adj"/>
+                <a:gd name="adj" fmla="val 50000"/>
               </a:avLst>
             </a:prstGeom>
             <a:solidFill>
@@ -4780,12 +4748,12 @@
             </a:ln>
           </p:spPr>
           <p:txBody>
-            <a:bodyPr anchorCtr="0" anchor="ctr" bIns="91425" lIns="91425" spcFirstLastPara="1" rIns="91425" wrap="square" tIns="91425">
+            <a:bodyPr spcFirstLastPara="1" wrap="square" lIns="91425" tIns="91425" rIns="91425" bIns="91425" anchor="ctr" anchorCtr="0">
               <a:noAutofit/>
             </a:bodyPr>
             <a:lstStyle/>
             <a:p>
-              <a:pPr indent="0" lvl="0" marL="0" rtl="0" algn="l">
+              <a:pPr marL="0" lvl="0" indent="0" algn="l" rtl="0">
                 <a:spcBef>
                   <a:spcPts val="0"/>
                 </a:spcBef>
@@ -4794,9 +4762,6 @@
                 </a:spcAft>
                 <a:buNone/>
               </a:pPr>
-              <a:r>
-                <a:t/>
-              </a:r>
               <a:endParaRPr/>
             </a:p>
           </p:txBody>
@@ -4814,7 +4779,7 @@
             </a:xfrm>
             <a:prstGeom prst="diagStripe">
               <a:avLst>
-                <a:gd fmla="val 50000" name="adj"/>
+                <a:gd name="adj" fmla="val 50000"/>
               </a:avLst>
             </a:prstGeom>
             <a:solidFill>
@@ -4825,12 +4790,12 @@
             </a:ln>
           </p:spPr>
           <p:txBody>
-            <a:bodyPr anchorCtr="0" anchor="ctr" bIns="91425" lIns="91425" spcFirstLastPara="1" rIns="91425" wrap="square" tIns="91425">
+            <a:bodyPr spcFirstLastPara="1" wrap="square" lIns="91425" tIns="91425" rIns="91425" bIns="91425" anchor="ctr" anchorCtr="0">
               <a:noAutofit/>
             </a:bodyPr>
             <a:lstStyle/>
             <a:p>
-              <a:pPr indent="0" lvl="0" marL="0" rtl="0" algn="l">
+              <a:pPr marL="0" lvl="0" indent="0" algn="l" rtl="0">
                 <a:spcBef>
                   <a:spcPts val="0"/>
                 </a:spcBef>
@@ -4839,9 +4804,6 @@
                 </a:spcAft>
                 <a:buNone/>
               </a:pPr>
-              <a:r>
-                <a:t/>
-              </a:r>
               <a:endParaRPr/>
             </a:p>
           </p:txBody>
@@ -4850,7 +4812,9 @@
       <p:sp>
         <p:nvSpPr>
           <p:cNvPr id="45" name="Google Shape;45;p4"/>
-          <p:cNvSpPr txBox="1"/>
+          <p:cNvSpPr txBox="1">
+            <a:spLocks noGrp="1"/>
+          </p:cNvSpPr>
           <p:nvPr>
             <p:ph type="title"/>
           </p:nvPr>
@@ -4865,7 +4829,7 @@
           </a:prstGeom>
         </p:spPr>
         <p:txBody>
-          <a:bodyPr anchorCtr="0" anchor="t" bIns="91425" lIns="91425" spcFirstLastPara="1" rIns="91425" wrap="square" tIns="91425">
+          <a:bodyPr spcFirstLastPara="1" wrap="square" lIns="91425" tIns="91425" rIns="91425" bIns="91425" anchor="t" anchorCtr="0">
             <a:noAutofit/>
           </a:bodyPr>
           <a:lstStyle>
@@ -4969,15 +4933,19 @@
               <a:defRPr sz="2400"/>
             </a:lvl9pPr>
           </a:lstStyle>
-          <a:p/>
+          <a:p>
+            <a:endParaRPr/>
+          </a:p>
         </p:txBody>
       </p:sp>
       <p:sp>
         <p:nvSpPr>
           <p:cNvPr id="46" name="Google Shape;46;p4"/>
-          <p:cNvSpPr txBox="1"/>
+          <p:cNvSpPr txBox="1">
+            <a:spLocks noGrp="1"/>
+          </p:cNvSpPr>
           <p:nvPr>
-            <p:ph idx="1" type="body"/>
+            <p:ph type="body" idx="1"/>
           </p:nvPr>
         </p:nvSpPr>
         <p:spPr>
@@ -4990,11 +4958,11 @@
           </a:prstGeom>
         </p:spPr>
         <p:txBody>
-          <a:bodyPr anchorCtr="0" anchor="t" bIns="91425" lIns="91425" spcFirstLastPara="1" rIns="91425" wrap="square" tIns="91425">
+          <a:bodyPr spcFirstLastPara="1" wrap="square" lIns="91425" tIns="91425" rIns="91425" bIns="91425" anchor="t" anchorCtr="0">
             <a:noAutofit/>
           </a:bodyPr>
           <a:lstStyle>
-            <a:lvl1pPr indent="-311150" lvl="0" marL="457200">
+            <a:lvl1pPr marL="457200" lvl="0" indent="-311150">
               <a:spcBef>
                 <a:spcPts val="0"/>
               </a:spcBef>
@@ -5005,7 +4973,7 @@
               <a:buChar char="●"/>
               <a:defRPr/>
             </a:lvl1pPr>
-            <a:lvl2pPr indent="-298450" lvl="1" marL="914400">
+            <a:lvl2pPr marL="914400" lvl="1" indent="-298450">
               <a:spcBef>
                 <a:spcPts val="1600"/>
               </a:spcBef>
@@ -5016,7 +4984,7 @@
               <a:buChar char="○"/>
               <a:defRPr/>
             </a:lvl2pPr>
-            <a:lvl3pPr indent="-298450" lvl="2" marL="1371600">
+            <a:lvl3pPr marL="1371600" lvl="2" indent="-298450">
               <a:spcBef>
                 <a:spcPts val="1600"/>
               </a:spcBef>
@@ -5027,7 +4995,7 @@
               <a:buChar char="■"/>
               <a:defRPr/>
             </a:lvl3pPr>
-            <a:lvl4pPr indent="-298450" lvl="3" marL="1828800">
+            <a:lvl4pPr marL="1828800" lvl="3" indent="-298450">
               <a:spcBef>
                 <a:spcPts val="1600"/>
               </a:spcBef>
@@ -5038,7 +5006,7 @@
               <a:buChar char="●"/>
               <a:defRPr/>
             </a:lvl4pPr>
-            <a:lvl5pPr indent="-298450" lvl="4" marL="2286000">
+            <a:lvl5pPr marL="2286000" lvl="4" indent="-298450">
               <a:spcBef>
                 <a:spcPts val="1600"/>
               </a:spcBef>
@@ -5049,7 +5017,7 @@
               <a:buChar char="○"/>
               <a:defRPr/>
             </a:lvl5pPr>
-            <a:lvl6pPr indent="-298450" lvl="5" marL="2743200">
+            <a:lvl6pPr marL="2743200" lvl="5" indent="-298450">
               <a:spcBef>
                 <a:spcPts val="1600"/>
               </a:spcBef>
@@ -5060,7 +5028,7 @@
               <a:buChar char="■"/>
               <a:defRPr/>
             </a:lvl6pPr>
-            <a:lvl7pPr indent="-298450" lvl="6" marL="3200400">
+            <a:lvl7pPr marL="3200400" lvl="6" indent="-298450">
               <a:spcBef>
                 <a:spcPts val="1600"/>
               </a:spcBef>
@@ -5071,7 +5039,7 @@
               <a:buChar char="●"/>
               <a:defRPr/>
             </a:lvl7pPr>
-            <a:lvl8pPr indent="-298450" lvl="7" marL="3657600">
+            <a:lvl8pPr marL="3657600" lvl="7" indent="-298450">
               <a:spcBef>
                 <a:spcPts val="1600"/>
               </a:spcBef>
@@ -5082,7 +5050,7 @@
               <a:buChar char="○"/>
               <a:defRPr/>
             </a:lvl8pPr>
-            <a:lvl9pPr indent="-298450" lvl="8" marL="4114800">
+            <a:lvl9pPr marL="4114800" lvl="8" indent="-298450">
               <a:spcBef>
                 <a:spcPts val="1600"/>
               </a:spcBef>
@@ -5094,15 +5062,19 @@
               <a:defRPr/>
             </a:lvl9pPr>
           </a:lstStyle>
-          <a:p/>
+          <a:p>
+            <a:endParaRPr/>
+          </a:p>
         </p:txBody>
       </p:sp>
       <p:sp>
         <p:nvSpPr>
           <p:cNvPr id="47" name="Google Shape;47;p4"/>
-          <p:cNvSpPr txBox="1"/>
+          <p:cNvSpPr txBox="1">
+            <a:spLocks noGrp="1"/>
+          </p:cNvSpPr>
           <p:nvPr>
-            <p:ph idx="12" type="sldNum"/>
+            <p:ph type="sldNum" idx="12"/>
           </p:nvPr>
         </p:nvSpPr>
         <p:spPr>
@@ -5115,7 +5087,7 @@
           </a:prstGeom>
         </p:spPr>
         <p:txBody>
-          <a:bodyPr anchorCtr="0" anchor="ctr" bIns="91425" lIns="91425" spcFirstLastPara="1" rIns="91425" wrap="square" tIns="91425">
+          <a:bodyPr spcFirstLastPara="1" wrap="square" lIns="91425" tIns="91425" rIns="91425" bIns="91425" anchor="ctr" anchorCtr="0">
             <a:noAutofit/>
           </a:bodyPr>
           <a:lstStyle>
@@ -5157,7 +5129,7 @@
             </a:lvl9pPr>
           </a:lstStyle>
           <a:p>
-            <a:pPr indent="0" lvl="0" marL="0" rtl="0" algn="r">
+            <a:pPr marL="0" lvl="0" indent="0" algn="r" rtl="0">
               <a:spcBef>
                 <a:spcPts val="0"/>
               </a:spcBef>
@@ -5183,11 +5155,11 @@
 </file>
 
 <file path=ppt/slideLayouts/slideLayout4.xml><?xml version="1.0" encoding="utf-8"?>
-<p:sldLayout xmlns:a="http://schemas.openxmlformats.org/drawingml/2006/main" xmlns:r="http://schemas.openxmlformats.org/officeDocument/2006/relationships" xmlns:mc="http://schemas.openxmlformats.org/markup-compatibility/2006" xmlns:mv="urn:schemas-microsoft-com:mac:vml" xmlns:p="http://schemas.openxmlformats.org/presentationml/2006/main" xmlns:c="http://schemas.openxmlformats.org/drawingml/2006/chart" xmlns:dgm="http://schemas.openxmlformats.org/drawingml/2006/diagram" xmlns:o="urn:schemas-microsoft-com:office:office" xmlns:v="urn:schemas-microsoft-com:vml" xmlns:pvml="urn:schemas-microsoft-com:office:powerpoint" xmlns:com="http://schemas.openxmlformats.org/drawingml/2006/compatibility" xmlns:p14="http://schemas.microsoft.com/office/powerpoint/2010/main" xmlns:p15="http://schemas.microsoft.com/office/powerpoint/2012/main" matchingName="Title and two columns" type="twoColTx">
+<p:sldLayout xmlns:a="http://schemas.openxmlformats.org/drawingml/2006/main" xmlns:r="http://schemas.openxmlformats.org/officeDocument/2006/relationships" xmlns:p="http://schemas.openxmlformats.org/presentationml/2006/main" matchingName="Title and two columns" type="twoColTx">
   <p:cSld name="TITLE_AND_TWO_COLUMNS">
     <p:spTree>
       <p:nvGrpSpPr>
-        <p:cNvPr id="48" name="Shape 48"/>
+        <p:cNvPr id="1" name="Shape 48"/>
         <p:cNvGrpSpPr/>
         <p:nvPr/>
       </p:nvGrpSpPr>
@@ -5226,7 +5198,7 @@
             </a:xfrm>
             <a:prstGeom prst="diagStripe">
               <a:avLst>
-                <a:gd fmla="val 50000" name="adj"/>
+                <a:gd name="adj" fmla="val 50000"/>
               </a:avLst>
             </a:prstGeom>
             <a:solidFill>
@@ -5237,12 +5209,12 @@
             </a:ln>
           </p:spPr>
           <p:txBody>
-            <a:bodyPr anchorCtr="0" anchor="ctr" bIns="91425" lIns="91425" spcFirstLastPara="1" rIns="91425" wrap="square" tIns="91425">
+            <a:bodyPr spcFirstLastPara="1" wrap="square" lIns="91425" tIns="91425" rIns="91425" bIns="91425" anchor="ctr" anchorCtr="0">
               <a:noAutofit/>
             </a:bodyPr>
             <a:lstStyle/>
             <a:p>
-              <a:pPr indent="0" lvl="0" marL="0" rtl="0" algn="l">
+              <a:pPr marL="0" lvl="0" indent="0" algn="l" rtl="0">
                 <a:spcBef>
                   <a:spcPts val="0"/>
                 </a:spcBef>
@@ -5251,9 +5223,6 @@
                 </a:spcAft>
                 <a:buNone/>
               </a:pPr>
-              <a:r>
-                <a:t/>
-              </a:r>
               <a:endParaRPr/>
             </a:p>
           </p:txBody>
@@ -5271,7 +5240,7 @@
             </a:xfrm>
             <a:prstGeom prst="diagStripe">
               <a:avLst>
-                <a:gd fmla="val 50000" name="adj"/>
+                <a:gd name="adj" fmla="val 50000"/>
               </a:avLst>
             </a:prstGeom>
             <a:solidFill>
@@ -5282,12 +5251,12 @@
             </a:ln>
           </p:spPr>
           <p:txBody>
-            <a:bodyPr anchorCtr="0" anchor="ctr" bIns="91425" lIns="91425" spcFirstLastPara="1" rIns="91425" wrap="square" tIns="91425">
+            <a:bodyPr spcFirstLastPara="1" wrap="square" lIns="91425" tIns="91425" rIns="91425" bIns="91425" anchor="ctr" anchorCtr="0">
               <a:noAutofit/>
             </a:bodyPr>
             <a:lstStyle/>
             <a:p>
-              <a:pPr indent="0" lvl="0" marL="0" rtl="0" algn="l">
+              <a:pPr marL="0" lvl="0" indent="0" algn="l" rtl="0">
                 <a:spcBef>
                   <a:spcPts val="0"/>
                 </a:spcBef>
@@ -5296,9 +5265,6 @@
                 </a:spcAft>
                 <a:buNone/>
               </a:pPr>
-              <a:r>
-                <a:t/>
-              </a:r>
               <a:endParaRPr/>
             </a:p>
           </p:txBody>
@@ -5307,7 +5273,9 @@
       <p:sp>
         <p:nvSpPr>
           <p:cNvPr id="52" name="Google Shape;52;p5"/>
-          <p:cNvSpPr txBox="1"/>
+          <p:cNvSpPr txBox="1">
+            <a:spLocks noGrp="1"/>
+          </p:cNvSpPr>
           <p:nvPr>
             <p:ph type="title"/>
           </p:nvPr>
@@ -5322,7 +5290,7 @@
           </a:prstGeom>
         </p:spPr>
         <p:txBody>
-          <a:bodyPr anchorCtr="0" anchor="t" bIns="91425" lIns="91425" spcFirstLastPara="1" rIns="91425" wrap="square" tIns="91425">
+          <a:bodyPr spcFirstLastPara="1" wrap="square" lIns="91425" tIns="91425" rIns="91425" bIns="91425" anchor="t" anchorCtr="0">
             <a:noAutofit/>
           </a:bodyPr>
           <a:lstStyle>
@@ -5426,15 +5394,19 @@
               <a:defRPr sz="2400"/>
             </a:lvl9pPr>
           </a:lstStyle>
-          <a:p/>
+          <a:p>
+            <a:endParaRPr/>
+          </a:p>
         </p:txBody>
       </p:sp>
       <p:sp>
         <p:nvSpPr>
           <p:cNvPr id="53" name="Google Shape;53;p5"/>
-          <p:cNvSpPr txBox="1"/>
+          <p:cNvSpPr txBox="1">
+            <a:spLocks noGrp="1"/>
+          </p:cNvSpPr>
           <p:nvPr>
-            <p:ph idx="1" type="body"/>
+            <p:ph type="body" idx="1"/>
           </p:nvPr>
         </p:nvSpPr>
         <p:spPr>
@@ -5447,11 +5419,11 @@
           </a:prstGeom>
         </p:spPr>
         <p:txBody>
-          <a:bodyPr anchorCtr="0" anchor="t" bIns="91425" lIns="91425" spcFirstLastPara="1" rIns="91425" wrap="square" tIns="91425">
+          <a:bodyPr spcFirstLastPara="1" wrap="square" lIns="91425" tIns="91425" rIns="91425" bIns="91425" anchor="t" anchorCtr="0">
             <a:noAutofit/>
           </a:bodyPr>
           <a:lstStyle>
-            <a:lvl1pPr indent="-311150" lvl="0" marL="457200">
+            <a:lvl1pPr marL="457200" lvl="0" indent="-311150">
               <a:spcBef>
                 <a:spcPts val="0"/>
               </a:spcBef>
@@ -5462,7 +5434,7 @@
               <a:buChar char="●"/>
               <a:defRPr/>
             </a:lvl1pPr>
-            <a:lvl2pPr indent="-298450" lvl="1" marL="914400">
+            <a:lvl2pPr marL="914400" lvl="1" indent="-298450">
               <a:spcBef>
                 <a:spcPts val="1600"/>
               </a:spcBef>
@@ -5473,7 +5445,7 @@
               <a:buChar char="○"/>
               <a:defRPr/>
             </a:lvl2pPr>
-            <a:lvl3pPr indent="-298450" lvl="2" marL="1371600">
+            <a:lvl3pPr marL="1371600" lvl="2" indent="-298450">
               <a:spcBef>
                 <a:spcPts val="1600"/>
               </a:spcBef>
@@ -5484,7 +5456,7 @@
               <a:buChar char="■"/>
               <a:defRPr/>
             </a:lvl3pPr>
-            <a:lvl4pPr indent="-298450" lvl="3" marL="1828800">
+            <a:lvl4pPr marL="1828800" lvl="3" indent="-298450">
               <a:spcBef>
                 <a:spcPts val="1600"/>
               </a:spcBef>
@@ -5495,7 +5467,7 @@
               <a:buChar char="●"/>
               <a:defRPr/>
             </a:lvl4pPr>
-            <a:lvl5pPr indent="-298450" lvl="4" marL="2286000">
+            <a:lvl5pPr marL="2286000" lvl="4" indent="-298450">
               <a:spcBef>
                 <a:spcPts val="1600"/>
               </a:spcBef>
@@ -5506,7 +5478,7 @@
               <a:buChar char="○"/>
               <a:defRPr/>
             </a:lvl5pPr>
-            <a:lvl6pPr indent="-298450" lvl="5" marL="2743200">
+            <a:lvl6pPr marL="2743200" lvl="5" indent="-298450">
               <a:spcBef>
                 <a:spcPts val="1600"/>
               </a:spcBef>
@@ -5517,7 +5489,7 @@
               <a:buChar char="■"/>
               <a:defRPr/>
             </a:lvl6pPr>
-            <a:lvl7pPr indent="-298450" lvl="6" marL="3200400">
+            <a:lvl7pPr marL="3200400" lvl="6" indent="-298450">
               <a:spcBef>
                 <a:spcPts val="1600"/>
               </a:spcBef>
@@ -5528,7 +5500,7 @@
               <a:buChar char="●"/>
               <a:defRPr/>
             </a:lvl7pPr>
-            <a:lvl8pPr indent="-298450" lvl="7" marL="3657600">
+            <a:lvl8pPr marL="3657600" lvl="7" indent="-298450">
               <a:spcBef>
                 <a:spcPts val="1600"/>
               </a:spcBef>
@@ -5539,7 +5511,7 @@
               <a:buChar char="○"/>
               <a:defRPr/>
             </a:lvl8pPr>
-            <a:lvl9pPr indent="-298450" lvl="8" marL="4114800">
+            <a:lvl9pPr marL="4114800" lvl="8" indent="-298450">
               <a:spcBef>
                 <a:spcPts val="1600"/>
               </a:spcBef>
@@ -5551,15 +5523,19 @@
               <a:defRPr/>
             </a:lvl9pPr>
           </a:lstStyle>
-          <a:p/>
+          <a:p>
+            <a:endParaRPr/>
+          </a:p>
         </p:txBody>
       </p:sp>
       <p:sp>
         <p:nvSpPr>
           <p:cNvPr id="54" name="Google Shape;54;p5"/>
-          <p:cNvSpPr txBox="1"/>
+          <p:cNvSpPr txBox="1">
+            <a:spLocks noGrp="1"/>
+          </p:cNvSpPr>
           <p:nvPr>
-            <p:ph idx="2" type="body"/>
+            <p:ph type="body" idx="2"/>
           </p:nvPr>
         </p:nvSpPr>
         <p:spPr>
@@ -5572,11 +5548,11 @@
           </a:prstGeom>
         </p:spPr>
         <p:txBody>
-          <a:bodyPr anchorCtr="0" anchor="t" bIns="91425" lIns="91425" spcFirstLastPara="1" rIns="91425" wrap="square" tIns="91425">
+          <a:bodyPr spcFirstLastPara="1" wrap="square" lIns="91425" tIns="91425" rIns="91425" bIns="91425" anchor="t" anchorCtr="0">
             <a:noAutofit/>
           </a:bodyPr>
           <a:lstStyle>
-            <a:lvl1pPr indent="-311150" lvl="0" marL="457200">
+            <a:lvl1pPr marL="457200" lvl="0" indent="-311150">
               <a:spcBef>
                 <a:spcPts val="0"/>
               </a:spcBef>
@@ -5587,7 +5563,7 @@
               <a:buChar char="●"/>
               <a:defRPr/>
             </a:lvl1pPr>
-            <a:lvl2pPr indent="-298450" lvl="1" marL="914400">
+            <a:lvl2pPr marL="914400" lvl="1" indent="-298450">
               <a:spcBef>
                 <a:spcPts val="1600"/>
               </a:spcBef>
@@ -5598,7 +5574,7 @@
               <a:buChar char="○"/>
               <a:defRPr/>
             </a:lvl2pPr>
-            <a:lvl3pPr indent="-298450" lvl="2" marL="1371600">
+            <a:lvl3pPr marL="1371600" lvl="2" indent="-298450">
               <a:spcBef>
                 <a:spcPts val="1600"/>
               </a:spcBef>
@@ -5609,7 +5585,7 @@
               <a:buChar char="■"/>
               <a:defRPr/>
             </a:lvl3pPr>
-            <a:lvl4pPr indent="-298450" lvl="3" marL="1828800">
+            <a:lvl4pPr marL="1828800" lvl="3" indent="-298450">
               <a:spcBef>
                 <a:spcPts val="1600"/>
               </a:spcBef>
@@ -5620,7 +5596,7 @@
               <a:buChar char="●"/>
               <a:defRPr/>
             </a:lvl4pPr>
-            <a:lvl5pPr indent="-298450" lvl="4" marL="2286000">
+            <a:lvl5pPr marL="2286000" lvl="4" indent="-298450">
               <a:spcBef>
                 <a:spcPts val="1600"/>
               </a:spcBef>
@@ -5631,7 +5607,7 @@
               <a:buChar char="○"/>
               <a:defRPr/>
             </a:lvl5pPr>
-            <a:lvl6pPr indent="-298450" lvl="5" marL="2743200">
+            <a:lvl6pPr marL="2743200" lvl="5" indent="-298450">
               <a:spcBef>
                 <a:spcPts val="1600"/>
               </a:spcBef>
@@ -5642,7 +5618,7 @@
               <a:buChar char="■"/>
               <a:defRPr/>
             </a:lvl6pPr>
-            <a:lvl7pPr indent="-298450" lvl="6" marL="3200400">
+            <a:lvl7pPr marL="3200400" lvl="6" indent="-298450">
               <a:spcBef>
                 <a:spcPts val="1600"/>
               </a:spcBef>
@@ -5653,7 +5629,7 @@
               <a:buChar char="●"/>
               <a:defRPr/>
             </a:lvl7pPr>
-            <a:lvl8pPr indent="-298450" lvl="7" marL="3657600">
+            <a:lvl8pPr marL="3657600" lvl="7" indent="-298450">
               <a:spcBef>
                 <a:spcPts val="1600"/>
               </a:spcBef>
@@ -5664,7 +5640,7 @@
               <a:buChar char="○"/>
               <a:defRPr/>
             </a:lvl8pPr>
-            <a:lvl9pPr indent="-298450" lvl="8" marL="4114800">
+            <a:lvl9pPr marL="4114800" lvl="8" indent="-298450">
               <a:spcBef>
                 <a:spcPts val="1600"/>
               </a:spcBef>
@@ -5676,15 +5652,19 @@
               <a:defRPr/>
             </a:lvl9pPr>
           </a:lstStyle>
-          <a:p/>
+          <a:p>
+            <a:endParaRPr/>
+          </a:p>
         </p:txBody>
       </p:sp>
       <p:sp>
         <p:nvSpPr>
           <p:cNvPr id="55" name="Google Shape;55;p5"/>
-          <p:cNvSpPr txBox="1"/>
+          <p:cNvSpPr txBox="1">
+            <a:spLocks noGrp="1"/>
+          </p:cNvSpPr>
           <p:nvPr>
-            <p:ph idx="12" type="sldNum"/>
+            <p:ph type="sldNum" idx="12"/>
           </p:nvPr>
         </p:nvSpPr>
         <p:spPr>
@@ -5697,7 +5677,7 @@
           </a:prstGeom>
         </p:spPr>
         <p:txBody>
-          <a:bodyPr anchorCtr="0" anchor="ctr" bIns="91425" lIns="91425" spcFirstLastPara="1" rIns="91425" wrap="square" tIns="91425">
+          <a:bodyPr spcFirstLastPara="1" wrap="square" lIns="91425" tIns="91425" rIns="91425" bIns="91425" anchor="ctr" anchorCtr="0">
             <a:noAutofit/>
           </a:bodyPr>
           <a:lstStyle>
@@ -5739,7 +5719,7 @@
             </a:lvl9pPr>
           </a:lstStyle>
           <a:p>
-            <a:pPr indent="0" lvl="0" marL="0" rtl="0" algn="r">
+            <a:pPr marL="0" lvl="0" indent="0" algn="r" rtl="0">
               <a:spcBef>
                 <a:spcPts val="0"/>
               </a:spcBef>
@@ -5765,11 +5745,11 @@
 </file>
 
 <file path=ppt/slideLayouts/slideLayout5.xml><?xml version="1.0" encoding="utf-8"?>
-<p:sldLayout xmlns:a="http://schemas.openxmlformats.org/drawingml/2006/main" xmlns:r="http://schemas.openxmlformats.org/officeDocument/2006/relationships" xmlns:mc="http://schemas.openxmlformats.org/markup-compatibility/2006" xmlns:mv="urn:schemas-microsoft-com:mac:vml" xmlns:p="http://schemas.openxmlformats.org/presentationml/2006/main" xmlns:c="http://schemas.openxmlformats.org/drawingml/2006/chart" xmlns:dgm="http://schemas.openxmlformats.org/drawingml/2006/diagram" xmlns:o="urn:schemas-microsoft-com:office:office" xmlns:v="urn:schemas-microsoft-com:vml" xmlns:pvml="urn:schemas-microsoft-com:office:powerpoint" xmlns:com="http://schemas.openxmlformats.org/drawingml/2006/compatibility" xmlns:p14="http://schemas.microsoft.com/office/powerpoint/2010/main" xmlns:p15="http://schemas.microsoft.com/office/powerpoint/2012/main" matchingName="Title only" type="titleOnly">
+<p:sldLayout xmlns:a="http://schemas.openxmlformats.org/drawingml/2006/main" xmlns:r="http://schemas.openxmlformats.org/officeDocument/2006/relationships" xmlns:p="http://schemas.openxmlformats.org/presentationml/2006/main" matchingName="Title only" type="titleOnly">
   <p:cSld name="TITLE_ONLY">
     <p:spTree>
       <p:nvGrpSpPr>
-        <p:cNvPr id="56" name="Shape 56"/>
+        <p:cNvPr id="1" name="Shape 56"/>
         <p:cNvGrpSpPr/>
         <p:nvPr/>
       </p:nvGrpSpPr>
@@ -5808,7 +5788,7 @@
             </a:xfrm>
             <a:prstGeom prst="diagStripe">
               <a:avLst>
-                <a:gd fmla="val 50000" name="adj"/>
+                <a:gd name="adj" fmla="val 50000"/>
               </a:avLst>
             </a:prstGeom>
             <a:solidFill>
@@ -5819,12 +5799,12 @@
             </a:ln>
           </p:spPr>
           <p:txBody>
-            <a:bodyPr anchorCtr="0" anchor="ctr" bIns="91425" lIns="91425" spcFirstLastPara="1" rIns="91425" wrap="square" tIns="91425">
+            <a:bodyPr spcFirstLastPara="1" wrap="square" lIns="91425" tIns="91425" rIns="91425" bIns="91425" anchor="ctr" anchorCtr="0">
               <a:noAutofit/>
             </a:bodyPr>
             <a:lstStyle/>
             <a:p>
-              <a:pPr indent="0" lvl="0" marL="0" rtl="0" algn="l">
+              <a:pPr marL="0" lvl="0" indent="0" algn="l" rtl="0">
                 <a:spcBef>
                   <a:spcPts val="0"/>
                 </a:spcBef>
@@ -5833,9 +5813,6 @@
                 </a:spcAft>
                 <a:buNone/>
               </a:pPr>
-              <a:r>
-                <a:t/>
-              </a:r>
               <a:endParaRPr/>
             </a:p>
           </p:txBody>
@@ -5853,7 +5830,7 @@
             </a:xfrm>
             <a:prstGeom prst="diagStripe">
               <a:avLst>
-                <a:gd fmla="val 50000" name="adj"/>
+                <a:gd name="adj" fmla="val 50000"/>
               </a:avLst>
             </a:prstGeom>
             <a:solidFill>
@@ -5864,12 +5841,12 @@
             </a:ln>
           </p:spPr>
           <p:txBody>
-            <a:bodyPr anchorCtr="0" anchor="ctr" bIns="91425" lIns="91425" spcFirstLastPara="1" rIns="91425" wrap="square" tIns="91425">
+            <a:bodyPr spcFirstLastPara="1" wrap="square" lIns="91425" tIns="91425" rIns="91425" bIns="91425" anchor="ctr" anchorCtr="0">
               <a:noAutofit/>
             </a:bodyPr>
             <a:lstStyle/>
             <a:p>
-              <a:pPr indent="0" lvl="0" marL="0" rtl="0" algn="l">
+              <a:pPr marL="0" lvl="0" indent="0" algn="l" rtl="0">
                 <a:spcBef>
                   <a:spcPts val="0"/>
                 </a:spcBef>
@@ -5878,9 +5855,6 @@
                 </a:spcAft>
                 <a:buNone/>
               </a:pPr>
-              <a:r>
-                <a:t/>
-              </a:r>
               <a:endParaRPr/>
             </a:p>
           </p:txBody>
@@ -5889,7 +5863,9 @@
       <p:sp>
         <p:nvSpPr>
           <p:cNvPr id="60" name="Google Shape;60;p6"/>
-          <p:cNvSpPr txBox="1"/>
+          <p:cNvSpPr txBox="1">
+            <a:spLocks noGrp="1"/>
+          </p:cNvSpPr>
           <p:nvPr>
             <p:ph type="title"/>
           </p:nvPr>
@@ -5904,7 +5880,7 @@
           </a:prstGeom>
         </p:spPr>
         <p:txBody>
-          <a:bodyPr anchorCtr="0" anchor="t" bIns="91425" lIns="91425" spcFirstLastPara="1" rIns="91425" wrap="square" tIns="91425">
+          <a:bodyPr spcFirstLastPara="1" wrap="square" lIns="91425" tIns="91425" rIns="91425" bIns="91425" anchor="t" anchorCtr="0">
             <a:noAutofit/>
           </a:bodyPr>
           <a:lstStyle>
@@ -6008,15 +5984,19 @@
               <a:defRPr sz="2400"/>
             </a:lvl9pPr>
           </a:lstStyle>
-          <a:p/>
+          <a:p>
+            <a:endParaRPr/>
+          </a:p>
         </p:txBody>
       </p:sp>
       <p:sp>
         <p:nvSpPr>
           <p:cNvPr id="61" name="Google Shape;61;p6"/>
-          <p:cNvSpPr txBox="1"/>
+          <p:cNvSpPr txBox="1">
+            <a:spLocks noGrp="1"/>
+          </p:cNvSpPr>
           <p:nvPr>
-            <p:ph idx="12" type="sldNum"/>
+            <p:ph type="sldNum" idx="12"/>
           </p:nvPr>
         </p:nvSpPr>
         <p:spPr>
@@ -6029,7 +6009,7 @@
           </a:prstGeom>
         </p:spPr>
         <p:txBody>
-          <a:bodyPr anchorCtr="0" anchor="ctr" bIns="91425" lIns="91425" spcFirstLastPara="1" rIns="91425" wrap="square" tIns="91425">
+          <a:bodyPr spcFirstLastPara="1" wrap="square" lIns="91425" tIns="91425" rIns="91425" bIns="91425" anchor="ctr" anchorCtr="0">
             <a:noAutofit/>
           </a:bodyPr>
           <a:lstStyle>
@@ -6071,7 +6051,7 @@
             </a:lvl9pPr>
           </a:lstStyle>
           <a:p>
-            <a:pPr indent="0" lvl="0" marL="0" rtl="0" algn="r">
+            <a:pPr marL="0" lvl="0" indent="0" algn="r" rtl="0">
               <a:spcBef>
                 <a:spcPts val="0"/>
               </a:spcBef>
@@ -6097,11 +6077,11 @@
 </file>
 
 <file path=ppt/slideLayouts/slideLayout6.xml><?xml version="1.0" encoding="utf-8"?>
-<p:sldLayout xmlns:a="http://schemas.openxmlformats.org/drawingml/2006/main" xmlns:r="http://schemas.openxmlformats.org/officeDocument/2006/relationships" xmlns:mc="http://schemas.openxmlformats.org/markup-compatibility/2006" xmlns:mv="urn:schemas-microsoft-com:mac:vml" xmlns:p="http://schemas.openxmlformats.org/presentationml/2006/main" xmlns:c="http://schemas.openxmlformats.org/drawingml/2006/chart" xmlns:dgm="http://schemas.openxmlformats.org/drawingml/2006/diagram" xmlns:o="urn:schemas-microsoft-com:office:office" xmlns:v="urn:schemas-microsoft-com:vml" xmlns:pvml="urn:schemas-microsoft-com:office:powerpoint" xmlns:com="http://schemas.openxmlformats.org/drawingml/2006/compatibility" xmlns:p14="http://schemas.microsoft.com/office/powerpoint/2010/main" xmlns:p15="http://schemas.microsoft.com/office/powerpoint/2012/main" matchingName="One column text">
+<p:sldLayout xmlns:a="http://schemas.openxmlformats.org/drawingml/2006/main" xmlns:r="http://schemas.openxmlformats.org/officeDocument/2006/relationships" xmlns:p="http://schemas.openxmlformats.org/presentationml/2006/main" matchingName="One column text">
   <p:cSld name="ONE_COLUMN_TEXT">
     <p:spTree>
       <p:nvGrpSpPr>
-        <p:cNvPr id="62" name="Shape 62"/>
+        <p:cNvPr id="1" name="Shape 62"/>
         <p:cNvGrpSpPr/>
         <p:nvPr/>
       </p:nvGrpSpPr>
@@ -6140,7 +6120,7 @@
             </a:xfrm>
             <a:prstGeom prst="diagStripe">
               <a:avLst>
-                <a:gd fmla="val 50000" name="adj"/>
+                <a:gd name="adj" fmla="val 50000"/>
               </a:avLst>
             </a:prstGeom>
             <a:solidFill>
@@ -6151,12 +6131,12 @@
             </a:ln>
           </p:spPr>
           <p:txBody>
-            <a:bodyPr anchorCtr="0" anchor="ctr" bIns="91425" lIns="91425" spcFirstLastPara="1" rIns="91425" wrap="square" tIns="91425">
+            <a:bodyPr spcFirstLastPara="1" wrap="square" lIns="91425" tIns="91425" rIns="91425" bIns="91425" anchor="ctr" anchorCtr="0">
               <a:noAutofit/>
             </a:bodyPr>
             <a:lstStyle/>
             <a:p>
-              <a:pPr indent="0" lvl="0" marL="0" rtl="0" algn="l">
+              <a:pPr marL="0" lvl="0" indent="0" algn="l" rtl="0">
                 <a:spcBef>
                   <a:spcPts val="0"/>
                 </a:spcBef>
@@ -6165,9 +6145,6 @@
                 </a:spcAft>
                 <a:buNone/>
               </a:pPr>
-              <a:r>
-                <a:t/>
-              </a:r>
               <a:endParaRPr/>
             </a:p>
           </p:txBody>
@@ -6185,7 +6162,7 @@
             </a:xfrm>
             <a:prstGeom prst="diagStripe">
               <a:avLst>
-                <a:gd fmla="val 50000" name="adj"/>
+                <a:gd name="adj" fmla="val 50000"/>
               </a:avLst>
             </a:prstGeom>
             <a:solidFill>
@@ -6196,12 +6173,12 @@
             </a:ln>
           </p:spPr>
           <p:txBody>
-            <a:bodyPr anchorCtr="0" anchor="ctr" bIns="91425" lIns="91425" spcFirstLastPara="1" rIns="91425" wrap="square" tIns="91425">
+            <a:bodyPr spcFirstLastPara="1" wrap="square" lIns="91425" tIns="91425" rIns="91425" bIns="91425" anchor="ctr" anchorCtr="0">
               <a:noAutofit/>
             </a:bodyPr>
             <a:lstStyle/>
             <a:p>
-              <a:pPr indent="0" lvl="0" marL="0" rtl="0" algn="l">
+              <a:pPr marL="0" lvl="0" indent="0" algn="l" rtl="0">
                 <a:spcBef>
                   <a:spcPts val="0"/>
                 </a:spcBef>
@@ -6210,9 +6187,6 @@
                 </a:spcAft>
                 <a:buNone/>
               </a:pPr>
-              <a:r>
-                <a:t/>
-              </a:r>
               <a:endParaRPr/>
             </a:p>
           </p:txBody>
@@ -6221,7 +6195,9 @@
       <p:sp>
         <p:nvSpPr>
           <p:cNvPr id="66" name="Google Shape;66;p7"/>
-          <p:cNvSpPr txBox="1"/>
+          <p:cNvSpPr txBox="1">
+            <a:spLocks noGrp="1"/>
+          </p:cNvSpPr>
           <p:nvPr>
             <p:ph type="title"/>
           </p:nvPr>
@@ -6236,7 +6212,7 @@
           </a:prstGeom>
         </p:spPr>
         <p:txBody>
-          <a:bodyPr anchorCtr="0" anchor="t" bIns="91425" lIns="91425" spcFirstLastPara="1" rIns="91425" wrap="square" tIns="91425">
+          <a:bodyPr spcFirstLastPara="1" wrap="square" lIns="91425" tIns="91425" rIns="91425" bIns="91425" anchor="t" anchorCtr="0">
             <a:noAutofit/>
           </a:bodyPr>
           <a:lstStyle>
@@ -6340,15 +6316,19 @@
               <a:defRPr sz="2400"/>
             </a:lvl9pPr>
           </a:lstStyle>
-          <a:p/>
+          <a:p>
+            <a:endParaRPr/>
+          </a:p>
         </p:txBody>
       </p:sp>
       <p:sp>
         <p:nvSpPr>
           <p:cNvPr id="67" name="Google Shape;67;p7"/>
-          <p:cNvSpPr txBox="1"/>
+          <p:cNvSpPr txBox="1">
+            <a:spLocks noGrp="1"/>
+          </p:cNvSpPr>
           <p:nvPr>
-            <p:ph idx="1" type="body"/>
+            <p:ph type="body" idx="1"/>
           </p:nvPr>
         </p:nvSpPr>
         <p:spPr>
@@ -6361,11 +6341,11 @@
           </a:prstGeom>
         </p:spPr>
         <p:txBody>
-          <a:bodyPr anchorCtr="0" anchor="t" bIns="91425" lIns="91425" spcFirstLastPara="1" rIns="91425" wrap="square" tIns="91425">
+          <a:bodyPr spcFirstLastPara="1" wrap="square" lIns="91425" tIns="91425" rIns="91425" bIns="91425" anchor="t" anchorCtr="0">
             <a:noAutofit/>
           </a:bodyPr>
           <a:lstStyle>
-            <a:lvl1pPr indent="-311150" lvl="0" marL="457200">
+            <a:lvl1pPr marL="457200" lvl="0" indent="-311150">
               <a:spcBef>
                 <a:spcPts val="0"/>
               </a:spcBef>
@@ -6376,7 +6356,7 @@
               <a:buChar char="●"/>
               <a:defRPr/>
             </a:lvl1pPr>
-            <a:lvl2pPr indent="-298450" lvl="1" marL="914400">
+            <a:lvl2pPr marL="914400" lvl="1" indent="-298450">
               <a:spcBef>
                 <a:spcPts val="1600"/>
               </a:spcBef>
@@ -6387,7 +6367,7 @@
               <a:buChar char="○"/>
               <a:defRPr/>
             </a:lvl2pPr>
-            <a:lvl3pPr indent="-298450" lvl="2" marL="1371600">
+            <a:lvl3pPr marL="1371600" lvl="2" indent="-298450">
               <a:spcBef>
                 <a:spcPts val="1600"/>
               </a:spcBef>
@@ -6398,7 +6378,7 @@
               <a:buChar char="■"/>
               <a:defRPr/>
             </a:lvl3pPr>
-            <a:lvl4pPr indent="-298450" lvl="3" marL="1828800">
+            <a:lvl4pPr marL="1828800" lvl="3" indent="-298450">
               <a:spcBef>
                 <a:spcPts val="1600"/>
               </a:spcBef>
@@ -6409,7 +6389,7 @@
               <a:buChar char="●"/>
               <a:defRPr/>
             </a:lvl4pPr>
-            <a:lvl5pPr indent="-298450" lvl="4" marL="2286000">
+            <a:lvl5pPr marL="2286000" lvl="4" indent="-298450">
               <a:spcBef>
                 <a:spcPts val="1600"/>
               </a:spcBef>
@@ -6420,7 +6400,7 @@
               <a:buChar char="○"/>
               <a:defRPr/>
             </a:lvl5pPr>
-            <a:lvl6pPr indent="-298450" lvl="5" marL="2743200">
+            <a:lvl6pPr marL="2743200" lvl="5" indent="-298450">
               <a:spcBef>
                 <a:spcPts val="1600"/>
               </a:spcBef>
@@ -6431,7 +6411,7 @@
               <a:buChar char="■"/>
               <a:defRPr/>
             </a:lvl6pPr>
-            <a:lvl7pPr indent="-298450" lvl="6" marL="3200400">
+            <a:lvl7pPr marL="3200400" lvl="6" indent="-298450">
               <a:spcBef>
                 <a:spcPts val="1600"/>
               </a:spcBef>
@@ -6442,7 +6422,7 @@
               <a:buChar char="●"/>
               <a:defRPr/>
             </a:lvl7pPr>
-            <a:lvl8pPr indent="-298450" lvl="7" marL="3657600">
+            <a:lvl8pPr marL="3657600" lvl="7" indent="-298450">
               <a:spcBef>
                 <a:spcPts val="1600"/>
               </a:spcBef>
@@ -6453,7 +6433,7 @@
               <a:buChar char="○"/>
               <a:defRPr/>
             </a:lvl8pPr>
-            <a:lvl9pPr indent="-298450" lvl="8" marL="4114800">
+            <a:lvl9pPr marL="4114800" lvl="8" indent="-298450">
               <a:spcBef>
                 <a:spcPts val="1600"/>
               </a:spcBef>
@@ -6465,15 +6445,19 @@
               <a:defRPr/>
             </a:lvl9pPr>
           </a:lstStyle>
-          <a:p/>
+          <a:p>
+            <a:endParaRPr/>
+          </a:p>
         </p:txBody>
       </p:sp>
       <p:sp>
         <p:nvSpPr>
           <p:cNvPr id="68" name="Google Shape;68;p7"/>
-          <p:cNvSpPr txBox="1"/>
+          <p:cNvSpPr txBox="1">
+            <a:spLocks noGrp="1"/>
+          </p:cNvSpPr>
           <p:nvPr>
-            <p:ph idx="12" type="sldNum"/>
+            <p:ph type="sldNum" idx="12"/>
           </p:nvPr>
         </p:nvSpPr>
         <p:spPr>
@@ -6486,7 +6470,7 @@
           </a:prstGeom>
         </p:spPr>
         <p:txBody>
-          <a:bodyPr anchorCtr="0" anchor="ctr" bIns="91425" lIns="91425" spcFirstLastPara="1" rIns="91425" wrap="square" tIns="91425">
+          <a:bodyPr spcFirstLastPara="1" wrap="square" lIns="91425" tIns="91425" rIns="91425" bIns="91425" anchor="ctr" anchorCtr="0">
             <a:noAutofit/>
           </a:bodyPr>
           <a:lstStyle>
@@ -6528,7 +6512,7 @@
             </a:lvl9pPr>
           </a:lstStyle>
           <a:p>
-            <a:pPr indent="0" lvl="0" marL="0" rtl="0" algn="r">
+            <a:pPr marL="0" lvl="0" indent="0" algn="r" rtl="0">
               <a:spcBef>
                 <a:spcPts val="0"/>
               </a:spcBef>
@@ -6554,11 +6538,11 @@
 </file>
 
 <file path=ppt/slideLayouts/slideLayout7.xml><?xml version="1.0" encoding="utf-8"?>
-<p:sldLayout xmlns:a="http://schemas.openxmlformats.org/drawingml/2006/main" xmlns:r="http://schemas.openxmlformats.org/officeDocument/2006/relationships" xmlns:mc="http://schemas.openxmlformats.org/markup-compatibility/2006" xmlns:mv="urn:schemas-microsoft-com:mac:vml" xmlns:p="http://schemas.openxmlformats.org/presentationml/2006/main" xmlns:c="http://schemas.openxmlformats.org/drawingml/2006/chart" xmlns:dgm="http://schemas.openxmlformats.org/drawingml/2006/diagram" xmlns:o="urn:schemas-microsoft-com:office:office" xmlns:v="urn:schemas-microsoft-com:vml" xmlns:pvml="urn:schemas-microsoft-com:office:powerpoint" xmlns:com="http://schemas.openxmlformats.org/drawingml/2006/compatibility" xmlns:p14="http://schemas.microsoft.com/office/powerpoint/2010/main" xmlns:p15="http://schemas.microsoft.com/office/powerpoint/2012/main" matchingName="Main point">
+<p:sldLayout xmlns:a="http://schemas.openxmlformats.org/drawingml/2006/main" xmlns:r="http://schemas.openxmlformats.org/officeDocument/2006/relationships" xmlns:p="http://schemas.openxmlformats.org/presentationml/2006/main" matchingName="Main point">
   <p:cSld name="MAIN_POINT">
     <p:spTree>
       <p:nvGrpSpPr>
-        <p:cNvPr id="69" name="Shape 69"/>
+        <p:cNvPr id="1" name="Shape 69"/>
         <p:cNvGrpSpPr/>
         <p:nvPr/>
       </p:nvGrpSpPr>
@@ -6597,7 +6581,7 @@
             </a:xfrm>
             <a:prstGeom prst="diagStripe">
               <a:avLst>
-                <a:gd fmla="val 49469" name="adj"/>
+                <a:gd name="adj" fmla="val 49469"/>
               </a:avLst>
             </a:prstGeom>
             <a:solidFill>
@@ -6610,12 +6594,12 @@
             </a:ln>
           </p:spPr>
           <p:txBody>
-            <a:bodyPr anchorCtr="0" anchor="ctr" bIns="91425" lIns="91425" spcFirstLastPara="1" rIns="91425" wrap="square" tIns="91425">
+            <a:bodyPr spcFirstLastPara="1" wrap="square" lIns="91425" tIns="91425" rIns="91425" bIns="91425" anchor="ctr" anchorCtr="0">
               <a:noAutofit/>
             </a:bodyPr>
             <a:lstStyle/>
             <a:p>
-              <a:pPr indent="0" lvl="0" marL="0" rtl="0" algn="l">
+              <a:pPr marL="0" lvl="0" indent="0" algn="l" rtl="0">
                 <a:spcBef>
                   <a:spcPts val="0"/>
                 </a:spcBef>
@@ -6624,9 +6608,6 @@
                 </a:spcAft>
                 <a:buNone/>
               </a:pPr>
-              <a:r>
-                <a:t/>
-              </a:r>
               <a:endParaRPr/>
             </a:p>
           </p:txBody>
@@ -6644,7 +6625,7 @@
             </a:xfrm>
             <a:prstGeom prst="diagStripe">
               <a:avLst>
-                <a:gd fmla="val 0" name="adj"/>
+                <a:gd name="adj" fmla="val 0"/>
               </a:avLst>
             </a:prstGeom>
             <a:solidFill>
@@ -6657,12 +6638,12 @@
             </a:ln>
           </p:spPr>
           <p:txBody>
-            <a:bodyPr anchorCtr="0" anchor="ctr" bIns="91425" lIns="91425" spcFirstLastPara="1" rIns="91425" wrap="square" tIns="91425">
+            <a:bodyPr spcFirstLastPara="1" wrap="square" lIns="91425" tIns="91425" rIns="91425" bIns="91425" anchor="ctr" anchorCtr="0">
               <a:noAutofit/>
             </a:bodyPr>
             <a:lstStyle/>
             <a:p>
-              <a:pPr indent="0" lvl="0" marL="0" rtl="0" algn="l">
+              <a:pPr marL="0" lvl="0" indent="0" algn="l" rtl="0">
                 <a:spcBef>
                   <a:spcPts val="0"/>
                 </a:spcBef>
@@ -6671,9 +6652,6 @@
                 </a:spcAft>
                 <a:buNone/>
               </a:pPr>
-              <a:r>
-                <a:t/>
-              </a:r>
               <a:endParaRPr/>
             </a:p>
           </p:txBody>
@@ -6691,7 +6669,7 @@
             </a:xfrm>
             <a:prstGeom prst="diagStripe">
               <a:avLst>
-                <a:gd fmla="val 50000" name="adj"/>
+                <a:gd name="adj" fmla="val 50000"/>
               </a:avLst>
             </a:prstGeom>
             <a:solidFill>
@@ -6704,12 +6682,12 @@
             </a:ln>
           </p:spPr>
           <p:txBody>
-            <a:bodyPr anchorCtr="0" anchor="ctr" bIns="91425" lIns="91425" spcFirstLastPara="1" rIns="91425" wrap="square" tIns="91425">
+            <a:bodyPr spcFirstLastPara="1" wrap="square" lIns="91425" tIns="91425" rIns="91425" bIns="91425" anchor="ctr" anchorCtr="0">
               <a:noAutofit/>
             </a:bodyPr>
             <a:lstStyle/>
             <a:p>
-              <a:pPr indent="0" lvl="0" marL="0" rtl="0" algn="l">
+              <a:pPr marL="0" lvl="0" indent="0" algn="l" rtl="0">
                 <a:spcBef>
                   <a:spcPts val="0"/>
                 </a:spcBef>
@@ -6718,9 +6696,6 @@
                 </a:spcAft>
                 <a:buNone/>
               </a:pPr>
-              <a:r>
-                <a:t/>
-              </a:r>
               <a:endParaRPr/>
             </a:p>
           </p:txBody>
@@ -6738,7 +6713,7 @@
             </a:xfrm>
             <a:prstGeom prst="diagStripe">
               <a:avLst>
-                <a:gd fmla="val 50000" name="adj"/>
+                <a:gd name="adj" fmla="val 50000"/>
               </a:avLst>
             </a:prstGeom>
             <a:solidFill>
@@ -6751,12 +6726,12 @@
             </a:ln>
           </p:spPr>
           <p:txBody>
-            <a:bodyPr anchorCtr="0" anchor="ctr" bIns="91425" lIns="91425" spcFirstLastPara="1" rIns="91425" wrap="square" tIns="91425">
+            <a:bodyPr spcFirstLastPara="1" wrap="square" lIns="91425" tIns="91425" rIns="91425" bIns="91425" anchor="ctr" anchorCtr="0">
               <a:noAutofit/>
             </a:bodyPr>
             <a:lstStyle/>
             <a:p>
-              <a:pPr indent="0" lvl="0" marL="0" rtl="0" algn="l">
+              <a:pPr marL="0" lvl="0" indent="0" algn="l" rtl="0">
                 <a:spcBef>
                   <a:spcPts val="0"/>
                 </a:spcBef>
@@ -6765,9 +6740,6 @@
                 </a:spcAft>
                 <a:buNone/>
               </a:pPr>
-              <a:r>
-                <a:t/>
-              </a:r>
               <a:endParaRPr/>
             </a:p>
           </p:txBody>
@@ -6785,7 +6757,7 @@
             </a:xfrm>
             <a:prstGeom prst="diagStripe">
               <a:avLst>
-                <a:gd fmla="val 50000" name="adj"/>
+                <a:gd name="adj" fmla="val 50000"/>
               </a:avLst>
             </a:prstGeom>
             <a:solidFill>
@@ -6798,12 +6770,12 @@
             </a:ln>
           </p:spPr>
           <p:txBody>
-            <a:bodyPr anchorCtr="0" anchor="ctr" bIns="91425" lIns="91425" spcFirstLastPara="1" rIns="91425" wrap="square" tIns="91425">
+            <a:bodyPr spcFirstLastPara="1" wrap="square" lIns="91425" tIns="91425" rIns="91425" bIns="91425" anchor="ctr" anchorCtr="0">
               <a:noAutofit/>
             </a:bodyPr>
             <a:lstStyle/>
             <a:p>
-              <a:pPr indent="0" lvl="0" marL="0" rtl="0" algn="l">
+              <a:pPr marL="0" lvl="0" indent="0" algn="l" rtl="0">
                 <a:spcBef>
                   <a:spcPts val="0"/>
                 </a:spcBef>
@@ -6812,9 +6784,6 @@
                 </a:spcAft>
                 <a:buNone/>
               </a:pPr>
-              <a:r>
-                <a:t/>
-              </a:r>
               <a:endParaRPr/>
             </a:p>
           </p:txBody>
@@ -6832,7 +6801,7 @@
             </a:xfrm>
             <a:prstGeom prst="diagStripe">
               <a:avLst>
-                <a:gd fmla="val 50000" name="adj"/>
+                <a:gd name="adj" fmla="val 50000"/>
               </a:avLst>
             </a:prstGeom>
             <a:solidFill>
@@ -6845,12 +6814,12 @@
             </a:ln>
           </p:spPr>
           <p:txBody>
-            <a:bodyPr anchorCtr="0" anchor="ctr" bIns="91425" lIns="91425" spcFirstLastPara="1" rIns="91425" wrap="square" tIns="91425">
+            <a:bodyPr spcFirstLastPara="1" wrap="square" lIns="91425" tIns="91425" rIns="91425" bIns="91425" anchor="ctr" anchorCtr="0">
               <a:noAutofit/>
             </a:bodyPr>
             <a:lstStyle/>
             <a:p>
-              <a:pPr indent="0" lvl="0" marL="0" rtl="0" algn="l">
+              <a:pPr marL="0" lvl="0" indent="0" algn="l" rtl="0">
                 <a:spcBef>
                   <a:spcPts val="0"/>
                 </a:spcBef>
@@ -6859,9 +6828,6 @@
                 </a:spcAft>
                 <a:buNone/>
               </a:pPr>
-              <a:r>
-                <a:t/>
-              </a:r>
               <a:endParaRPr/>
             </a:p>
           </p:txBody>
@@ -6879,7 +6845,7 @@
             </a:xfrm>
             <a:prstGeom prst="diagStripe">
               <a:avLst>
-                <a:gd fmla="val 50000" name="adj"/>
+                <a:gd name="adj" fmla="val 50000"/>
               </a:avLst>
             </a:prstGeom>
             <a:solidFill>
@@ -6892,12 +6858,12 @@
             </a:ln>
           </p:spPr>
           <p:txBody>
-            <a:bodyPr anchorCtr="0" anchor="ctr" bIns="91425" lIns="91425" spcFirstLastPara="1" rIns="91425" wrap="square" tIns="91425">
+            <a:bodyPr spcFirstLastPara="1" wrap="square" lIns="91425" tIns="91425" rIns="91425" bIns="91425" anchor="ctr" anchorCtr="0">
               <a:noAutofit/>
             </a:bodyPr>
             <a:lstStyle/>
             <a:p>
-              <a:pPr indent="0" lvl="0" marL="0" rtl="0" algn="l">
+              <a:pPr marL="0" lvl="0" indent="0" algn="l" rtl="0">
                 <a:spcBef>
                   <a:spcPts val="0"/>
                 </a:spcBef>
@@ -6906,9 +6872,6 @@
                 </a:spcAft>
                 <a:buNone/>
               </a:pPr>
-              <a:r>
-                <a:t/>
-              </a:r>
               <a:endParaRPr/>
             </a:p>
           </p:txBody>
@@ -6926,7 +6889,7 @@
             </a:xfrm>
             <a:prstGeom prst="diagStripe">
               <a:avLst>
-                <a:gd fmla="val 50000" name="adj"/>
+                <a:gd name="adj" fmla="val 50000"/>
               </a:avLst>
             </a:prstGeom>
             <a:solidFill>
@@ -6937,12 +6900,12 @@
             </a:ln>
           </p:spPr>
           <p:txBody>
-            <a:bodyPr anchorCtr="0" anchor="ctr" bIns="91425" lIns="91425" spcFirstLastPara="1" rIns="91425" wrap="square" tIns="91425">
+            <a:bodyPr spcFirstLastPara="1" wrap="square" lIns="91425" tIns="91425" rIns="91425" bIns="91425" anchor="ctr" anchorCtr="0">
               <a:noAutofit/>
             </a:bodyPr>
             <a:lstStyle/>
             <a:p>
-              <a:pPr indent="0" lvl="0" marL="0" rtl="0" algn="l">
+              <a:pPr marL="0" lvl="0" indent="0" algn="l" rtl="0">
                 <a:spcBef>
                   <a:spcPts val="0"/>
                 </a:spcBef>
@@ -6951,9 +6914,6 @@
                 </a:spcAft>
                 <a:buNone/>
               </a:pPr>
-              <a:r>
-                <a:t/>
-              </a:r>
               <a:endParaRPr/>
             </a:p>
           </p:txBody>
@@ -6971,7 +6931,7 @@
             </a:xfrm>
             <a:prstGeom prst="diagStripe">
               <a:avLst>
-                <a:gd fmla="val 50000" name="adj"/>
+                <a:gd name="adj" fmla="val 50000"/>
               </a:avLst>
             </a:prstGeom>
             <a:solidFill>
@@ -6984,12 +6944,12 @@
             </a:ln>
           </p:spPr>
           <p:txBody>
-            <a:bodyPr anchorCtr="0" anchor="ctr" bIns="91425" lIns="91425" spcFirstLastPara="1" rIns="91425" wrap="square" tIns="91425">
+            <a:bodyPr spcFirstLastPara="1" wrap="square" lIns="91425" tIns="91425" rIns="91425" bIns="91425" anchor="ctr" anchorCtr="0">
               <a:noAutofit/>
             </a:bodyPr>
             <a:lstStyle/>
             <a:p>
-              <a:pPr indent="0" lvl="0" marL="0" rtl="0" algn="l">
+              <a:pPr marL="0" lvl="0" indent="0" algn="l" rtl="0">
                 <a:spcBef>
                   <a:spcPts val="0"/>
                 </a:spcBef>
@@ -6998,9 +6958,6 @@
                 </a:spcAft>
                 <a:buNone/>
               </a:pPr>
-              <a:r>
-                <a:t/>
-              </a:r>
               <a:endParaRPr/>
             </a:p>
           </p:txBody>
@@ -7018,7 +6975,7 @@
             </a:xfrm>
             <a:prstGeom prst="diagStripe">
               <a:avLst>
-                <a:gd fmla="val 50000" name="adj"/>
+                <a:gd name="adj" fmla="val 50000"/>
               </a:avLst>
             </a:prstGeom>
             <a:solidFill>
@@ -7031,12 +6988,12 @@
             </a:ln>
           </p:spPr>
           <p:txBody>
-            <a:bodyPr anchorCtr="0" anchor="ctr" bIns="91425" lIns="91425" spcFirstLastPara="1" rIns="91425" wrap="square" tIns="91425">
+            <a:bodyPr spcFirstLastPara="1" wrap="square" lIns="91425" tIns="91425" rIns="91425" bIns="91425" anchor="ctr" anchorCtr="0">
               <a:noAutofit/>
             </a:bodyPr>
             <a:lstStyle/>
             <a:p>
-              <a:pPr indent="0" lvl="0" marL="0" rtl="0" algn="l">
+              <a:pPr marL="0" lvl="0" indent="0" algn="l" rtl="0">
                 <a:spcBef>
                   <a:spcPts val="0"/>
                 </a:spcBef>
@@ -7045,9 +7002,6 @@
                 </a:spcAft>
                 <a:buNone/>
               </a:pPr>
-              <a:r>
-                <a:t/>
-              </a:r>
               <a:endParaRPr/>
             </a:p>
           </p:txBody>
@@ -7065,7 +7019,7 @@
             </a:xfrm>
             <a:prstGeom prst="diagStripe">
               <a:avLst>
-                <a:gd fmla="val 50000" name="adj"/>
+                <a:gd name="adj" fmla="val 50000"/>
               </a:avLst>
             </a:prstGeom>
             <a:solidFill>
@@ -7078,12 +7032,12 @@
             </a:ln>
           </p:spPr>
           <p:txBody>
-            <a:bodyPr anchorCtr="0" anchor="ctr" bIns="91425" lIns="91425" spcFirstLastPara="1" rIns="91425" wrap="square" tIns="91425">
+            <a:bodyPr spcFirstLastPara="1" wrap="square" lIns="91425" tIns="91425" rIns="91425" bIns="91425" anchor="ctr" anchorCtr="0">
               <a:noAutofit/>
             </a:bodyPr>
             <a:lstStyle/>
             <a:p>
-              <a:pPr indent="0" lvl="0" marL="0" rtl="0" algn="l">
+              <a:pPr marL="0" lvl="0" indent="0" algn="l" rtl="0">
                 <a:spcBef>
                   <a:spcPts val="0"/>
                 </a:spcBef>
@@ -7092,9 +7046,6 @@
                 </a:spcAft>
                 <a:buNone/>
               </a:pPr>
-              <a:r>
-                <a:t/>
-              </a:r>
               <a:endParaRPr/>
             </a:p>
           </p:txBody>
@@ -7112,7 +7063,7 @@
             </a:xfrm>
             <a:prstGeom prst="diagStripe">
               <a:avLst>
-                <a:gd fmla="val 50000" name="adj"/>
+                <a:gd name="adj" fmla="val 50000"/>
               </a:avLst>
             </a:prstGeom>
             <a:solidFill>
@@ -7125,12 +7076,12 @@
             </a:ln>
           </p:spPr>
           <p:txBody>
-            <a:bodyPr anchorCtr="0" anchor="ctr" bIns="91425" lIns="91425" spcFirstLastPara="1" rIns="91425" wrap="square" tIns="91425">
+            <a:bodyPr spcFirstLastPara="1" wrap="square" lIns="91425" tIns="91425" rIns="91425" bIns="91425" anchor="ctr" anchorCtr="0">
               <a:noAutofit/>
             </a:bodyPr>
             <a:lstStyle/>
             <a:p>
-              <a:pPr indent="0" lvl="0" marL="0" rtl="0" algn="l">
+              <a:pPr marL="0" lvl="0" indent="0" algn="l" rtl="0">
                 <a:spcBef>
                   <a:spcPts val="0"/>
                 </a:spcBef>
@@ -7139,9 +7090,6 @@
                 </a:spcAft>
                 <a:buNone/>
               </a:pPr>
-              <a:r>
-                <a:t/>
-              </a:r>
               <a:endParaRPr/>
             </a:p>
           </p:txBody>
@@ -7159,7 +7107,7 @@
             </a:xfrm>
             <a:prstGeom prst="diagStripe">
               <a:avLst>
-                <a:gd fmla="val 50000" name="adj"/>
+                <a:gd name="adj" fmla="val 50000"/>
               </a:avLst>
             </a:prstGeom>
             <a:solidFill>
@@ -7172,12 +7120,12 @@
             </a:ln>
           </p:spPr>
           <p:txBody>
-            <a:bodyPr anchorCtr="0" anchor="ctr" bIns="91425" lIns="91425" spcFirstLastPara="1" rIns="91425" wrap="square" tIns="91425">
+            <a:bodyPr spcFirstLastPara="1" wrap="square" lIns="91425" tIns="91425" rIns="91425" bIns="91425" anchor="ctr" anchorCtr="0">
               <a:noAutofit/>
             </a:bodyPr>
             <a:lstStyle/>
             <a:p>
-              <a:pPr indent="0" lvl="0" marL="0" rtl="0" algn="l">
+              <a:pPr marL="0" lvl="0" indent="0" algn="l" rtl="0">
                 <a:spcBef>
                   <a:spcPts val="0"/>
                 </a:spcBef>
@@ -7186,9 +7134,6 @@
                 </a:spcAft>
                 <a:buNone/>
               </a:pPr>
-              <a:r>
-                <a:t/>
-              </a:r>
               <a:endParaRPr/>
             </a:p>
           </p:txBody>
@@ -7206,7 +7151,7 @@
             </a:xfrm>
             <a:prstGeom prst="diagStripe">
               <a:avLst>
-                <a:gd fmla="val 50000" name="adj"/>
+                <a:gd name="adj" fmla="val 50000"/>
               </a:avLst>
             </a:prstGeom>
             <a:solidFill>
@@ -7217,12 +7162,12 @@
             </a:ln>
           </p:spPr>
           <p:txBody>
-            <a:bodyPr anchorCtr="0" anchor="ctr" bIns="91425" lIns="91425" spcFirstLastPara="1" rIns="91425" wrap="square" tIns="91425">
+            <a:bodyPr spcFirstLastPara="1" wrap="square" lIns="91425" tIns="91425" rIns="91425" bIns="91425" anchor="ctr" anchorCtr="0">
               <a:noAutofit/>
             </a:bodyPr>
             <a:lstStyle/>
             <a:p>
-              <a:pPr indent="0" lvl="0" marL="0" rtl="0" algn="l">
+              <a:pPr marL="0" lvl="0" indent="0" algn="l" rtl="0">
                 <a:spcBef>
                   <a:spcPts val="0"/>
                 </a:spcBef>
@@ -7231,9 +7176,6 @@
                 </a:spcAft>
                 <a:buNone/>
               </a:pPr>
-              <a:r>
-                <a:t/>
-              </a:r>
               <a:endParaRPr/>
             </a:p>
           </p:txBody>
@@ -7251,7 +7193,7 @@
             </a:xfrm>
             <a:prstGeom prst="diagStripe">
               <a:avLst>
-                <a:gd fmla="val 50000" name="adj"/>
+                <a:gd name="adj" fmla="val 50000"/>
               </a:avLst>
             </a:prstGeom>
             <a:solidFill>
@@ -7264,12 +7206,12 @@
             </a:ln>
           </p:spPr>
           <p:txBody>
-            <a:bodyPr anchorCtr="0" anchor="ctr" bIns="91425" lIns="91425" spcFirstLastPara="1" rIns="91425" wrap="square" tIns="91425">
+            <a:bodyPr spcFirstLastPara="1" wrap="square" lIns="91425" tIns="91425" rIns="91425" bIns="91425" anchor="ctr" anchorCtr="0">
               <a:noAutofit/>
             </a:bodyPr>
             <a:lstStyle/>
             <a:p>
-              <a:pPr indent="0" lvl="0" marL="0" rtl="0" algn="l">
+              <a:pPr marL="0" lvl="0" indent="0" algn="l" rtl="0">
                 <a:spcBef>
                   <a:spcPts val="0"/>
                 </a:spcBef>
@@ -7278,9 +7220,6 @@
                 </a:spcAft>
                 <a:buNone/>
               </a:pPr>
-              <a:r>
-                <a:t/>
-              </a:r>
               <a:endParaRPr/>
             </a:p>
           </p:txBody>
@@ -7298,7 +7237,7 @@
             </a:xfrm>
             <a:prstGeom prst="diagStripe">
               <a:avLst>
-                <a:gd fmla="val 50000" name="adj"/>
+                <a:gd name="adj" fmla="val 50000"/>
               </a:avLst>
             </a:prstGeom>
             <a:solidFill>
@@ -7311,12 +7250,12 @@
             </a:ln>
           </p:spPr>
           <p:txBody>
-            <a:bodyPr anchorCtr="0" anchor="ctr" bIns="91425" lIns="91425" spcFirstLastPara="1" rIns="91425" wrap="square" tIns="91425">
+            <a:bodyPr spcFirstLastPara="1" wrap="square" lIns="91425" tIns="91425" rIns="91425" bIns="91425" anchor="ctr" anchorCtr="0">
               <a:noAutofit/>
             </a:bodyPr>
             <a:lstStyle/>
             <a:p>
-              <a:pPr indent="0" lvl="0" marL="0" rtl="0" algn="l">
+              <a:pPr marL="0" lvl="0" indent="0" algn="l" rtl="0">
                 <a:spcBef>
                   <a:spcPts val="0"/>
                 </a:spcBef>
@@ -7325,9 +7264,6 @@
                 </a:spcAft>
                 <a:buNone/>
               </a:pPr>
-              <a:r>
-                <a:t/>
-              </a:r>
               <a:endParaRPr/>
             </a:p>
           </p:txBody>
@@ -7345,7 +7281,7 @@
             </a:xfrm>
             <a:prstGeom prst="diagStripe">
               <a:avLst>
-                <a:gd fmla="val 50000" name="adj"/>
+                <a:gd name="adj" fmla="val 50000"/>
               </a:avLst>
             </a:prstGeom>
             <a:solidFill>
@@ -7358,12 +7294,12 @@
             </a:ln>
           </p:spPr>
           <p:txBody>
-            <a:bodyPr anchorCtr="0" anchor="ctr" bIns="91425" lIns="91425" spcFirstLastPara="1" rIns="91425" wrap="square" tIns="91425">
+            <a:bodyPr spcFirstLastPara="1" wrap="square" lIns="91425" tIns="91425" rIns="91425" bIns="91425" anchor="ctr" anchorCtr="0">
               <a:noAutofit/>
             </a:bodyPr>
             <a:lstStyle/>
             <a:p>
-              <a:pPr indent="0" lvl="0" marL="0" rtl="0" algn="l">
+              <a:pPr marL="0" lvl="0" indent="0" algn="l" rtl="0">
                 <a:spcBef>
                   <a:spcPts val="0"/>
                 </a:spcBef>
@@ -7372,9 +7308,6 @@
                 </a:spcAft>
                 <a:buNone/>
               </a:pPr>
-              <a:r>
-                <a:t/>
-              </a:r>
               <a:endParaRPr/>
             </a:p>
           </p:txBody>
@@ -7392,7 +7325,7 @@
             </a:xfrm>
             <a:prstGeom prst="diagStripe">
               <a:avLst>
-                <a:gd fmla="val 50000" name="adj"/>
+                <a:gd name="adj" fmla="val 50000"/>
               </a:avLst>
             </a:prstGeom>
             <a:solidFill>
@@ -7405,12 +7338,12 @@
             </a:ln>
           </p:spPr>
           <p:txBody>
-            <a:bodyPr anchorCtr="0" anchor="ctr" bIns="91425" lIns="91425" spcFirstLastPara="1" rIns="91425" wrap="square" tIns="91425">
+            <a:bodyPr spcFirstLastPara="1" wrap="square" lIns="91425" tIns="91425" rIns="91425" bIns="91425" anchor="ctr" anchorCtr="0">
               <a:noAutofit/>
             </a:bodyPr>
             <a:lstStyle/>
             <a:p>
-              <a:pPr indent="0" lvl="0" marL="0" rtl="0" algn="l">
+              <a:pPr marL="0" lvl="0" indent="0" algn="l" rtl="0">
                 <a:spcBef>
                   <a:spcPts val="0"/>
                 </a:spcBef>
@@ -7419,9 +7352,6 @@
                 </a:spcAft>
                 <a:buNone/>
               </a:pPr>
-              <a:r>
-                <a:t/>
-              </a:r>
               <a:endParaRPr/>
             </a:p>
           </p:txBody>
@@ -7430,7 +7360,9 @@
       <p:sp>
         <p:nvSpPr>
           <p:cNvPr id="89" name="Google Shape;89;p8"/>
-          <p:cNvSpPr txBox="1"/>
+          <p:cNvSpPr txBox="1">
+            <a:spLocks noGrp="1"/>
+          </p:cNvSpPr>
           <p:nvPr>
             <p:ph type="title"/>
           </p:nvPr>
@@ -7445,7 +7377,7 @@
           </a:prstGeom>
         </p:spPr>
         <p:txBody>
-          <a:bodyPr anchorCtr="0" anchor="ctr" bIns="91425" lIns="91425" spcFirstLastPara="1" rIns="91425" wrap="square" tIns="91425">
+          <a:bodyPr spcFirstLastPara="1" wrap="square" lIns="91425" tIns="91425" rIns="91425" bIns="91425" anchor="ctr" anchorCtr="0">
             <a:noAutofit/>
           </a:bodyPr>
           <a:lstStyle>
@@ -7549,15 +7481,19 @@
               <a:defRPr/>
             </a:lvl9pPr>
           </a:lstStyle>
-          <a:p/>
+          <a:p>
+            <a:endParaRPr/>
+          </a:p>
         </p:txBody>
       </p:sp>
       <p:sp>
         <p:nvSpPr>
           <p:cNvPr id="90" name="Google Shape;90;p8"/>
-          <p:cNvSpPr txBox="1"/>
+          <p:cNvSpPr txBox="1">
+            <a:spLocks noGrp="1"/>
+          </p:cNvSpPr>
           <p:nvPr>
-            <p:ph idx="12" type="sldNum"/>
+            <p:ph type="sldNum" idx="12"/>
           </p:nvPr>
         </p:nvSpPr>
         <p:spPr>
@@ -7570,7 +7506,7 @@
           </a:prstGeom>
         </p:spPr>
         <p:txBody>
-          <a:bodyPr anchorCtr="0" anchor="ctr" bIns="91425" lIns="91425" spcFirstLastPara="1" rIns="91425" wrap="square" tIns="91425">
+          <a:bodyPr spcFirstLastPara="1" wrap="square" lIns="91425" tIns="91425" rIns="91425" bIns="91425" anchor="ctr" anchorCtr="0">
             <a:noAutofit/>
           </a:bodyPr>
           <a:lstStyle>
@@ -7612,7 +7548,7 @@
             </a:lvl9pPr>
           </a:lstStyle>
           <a:p>
-            <a:pPr indent="0" lvl="0" marL="0" rtl="0" algn="r">
+            <a:pPr marL="0" lvl="0" indent="0" algn="r" rtl="0">
               <a:spcBef>
                 <a:spcPts val="0"/>
               </a:spcBef>
@@ -7638,11 +7574,11 @@
 </file>
 
 <file path=ppt/slideLayouts/slideLayout8.xml><?xml version="1.0" encoding="utf-8"?>
-<p:sldLayout xmlns:a="http://schemas.openxmlformats.org/drawingml/2006/main" xmlns:r="http://schemas.openxmlformats.org/officeDocument/2006/relationships" xmlns:mc="http://schemas.openxmlformats.org/markup-compatibility/2006" xmlns:mv="urn:schemas-microsoft-com:mac:vml" xmlns:p="http://schemas.openxmlformats.org/presentationml/2006/main" xmlns:c="http://schemas.openxmlformats.org/drawingml/2006/chart" xmlns:dgm="http://schemas.openxmlformats.org/drawingml/2006/diagram" xmlns:o="urn:schemas-microsoft-com:office:office" xmlns:v="urn:schemas-microsoft-com:vml" xmlns:pvml="urn:schemas-microsoft-com:office:powerpoint" xmlns:com="http://schemas.openxmlformats.org/drawingml/2006/compatibility" xmlns:p14="http://schemas.microsoft.com/office/powerpoint/2010/main" xmlns:p15="http://schemas.microsoft.com/office/powerpoint/2012/main" matchingName="Section title and description">
+<p:sldLayout xmlns:a="http://schemas.openxmlformats.org/drawingml/2006/main" xmlns:r="http://schemas.openxmlformats.org/officeDocument/2006/relationships" xmlns:p="http://schemas.openxmlformats.org/presentationml/2006/main" matchingName="Section title and description">
   <p:cSld name="SECTION_TITLE_AND_DESCRIPTION">
     <p:spTree>
       <p:nvGrpSpPr>
-        <p:cNvPr id="91" name="Shape 91"/>
+        <p:cNvPr id="1" name="Shape 91"/>
         <p:cNvGrpSpPr/>
         <p:nvPr/>
       </p:nvGrpSpPr>
@@ -7681,7 +7617,7 @@
             </a:xfrm>
             <a:prstGeom prst="diagStripe">
               <a:avLst>
-                <a:gd fmla="val 50000" name="adj"/>
+                <a:gd name="adj" fmla="val 50000"/>
               </a:avLst>
             </a:prstGeom>
             <a:solidFill>
@@ -7692,12 +7628,12 @@
             </a:ln>
           </p:spPr>
           <p:txBody>
-            <a:bodyPr anchorCtr="0" anchor="ctr" bIns="91425" lIns="91425" spcFirstLastPara="1" rIns="91425" wrap="square" tIns="91425">
+            <a:bodyPr spcFirstLastPara="1" wrap="square" lIns="91425" tIns="91425" rIns="91425" bIns="91425" anchor="ctr" anchorCtr="0">
               <a:noAutofit/>
             </a:bodyPr>
             <a:lstStyle/>
             <a:p>
-              <a:pPr indent="0" lvl="0" marL="0" rtl="0" algn="l">
+              <a:pPr marL="0" lvl="0" indent="0" algn="l" rtl="0">
                 <a:spcBef>
                   <a:spcPts val="0"/>
                 </a:spcBef>
@@ -7706,9 +7642,6 @@
                 </a:spcAft>
                 <a:buNone/>
               </a:pPr>
-              <a:r>
-                <a:t/>
-              </a:r>
               <a:endParaRPr/>
             </a:p>
           </p:txBody>
@@ -7726,7 +7659,7 @@
             </a:xfrm>
             <a:prstGeom prst="diagStripe">
               <a:avLst>
-                <a:gd fmla="val 50000" name="adj"/>
+                <a:gd name="adj" fmla="val 50000"/>
               </a:avLst>
             </a:prstGeom>
             <a:solidFill>
@@ -7737,12 +7670,12 @@
             </a:ln>
           </p:spPr>
           <p:txBody>
-            <a:bodyPr anchorCtr="0" anchor="ctr" bIns="91425" lIns="91425" spcFirstLastPara="1" rIns="91425" wrap="square" tIns="91425">
+            <a:bodyPr spcFirstLastPara="1" wrap="square" lIns="91425" tIns="91425" rIns="91425" bIns="91425" anchor="ctr" anchorCtr="0">
               <a:noAutofit/>
             </a:bodyPr>
             <a:lstStyle/>
             <a:p>
-              <a:pPr indent="0" lvl="0" marL="0" rtl="0" algn="l">
+              <a:pPr marL="0" lvl="0" indent="0" algn="l" rtl="0">
                 <a:spcBef>
                   <a:spcPts val="0"/>
                 </a:spcBef>
@@ -7751,9 +7684,6 @@
                 </a:spcAft>
                 <a:buNone/>
               </a:pPr>
-              <a:r>
-                <a:t/>
-              </a:r>
               <a:endParaRPr/>
             </a:p>
           </p:txBody>
@@ -7762,7 +7692,9 @@
       <p:sp>
         <p:nvSpPr>
           <p:cNvPr id="95" name="Google Shape;95;p9"/>
-          <p:cNvSpPr txBox="1"/>
+          <p:cNvSpPr txBox="1">
+            <a:spLocks noGrp="1"/>
+          </p:cNvSpPr>
           <p:nvPr>
             <p:ph type="title"/>
           </p:nvPr>
@@ -7777,7 +7709,7 @@
           </a:prstGeom>
         </p:spPr>
         <p:txBody>
-          <a:bodyPr anchorCtr="0" anchor="t" bIns="91425" lIns="91425" spcFirstLastPara="1" rIns="91425" wrap="square" tIns="91425">
+          <a:bodyPr spcFirstLastPara="1" wrap="square" lIns="91425" tIns="91425" rIns="91425" bIns="91425" anchor="t" anchorCtr="0">
             <a:noAutofit/>
           </a:bodyPr>
           <a:lstStyle>
@@ -7881,15 +7813,19 @@
               <a:defRPr sz="2400"/>
             </a:lvl9pPr>
           </a:lstStyle>
-          <a:p/>
+          <a:p>
+            <a:endParaRPr/>
+          </a:p>
         </p:txBody>
       </p:sp>
       <p:sp>
         <p:nvSpPr>
           <p:cNvPr id="96" name="Google Shape;96;p9"/>
-          <p:cNvSpPr txBox="1"/>
+          <p:cNvSpPr txBox="1">
+            <a:spLocks noGrp="1"/>
+          </p:cNvSpPr>
           <p:nvPr>
-            <p:ph idx="1" type="subTitle"/>
+            <p:ph type="subTitle" idx="1"/>
           </p:nvPr>
         </p:nvSpPr>
         <p:spPr>
@@ -7902,7 +7838,7 @@
           </a:prstGeom>
         </p:spPr>
         <p:txBody>
-          <a:bodyPr anchorCtr="0" anchor="t" bIns="91425" lIns="91425" spcFirstLastPara="1" rIns="91425" wrap="square" tIns="91425">
+          <a:bodyPr spcFirstLastPara="1" wrap="square" lIns="91425" tIns="91425" rIns="91425" bIns="91425" anchor="t" anchorCtr="0">
             <a:noAutofit/>
           </a:bodyPr>
           <a:lstStyle>
@@ -8033,15 +7969,19 @@
               <a:defRPr sz="1300"/>
             </a:lvl9pPr>
           </a:lstStyle>
-          <a:p/>
+          <a:p>
+            <a:endParaRPr/>
+          </a:p>
         </p:txBody>
       </p:sp>
       <p:sp>
         <p:nvSpPr>
           <p:cNvPr id="97" name="Google Shape;97;p9"/>
-          <p:cNvSpPr txBox="1"/>
+          <p:cNvSpPr txBox="1">
+            <a:spLocks noGrp="1"/>
+          </p:cNvSpPr>
           <p:nvPr>
-            <p:ph idx="2" type="body"/>
+            <p:ph type="body" idx="2"/>
           </p:nvPr>
         </p:nvSpPr>
         <p:spPr>
@@ -8054,11 +7994,11 @@
           </a:prstGeom>
         </p:spPr>
         <p:txBody>
-          <a:bodyPr anchorCtr="0" anchor="t" bIns="91425" lIns="91425" spcFirstLastPara="1" rIns="91425" wrap="square" tIns="91425">
+          <a:bodyPr spcFirstLastPara="1" wrap="square" lIns="91425" tIns="91425" rIns="91425" bIns="91425" anchor="t" anchorCtr="0">
             <a:noAutofit/>
           </a:bodyPr>
           <a:lstStyle>
-            <a:lvl1pPr indent="-311150" lvl="0" marL="457200">
+            <a:lvl1pPr marL="457200" lvl="0" indent="-311150">
               <a:spcBef>
                 <a:spcPts val="0"/>
               </a:spcBef>
@@ -8069,7 +8009,7 @@
               <a:buChar char="●"/>
               <a:defRPr/>
             </a:lvl1pPr>
-            <a:lvl2pPr indent="-298450" lvl="1" marL="914400">
+            <a:lvl2pPr marL="914400" lvl="1" indent="-298450">
               <a:spcBef>
                 <a:spcPts val="1600"/>
               </a:spcBef>
@@ -8080,7 +8020,7 @@
               <a:buChar char="○"/>
               <a:defRPr/>
             </a:lvl2pPr>
-            <a:lvl3pPr indent="-298450" lvl="2" marL="1371600">
+            <a:lvl3pPr marL="1371600" lvl="2" indent="-298450">
               <a:spcBef>
                 <a:spcPts val="1600"/>
               </a:spcBef>
@@ -8091,7 +8031,7 @@
               <a:buChar char="■"/>
               <a:defRPr/>
             </a:lvl3pPr>
-            <a:lvl4pPr indent="-298450" lvl="3" marL="1828800">
+            <a:lvl4pPr marL="1828800" lvl="3" indent="-298450">
               <a:spcBef>
                 <a:spcPts val="1600"/>
               </a:spcBef>
@@ -8102,7 +8042,7 @@
               <a:buChar char="●"/>
               <a:defRPr/>
             </a:lvl4pPr>
-            <a:lvl5pPr indent="-298450" lvl="4" marL="2286000">
+            <a:lvl5pPr marL="2286000" lvl="4" indent="-298450">
               <a:spcBef>
                 <a:spcPts val="1600"/>
               </a:spcBef>
@@ -8113,7 +8053,7 @@
               <a:buChar char="○"/>
               <a:defRPr/>
             </a:lvl5pPr>
-            <a:lvl6pPr indent="-298450" lvl="5" marL="2743200">
+            <a:lvl6pPr marL="2743200" lvl="5" indent="-298450">
               <a:spcBef>
                 <a:spcPts val="1600"/>
               </a:spcBef>
@@ -8124,7 +8064,7 @@
               <a:buChar char="■"/>
               <a:defRPr/>
             </a:lvl6pPr>
-            <a:lvl7pPr indent="-298450" lvl="6" marL="3200400">
+            <a:lvl7pPr marL="3200400" lvl="6" indent="-298450">
               <a:spcBef>
                 <a:spcPts val="1600"/>
               </a:spcBef>
@@ -8135,7 +8075,7 @@
               <a:buChar char="●"/>
               <a:defRPr/>
             </a:lvl7pPr>
-            <a:lvl8pPr indent="-298450" lvl="7" marL="3657600">
+            <a:lvl8pPr marL="3657600" lvl="7" indent="-298450">
               <a:spcBef>
                 <a:spcPts val="1600"/>
               </a:spcBef>
@@ -8146,7 +8086,7 @@
               <a:buChar char="○"/>
               <a:defRPr/>
             </a:lvl8pPr>
-            <a:lvl9pPr indent="-298450" lvl="8" marL="4114800">
+            <a:lvl9pPr marL="4114800" lvl="8" indent="-298450">
               <a:spcBef>
                 <a:spcPts val="1600"/>
               </a:spcBef>
@@ -8158,15 +8098,19 @@
               <a:defRPr/>
             </a:lvl9pPr>
           </a:lstStyle>
-          <a:p/>
+          <a:p>
+            <a:endParaRPr/>
+          </a:p>
         </p:txBody>
       </p:sp>
       <p:sp>
         <p:nvSpPr>
           <p:cNvPr id="98" name="Google Shape;98;p9"/>
-          <p:cNvSpPr txBox="1"/>
+          <p:cNvSpPr txBox="1">
+            <a:spLocks noGrp="1"/>
+          </p:cNvSpPr>
           <p:nvPr>
-            <p:ph idx="12" type="sldNum"/>
+            <p:ph type="sldNum" idx="12"/>
           </p:nvPr>
         </p:nvSpPr>
         <p:spPr>
@@ -8179,7 +8123,7 @@
           </a:prstGeom>
         </p:spPr>
         <p:txBody>
-          <a:bodyPr anchorCtr="0" anchor="ctr" bIns="91425" lIns="91425" spcFirstLastPara="1" rIns="91425" wrap="square" tIns="91425">
+          <a:bodyPr spcFirstLastPara="1" wrap="square" lIns="91425" tIns="91425" rIns="91425" bIns="91425" anchor="ctr" anchorCtr="0">
             <a:noAutofit/>
           </a:bodyPr>
           <a:lstStyle>
@@ -8221,7 +8165,7 @@
             </a:lvl9pPr>
           </a:lstStyle>
           <a:p>
-            <a:pPr indent="0" lvl="0" marL="0" rtl="0" algn="r">
+            <a:pPr marL="0" lvl="0" indent="0" algn="r" rtl="0">
               <a:spcBef>
                 <a:spcPts val="0"/>
               </a:spcBef>
@@ -8247,11 +8191,11 @@
 </file>
 
 <file path=ppt/slideLayouts/slideLayout9.xml><?xml version="1.0" encoding="utf-8"?>
-<p:sldLayout xmlns:a="http://schemas.openxmlformats.org/drawingml/2006/main" xmlns:r="http://schemas.openxmlformats.org/officeDocument/2006/relationships" xmlns:mc="http://schemas.openxmlformats.org/markup-compatibility/2006" xmlns:mv="urn:schemas-microsoft-com:mac:vml" xmlns:p="http://schemas.openxmlformats.org/presentationml/2006/main" xmlns:c="http://schemas.openxmlformats.org/drawingml/2006/chart" xmlns:dgm="http://schemas.openxmlformats.org/drawingml/2006/diagram" xmlns:o="urn:schemas-microsoft-com:office:office" xmlns:v="urn:schemas-microsoft-com:vml" xmlns:pvml="urn:schemas-microsoft-com:office:powerpoint" xmlns:com="http://schemas.openxmlformats.org/drawingml/2006/compatibility" xmlns:p14="http://schemas.microsoft.com/office/powerpoint/2010/main" xmlns:p15="http://schemas.microsoft.com/office/powerpoint/2012/main" matchingName="Caption">
+<p:sldLayout xmlns:a="http://schemas.openxmlformats.org/drawingml/2006/main" xmlns:r="http://schemas.openxmlformats.org/officeDocument/2006/relationships" xmlns:p="http://schemas.openxmlformats.org/presentationml/2006/main" matchingName="Caption">
   <p:cSld name="CAPTION_ONLY">
     <p:spTree>
       <p:nvGrpSpPr>
-        <p:cNvPr id="99" name="Shape 99"/>
+        <p:cNvPr id="1" name="Shape 99"/>
         <p:cNvGrpSpPr/>
         <p:nvPr/>
       </p:nvGrpSpPr>
@@ -8290,7 +8234,7 @@
             </a:xfrm>
             <a:prstGeom prst="diagStripe">
               <a:avLst>
-                <a:gd fmla="val 50000" name="adj"/>
+                <a:gd name="adj" fmla="val 50000"/>
               </a:avLst>
             </a:prstGeom>
             <a:solidFill>
@@ -8303,12 +8247,12 @@
             </a:ln>
           </p:spPr>
           <p:txBody>
-            <a:bodyPr anchorCtr="0" anchor="ctr" bIns="91425" lIns="91425" spcFirstLastPara="1" rIns="91425" wrap="square" tIns="91425">
+            <a:bodyPr spcFirstLastPara="1" wrap="square" lIns="91425" tIns="91425" rIns="91425" bIns="91425" anchor="ctr" anchorCtr="0">
               <a:noAutofit/>
             </a:bodyPr>
             <a:lstStyle/>
             <a:p>
-              <a:pPr indent="0" lvl="0" marL="0" rtl="0" algn="l">
+              <a:pPr marL="0" lvl="0" indent="0" algn="l" rtl="0">
                 <a:spcBef>
                   <a:spcPts val="0"/>
                 </a:spcBef>
@@ -8317,9 +8261,6 @@
                 </a:spcAft>
                 <a:buNone/>
               </a:pPr>
-              <a:r>
-                <a:t/>
-              </a:r>
               <a:endParaRPr/>
             </a:p>
           </p:txBody>
@@ -8337,7 +8278,7 @@
             </a:xfrm>
             <a:prstGeom prst="diagStripe">
               <a:avLst>
-                <a:gd fmla="val 50000" name="adj"/>
+                <a:gd name="adj" fmla="val 50000"/>
               </a:avLst>
             </a:prstGeom>
             <a:solidFill>
@@ -8350,12 +8291,12 @@
             </a:ln>
           </p:spPr>
           <p:txBody>
-            <a:bodyPr anchorCtr="0" anchor="ctr" bIns="91425" lIns="91425" spcFirstLastPara="1" rIns="91425" wrap="square" tIns="91425">
+            <a:bodyPr spcFirstLastPara="1" wrap="square" lIns="91425" tIns="91425" rIns="91425" bIns="91425" anchor="ctr" anchorCtr="0">
               <a:noAutofit/>
             </a:bodyPr>
             <a:lstStyle/>
             <a:p>
-              <a:pPr indent="0" lvl="0" marL="0" rtl="0" algn="l">
+              <a:pPr marL="0" lvl="0" indent="0" algn="l" rtl="0">
                 <a:spcBef>
                   <a:spcPts val="0"/>
                 </a:spcBef>
@@ -8364,9 +8305,6 @@
                 </a:spcAft>
                 <a:buNone/>
               </a:pPr>
-              <a:r>
-                <a:t/>
-              </a:r>
               <a:endParaRPr/>
             </a:p>
           </p:txBody>
@@ -8375,9 +8313,11 @@
       <p:sp>
         <p:nvSpPr>
           <p:cNvPr id="103" name="Google Shape;103;p10"/>
-          <p:cNvSpPr txBox="1"/>
+          <p:cNvSpPr txBox="1">
+            <a:spLocks noGrp="1"/>
+          </p:cNvSpPr>
           <p:nvPr>
-            <p:ph idx="1" type="body"/>
+            <p:ph type="body" idx="1"/>
           </p:nvPr>
         </p:nvSpPr>
         <p:spPr>
@@ -8390,11 +8330,11 @@
           </a:prstGeom>
         </p:spPr>
         <p:txBody>
-          <a:bodyPr anchorCtr="0" anchor="ctr" bIns="91425" lIns="91425" spcFirstLastPara="1" rIns="91425" wrap="square" tIns="91425">
+          <a:bodyPr spcFirstLastPara="1" wrap="square" lIns="91425" tIns="91425" rIns="91425" bIns="91425" anchor="ctr" anchorCtr="0">
             <a:noAutofit/>
           </a:bodyPr>
           <a:lstStyle>
-            <a:lvl1pPr indent="-228600" lvl="0" marL="457200">
+            <a:lvl1pPr marL="457200" lvl="0" indent="-228600">
               <a:lnSpc>
                 <a:spcPct val="100000"/>
               </a:lnSpc>
@@ -8409,15 +8349,19 @@
               <a:defRPr/>
             </a:lvl1pPr>
           </a:lstStyle>
-          <a:p/>
+          <a:p>
+            <a:endParaRPr/>
+          </a:p>
         </p:txBody>
       </p:sp>
       <p:sp>
         <p:nvSpPr>
           <p:cNvPr id="104" name="Google Shape;104;p10"/>
-          <p:cNvSpPr txBox="1"/>
+          <p:cNvSpPr txBox="1">
+            <a:spLocks noGrp="1"/>
+          </p:cNvSpPr>
           <p:nvPr>
-            <p:ph idx="12" type="sldNum"/>
+            <p:ph type="sldNum" idx="12"/>
           </p:nvPr>
         </p:nvSpPr>
         <p:spPr>
@@ -8430,7 +8374,7 @@
           </a:prstGeom>
         </p:spPr>
         <p:txBody>
-          <a:bodyPr anchorCtr="0" anchor="ctr" bIns="91425" lIns="91425" spcFirstLastPara="1" rIns="91425" wrap="square" tIns="91425">
+          <a:bodyPr spcFirstLastPara="1" wrap="square" lIns="91425" tIns="91425" rIns="91425" bIns="91425" anchor="ctr" anchorCtr="0">
             <a:noAutofit/>
           </a:bodyPr>
           <a:lstStyle>
@@ -8472,7 +8416,7 @@
             </a:lvl9pPr>
           </a:lstStyle>
           <a:p>
-            <a:pPr indent="0" lvl="0" marL="0" rtl="0" algn="r">
+            <a:pPr marL="0" lvl="0" indent="0" algn="r" rtl="0">
               <a:spcBef>
                 <a:spcPts val="0"/>
               </a:spcBef>
@@ -8498,18 +8442,19 @@
 </file>
 
 <file path=ppt/slideMasters/slideMaster1.xml><?xml version="1.0" encoding="utf-8"?>
-<p:sldMaster xmlns:a="http://schemas.openxmlformats.org/drawingml/2006/main" xmlns:r="http://schemas.openxmlformats.org/officeDocument/2006/relationships" xmlns:mc="http://schemas.openxmlformats.org/markup-compatibility/2006" xmlns:mv="urn:schemas-microsoft-com:mac:vml" xmlns:p="http://schemas.openxmlformats.org/presentationml/2006/main" xmlns:c="http://schemas.openxmlformats.org/drawingml/2006/chart" xmlns:dgm="http://schemas.openxmlformats.org/drawingml/2006/diagram" xmlns:o="urn:schemas-microsoft-com:office:office" xmlns:v="urn:schemas-microsoft-com:vml" xmlns:pvml="urn:schemas-microsoft-com:office:powerpoint" xmlns:com="http://schemas.openxmlformats.org/drawingml/2006/compatibility" xmlns:p14="http://schemas.microsoft.com/office/powerpoint/2010/main" xmlns:p15="http://schemas.microsoft.com/office/powerpoint/2012/main">
+<p:sldMaster xmlns:a="http://schemas.openxmlformats.org/drawingml/2006/main" xmlns:r="http://schemas.openxmlformats.org/officeDocument/2006/relationships" xmlns:p="http://schemas.openxmlformats.org/presentationml/2006/main">
   <p:cSld name="focus">
     <p:bg>
       <p:bgPr>
         <a:solidFill>
           <a:schemeClr val="dk1"/>
         </a:solidFill>
+        <a:effectLst/>
       </p:bgPr>
     </p:bg>
     <p:spTree>
       <p:nvGrpSpPr>
-        <p:cNvPr id="5" name="Shape 5"/>
+        <p:cNvPr id="1" name="Shape 5"/>
         <p:cNvGrpSpPr/>
         <p:nvPr/>
       </p:nvGrpSpPr>
@@ -8524,7 +8469,9 @@
       <p:sp>
         <p:nvSpPr>
           <p:cNvPr id="6" name="Google Shape;6;p1"/>
-          <p:cNvSpPr txBox="1"/>
+          <p:cNvSpPr txBox="1">
+            <a:spLocks noGrp="1"/>
+          </p:cNvSpPr>
           <p:nvPr>
             <p:ph type="title"/>
           </p:nvPr>
@@ -8543,7 +8490,7 @@
           </a:ln>
         </p:spPr>
         <p:txBody>
-          <a:bodyPr anchorCtr="0" anchor="t" bIns="91425" lIns="91425" spcFirstLastPara="1" rIns="91425" wrap="square" tIns="91425">
+          <a:bodyPr spcFirstLastPara="1" wrap="square" lIns="91425" tIns="91425" rIns="91425" bIns="91425" anchor="t" anchorCtr="0">
             <a:noAutofit/>
           </a:bodyPr>
           <a:lstStyle>
@@ -8755,15 +8702,19 @@
               </a:defRPr>
             </a:lvl9pPr>
           </a:lstStyle>
-          <a:p/>
+          <a:p>
+            <a:endParaRPr/>
+          </a:p>
         </p:txBody>
       </p:sp>
       <p:sp>
         <p:nvSpPr>
           <p:cNvPr id="7" name="Google Shape;7;p1"/>
-          <p:cNvSpPr txBox="1"/>
+          <p:cNvSpPr txBox="1">
+            <a:spLocks noGrp="1"/>
+          </p:cNvSpPr>
           <p:nvPr>
-            <p:ph idx="1" type="body"/>
+            <p:ph type="body" idx="1"/>
           </p:nvPr>
         </p:nvSpPr>
         <p:spPr>
@@ -8780,11 +8731,11 @@
           </a:ln>
         </p:spPr>
         <p:txBody>
-          <a:bodyPr anchorCtr="0" anchor="t" bIns="91425" lIns="91425" spcFirstLastPara="1" rIns="91425" wrap="square" tIns="91425">
+          <a:bodyPr spcFirstLastPara="1" wrap="square" lIns="91425" tIns="91425" rIns="91425" bIns="91425" anchor="t" anchorCtr="0">
             <a:noAutofit/>
           </a:bodyPr>
           <a:lstStyle>
-            <a:lvl1pPr indent="-311150" lvl="0" marL="457200">
+            <a:lvl1pPr marL="457200" lvl="0" indent="-311150">
               <a:lnSpc>
                 <a:spcPct val="115000"/>
               </a:lnSpc>
@@ -8810,7 +8761,7 @@
                 <a:sym typeface="Lato"/>
               </a:defRPr>
             </a:lvl1pPr>
-            <a:lvl2pPr indent="-298450" lvl="1" marL="914400">
+            <a:lvl2pPr marL="914400" lvl="1" indent="-298450">
               <a:lnSpc>
                 <a:spcPct val="115000"/>
               </a:lnSpc>
@@ -8836,7 +8787,7 @@
                 <a:sym typeface="Lato"/>
               </a:defRPr>
             </a:lvl2pPr>
-            <a:lvl3pPr indent="-298450" lvl="2" marL="1371600">
+            <a:lvl3pPr marL="1371600" lvl="2" indent="-298450">
               <a:lnSpc>
                 <a:spcPct val="115000"/>
               </a:lnSpc>
@@ -8862,7 +8813,7 @@
                 <a:sym typeface="Lato"/>
               </a:defRPr>
             </a:lvl3pPr>
-            <a:lvl4pPr indent="-298450" lvl="3" marL="1828800">
+            <a:lvl4pPr marL="1828800" lvl="3" indent="-298450">
               <a:lnSpc>
                 <a:spcPct val="115000"/>
               </a:lnSpc>
@@ -8888,7 +8839,7 @@
                 <a:sym typeface="Lato"/>
               </a:defRPr>
             </a:lvl4pPr>
-            <a:lvl5pPr indent="-298450" lvl="4" marL="2286000">
+            <a:lvl5pPr marL="2286000" lvl="4" indent="-298450">
               <a:lnSpc>
                 <a:spcPct val="115000"/>
               </a:lnSpc>
@@ -8914,7 +8865,7 @@
                 <a:sym typeface="Lato"/>
               </a:defRPr>
             </a:lvl5pPr>
-            <a:lvl6pPr indent="-298450" lvl="5" marL="2743200">
+            <a:lvl6pPr marL="2743200" lvl="5" indent="-298450">
               <a:lnSpc>
                 <a:spcPct val="115000"/>
               </a:lnSpc>
@@ -8940,7 +8891,7 @@
                 <a:sym typeface="Lato"/>
               </a:defRPr>
             </a:lvl6pPr>
-            <a:lvl7pPr indent="-298450" lvl="6" marL="3200400">
+            <a:lvl7pPr marL="3200400" lvl="6" indent="-298450">
               <a:lnSpc>
                 <a:spcPct val="115000"/>
               </a:lnSpc>
@@ -8966,7 +8917,7 @@
                 <a:sym typeface="Lato"/>
               </a:defRPr>
             </a:lvl7pPr>
-            <a:lvl8pPr indent="-298450" lvl="7" marL="3657600">
+            <a:lvl8pPr marL="3657600" lvl="7" indent="-298450">
               <a:lnSpc>
                 <a:spcPct val="115000"/>
               </a:lnSpc>
@@ -8992,7 +8943,7 @@
                 <a:sym typeface="Lato"/>
               </a:defRPr>
             </a:lvl8pPr>
-            <a:lvl9pPr indent="-298450" lvl="8" marL="4114800">
+            <a:lvl9pPr marL="4114800" lvl="8" indent="-298450">
               <a:lnSpc>
                 <a:spcPct val="115000"/>
               </a:lnSpc>
@@ -9019,15 +8970,19 @@
               </a:defRPr>
             </a:lvl9pPr>
           </a:lstStyle>
-          <a:p/>
+          <a:p>
+            <a:endParaRPr/>
+          </a:p>
         </p:txBody>
       </p:sp>
       <p:sp>
         <p:nvSpPr>
           <p:cNvPr id="8" name="Google Shape;8;p1"/>
-          <p:cNvSpPr txBox="1"/>
+          <p:cNvSpPr txBox="1">
+            <a:spLocks noGrp="1"/>
+          </p:cNvSpPr>
           <p:nvPr>
-            <p:ph idx="12" type="sldNum"/>
+            <p:ph type="sldNum" idx="12"/>
           </p:nvPr>
         </p:nvSpPr>
         <p:spPr>
@@ -9044,7 +8999,7 @@
           </a:ln>
         </p:spPr>
         <p:txBody>
-          <a:bodyPr anchorCtr="0" anchor="ctr" bIns="91425" lIns="91425" spcFirstLastPara="1" rIns="91425" wrap="square" tIns="91425">
+          <a:bodyPr spcFirstLastPara="1" wrap="square" lIns="91425" tIns="91425" rIns="91425" bIns="91425" anchor="ctr" anchorCtr="0">
             <a:noAutofit/>
           </a:bodyPr>
           <a:lstStyle>
@@ -9158,7 +9113,7 @@
             </a:lvl9pPr>
           </a:lstStyle>
           <a:p>
-            <a:pPr indent="0" lvl="0" marL="0" rtl="0" algn="r">
+            <a:pPr marL="0" lvl="0" indent="0" algn="r" rtl="0">
               <a:spcBef>
                 <a:spcPts val="0"/>
               </a:spcBef>
@@ -9177,7 +9132,7 @@
       </p:sp>
     </p:spTree>
   </p:cSld>
-  <p:clrMap accent1="accent1" accent2="accent2" accent3="accent3" accent4="accent4" accent5="accent5" accent6="accent6" bg1="lt1" bg2="dk2" tx1="dk1" tx2="lt2" folHlink="folHlink" hlink="hlink"/>
+  <p:clrMap bg1="lt1" tx1="dk1" bg2="dk2" tx2="lt2" accent1="accent1" accent2="accent2" accent3="accent3" accent4="accent4" accent5="accent5" accent6="accent6" hlink="hlink" folHlink="folHlink"/>
   <p:sldLayoutIdLst>
     <p:sldLayoutId id="2147483648" r:id="rId1"/>
     <p:sldLayoutId id="2147483649" r:id="rId2"/>
@@ -9191,10 +9146,10 @@
     <p:sldLayoutId id="2147483657" r:id="rId10"/>
     <p:sldLayoutId id="2147483658" r:id="rId11"/>
   </p:sldLayoutIdLst>
-  <p:hf dt="0" ftr="0" hdr="0" sldNum="0"/>
+  <p:hf sldNum="0" hdr="0" ftr="0" dt="0"/>
   <p:txStyles>
     <p:titleStyle>
-      <a:defPPr lvl="0" marR="0" rtl="0" algn="l">
+      <a:defPPr marR="0" lvl="0" algn="l" rtl="0">
         <a:lnSpc>
           <a:spcPct val="100000"/>
         </a:lnSpc>
@@ -9205,7 +9160,7 @@
           <a:spcPts val="0"/>
         </a:spcAft>
       </a:defPPr>
-      <a:lvl1pPr lvl="0" marR="0" rtl="0" algn="l">
+      <a:lvl1pPr marR="0" lvl="0" algn="l" rtl="0">
         <a:lnSpc>
           <a:spcPct val="100000"/>
         </a:lnSpc>
@@ -9219,7 +9174,7 @@
           <a:srgbClr val="000000"/>
         </a:buClr>
         <a:buFont typeface="Arial"/>
-        <a:defRPr b="0" i="0" sz="1400" u="none" cap="none" strike="noStrike">
+        <a:defRPr sz="1400" b="0" i="0" u="none" strike="noStrike" cap="none">
           <a:solidFill>
             <a:srgbClr val="000000"/>
           </a:solidFill>
@@ -9229,7 +9184,7 @@
           <a:sym typeface="Arial"/>
         </a:defRPr>
       </a:lvl1pPr>
-      <a:lvl2pPr lvl="1" marR="0" rtl="0" algn="l">
+      <a:lvl2pPr marR="0" lvl="1" algn="l" rtl="0">
         <a:lnSpc>
           <a:spcPct val="100000"/>
         </a:lnSpc>
@@ -9243,7 +9198,7 @@
           <a:srgbClr val="000000"/>
         </a:buClr>
         <a:buFont typeface="Arial"/>
-        <a:defRPr b="0" i="0" sz="1400" u="none" cap="none" strike="noStrike">
+        <a:defRPr sz="1400" b="0" i="0" u="none" strike="noStrike" cap="none">
           <a:solidFill>
             <a:srgbClr val="000000"/>
           </a:solidFill>
@@ -9253,7 +9208,7 @@
           <a:sym typeface="Arial"/>
         </a:defRPr>
       </a:lvl2pPr>
-      <a:lvl3pPr lvl="2" marR="0" rtl="0" algn="l">
+      <a:lvl3pPr marR="0" lvl="2" algn="l" rtl="0">
         <a:lnSpc>
           <a:spcPct val="100000"/>
         </a:lnSpc>
@@ -9267,7 +9222,7 @@
           <a:srgbClr val="000000"/>
         </a:buClr>
         <a:buFont typeface="Arial"/>
-        <a:defRPr b="0" i="0" sz="1400" u="none" cap="none" strike="noStrike">
+        <a:defRPr sz="1400" b="0" i="0" u="none" strike="noStrike" cap="none">
           <a:solidFill>
             <a:srgbClr val="000000"/>
           </a:solidFill>
@@ -9277,7 +9232,7 @@
           <a:sym typeface="Arial"/>
         </a:defRPr>
       </a:lvl3pPr>
-      <a:lvl4pPr lvl="3" marR="0" rtl="0" algn="l">
+      <a:lvl4pPr marR="0" lvl="3" algn="l" rtl="0">
         <a:lnSpc>
           <a:spcPct val="100000"/>
         </a:lnSpc>
@@ -9291,7 +9246,7 @@
           <a:srgbClr val="000000"/>
         </a:buClr>
         <a:buFont typeface="Arial"/>
-        <a:defRPr b="0" i="0" sz="1400" u="none" cap="none" strike="noStrike">
+        <a:defRPr sz="1400" b="0" i="0" u="none" strike="noStrike" cap="none">
           <a:solidFill>
             <a:srgbClr val="000000"/>
           </a:solidFill>
@@ -9301,7 +9256,7 @@
           <a:sym typeface="Arial"/>
         </a:defRPr>
       </a:lvl4pPr>
-      <a:lvl5pPr lvl="4" marR="0" rtl="0" algn="l">
+      <a:lvl5pPr marR="0" lvl="4" algn="l" rtl="0">
         <a:lnSpc>
           <a:spcPct val="100000"/>
         </a:lnSpc>
@@ -9315,7 +9270,7 @@
           <a:srgbClr val="000000"/>
         </a:buClr>
         <a:buFont typeface="Arial"/>
-        <a:defRPr b="0" i="0" sz="1400" u="none" cap="none" strike="noStrike">
+        <a:defRPr sz="1400" b="0" i="0" u="none" strike="noStrike" cap="none">
           <a:solidFill>
             <a:srgbClr val="000000"/>
           </a:solidFill>
@@ -9325,7 +9280,7 @@
           <a:sym typeface="Arial"/>
         </a:defRPr>
       </a:lvl5pPr>
-      <a:lvl6pPr lvl="5" marR="0" rtl="0" algn="l">
+      <a:lvl6pPr marR="0" lvl="5" algn="l" rtl="0">
         <a:lnSpc>
           <a:spcPct val="100000"/>
         </a:lnSpc>
@@ -9339,7 +9294,7 @@
           <a:srgbClr val="000000"/>
         </a:buClr>
         <a:buFont typeface="Arial"/>
-        <a:defRPr b="0" i="0" sz="1400" u="none" cap="none" strike="noStrike">
+        <a:defRPr sz="1400" b="0" i="0" u="none" strike="noStrike" cap="none">
           <a:solidFill>
             <a:srgbClr val="000000"/>
           </a:solidFill>
@@ -9349,7 +9304,7 @@
           <a:sym typeface="Arial"/>
         </a:defRPr>
       </a:lvl6pPr>
-      <a:lvl7pPr lvl="6" marR="0" rtl="0" algn="l">
+      <a:lvl7pPr marR="0" lvl="6" algn="l" rtl="0">
         <a:lnSpc>
           <a:spcPct val="100000"/>
         </a:lnSpc>
@@ -9363,7 +9318,7 @@
           <a:srgbClr val="000000"/>
         </a:buClr>
         <a:buFont typeface="Arial"/>
-        <a:defRPr b="0" i="0" sz="1400" u="none" cap="none" strike="noStrike">
+        <a:defRPr sz="1400" b="0" i="0" u="none" strike="noStrike" cap="none">
           <a:solidFill>
             <a:srgbClr val="000000"/>
           </a:solidFill>
@@ -9373,7 +9328,7 @@
           <a:sym typeface="Arial"/>
         </a:defRPr>
       </a:lvl7pPr>
-      <a:lvl8pPr lvl="7" marR="0" rtl="0" algn="l">
+      <a:lvl8pPr marR="0" lvl="7" algn="l" rtl="0">
         <a:lnSpc>
           <a:spcPct val="100000"/>
         </a:lnSpc>
@@ -9387,7 +9342,7 @@
           <a:srgbClr val="000000"/>
         </a:buClr>
         <a:buFont typeface="Arial"/>
-        <a:defRPr b="0" i="0" sz="1400" u="none" cap="none" strike="noStrike">
+        <a:defRPr sz="1400" b="0" i="0" u="none" strike="noStrike" cap="none">
           <a:solidFill>
             <a:srgbClr val="000000"/>
           </a:solidFill>
@@ -9397,7 +9352,7 @@
           <a:sym typeface="Arial"/>
         </a:defRPr>
       </a:lvl8pPr>
-      <a:lvl9pPr lvl="8" marR="0" rtl="0" algn="l">
+      <a:lvl9pPr marR="0" lvl="8" algn="l" rtl="0">
         <a:lnSpc>
           <a:spcPct val="100000"/>
         </a:lnSpc>
@@ -9411,7 +9366,7 @@
           <a:srgbClr val="000000"/>
         </a:buClr>
         <a:buFont typeface="Arial"/>
-        <a:defRPr b="0" i="0" sz="1400" u="none" cap="none" strike="noStrike">
+        <a:defRPr sz="1400" b="0" i="0" u="none" strike="noStrike" cap="none">
           <a:solidFill>
             <a:srgbClr val="000000"/>
           </a:solidFill>
@@ -9423,7 +9378,7 @@
       </a:lvl9pPr>
     </p:titleStyle>
     <p:bodyStyle>
-      <a:defPPr lvl="0" marR="0" rtl="0" algn="l">
+      <a:defPPr marR="0" lvl="0" algn="l" rtl="0">
         <a:lnSpc>
           <a:spcPct val="100000"/>
         </a:lnSpc>
@@ -9434,7 +9389,7 @@
           <a:spcPts val="0"/>
         </a:spcAft>
       </a:defPPr>
-      <a:lvl1pPr lvl="0" marR="0" rtl="0" algn="l">
+      <a:lvl1pPr marR="0" lvl="0" algn="l" rtl="0">
         <a:lnSpc>
           <a:spcPct val="100000"/>
         </a:lnSpc>
@@ -9448,7 +9403,7 @@
           <a:srgbClr val="000000"/>
         </a:buClr>
         <a:buFont typeface="Arial"/>
-        <a:defRPr b="0" i="0" sz="1400" u="none" cap="none" strike="noStrike">
+        <a:defRPr sz="1400" b="0" i="0" u="none" strike="noStrike" cap="none">
           <a:solidFill>
             <a:srgbClr val="000000"/>
           </a:solidFill>
@@ -9458,7 +9413,7 @@
           <a:sym typeface="Arial"/>
         </a:defRPr>
       </a:lvl1pPr>
-      <a:lvl2pPr lvl="1" marR="0" rtl="0" algn="l">
+      <a:lvl2pPr marR="0" lvl="1" algn="l" rtl="0">
         <a:lnSpc>
           <a:spcPct val="100000"/>
         </a:lnSpc>
@@ -9472,7 +9427,7 @@
           <a:srgbClr val="000000"/>
         </a:buClr>
         <a:buFont typeface="Arial"/>
-        <a:defRPr b="0" i="0" sz="1400" u="none" cap="none" strike="noStrike">
+        <a:defRPr sz="1400" b="0" i="0" u="none" strike="noStrike" cap="none">
           <a:solidFill>
             <a:srgbClr val="000000"/>
           </a:solidFill>
@@ -9482,7 +9437,7 @@
           <a:sym typeface="Arial"/>
         </a:defRPr>
       </a:lvl2pPr>
-      <a:lvl3pPr lvl="2" marR="0" rtl="0" algn="l">
+      <a:lvl3pPr marR="0" lvl="2" algn="l" rtl="0">
         <a:lnSpc>
           <a:spcPct val="100000"/>
         </a:lnSpc>
@@ -9496,7 +9451,7 @@
           <a:srgbClr val="000000"/>
         </a:buClr>
         <a:buFont typeface="Arial"/>
-        <a:defRPr b="0" i="0" sz="1400" u="none" cap="none" strike="noStrike">
+        <a:defRPr sz="1400" b="0" i="0" u="none" strike="noStrike" cap="none">
           <a:solidFill>
             <a:srgbClr val="000000"/>
           </a:solidFill>
@@ -9506,7 +9461,7 @@
           <a:sym typeface="Arial"/>
         </a:defRPr>
       </a:lvl3pPr>
-      <a:lvl4pPr lvl="3" marR="0" rtl="0" algn="l">
+      <a:lvl4pPr marR="0" lvl="3" algn="l" rtl="0">
         <a:lnSpc>
           <a:spcPct val="100000"/>
         </a:lnSpc>
@@ -9520,7 +9475,7 @@
           <a:srgbClr val="000000"/>
         </a:buClr>
         <a:buFont typeface="Arial"/>
-        <a:defRPr b="0" i="0" sz="1400" u="none" cap="none" strike="noStrike">
+        <a:defRPr sz="1400" b="0" i="0" u="none" strike="noStrike" cap="none">
           <a:solidFill>
             <a:srgbClr val="000000"/>
           </a:solidFill>
@@ -9530,7 +9485,7 @@
           <a:sym typeface="Arial"/>
         </a:defRPr>
       </a:lvl4pPr>
-      <a:lvl5pPr lvl="4" marR="0" rtl="0" algn="l">
+      <a:lvl5pPr marR="0" lvl="4" algn="l" rtl="0">
         <a:lnSpc>
           <a:spcPct val="100000"/>
         </a:lnSpc>
@@ -9544,7 +9499,7 @@
           <a:srgbClr val="000000"/>
         </a:buClr>
         <a:buFont typeface="Arial"/>
-        <a:defRPr b="0" i="0" sz="1400" u="none" cap="none" strike="noStrike">
+        <a:defRPr sz="1400" b="0" i="0" u="none" strike="noStrike" cap="none">
           <a:solidFill>
             <a:srgbClr val="000000"/>
           </a:solidFill>
@@ -9554,7 +9509,7 @@
           <a:sym typeface="Arial"/>
         </a:defRPr>
       </a:lvl5pPr>
-      <a:lvl6pPr lvl="5" marR="0" rtl="0" algn="l">
+      <a:lvl6pPr marR="0" lvl="5" algn="l" rtl="0">
         <a:lnSpc>
           <a:spcPct val="100000"/>
         </a:lnSpc>
@@ -9568,7 +9523,7 @@
           <a:srgbClr val="000000"/>
         </a:buClr>
         <a:buFont typeface="Arial"/>
-        <a:defRPr b="0" i="0" sz="1400" u="none" cap="none" strike="noStrike">
+        <a:defRPr sz="1400" b="0" i="0" u="none" strike="noStrike" cap="none">
           <a:solidFill>
             <a:srgbClr val="000000"/>
           </a:solidFill>
@@ -9578,7 +9533,7 @@
           <a:sym typeface="Arial"/>
         </a:defRPr>
       </a:lvl6pPr>
-      <a:lvl7pPr lvl="6" marR="0" rtl="0" algn="l">
+      <a:lvl7pPr marR="0" lvl="6" algn="l" rtl="0">
         <a:lnSpc>
           <a:spcPct val="100000"/>
         </a:lnSpc>
@@ -9592,7 +9547,7 @@
           <a:srgbClr val="000000"/>
         </a:buClr>
         <a:buFont typeface="Arial"/>
-        <a:defRPr b="0" i="0" sz="1400" u="none" cap="none" strike="noStrike">
+        <a:defRPr sz="1400" b="0" i="0" u="none" strike="noStrike" cap="none">
           <a:solidFill>
             <a:srgbClr val="000000"/>
           </a:solidFill>
@@ -9602,7 +9557,7 @@
           <a:sym typeface="Arial"/>
         </a:defRPr>
       </a:lvl7pPr>
-      <a:lvl8pPr lvl="7" marR="0" rtl="0" algn="l">
+      <a:lvl8pPr marR="0" lvl="7" algn="l" rtl="0">
         <a:lnSpc>
           <a:spcPct val="100000"/>
         </a:lnSpc>
@@ -9616,7 +9571,7 @@
           <a:srgbClr val="000000"/>
         </a:buClr>
         <a:buFont typeface="Arial"/>
-        <a:defRPr b="0" i="0" sz="1400" u="none" cap="none" strike="noStrike">
+        <a:defRPr sz="1400" b="0" i="0" u="none" strike="noStrike" cap="none">
           <a:solidFill>
             <a:srgbClr val="000000"/>
           </a:solidFill>
@@ -9626,7 +9581,7 @@
           <a:sym typeface="Arial"/>
         </a:defRPr>
       </a:lvl8pPr>
-      <a:lvl9pPr lvl="8" marR="0" rtl="0" algn="l">
+      <a:lvl9pPr marR="0" lvl="8" algn="l" rtl="0">
         <a:lnSpc>
           <a:spcPct val="100000"/>
         </a:lnSpc>
@@ -9640,7 +9595,7 @@
           <a:srgbClr val="000000"/>
         </a:buClr>
         <a:buFont typeface="Arial"/>
-        <a:defRPr b="0" i="0" sz="1400" u="none" cap="none" strike="noStrike">
+        <a:defRPr sz="1400" b="0" i="0" u="none" strike="noStrike" cap="none">
           <a:solidFill>
             <a:srgbClr val="000000"/>
           </a:solidFill>
@@ -9652,7 +9607,7 @@
       </a:lvl9pPr>
     </p:bodyStyle>
     <p:otherStyle>
-      <a:defPPr lvl="0" marR="0" rtl="0" algn="l">
+      <a:defPPr marR="0" lvl="0" algn="l" rtl="0">
         <a:lnSpc>
           <a:spcPct val="100000"/>
         </a:lnSpc>
@@ -9663,7 +9618,7 @@
           <a:spcPts val="0"/>
         </a:spcAft>
       </a:defPPr>
-      <a:lvl1pPr lvl="0" marR="0" rtl="0" algn="l">
+      <a:lvl1pPr marR="0" lvl="0" algn="l" rtl="0">
         <a:lnSpc>
           <a:spcPct val="100000"/>
         </a:lnSpc>
@@ -9677,7 +9632,7 @@
           <a:srgbClr val="000000"/>
         </a:buClr>
         <a:buFont typeface="Arial"/>
-        <a:defRPr b="0" i="0" sz="1400" u="none" cap="none" strike="noStrike">
+        <a:defRPr sz="1400" b="0" i="0" u="none" strike="noStrike" cap="none">
           <a:solidFill>
             <a:srgbClr val="000000"/>
           </a:solidFill>
@@ -9687,7 +9642,7 @@
           <a:sym typeface="Arial"/>
         </a:defRPr>
       </a:lvl1pPr>
-      <a:lvl2pPr lvl="1" marR="0" rtl="0" algn="l">
+      <a:lvl2pPr marR="0" lvl="1" algn="l" rtl="0">
         <a:lnSpc>
           <a:spcPct val="100000"/>
         </a:lnSpc>
@@ -9701,7 +9656,7 @@
           <a:srgbClr val="000000"/>
         </a:buClr>
         <a:buFont typeface="Arial"/>
-        <a:defRPr b="0" i="0" sz="1400" u="none" cap="none" strike="noStrike">
+        <a:defRPr sz="1400" b="0" i="0" u="none" strike="noStrike" cap="none">
           <a:solidFill>
             <a:srgbClr val="000000"/>
           </a:solidFill>
@@ -9711,7 +9666,7 @@
           <a:sym typeface="Arial"/>
         </a:defRPr>
       </a:lvl2pPr>
-      <a:lvl3pPr lvl="2" marR="0" rtl="0" algn="l">
+      <a:lvl3pPr marR="0" lvl="2" algn="l" rtl="0">
         <a:lnSpc>
           <a:spcPct val="100000"/>
         </a:lnSpc>
@@ -9725,7 +9680,7 @@
           <a:srgbClr val="000000"/>
         </a:buClr>
         <a:buFont typeface="Arial"/>
-        <a:defRPr b="0" i="0" sz="1400" u="none" cap="none" strike="noStrike">
+        <a:defRPr sz="1400" b="0" i="0" u="none" strike="noStrike" cap="none">
           <a:solidFill>
             <a:srgbClr val="000000"/>
           </a:solidFill>
@@ -9735,7 +9690,7 @@
           <a:sym typeface="Arial"/>
         </a:defRPr>
       </a:lvl3pPr>
-      <a:lvl4pPr lvl="3" marR="0" rtl="0" algn="l">
+      <a:lvl4pPr marR="0" lvl="3" algn="l" rtl="0">
         <a:lnSpc>
           <a:spcPct val="100000"/>
         </a:lnSpc>
@@ -9749,7 +9704,7 @@
           <a:srgbClr val="000000"/>
         </a:buClr>
         <a:buFont typeface="Arial"/>
-        <a:defRPr b="0" i="0" sz="1400" u="none" cap="none" strike="noStrike">
+        <a:defRPr sz="1400" b="0" i="0" u="none" strike="noStrike" cap="none">
           <a:solidFill>
             <a:srgbClr val="000000"/>
           </a:solidFill>
@@ -9759,7 +9714,7 @@
           <a:sym typeface="Arial"/>
         </a:defRPr>
       </a:lvl4pPr>
-      <a:lvl5pPr lvl="4" marR="0" rtl="0" algn="l">
+      <a:lvl5pPr marR="0" lvl="4" algn="l" rtl="0">
         <a:lnSpc>
           <a:spcPct val="100000"/>
         </a:lnSpc>
@@ -9773,7 +9728,7 @@
           <a:srgbClr val="000000"/>
         </a:buClr>
         <a:buFont typeface="Arial"/>
-        <a:defRPr b="0" i="0" sz="1400" u="none" cap="none" strike="noStrike">
+        <a:defRPr sz="1400" b="0" i="0" u="none" strike="noStrike" cap="none">
           <a:solidFill>
             <a:srgbClr val="000000"/>
           </a:solidFill>
@@ -9783,7 +9738,7 @@
           <a:sym typeface="Arial"/>
         </a:defRPr>
       </a:lvl5pPr>
-      <a:lvl6pPr lvl="5" marR="0" rtl="0" algn="l">
+      <a:lvl6pPr marR="0" lvl="5" algn="l" rtl="0">
         <a:lnSpc>
           <a:spcPct val="100000"/>
         </a:lnSpc>
@@ -9797,7 +9752,7 @@
           <a:srgbClr val="000000"/>
         </a:buClr>
         <a:buFont typeface="Arial"/>
-        <a:defRPr b="0" i="0" sz="1400" u="none" cap="none" strike="noStrike">
+        <a:defRPr sz="1400" b="0" i="0" u="none" strike="noStrike" cap="none">
           <a:solidFill>
             <a:srgbClr val="000000"/>
           </a:solidFill>
@@ -9807,7 +9762,7 @@
           <a:sym typeface="Arial"/>
         </a:defRPr>
       </a:lvl6pPr>
-      <a:lvl7pPr lvl="6" marR="0" rtl="0" algn="l">
+      <a:lvl7pPr marR="0" lvl="6" algn="l" rtl="0">
         <a:lnSpc>
           <a:spcPct val="100000"/>
         </a:lnSpc>
@@ -9821,7 +9776,7 @@
           <a:srgbClr val="000000"/>
         </a:buClr>
         <a:buFont typeface="Arial"/>
-        <a:defRPr b="0" i="0" sz="1400" u="none" cap="none" strike="noStrike">
+        <a:defRPr sz="1400" b="0" i="0" u="none" strike="noStrike" cap="none">
           <a:solidFill>
             <a:srgbClr val="000000"/>
           </a:solidFill>
@@ -9831,7 +9786,7 @@
           <a:sym typeface="Arial"/>
         </a:defRPr>
       </a:lvl7pPr>
-      <a:lvl8pPr lvl="7" marR="0" rtl="0" algn="l">
+      <a:lvl8pPr marR="0" lvl="7" algn="l" rtl="0">
         <a:lnSpc>
           <a:spcPct val="100000"/>
         </a:lnSpc>
@@ -9845,7 +9800,7 @@
           <a:srgbClr val="000000"/>
         </a:buClr>
         <a:buFont typeface="Arial"/>
-        <a:defRPr b="0" i="0" sz="1400" u="none" cap="none" strike="noStrike">
+        <a:defRPr sz="1400" b="0" i="0" u="none" strike="noStrike" cap="none">
           <a:solidFill>
             <a:srgbClr val="000000"/>
           </a:solidFill>
@@ -9855,7 +9810,7 @@
           <a:sym typeface="Arial"/>
         </a:defRPr>
       </a:lvl8pPr>
-      <a:lvl9pPr lvl="8" marR="0" rtl="0" algn="l">
+      <a:lvl9pPr marR="0" lvl="8" algn="l" rtl="0">
         <a:lnSpc>
           <a:spcPct val="100000"/>
         </a:lnSpc>
@@ -9869,7 +9824,7 @@
           <a:srgbClr val="000000"/>
         </a:buClr>
         <a:buFont typeface="Arial"/>
-        <a:defRPr b="0" i="0" sz="1400" u="none" cap="none" strike="noStrike">
+        <a:defRPr sz="1400" b="0" i="0" u="none" strike="noStrike" cap="none">
           <a:solidFill>
             <a:srgbClr val="000000"/>
           </a:solidFill>
@@ -9885,11 +9840,11 @@
 </file>
 
 <file path=ppt/slides/slide1.xml><?xml version="1.0" encoding="utf-8"?>
-<p:sld xmlns:a="http://schemas.openxmlformats.org/drawingml/2006/main" xmlns:r="http://schemas.openxmlformats.org/officeDocument/2006/relationships" xmlns:mc="http://schemas.openxmlformats.org/markup-compatibility/2006" xmlns:mv="urn:schemas-microsoft-com:mac:vml" xmlns:p="http://schemas.openxmlformats.org/presentationml/2006/main" xmlns:c="http://schemas.openxmlformats.org/drawingml/2006/chart" xmlns:dgm="http://schemas.openxmlformats.org/drawingml/2006/diagram" xmlns:o="urn:schemas-microsoft-com:office:office" xmlns:v="urn:schemas-microsoft-com:vml" xmlns:pvml="urn:schemas-microsoft-com:office:powerpoint" xmlns:com="http://schemas.openxmlformats.org/drawingml/2006/compatibility" xmlns:p14="http://schemas.microsoft.com/office/powerpoint/2010/main" xmlns:p15="http://schemas.microsoft.com/office/powerpoint/2012/main">
+<p:sld xmlns:a="http://schemas.openxmlformats.org/drawingml/2006/main" xmlns:r="http://schemas.openxmlformats.org/officeDocument/2006/relationships" xmlns:p="http://schemas.openxmlformats.org/presentationml/2006/main">
   <p:cSld>
     <p:spTree>
       <p:nvGrpSpPr>
-        <p:cNvPr id="133" name="Shape 133"/>
+        <p:cNvPr id="1" name="Shape 133"/>
         <p:cNvGrpSpPr/>
         <p:nvPr/>
       </p:nvGrpSpPr>
@@ -9904,7 +9859,9 @@
       <p:sp>
         <p:nvSpPr>
           <p:cNvPr id="134" name="Google Shape;134;p13"/>
-          <p:cNvSpPr txBox="1"/>
+          <p:cNvSpPr txBox="1">
+            <a:spLocks noGrp="1"/>
+          </p:cNvSpPr>
           <p:nvPr>
             <p:ph type="ctrTitle"/>
           </p:nvPr>
@@ -9919,12 +9876,12 @@
           </a:prstGeom>
         </p:spPr>
         <p:txBody>
-          <a:bodyPr anchorCtr="0" anchor="t" bIns="91425" lIns="91425" spcFirstLastPara="1" rIns="91425" wrap="square" tIns="91425">
+          <a:bodyPr spcFirstLastPara="1" wrap="square" lIns="91425" tIns="91425" rIns="91425" bIns="91425" anchor="t" anchorCtr="0">
             <a:noAutofit/>
           </a:bodyPr>
           <a:lstStyle/>
           <a:p>
-            <a:pPr indent="0" lvl="0" marL="0" rtl="0" algn="l">
+            <a:pPr marL="0" lvl="0" indent="0" algn="l" rtl="0">
               <a:spcBef>
                 <a:spcPts val="0"/>
               </a:spcBef>
@@ -9954,9 +9911,11 @@
       <p:sp>
         <p:nvSpPr>
           <p:cNvPr id="135" name="Google Shape;135;p13"/>
-          <p:cNvSpPr txBox="1"/>
+          <p:cNvSpPr txBox="1">
+            <a:spLocks noGrp="1"/>
+          </p:cNvSpPr>
           <p:nvPr>
-            <p:ph idx="1" type="subTitle"/>
+            <p:ph type="subTitle" idx="1"/>
           </p:nvPr>
         </p:nvSpPr>
         <p:spPr>
@@ -9969,12 +9928,12 @@
           </a:prstGeom>
         </p:spPr>
         <p:txBody>
-          <a:bodyPr anchorCtr="0" anchor="t" bIns="91425" lIns="91425" spcFirstLastPara="1" rIns="91425" wrap="square" tIns="91425">
+          <a:bodyPr spcFirstLastPara="1" wrap="square" lIns="91425" tIns="91425" rIns="91425" bIns="91425" anchor="t" anchorCtr="0">
             <a:noAutofit/>
           </a:bodyPr>
           <a:lstStyle/>
           <a:p>
-            <a:pPr indent="0" lvl="0" marL="0" rtl="0" algn="l">
+            <a:pPr marL="0" lvl="0" indent="0" algn="l" rtl="0">
               <a:spcBef>
                 <a:spcPts val="0"/>
               </a:spcBef>
@@ -9984,7 +9943,7 @@
               <a:buNone/>
             </a:pPr>
             <a:r>
-              <a:rPr lang="en" sz="1400">
+              <a:rPr lang="en" sz="1400" dirty="0">
                 <a:latin typeface="Times New Roman"/>
                 <a:ea typeface="Times New Roman"/>
                 <a:cs typeface="Times New Roman"/>
@@ -9992,7 +9951,7 @@
               </a:rPr>
               <a:t>Conducted data analysis to provide insights to Microsoft to facilitate entry into the movie industry. </a:t>
             </a:r>
-            <a:endParaRPr sz="1400">
+            <a:endParaRPr sz="1400" dirty="0">
               <a:latin typeface="Times New Roman"/>
               <a:ea typeface="Times New Roman"/>
               <a:cs typeface="Times New Roman"/>
@@ -10000,7 +9959,7 @@
             </a:endParaRPr>
           </a:p>
           <a:p>
-            <a:pPr indent="0" lvl="0" marL="457200" rtl="0" algn="l">
+            <a:pPr marL="457200" lvl="0" indent="0" algn="l" rtl="0">
               <a:spcBef>
                 <a:spcPts val="0"/>
               </a:spcBef>
@@ -10009,10 +9968,7 @@
               </a:spcAft>
               <a:buNone/>
             </a:pPr>
-            <a:r>
-              <a:t/>
-            </a:r>
-            <a:endParaRPr sz="1400">
+            <a:endParaRPr sz="1400" dirty="0">
               <a:latin typeface="Times New Roman"/>
               <a:ea typeface="Times New Roman"/>
               <a:cs typeface="Times New Roman"/>
@@ -10020,7 +9976,7 @@
             </a:endParaRPr>
           </a:p>
           <a:p>
-            <a:pPr indent="-317500" lvl="0" marL="457200" rtl="0" algn="l">
+            <a:pPr marL="457200" lvl="0" indent="-317500" algn="l" rtl="0">
               <a:spcBef>
                 <a:spcPts val="0"/>
               </a:spcBef>
@@ -10038,9 +9994,18 @@
                 <a:cs typeface="Times New Roman"/>
                 <a:sym typeface="Times New Roman"/>
               </a:rPr>
-              <a:t>Where is the bulk of the profit coming from (international vs domestic)?</a:t>
+              <a:t>Where is the bulk of the profit coming from (international vs. </a:t>
             </a:r>
-            <a:endParaRPr sz="1400">
+            <a:r>
+              <a:rPr lang="en" sz="1400" dirty="0">
+                <a:latin typeface="Times New Roman"/>
+                <a:ea typeface="Times New Roman"/>
+                <a:cs typeface="Times New Roman"/>
+                <a:sym typeface="Times New Roman"/>
+              </a:rPr>
+              <a:t>domestic)?</a:t>
+            </a:r>
+            <a:endParaRPr sz="1400" dirty="0">
               <a:latin typeface="Times New Roman"/>
               <a:ea typeface="Times New Roman"/>
               <a:cs typeface="Times New Roman"/>
@@ -10048,7 +10013,7 @@
             </a:endParaRPr>
           </a:p>
           <a:p>
-            <a:pPr indent="-317500" lvl="0" marL="457200" rtl="0" algn="l">
+            <a:pPr marL="457200" lvl="0" indent="-317500" algn="l" rtl="0">
               <a:spcBef>
                 <a:spcPts val="0"/>
               </a:spcBef>
@@ -10060,7 +10025,7 @@
               <a:buAutoNum type="arabicParenR"/>
             </a:pPr>
             <a:r>
-              <a:rPr lang="en" sz="1400">
+              <a:rPr lang="en" sz="1400" dirty="0">
                 <a:latin typeface="Times New Roman"/>
                 <a:ea typeface="Times New Roman"/>
                 <a:cs typeface="Times New Roman"/>
@@ -10068,7 +10033,7 @@
               </a:rPr>
               <a:t>Which genres generate the highest worldwide profit? </a:t>
             </a:r>
-            <a:endParaRPr sz="1400">
+            <a:endParaRPr sz="1400" dirty="0">
               <a:latin typeface="Times New Roman"/>
               <a:ea typeface="Times New Roman"/>
               <a:cs typeface="Times New Roman"/>
@@ -10076,7 +10041,7 @@
             </a:endParaRPr>
           </a:p>
           <a:p>
-            <a:pPr indent="-317500" lvl="0" marL="457200" rtl="0" algn="l">
+            <a:pPr marL="457200" lvl="0" indent="-317500" algn="l" rtl="0">
               <a:spcBef>
                 <a:spcPts val="0"/>
               </a:spcBef>
@@ -10088,7 +10053,7 @@
               <a:buAutoNum type="arabicParenR"/>
             </a:pPr>
             <a:r>
-              <a:rPr lang="en" sz="1400">
+              <a:rPr lang="en" sz="1400" dirty="0">
                 <a:latin typeface="Times New Roman"/>
                 <a:ea typeface="Times New Roman"/>
                 <a:cs typeface="Times New Roman"/>
@@ -10096,7 +10061,7 @@
               </a:rPr>
               <a:t>Which months generate the highest worldwide profit?</a:t>
             </a:r>
-            <a:endParaRPr sz="1400">
+            <a:endParaRPr sz="1400" dirty="0">
               <a:latin typeface="Times New Roman"/>
               <a:ea typeface="Times New Roman"/>
               <a:cs typeface="Times New Roman"/>
@@ -10104,7 +10069,7 @@
             </a:endParaRPr>
           </a:p>
           <a:p>
-            <a:pPr indent="-317500" lvl="0" marL="457200" rtl="0" algn="l">
+            <a:pPr marL="457200" lvl="0" indent="-317500" algn="l" rtl="0">
               <a:spcBef>
                 <a:spcPts val="0"/>
               </a:spcBef>
@@ -10116,7 +10081,7 @@
               <a:buAutoNum type="arabicParenR"/>
             </a:pPr>
             <a:r>
-              <a:rPr lang="en" sz="1400">
+              <a:rPr lang="en" sz="1400" dirty="0">
                 <a:latin typeface="Times New Roman"/>
                 <a:ea typeface="Times New Roman"/>
                 <a:cs typeface="Times New Roman"/>
@@ -10124,7 +10089,7 @@
               </a:rPr>
               <a:t>What are the top 5 profit genres for each month? </a:t>
             </a:r>
-            <a:endParaRPr sz="1400">
+            <a:endParaRPr sz="1400" dirty="0">
               <a:latin typeface="Times New Roman"/>
               <a:ea typeface="Times New Roman"/>
               <a:cs typeface="Times New Roman"/>
@@ -10132,7 +10097,7 @@
             </a:endParaRPr>
           </a:p>
           <a:p>
-            <a:pPr indent="0" lvl="0" marL="0" rtl="0" algn="l">
+            <a:pPr marL="0" lvl="0" indent="0" algn="l" rtl="0">
               <a:spcBef>
                 <a:spcPts val="0"/>
               </a:spcBef>
@@ -10141,10 +10106,7 @@
               </a:spcAft>
               <a:buNone/>
             </a:pPr>
-            <a:r>
-              <a:t/>
-            </a:r>
-            <a:endParaRPr/>
+            <a:endParaRPr dirty="0"/>
           </a:p>
         </p:txBody>
       </p:sp>
@@ -10163,23 +10125,23 @@
             <a:avLst/>
           </a:prstGeom>
           <a:noFill/>
-          <a:ln cap="flat" cmpd="sng" w="76200">
+          <a:ln w="76200" cap="flat" cmpd="sng">
             <a:solidFill>
               <a:schemeClr val="dk2"/>
             </a:solidFill>
             <a:prstDash val="solid"/>
             <a:round/>
-            <a:headEnd len="sm" w="sm" type="none"/>
-            <a:tailEnd len="sm" w="sm" type="none"/>
+            <a:headEnd type="none" w="sm" len="sm"/>
+            <a:tailEnd type="none" w="sm" len="sm"/>
           </a:ln>
         </p:spPr>
         <p:txBody>
-          <a:bodyPr anchorCtr="0" anchor="ctr" bIns="91425" lIns="91425" spcFirstLastPara="1" rIns="91425" wrap="square" tIns="91425">
+          <a:bodyPr spcFirstLastPara="1" wrap="square" lIns="91425" tIns="91425" rIns="91425" bIns="91425" anchor="ctr" anchorCtr="0">
             <a:noAutofit/>
           </a:bodyPr>
           <a:lstStyle/>
           <a:p>
-            <a:pPr indent="0" lvl="0" marL="0" rtl="0" algn="l">
+            <a:pPr marL="0" lvl="0" indent="0" algn="l" rtl="0">
               <a:spcBef>
                 <a:spcPts val="0"/>
               </a:spcBef>
@@ -10188,9 +10150,6 @@
               </a:spcAft>
               <a:buNone/>
             </a:pPr>
-            <a:r>
-              <a:t/>
-            </a:r>
             <a:endParaRPr/>
           </a:p>
         </p:txBody>
@@ -10204,11 +10163,11 @@
 </file>
 
 <file path=ppt/slides/slide10.xml><?xml version="1.0" encoding="utf-8"?>
-<p:sld xmlns:a="http://schemas.openxmlformats.org/drawingml/2006/main" xmlns:r="http://schemas.openxmlformats.org/officeDocument/2006/relationships" xmlns:mc="http://schemas.openxmlformats.org/markup-compatibility/2006" xmlns:mv="urn:schemas-microsoft-com:mac:vml" xmlns:p="http://schemas.openxmlformats.org/presentationml/2006/main" xmlns:c="http://schemas.openxmlformats.org/drawingml/2006/chart" xmlns:dgm="http://schemas.openxmlformats.org/drawingml/2006/diagram" xmlns:o="urn:schemas-microsoft-com:office:office" xmlns:v="urn:schemas-microsoft-com:vml" xmlns:pvml="urn:schemas-microsoft-com:office:powerpoint" xmlns:com="http://schemas.openxmlformats.org/drawingml/2006/compatibility" xmlns:p14="http://schemas.microsoft.com/office/powerpoint/2010/main" xmlns:p15="http://schemas.microsoft.com/office/powerpoint/2012/main">
+<p:sld xmlns:a="http://schemas.openxmlformats.org/drawingml/2006/main" xmlns:r="http://schemas.openxmlformats.org/officeDocument/2006/relationships" xmlns:p="http://schemas.openxmlformats.org/presentationml/2006/main">
   <p:cSld>
     <p:spTree>
       <p:nvGrpSpPr>
-        <p:cNvPr id="212" name="Shape 212"/>
+        <p:cNvPr id="1" name="Shape 212"/>
         <p:cNvGrpSpPr/>
         <p:nvPr/>
       </p:nvGrpSpPr>
@@ -10223,7 +10182,9 @@
       <p:sp>
         <p:nvSpPr>
           <p:cNvPr id="213" name="Google Shape;213;p22"/>
-          <p:cNvSpPr txBox="1"/>
+          <p:cNvSpPr txBox="1">
+            <a:spLocks noGrp="1"/>
+          </p:cNvSpPr>
           <p:nvPr>
             <p:ph type="title"/>
           </p:nvPr>
@@ -10238,12 +10199,12 @@
           </a:prstGeom>
         </p:spPr>
         <p:txBody>
-          <a:bodyPr anchorCtr="0" anchor="t" bIns="91425" lIns="91425" spcFirstLastPara="1" rIns="91425" wrap="square" tIns="91425">
+          <a:bodyPr spcFirstLastPara="1" wrap="square" lIns="91425" tIns="91425" rIns="91425" bIns="91425" anchor="t" anchorCtr="0">
             <a:noAutofit/>
           </a:bodyPr>
           <a:lstStyle/>
           <a:p>
-            <a:pPr indent="0" lvl="0" marL="0" rtl="0" algn="l">
+            <a:pPr marL="0" lvl="0" indent="0" algn="l" rtl="0">
               <a:spcBef>
                 <a:spcPts val="0"/>
               </a:spcBef>
@@ -10273,9 +10234,11 @@
       <p:sp>
         <p:nvSpPr>
           <p:cNvPr id="214" name="Google Shape;214;p22"/>
-          <p:cNvSpPr txBox="1"/>
+          <p:cNvSpPr txBox="1">
+            <a:spLocks noGrp="1"/>
+          </p:cNvSpPr>
           <p:nvPr>
-            <p:ph idx="1" type="body"/>
+            <p:ph type="body" idx="1"/>
           </p:nvPr>
         </p:nvSpPr>
         <p:spPr>
@@ -10288,12 +10251,12 @@
           </a:prstGeom>
         </p:spPr>
         <p:txBody>
-          <a:bodyPr anchorCtr="0" anchor="t" bIns="91425" lIns="91425" spcFirstLastPara="1" rIns="91425" wrap="square" tIns="91425">
+          <a:bodyPr spcFirstLastPara="1" wrap="square" lIns="91425" tIns="91425" rIns="91425" bIns="91425" anchor="t" anchorCtr="0">
             <a:noAutofit/>
           </a:bodyPr>
           <a:lstStyle/>
           <a:p>
-            <a:pPr indent="0" lvl="0" marL="0" rtl="0" algn="l">
+            <a:pPr marL="0" lvl="0" indent="0" algn="l" rtl="0">
               <a:spcBef>
                 <a:spcPts val="0"/>
               </a:spcBef>
@@ -10319,11 +10282,11 @@
 </file>
 
 <file path=ppt/slides/slide2.xml><?xml version="1.0" encoding="utf-8"?>
-<p:sld xmlns:a="http://schemas.openxmlformats.org/drawingml/2006/main" xmlns:r="http://schemas.openxmlformats.org/officeDocument/2006/relationships" xmlns:mc="http://schemas.openxmlformats.org/markup-compatibility/2006" xmlns:mv="urn:schemas-microsoft-com:mac:vml" xmlns:p="http://schemas.openxmlformats.org/presentationml/2006/main" xmlns:c="http://schemas.openxmlformats.org/drawingml/2006/chart" xmlns:dgm="http://schemas.openxmlformats.org/drawingml/2006/diagram" xmlns:o="urn:schemas-microsoft-com:office:office" xmlns:v="urn:schemas-microsoft-com:vml" xmlns:pvml="urn:schemas-microsoft-com:office:powerpoint" xmlns:com="http://schemas.openxmlformats.org/drawingml/2006/compatibility" xmlns:p14="http://schemas.microsoft.com/office/powerpoint/2010/main" xmlns:p15="http://schemas.microsoft.com/office/powerpoint/2012/main">
+<p:sld xmlns:a="http://schemas.openxmlformats.org/drawingml/2006/main" xmlns:r="http://schemas.openxmlformats.org/officeDocument/2006/relationships" xmlns:p="http://schemas.openxmlformats.org/presentationml/2006/main">
   <p:cSld>
     <p:spTree>
       <p:nvGrpSpPr>
-        <p:cNvPr id="140" name="Shape 140"/>
+        <p:cNvPr id="1" name="Shape 140"/>
         <p:cNvGrpSpPr/>
         <p:nvPr/>
       </p:nvGrpSpPr>
@@ -10338,7 +10301,9 @@
       <p:sp>
         <p:nvSpPr>
           <p:cNvPr id="141" name="Google Shape;141;p14"/>
-          <p:cNvSpPr txBox="1"/>
+          <p:cNvSpPr txBox="1">
+            <a:spLocks noGrp="1"/>
+          </p:cNvSpPr>
           <p:nvPr>
             <p:ph type="title"/>
           </p:nvPr>
@@ -10353,12 +10318,12 @@
           </a:prstGeom>
         </p:spPr>
         <p:txBody>
-          <a:bodyPr anchorCtr="0" anchor="t" bIns="91425" lIns="91425" spcFirstLastPara="1" rIns="91425" wrap="square" tIns="91425">
+          <a:bodyPr spcFirstLastPara="1" wrap="square" lIns="91425" tIns="91425" rIns="91425" bIns="91425" anchor="t" anchorCtr="0">
             <a:noAutofit/>
           </a:bodyPr>
           <a:lstStyle/>
           <a:p>
-            <a:pPr indent="0" lvl="0" marL="0" rtl="0" algn="l">
+            <a:pPr marL="0" lvl="0" indent="0" algn="l" rtl="0">
               <a:spcBef>
                 <a:spcPts val="0"/>
               </a:spcBef>
@@ -10367,9 +10332,6 @@
               </a:spcAft>
               <a:buNone/>
             </a:pPr>
-            <a:r>
-              <a:t/>
-            </a:r>
             <a:endParaRPr/>
           </a:p>
         </p:txBody>
@@ -10377,9 +10339,11 @@
       <p:sp>
         <p:nvSpPr>
           <p:cNvPr id="142" name="Google Shape;142;p14"/>
-          <p:cNvSpPr txBox="1"/>
+          <p:cNvSpPr txBox="1">
+            <a:spLocks noGrp="1"/>
+          </p:cNvSpPr>
           <p:nvPr>
-            <p:ph idx="1" type="body"/>
+            <p:ph type="body" idx="1"/>
           </p:nvPr>
         </p:nvSpPr>
         <p:spPr>
@@ -10392,12 +10356,12 @@
           </a:prstGeom>
         </p:spPr>
         <p:txBody>
-          <a:bodyPr anchorCtr="0" anchor="t" bIns="91425" lIns="91425" spcFirstLastPara="1" rIns="91425" wrap="square" tIns="91425">
+          <a:bodyPr spcFirstLastPara="1" wrap="square" lIns="91425" tIns="91425" rIns="91425" bIns="91425" anchor="t" anchorCtr="0">
             <a:noAutofit/>
           </a:bodyPr>
           <a:lstStyle/>
           <a:p>
-            <a:pPr indent="0" lvl="0" marL="0" rtl="0" algn="l">
+            <a:pPr marL="0" lvl="0" indent="0" algn="l" rtl="0">
               <a:lnSpc>
                 <a:spcPct val="135714"/>
               </a:lnSpc>
@@ -10410,7 +10374,7 @@
               <a:buNone/>
             </a:pPr>
             <a:r>
-              <a:rPr b="1" lang="en" sz="1200">
+              <a:rPr lang="en" sz="1200" b="1">
                 <a:latin typeface="Times New Roman"/>
                 <a:ea typeface="Times New Roman"/>
                 <a:cs typeface="Times New Roman"/>
@@ -10418,7 +10382,7 @@
               </a:rPr>
               <a:t>According to the above plot, over the past 40 years, profit due to the international market has been growing at a faster rate than the domestic market without a proportional increase in overall production budget. This growth of the international market relative to the domestic market could be explained by saturation of US and Canadian markets (an adequate supply of tickets for the available demand), an increase in global marketing (perhaps promotion via social media), and/or the reduction of restrictions on which movies can be seen in a particular region or country, such as China. </a:t>
             </a:r>
-            <a:endParaRPr b="1" sz="1200">
+            <a:endParaRPr sz="1200" b="1">
               <a:latin typeface="Times New Roman"/>
               <a:ea typeface="Times New Roman"/>
               <a:cs typeface="Times New Roman"/>
@@ -10426,7 +10390,7 @@
             </a:endParaRPr>
           </a:p>
           <a:p>
-            <a:pPr indent="0" lvl="0" marL="0" rtl="0" algn="l">
+            <a:pPr marL="0" lvl="0" indent="0" algn="l" rtl="0">
               <a:spcBef>
                 <a:spcPts val="0"/>
               </a:spcBef>
@@ -10435,9 +10399,6 @@
               </a:spcAft>
               <a:buNone/>
             </a:pPr>
-            <a:r>
-              <a:t/>
-            </a:r>
             <a:endParaRPr/>
           </a:p>
         </p:txBody>
@@ -10490,12 +10451,12 @@
           </a:ln>
         </p:spPr>
         <p:txBody>
-          <a:bodyPr anchorCtr="0" anchor="t" bIns="91425" lIns="91425" spcFirstLastPara="1" rIns="91425" wrap="square" tIns="91425">
+          <a:bodyPr spcFirstLastPara="1" wrap="square" lIns="91425" tIns="91425" rIns="91425" bIns="91425" anchor="t" anchorCtr="0">
             <a:noAutofit/>
           </a:bodyPr>
           <a:lstStyle/>
           <a:p>
-            <a:pPr indent="0" lvl="0" marL="0" rtl="0" algn="l">
+            <a:pPr marL="0" lvl="0" indent="0" algn="l" rtl="0">
               <a:spcBef>
                 <a:spcPts val="0"/>
               </a:spcBef>
@@ -10505,7 +10466,7 @@
               <a:buNone/>
             </a:pPr>
             <a:r>
-              <a:rPr b="1" lang="en">
+              <a:rPr lang="en" b="1">
                 <a:solidFill>
                   <a:schemeClr val="lt1"/>
                 </a:solidFill>
@@ -10543,23 +10504,23 @@
             <a:avLst/>
           </a:prstGeom>
           <a:noFill/>
-          <a:ln cap="flat" cmpd="sng" w="76200">
+          <a:ln w="76200" cap="flat" cmpd="sng">
             <a:solidFill>
               <a:srgbClr val="999999"/>
             </a:solidFill>
             <a:prstDash val="solid"/>
             <a:round/>
-            <a:headEnd len="sm" w="sm" type="none"/>
-            <a:tailEnd len="sm" w="sm" type="none"/>
+            <a:headEnd type="none" w="sm" len="sm"/>
+            <a:tailEnd type="none" w="sm" len="sm"/>
           </a:ln>
         </p:spPr>
         <p:txBody>
-          <a:bodyPr anchorCtr="0" anchor="ctr" bIns="91425" lIns="91425" spcFirstLastPara="1" rIns="91425" wrap="square" tIns="91425">
+          <a:bodyPr spcFirstLastPara="1" wrap="square" lIns="91425" tIns="91425" rIns="91425" bIns="91425" anchor="ctr" anchorCtr="0">
             <a:noAutofit/>
           </a:bodyPr>
           <a:lstStyle/>
           <a:p>
-            <a:pPr indent="0" lvl="0" marL="0" rtl="0" algn="l">
+            <a:pPr marL="0" lvl="0" indent="0" algn="l" rtl="0">
               <a:spcBef>
                 <a:spcPts val="0"/>
               </a:spcBef>
@@ -10568,9 +10529,6 @@
               </a:spcAft>
               <a:buNone/>
             </a:pPr>
-            <a:r>
-              <a:t/>
-            </a:r>
             <a:endParaRPr/>
           </a:p>
         </p:txBody>
@@ -10590,23 +10548,23 @@
             <a:avLst/>
           </a:prstGeom>
           <a:noFill/>
-          <a:ln cap="flat" cmpd="sng" w="76200">
+          <a:ln w="76200" cap="flat" cmpd="sng">
             <a:solidFill>
               <a:srgbClr val="999999"/>
             </a:solidFill>
             <a:prstDash val="solid"/>
             <a:round/>
-            <a:headEnd len="sm" w="sm" type="none"/>
-            <a:tailEnd len="sm" w="sm" type="none"/>
+            <a:headEnd type="none" w="sm" len="sm"/>
+            <a:tailEnd type="none" w="sm" len="sm"/>
           </a:ln>
         </p:spPr>
         <p:txBody>
-          <a:bodyPr anchorCtr="0" anchor="ctr" bIns="91425" lIns="91425" spcFirstLastPara="1" rIns="91425" wrap="square" tIns="91425">
+          <a:bodyPr spcFirstLastPara="1" wrap="square" lIns="91425" tIns="91425" rIns="91425" bIns="91425" anchor="ctr" anchorCtr="0">
             <a:noAutofit/>
           </a:bodyPr>
           <a:lstStyle/>
           <a:p>
-            <a:pPr indent="0" lvl="0" marL="0" rtl="0" algn="l">
+            <a:pPr marL="0" lvl="0" indent="0" algn="l" rtl="0">
               <a:spcBef>
                 <a:spcPts val="0"/>
               </a:spcBef>
@@ -10615,9 +10573,6 @@
               </a:spcAft>
               <a:buNone/>
             </a:pPr>
-            <a:r>
-              <a:t/>
-            </a:r>
             <a:endParaRPr/>
           </a:p>
         </p:txBody>
@@ -10631,11 +10586,11 @@
 </file>
 
 <file path=ppt/slides/slide3.xml><?xml version="1.0" encoding="utf-8"?>
-<p:sld xmlns:a="http://schemas.openxmlformats.org/drawingml/2006/main" xmlns:r="http://schemas.openxmlformats.org/officeDocument/2006/relationships" xmlns:mc="http://schemas.openxmlformats.org/markup-compatibility/2006" xmlns:mv="urn:schemas-microsoft-com:mac:vml" xmlns:p="http://schemas.openxmlformats.org/presentationml/2006/main" xmlns:c="http://schemas.openxmlformats.org/drawingml/2006/chart" xmlns:dgm="http://schemas.openxmlformats.org/drawingml/2006/diagram" xmlns:o="urn:schemas-microsoft-com:office:office" xmlns:v="urn:schemas-microsoft-com:vml" xmlns:pvml="urn:schemas-microsoft-com:office:powerpoint" xmlns:com="http://schemas.openxmlformats.org/drawingml/2006/compatibility" xmlns:p14="http://schemas.microsoft.com/office/powerpoint/2010/main" xmlns:p15="http://schemas.microsoft.com/office/powerpoint/2012/main">
+<p:sld xmlns:a="http://schemas.openxmlformats.org/drawingml/2006/main" xmlns:r="http://schemas.openxmlformats.org/officeDocument/2006/relationships" xmlns:p="http://schemas.openxmlformats.org/presentationml/2006/main">
   <p:cSld>
     <p:spTree>
       <p:nvGrpSpPr>
-        <p:cNvPr id="150" name="Shape 150"/>
+        <p:cNvPr id="1" name="Shape 150"/>
         <p:cNvGrpSpPr/>
         <p:nvPr/>
       </p:nvGrpSpPr>
@@ -10650,9 +10605,11 @@
       <p:sp>
         <p:nvSpPr>
           <p:cNvPr id="151" name="Google Shape;151;p15"/>
-          <p:cNvSpPr txBox="1"/>
+          <p:cNvSpPr txBox="1">
+            <a:spLocks noGrp="1"/>
+          </p:cNvSpPr>
           <p:nvPr>
-            <p:ph idx="1" type="body"/>
+            <p:ph type="body" idx="1"/>
           </p:nvPr>
         </p:nvSpPr>
         <p:spPr>
@@ -10665,12 +10622,12 @@
           </a:prstGeom>
         </p:spPr>
         <p:txBody>
-          <a:bodyPr anchorCtr="0" anchor="t" bIns="91425" lIns="91425" spcFirstLastPara="1" rIns="91425" wrap="square" tIns="91425">
+          <a:bodyPr spcFirstLastPara="1" wrap="square" lIns="91425" tIns="91425" rIns="91425" bIns="91425" anchor="t" anchorCtr="0">
             <a:noAutofit/>
           </a:bodyPr>
           <a:lstStyle/>
           <a:p>
-            <a:pPr indent="0" lvl="0" marL="0" rtl="0" algn="l">
+            <a:pPr marL="0" lvl="0" indent="0" algn="l" rtl="0">
               <a:lnSpc>
                 <a:spcPct val="135714"/>
               </a:lnSpc>
@@ -10683,7 +10640,7 @@
               <a:buNone/>
             </a:pPr>
             <a:r>
-              <a:rPr b="1" lang="en" sz="1200">
+              <a:rPr lang="en" sz="1200" b="1">
                 <a:latin typeface="Times New Roman"/>
                 <a:ea typeface="Times New Roman"/>
                 <a:cs typeface="Times New Roman"/>
@@ -10691,7 +10648,7 @@
               </a:rPr>
               <a:t>This is further shown in the Worldwide Profit vs. Domestic Profit scatter plot which shows a positive relationship between domestic profit and worldwide profit with a slope greater than 1.</a:t>
             </a:r>
-            <a:endParaRPr b="1" sz="1200">
+            <a:endParaRPr sz="1200" b="1">
               <a:latin typeface="Times New Roman"/>
               <a:ea typeface="Times New Roman"/>
               <a:cs typeface="Times New Roman"/>
@@ -10699,7 +10656,7 @@
             </a:endParaRPr>
           </a:p>
           <a:p>
-            <a:pPr indent="0" lvl="0" marL="0" rtl="0" algn="l">
+            <a:pPr marL="0" lvl="0" indent="0" algn="l" rtl="0">
               <a:spcBef>
                 <a:spcPts val="0"/>
               </a:spcBef>
@@ -10708,10 +10665,7 @@
               </a:spcAft>
               <a:buNone/>
             </a:pPr>
-            <a:r>
-              <a:t/>
-            </a:r>
-            <a:endParaRPr b="1" sz="1200">
+            <a:endParaRPr sz="1200" b="1">
               <a:latin typeface="Times New Roman"/>
               <a:ea typeface="Times New Roman"/>
               <a:cs typeface="Times New Roman"/>
@@ -10768,12 +10722,12 @@
           </a:ln>
         </p:spPr>
         <p:txBody>
-          <a:bodyPr anchorCtr="0" anchor="t" bIns="91425" lIns="91425" spcFirstLastPara="1" rIns="91425" wrap="square" tIns="91425">
+          <a:bodyPr spcFirstLastPara="1" wrap="square" lIns="91425" tIns="91425" rIns="91425" bIns="91425" anchor="t" anchorCtr="0">
             <a:noAutofit/>
           </a:bodyPr>
           <a:lstStyle/>
           <a:p>
-            <a:pPr indent="0" lvl="0" marL="0" rtl="0" algn="l">
+            <a:pPr marL="0" lvl="0" indent="0" algn="l" rtl="0">
               <a:spcBef>
                 <a:spcPts val="0"/>
               </a:spcBef>
@@ -10783,7 +10737,7 @@
               <a:buNone/>
             </a:pPr>
             <a:r>
-              <a:rPr b="1" lang="en">
+              <a:rPr lang="en" b="1">
                 <a:solidFill>
                   <a:schemeClr val="lt1"/>
                 </a:solidFill>
@@ -10821,23 +10775,23 @@
             <a:avLst/>
           </a:prstGeom>
           <a:noFill/>
-          <a:ln cap="flat" cmpd="sng" w="76200">
+          <a:ln w="76200" cap="flat" cmpd="sng">
             <a:solidFill>
               <a:srgbClr val="999999"/>
             </a:solidFill>
             <a:prstDash val="solid"/>
             <a:round/>
-            <a:headEnd len="sm" w="sm" type="none"/>
-            <a:tailEnd len="sm" w="sm" type="none"/>
+            <a:headEnd type="none" w="sm" len="sm"/>
+            <a:tailEnd type="none" w="sm" len="sm"/>
           </a:ln>
         </p:spPr>
         <p:txBody>
-          <a:bodyPr anchorCtr="0" anchor="ctr" bIns="91425" lIns="91425" spcFirstLastPara="1" rIns="91425" wrap="square" tIns="91425">
+          <a:bodyPr spcFirstLastPara="1" wrap="square" lIns="91425" tIns="91425" rIns="91425" bIns="91425" anchor="ctr" anchorCtr="0">
             <a:noAutofit/>
           </a:bodyPr>
           <a:lstStyle/>
           <a:p>
-            <a:pPr indent="0" lvl="0" marL="0" rtl="0" algn="l">
+            <a:pPr marL="0" lvl="0" indent="0" algn="l" rtl="0">
               <a:spcBef>
                 <a:spcPts val="0"/>
               </a:spcBef>
@@ -10846,9 +10800,6 @@
               </a:spcAft>
               <a:buNone/>
             </a:pPr>
-            <a:r>
-              <a:t/>
-            </a:r>
             <a:endParaRPr/>
           </a:p>
         </p:txBody>
@@ -10868,23 +10819,23 @@
             <a:avLst/>
           </a:prstGeom>
           <a:noFill/>
-          <a:ln cap="flat" cmpd="sng" w="76200">
+          <a:ln w="76200" cap="flat" cmpd="sng">
             <a:solidFill>
               <a:schemeClr val="dk2"/>
             </a:solidFill>
             <a:prstDash val="solid"/>
             <a:round/>
-            <a:headEnd len="sm" w="sm" type="none"/>
-            <a:tailEnd len="sm" w="sm" type="none"/>
+            <a:headEnd type="none" w="sm" len="sm"/>
+            <a:tailEnd type="none" w="sm" len="sm"/>
           </a:ln>
         </p:spPr>
         <p:txBody>
-          <a:bodyPr anchorCtr="0" anchor="ctr" bIns="91425" lIns="91425" spcFirstLastPara="1" rIns="91425" wrap="square" tIns="91425">
+          <a:bodyPr spcFirstLastPara="1" wrap="square" lIns="91425" tIns="91425" rIns="91425" bIns="91425" anchor="ctr" anchorCtr="0">
             <a:noAutofit/>
           </a:bodyPr>
           <a:lstStyle/>
           <a:p>
-            <a:pPr indent="0" lvl="0" marL="0" rtl="0" algn="l">
+            <a:pPr marL="0" lvl="0" indent="0" algn="l" rtl="0">
               <a:spcBef>
                 <a:spcPts val="0"/>
               </a:spcBef>
@@ -10893,9 +10844,6 @@
               </a:spcAft>
               <a:buNone/>
             </a:pPr>
-            <a:r>
-              <a:t/>
-            </a:r>
             <a:endParaRPr/>
           </a:p>
         </p:txBody>
@@ -10909,11 +10857,11 @@
 </file>
 
 <file path=ppt/slides/slide4.xml><?xml version="1.0" encoding="utf-8"?>
-<p:sld xmlns:a="http://schemas.openxmlformats.org/drawingml/2006/main" xmlns:r="http://schemas.openxmlformats.org/officeDocument/2006/relationships" xmlns:mc="http://schemas.openxmlformats.org/markup-compatibility/2006" xmlns:mv="urn:schemas-microsoft-com:mac:vml" xmlns:p="http://schemas.openxmlformats.org/presentationml/2006/main" xmlns:c="http://schemas.openxmlformats.org/drawingml/2006/chart" xmlns:dgm="http://schemas.openxmlformats.org/drawingml/2006/diagram" xmlns:o="urn:schemas-microsoft-com:office:office" xmlns:v="urn:schemas-microsoft-com:vml" xmlns:pvml="urn:schemas-microsoft-com:office:powerpoint" xmlns:com="http://schemas.openxmlformats.org/drawingml/2006/compatibility" xmlns:p14="http://schemas.microsoft.com/office/powerpoint/2010/main" xmlns:p15="http://schemas.microsoft.com/office/powerpoint/2012/main">
+<p:sld xmlns:a="http://schemas.openxmlformats.org/drawingml/2006/main" xmlns:r="http://schemas.openxmlformats.org/officeDocument/2006/relationships" xmlns:p="http://schemas.openxmlformats.org/presentationml/2006/main">
   <p:cSld>
     <p:spTree>
       <p:nvGrpSpPr>
-        <p:cNvPr id="159" name="Shape 159"/>
+        <p:cNvPr id="1" name="Shape 159"/>
         <p:cNvGrpSpPr/>
         <p:nvPr/>
       </p:nvGrpSpPr>
@@ -10928,7 +10876,9 @@
       <p:sp>
         <p:nvSpPr>
           <p:cNvPr id="160" name="Google Shape;160;p16"/>
-          <p:cNvSpPr txBox="1"/>
+          <p:cNvSpPr txBox="1">
+            <a:spLocks noGrp="1"/>
+          </p:cNvSpPr>
           <p:nvPr>
             <p:ph type="title"/>
           </p:nvPr>
@@ -10943,12 +10893,12 @@
           </a:prstGeom>
         </p:spPr>
         <p:txBody>
-          <a:bodyPr anchorCtr="0" anchor="t" bIns="91425" lIns="91425" spcFirstLastPara="1" rIns="91425" wrap="square" tIns="91425">
+          <a:bodyPr spcFirstLastPara="1" wrap="square" lIns="91425" tIns="91425" rIns="91425" bIns="91425" anchor="t" anchorCtr="0">
             <a:noAutofit/>
           </a:bodyPr>
           <a:lstStyle/>
           <a:p>
-            <a:pPr indent="0" lvl="0" marL="0" rtl="0" algn="l">
+            <a:pPr marL="0" lvl="0" indent="0" algn="l" rtl="0">
               <a:spcBef>
                 <a:spcPts val="0"/>
               </a:spcBef>
@@ -10957,9 +10907,6 @@
               </a:spcAft>
               <a:buNone/>
             </a:pPr>
-            <a:r>
-              <a:t/>
-            </a:r>
             <a:endParaRPr/>
           </a:p>
         </p:txBody>
@@ -10967,9 +10914,11 @@
       <p:sp>
         <p:nvSpPr>
           <p:cNvPr id="161" name="Google Shape;161;p16"/>
-          <p:cNvSpPr txBox="1"/>
+          <p:cNvSpPr txBox="1">
+            <a:spLocks noGrp="1"/>
+          </p:cNvSpPr>
           <p:nvPr>
-            <p:ph idx="1" type="body"/>
+            <p:ph type="body" idx="1"/>
           </p:nvPr>
         </p:nvSpPr>
         <p:spPr>
@@ -10982,12 +10931,12 @@
           </a:prstGeom>
         </p:spPr>
         <p:txBody>
-          <a:bodyPr anchorCtr="0" anchor="t" bIns="91425" lIns="91425" spcFirstLastPara="1" rIns="91425" wrap="square" tIns="91425">
+          <a:bodyPr spcFirstLastPara="1" wrap="square" lIns="91425" tIns="91425" rIns="91425" bIns="91425" anchor="t" anchorCtr="0">
             <a:noAutofit/>
           </a:bodyPr>
           <a:lstStyle/>
           <a:p>
-            <a:pPr indent="0" lvl="0" marL="0" rtl="0" algn="l">
+            <a:pPr marL="0" lvl="0" indent="0" algn="l" rtl="0">
               <a:lnSpc>
                 <a:spcPct val="135714"/>
               </a:lnSpc>
@@ -11000,7 +10949,7 @@
               <a:buNone/>
             </a:pPr>
             <a:r>
-              <a:rPr b="1" lang="en" sz="1200">
+              <a:rPr lang="en" sz="1200" b="1">
                 <a:latin typeface="Times New Roman"/>
                 <a:ea typeface="Times New Roman"/>
                 <a:cs typeface="Times New Roman"/>
@@ -11008,7 +10957,7 @@
               </a:rPr>
               <a:t>According to the above bar plot, Worldwide Profit vs Genres, the five genres with the highest worldwide profit, in order, are: Animation, Adventure, Sci-Fi, Family, and Action.</a:t>
             </a:r>
-            <a:endParaRPr b="1" sz="1200">
+            <a:endParaRPr sz="1200" b="1">
               <a:latin typeface="Times New Roman"/>
               <a:ea typeface="Times New Roman"/>
               <a:cs typeface="Times New Roman"/>
@@ -11016,7 +10965,7 @@
             </a:endParaRPr>
           </a:p>
           <a:p>
-            <a:pPr indent="0" lvl="0" marL="0" rtl="0" algn="l">
+            <a:pPr marL="0" lvl="0" indent="0" algn="l" rtl="0">
               <a:lnSpc>
                 <a:spcPct val="135714"/>
               </a:lnSpc>
@@ -11028,9 +10977,6 @@
               </a:spcAft>
               <a:buNone/>
             </a:pPr>
-            <a:r>
-              <a:t/>
-            </a:r>
             <a:endParaRPr sz="1050">
               <a:solidFill>
                 <a:srgbClr val="D4D4D4"/>
@@ -11045,7 +10991,7 @@
             </a:endParaRPr>
           </a:p>
           <a:p>
-            <a:pPr indent="0" lvl="0" marL="0" rtl="0" algn="l">
+            <a:pPr marL="0" lvl="0" indent="0" algn="l" rtl="0">
               <a:spcBef>
                 <a:spcPts val="0"/>
               </a:spcBef>
@@ -11054,9 +11000,6 @@
               </a:spcAft>
               <a:buNone/>
             </a:pPr>
-            <a:r>
-              <a:t/>
-            </a:r>
             <a:endParaRPr/>
           </a:p>
         </p:txBody>
@@ -11109,12 +11052,12 @@
           </a:ln>
         </p:spPr>
         <p:txBody>
-          <a:bodyPr anchorCtr="0" anchor="t" bIns="91425" lIns="91425" spcFirstLastPara="1" rIns="91425" wrap="square" tIns="91425">
+          <a:bodyPr spcFirstLastPara="1" wrap="square" lIns="91425" tIns="91425" rIns="91425" bIns="91425" anchor="t" anchorCtr="0">
             <a:noAutofit/>
           </a:bodyPr>
           <a:lstStyle/>
           <a:p>
-            <a:pPr indent="0" lvl="0" marL="0" rtl="0" algn="l">
+            <a:pPr marL="0" lvl="0" indent="0" algn="l" rtl="0">
               <a:spcBef>
                 <a:spcPts val="0"/>
               </a:spcBef>
@@ -11123,9 +11066,6 @@
               </a:spcAft>
               <a:buNone/>
             </a:pPr>
-            <a:r>
-              <a:t/>
-            </a:r>
             <a:endParaRPr>
               <a:latin typeface="Lato"/>
               <a:ea typeface="Lato"/>
@@ -11155,12 +11095,12 @@
           </a:ln>
         </p:spPr>
         <p:txBody>
-          <a:bodyPr anchorCtr="0" anchor="t" bIns="91425" lIns="91425" spcFirstLastPara="1" rIns="91425" wrap="square" tIns="91425">
+          <a:bodyPr spcFirstLastPara="1" wrap="square" lIns="91425" tIns="91425" rIns="91425" bIns="91425" anchor="t" anchorCtr="0">
             <a:noAutofit/>
           </a:bodyPr>
           <a:lstStyle/>
           <a:p>
-            <a:pPr indent="0" lvl="0" marL="0" rtl="0" algn="l">
+            <a:pPr marL="0" lvl="0" indent="0" algn="l" rtl="0">
               <a:spcBef>
                 <a:spcPts val="0"/>
               </a:spcBef>
@@ -11170,7 +11110,7 @@
               <a:buNone/>
             </a:pPr>
             <a:r>
-              <a:rPr b="1" lang="en">
+              <a:rPr lang="en" b="1">
                 <a:solidFill>
                   <a:schemeClr val="lt1"/>
                 </a:solidFill>
@@ -11208,23 +11148,23 @@
             <a:avLst/>
           </a:prstGeom>
           <a:noFill/>
-          <a:ln cap="flat" cmpd="sng" w="76200">
+          <a:ln w="76200" cap="flat" cmpd="sng">
             <a:solidFill>
               <a:schemeClr val="dk2"/>
             </a:solidFill>
             <a:prstDash val="solid"/>
             <a:round/>
-            <a:headEnd len="sm" w="sm" type="none"/>
-            <a:tailEnd len="sm" w="sm" type="none"/>
+            <a:headEnd type="none" w="sm" len="sm"/>
+            <a:tailEnd type="none" w="sm" len="sm"/>
           </a:ln>
         </p:spPr>
         <p:txBody>
-          <a:bodyPr anchorCtr="0" anchor="ctr" bIns="91425" lIns="91425" spcFirstLastPara="1" rIns="91425" wrap="square" tIns="91425">
+          <a:bodyPr spcFirstLastPara="1" wrap="square" lIns="91425" tIns="91425" rIns="91425" bIns="91425" anchor="ctr" anchorCtr="0">
             <a:noAutofit/>
           </a:bodyPr>
           <a:lstStyle/>
           <a:p>
-            <a:pPr indent="0" lvl="0" marL="0" rtl="0" algn="l">
+            <a:pPr marL="0" lvl="0" indent="0" algn="l" rtl="0">
               <a:spcBef>
                 <a:spcPts val="0"/>
               </a:spcBef>
@@ -11233,9 +11173,6 @@
               </a:spcAft>
               <a:buNone/>
             </a:pPr>
-            <a:r>
-              <a:t/>
-            </a:r>
             <a:endParaRPr/>
           </a:p>
         </p:txBody>
@@ -11255,23 +11192,23 @@
             <a:avLst/>
           </a:prstGeom>
           <a:noFill/>
-          <a:ln cap="flat" cmpd="sng" w="76200">
+          <a:ln w="76200" cap="flat" cmpd="sng">
             <a:solidFill>
               <a:schemeClr val="dk2"/>
             </a:solidFill>
             <a:prstDash val="solid"/>
             <a:round/>
-            <a:headEnd len="sm" w="sm" type="none"/>
-            <a:tailEnd len="sm" w="sm" type="none"/>
+            <a:headEnd type="none" w="sm" len="sm"/>
+            <a:tailEnd type="none" w="sm" len="sm"/>
           </a:ln>
         </p:spPr>
         <p:txBody>
-          <a:bodyPr anchorCtr="0" anchor="ctr" bIns="91425" lIns="91425" spcFirstLastPara="1" rIns="91425" wrap="square" tIns="91425">
+          <a:bodyPr spcFirstLastPara="1" wrap="square" lIns="91425" tIns="91425" rIns="91425" bIns="91425" anchor="ctr" anchorCtr="0">
             <a:noAutofit/>
           </a:bodyPr>
           <a:lstStyle/>
           <a:p>
-            <a:pPr indent="0" lvl="0" marL="0" rtl="0" algn="l">
+            <a:pPr marL="0" lvl="0" indent="0" algn="l" rtl="0">
               <a:spcBef>
                 <a:spcPts val="0"/>
               </a:spcBef>
@@ -11280,9 +11217,6 @@
               </a:spcAft>
               <a:buNone/>
             </a:pPr>
-            <a:r>
-              <a:t/>
-            </a:r>
             <a:endParaRPr/>
           </a:p>
         </p:txBody>
@@ -11296,11 +11230,11 @@
 </file>
 
 <file path=ppt/slides/slide5.xml><?xml version="1.0" encoding="utf-8"?>
-<p:sld xmlns:a="http://schemas.openxmlformats.org/drawingml/2006/main" xmlns:r="http://schemas.openxmlformats.org/officeDocument/2006/relationships" xmlns:mc="http://schemas.openxmlformats.org/markup-compatibility/2006" xmlns:mv="urn:schemas-microsoft-com:mac:vml" xmlns:p="http://schemas.openxmlformats.org/presentationml/2006/main" xmlns:c="http://schemas.openxmlformats.org/drawingml/2006/chart" xmlns:dgm="http://schemas.openxmlformats.org/drawingml/2006/diagram" xmlns:o="urn:schemas-microsoft-com:office:office" xmlns:v="urn:schemas-microsoft-com:vml" xmlns:pvml="urn:schemas-microsoft-com:office:powerpoint" xmlns:com="http://schemas.openxmlformats.org/drawingml/2006/compatibility" xmlns:p14="http://schemas.microsoft.com/office/powerpoint/2010/main" xmlns:p15="http://schemas.microsoft.com/office/powerpoint/2012/main">
+<p:sld xmlns:a="http://schemas.openxmlformats.org/drawingml/2006/main" xmlns:r="http://schemas.openxmlformats.org/officeDocument/2006/relationships" xmlns:p="http://schemas.openxmlformats.org/presentationml/2006/main">
   <p:cSld>
     <p:spTree>
       <p:nvGrpSpPr>
-        <p:cNvPr id="170" name="Shape 170"/>
+        <p:cNvPr id="1" name="Shape 170"/>
         <p:cNvGrpSpPr/>
         <p:nvPr/>
       </p:nvGrpSpPr>
@@ -11315,7 +11249,9 @@
       <p:sp>
         <p:nvSpPr>
           <p:cNvPr id="171" name="Google Shape;171;p17"/>
-          <p:cNvSpPr txBox="1"/>
+          <p:cNvSpPr txBox="1">
+            <a:spLocks noGrp="1"/>
+          </p:cNvSpPr>
           <p:nvPr>
             <p:ph type="title"/>
           </p:nvPr>
@@ -11330,12 +11266,12 @@
           </a:prstGeom>
         </p:spPr>
         <p:txBody>
-          <a:bodyPr anchorCtr="0" anchor="t" bIns="91425" lIns="91425" spcFirstLastPara="1" rIns="91425" wrap="square" tIns="91425">
+          <a:bodyPr spcFirstLastPara="1" wrap="square" lIns="91425" tIns="91425" rIns="91425" bIns="91425" anchor="t" anchorCtr="0">
             <a:noAutofit/>
           </a:bodyPr>
           <a:lstStyle/>
           <a:p>
-            <a:pPr indent="0" lvl="0" marL="0" rtl="0" algn="l">
+            <a:pPr marL="0" lvl="0" indent="0" algn="l" rtl="0">
               <a:spcBef>
                 <a:spcPts val="0"/>
               </a:spcBef>
@@ -11344,9 +11280,6 @@
               </a:spcAft>
               <a:buNone/>
             </a:pPr>
-            <a:r>
-              <a:t/>
-            </a:r>
             <a:endParaRPr/>
           </a:p>
         </p:txBody>
@@ -11354,9 +11287,11 @@
       <p:sp>
         <p:nvSpPr>
           <p:cNvPr id="172" name="Google Shape;172;p17"/>
-          <p:cNvSpPr txBox="1"/>
+          <p:cNvSpPr txBox="1">
+            <a:spLocks noGrp="1"/>
+          </p:cNvSpPr>
           <p:nvPr>
-            <p:ph idx="1" type="body"/>
+            <p:ph type="body" idx="1"/>
           </p:nvPr>
         </p:nvSpPr>
         <p:spPr>
@@ -11369,12 +11304,12 @@
           </a:prstGeom>
         </p:spPr>
         <p:txBody>
-          <a:bodyPr anchorCtr="0" anchor="t" bIns="91425" lIns="91425" spcFirstLastPara="1" rIns="91425" wrap="square" tIns="91425">
+          <a:bodyPr spcFirstLastPara="1" wrap="square" lIns="91425" tIns="91425" rIns="91425" bIns="91425" anchor="t" anchorCtr="0">
             <a:noAutofit/>
           </a:bodyPr>
           <a:lstStyle/>
           <a:p>
-            <a:pPr indent="0" lvl="0" marL="0" rtl="0" algn="l">
+            <a:pPr marL="0" lvl="0" indent="0" algn="l" rtl="0">
               <a:lnSpc>
                 <a:spcPct val="135714"/>
               </a:lnSpc>
@@ -11387,7 +11322,7 @@
               <a:buNone/>
             </a:pPr>
             <a:r>
-              <a:rPr b="1" lang="en" sz="1200">
+              <a:rPr lang="en" sz="1200" b="1">
                 <a:solidFill>
                   <a:srgbClr val="D4D4D4"/>
                 </a:solidFill>
@@ -11401,7 +11336,7 @@
               </a:rPr>
               <a:t>According to the above bar plot, Month vs Worldwide Profit, the five months that generate the highest worldwide profit, in order, are: May, June, July, November, and December.</a:t>
             </a:r>
-            <a:endParaRPr b="1" sz="1200">
+            <a:endParaRPr sz="1200" b="1">
               <a:solidFill>
                 <a:srgbClr val="D4D4D4"/>
               </a:solidFill>
@@ -11415,7 +11350,7 @@
             </a:endParaRPr>
           </a:p>
           <a:p>
-            <a:pPr indent="0" lvl="0" marL="0" rtl="0" algn="l">
+            <a:pPr marL="0" lvl="0" indent="0" algn="l" rtl="0">
               <a:spcBef>
                 <a:spcPts val="0"/>
               </a:spcBef>
@@ -11424,9 +11359,6 @@
               </a:spcAft>
               <a:buNone/>
             </a:pPr>
-            <a:r>
-              <a:t/>
-            </a:r>
             <a:endParaRPr/>
           </a:p>
         </p:txBody>
@@ -11479,12 +11411,12 @@
           </a:ln>
         </p:spPr>
         <p:txBody>
-          <a:bodyPr anchorCtr="0" anchor="t" bIns="91425" lIns="91425" spcFirstLastPara="1" rIns="91425" wrap="square" tIns="91425">
+          <a:bodyPr spcFirstLastPara="1" wrap="square" lIns="91425" tIns="91425" rIns="91425" bIns="91425" anchor="t" anchorCtr="0">
             <a:noAutofit/>
           </a:bodyPr>
           <a:lstStyle/>
           <a:p>
-            <a:pPr indent="0" lvl="0" marL="0" rtl="0" algn="l">
+            <a:pPr marL="0" lvl="0" indent="0" algn="l" rtl="0">
               <a:spcBef>
                 <a:spcPts val="0"/>
               </a:spcBef>
@@ -11494,7 +11426,7 @@
               <a:buNone/>
             </a:pPr>
             <a:r>
-              <a:rPr b="1" lang="en">
+              <a:rPr lang="en" b="1">
                 <a:solidFill>
                   <a:schemeClr val="lt1"/>
                 </a:solidFill>
@@ -11529,23 +11461,23 @@
             <a:avLst/>
           </a:prstGeom>
           <a:noFill/>
-          <a:ln cap="flat" cmpd="sng" w="76200">
+          <a:ln w="76200" cap="flat" cmpd="sng">
             <a:solidFill>
               <a:schemeClr val="dk2"/>
             </a:solidFill>
             <a:prstDash val="solid"/>
             <a:round/>
-            <a:headEnd len="sm" w="sm" type="none"/>
-            <a:tailEnd len="sm" w="sm" type="none"/>
+            <a:headEnd type="none" w="sm" len="sm"/>
+            <a:tailEnd type="none" w="sm" len="sm"/>
           </a:ln>
         </p:spPr>
         <p:txBody>
-          <a:bodyPr anchorCtr="0" anchor="ctr" bIns="91425" lIns="91425" spcFirstLastPara="1" rIns="91425" wrap="square" tIns="91425">
+          <a:bodyPr spcFirstLastPara="1" wrap="square" lIns="91425" tIns="91425" rIns="91425" bIns="91425" anchor="ctr" anchorCtr="0">
             <a:noAutofit/>
           </a:bodyPr>
           <a:lstStyle/>
           <a:p>
-            <a:pPr indent="0" lvl="0" marL="0" rtl="0" algn="l">
+            <a:pPr marL="0" lvl="0" indent="0" algn="l" rtl="0">
               <a:spcBef>
                 <a:spcPts val="0"/>
               </a:spcBef>
@@ -11554,9 +11486,6 @@
               </a:spcAft>
               <a:buNone/>
             </a:pPr>
-            <a:r>
-              <a:t/>
-            </a:r>
             <a:endParaRPr/>
           </a:p>
         </p:txBody>
@@ -11576,23 +11505,23 @@
             <a:avLst/>
           </a:prstGeom>
           <a:noFill/>
-          <a:ln cap="flat" cmpd="sng" w="76200">
+          <a:ln w="76200" cap="flat" cmpd="sng">
             <a:solidFill>
               <a:schemeClr val="dk2"/>
             </a:solidFill>
             <a:prstDash val="solid"/>
             <a:round/>
-            <a:headEnd len="sm" w="sm" type="none"/>
-            <a:tailEnd len="sm" w="sm" type="none"/>
+            <a:headEnd type="none" w="sm" len="sm"/>
+            <a:tailEnd type="none" w="sm" len="sm"/>
           </a:ln>
         </p:spPr>
         <p:txBody>
-          <a:bodyPr anchorCtr="0" anchor="ctr" bIns="91425" lIns="91425" spcFirstLastPara="1" rIns="91425" wrap="square" tIns="91425">
+          <a:bodyPr spcFirstLastPara="1" wrap="square" lIns="91425" tIns="91425" rIns="91425" bIns="91425" anchor="ctr" anchorCtr="0">
             <a:noAutofit/>
           </a:bodyPr>
           <a:lstStyle/>
           <a:p>
-            <a:pPr indent="0" lvl="0" marL="0" rtl="0" algn="l">
+            <a:pPr marL="0" lvl="0" indent="0" algn="l" rtl="0">
               <a:spcBef>
                 <a:spcPts val="0"/>
               </a:spcBef>
@@ -11601,9 +11530,6 @@
               </a:spcAft>
               <a:buNone/>
             </a:pPr>
-            <a:r>
-              <a:t/>
-            </a:r>
             <a:endParaRPr/>
           </a:p>
         </p:txBody>
@@ -11617,11 +11543,11 @@
 </file>
 
 <file path=ppt/slides/slide6.xml><?xml version="1.0" encoding="utf-8"?>
-<p:sld xmlns:a="http://schemas.openxmlformats.org/drawingml/2006/main" xmlns:r="http://schemas.openxmlformats.org/officeDocument/2006/relationships" xmlns:mc="http://schemas.openxmlformats.org/markup-compatibility/2006" xmlns:mv="urn:schemas-microsoft-com:mac:vml" xmlns:p="http://schemas.openxmlformats.org/presentationml/2006/main" xmlns:c="http://schemas.openxmlformats.org/drawingml/2006/chart" xmlns:dgm="http://schemas.openxmlformats.org/drawingml/2006/diagram" xmlns:o="urn:schemas-microsoft-com:office:office" xmlns:v="urn:schemas-microsoft-com:vml" xmlns:pvml="urn:schemas-microsoft-com:office:powerpoint" xmlns:com="http://schemas.openxmlformats.org/drawingml/2006/compatibility" xmlns:p14="http://schemas.microsoft.com/office/powerpoint/2010/main" xmlns:p15="http://schemas.microsoft.com/office/powerpoint/2012/main">
+<p:sld xmlns:a="http://schemas.openxmlformats.org/drawingml/2006/main" xmlns:r="http://schemas.openxmlformats.org/officeDocument/2006/relationships" xmlns:p="http://schemas.openxmlformats.org/presentationml/2006/main">
   <p:cSld>
     <p:spTree>
       <p:nvGrpSpPr>
-        <p:cNvPr id="180" name="Shape 180"/>
+        <p:cNvPr id="1" name="Shape 180"/>
         <p:cNvGrpSpPr/>
         <p:nvPr/>
       </p:nvGrpSpPr>
@@ -11636,7 +11562,9 @@
       <p:sp>
         <p:nvSpPr>
           <p:cNvPr id="181" name="Google Shape;181;p18"/>
-          <p:cNvSpPr txBox="1"/>
+          <p:cNvSpPr txBox="1">
+            <a:spLocks noGrp="1"/>
+          </p:cNvSpPr>
           <p:nvPr>
             <p:ph type="title"/>
           </p:nvPr>
@@ -11651,12 +11579,12 @@
           </a:prstGeom>
         </p:spPr>
         <p:txBody>
-          <a:bodyPr anchorCtr="0" anchor="t" bIns="91425" lIns="91425" spcFirstLastPara="1" rIns="91425" wrap="square" tIns="91425">
+          <a:bodyPr spcFirstLastPara="1" wrap="square" lIns="91425" tIns="91425" rIns="91425" bIns="91425" anchor="t" anchorCtr="0">
             <a:noAutofit/>
           </a:bodyPr>
           <a:lstStyle/>
           <a:p>
-            <a:pPr indent="0" lvl="0" marL="0" rtl="0" algn="l">
+            <a:pPr marL="0" lvl="0" indent="0" algn="l" rtl="0">
               <a:spcBef>
                 <a:spcPts val="0"/>
               </a:spcBef>
@@ -11665,9 +11593,6 @@
               </a:spcAft>
               <a:buNone/>
             </a:pPr>
-            <a:r>
-              <a:t/>
-            </a:r>
             <a:endParaRPr/>
           </a:p>
         </p:txBody>
@@ -11675,9 +11600,11 @@
       <p:sp>
         <p:nvSpPr>
           <p:cNvPr id="182" name="Google Shape;182;p18"/>
-          <p:cNvSpPr txBox="1"/>
+          <p:cNvSpPr txBox="1">
+            <a:spLocks noGrp="1"/>
+          </p:cNvSpPr>
           <p:nvPr>
-            <p:ph idx="1" type="body"/>
+            <p:ph type="body" idx="1"/>
           </p:nvPr>
         </p:nvSpPr>
         <p:spPr>
@@ -11690,12 +11617,12 @@
           </a:prstGeom>
         </p:spPr>
         <p:txBody>
-          <a:bodyPr anchorCtr="0" anchor="t" bIns="91425" lIns="91425" spcFirstLastPara="1" rIns="91425" wrap="square" tIns="91425">
+          <a:bodyPr spcFirstLastPara="1" wrap="square" lIns="91425" tIns="91425" rIns="91425" bIns="91425" anchor="t" anchorCtr="0">
             <a:noAutofit/>
           </a:bodyPr>
           <a:lstStyle/>
           <a:p>
-            <a:pPr indent="0" lvl="0" marL="0" rtl="0" algn="l">
+            <a:pPr marL="0" lvl="0" indent="0" algn="l" rtl="0">
               <a:spcBef>
                 <a:spcPts val="0"/>
               </a:spcBef>
@@ -11705,7 +11632,7 @@
               <a:buNone/>
             </a:pPr>
             <a:r>
-              <a:rPr b="1" lang="en" sz="1200">
+              <a:rPr lang="en" sz="1200" b="1">
                 <a:latin typeface="Times New Roman"/>
                 <a:ea typeface="Times New Roman"/>
                 <a:cs typeface="Times New Roman"/>
@@ -11713,7 +11640,7 @@
               </a:rPr>
               <a:t>Shows a boxplot of the previous graph. Still shows May, June, July, November, and December as months with the highest worldwide profits. </a:t>
             </a:r>
-            <a:endParaRPr b="1" sz="1200">
+            <a:endParaRPr sz="1200" b="1">
               <a:latin typeface="Times New Roman"/>
               <a:ea typeface="Times New Roman"/>
               <a:cs typeface="Times New Roman"/>
@@ -11770,12 +11697,12 @@
           </a:ln>
         </p:spPr>
         <p:txBody>
-          <a:bodyPr anchorCtr="0" anchor="t" bIns="91425" lIns="91425" spcFirstLastPara="1" rIns="91425" wrap="square" tIns="91425">
+          <a:bodyPr spcFirstLastPara="1" wrap="square" lIns="91425" tIns="91425" rIns="91425" bIns="91425" anchor="t" anchorCtr="0">
             <a:noAutofit/>
           </a:bodyPr>
           <a:lstStyle/>
           <a:p>
-            <a:pPr indent="0" lvl="0" marL="0" rtl="0" algn="l">
+            <a:pPr marL="0" lvl="0" indent="0" algn="l" rtl="0">
               <a:spcBef>
                 <a:spcPts val="0"/>
               </a:spcBef>
@@ -11785,7 +11712,7 @@
               <a:buNone/>
             </a:pPr>
             <a:r>
-              <a:rPr b="1" lang="en">
+              <a:rPr lang="en" b="1">
                 <a:solidFill>
                   <a:schemeClr val="lt1"/>
                 </a:solidFill>
@@ -11823,23 +11750,23 @@
             <a:avLst/>
           </a:prstGeom>
           <a:noFill/>
-          <a:ln cap="flat" cmpd="sng" w="76200">
+          <a:ln w="76200" cap="flat" cmpd="sng">
             <a:solidFill>
               <a:schemeClr val="dk2"/>
             </a:solidFill>
             <a:prstDash val="solid"/>
             <a:round/>
-            <a:headEnd len="sm" w="sm" type="none"/>
-            <a:tailEnd len="sm" w="sm" type="none"/>
+            <a:headEnd type="none" w="sm" len="sm"/>
+            <a:tailEnd type="none" w="sm" len="sm"/>
           </a:ln>
         </p:spPr>
         <p:txBody>
-          <a:bodyPr anchorCtr="0" anchor="ctr" bIns="91425" lIns="91425" spcFirstLastPara="1" rIns="91425" wrap="square" tIns="91425">
+          <a:bodyPr spcFirstLastPara="1" wrap="square" lIns="91425" tIns="91425" rIns="91425" bIns="91425" anchor="ctr" anchorCtr="0">
             <a:noAutofit/>
           </a:bodyPr>
           <a:lstStyle/>
           <a:p>
-            <a:pPr indent="0" lvl="0" marL="0" rtl="0" algn="l">
+            <a:pPr marL="0" lvl="0" indent="0" algn="l" rtl="0">
               <a:spcBef>
                 <a:spcPts val="0"/>
               </a:spcBef>
@@ -11848,9 +11775,6 @@
               </a:spcAft>
               <a:buNone/>
             </a:pPr>
-            <a:r>
-              <a:t/>
-            </a:r>
             <a:endParaRPr/>
           </a:p>
         </p:txBody>
@@ -11870,23 +11794,23 @@
             <a:avLst/>
           </a:prstGeom>
           <a:noFill/>
-          <a:ln cap="flat" cmpd="sng" w="76200">
+          <a:ln w="76200" cap="flat" cmpd="sng">
             <a:solidFill>
               <a:schemeClr val="dk2"/>
             </a:solidFill>
             <a:prstDash val="solid"/>
             <a:round/>
-            <a:headEnd len="sm" w="sm" type="none"/>
-            <a:tailEnd len="sm" w="sm" type="none"/>
+            <a:headEnd type="none" w="sm" len="sm"/>
+            <a:tailEnd type="none" w="sm" len="sm"/>
           </a:ln>
         </p:spPr>
         <p:txBody>
-          <a:bodyPr anchorCtr="0" anchor="ctr" bIns="91425" lIns="91425" spcFirstLastPara="1" rIns="91425" wrap="square" tIns="91425">
+          <a:bodyPr spcFirstLastPara="1" wrap="square" lIns="91425" tIns="91425" rIns="91425" bIns="91425" anchor="ctr" anchorCtr="0">
             <a:noAutofit/>
           </a:bodyPr>
           <a:lstStyle/>
           <a:p>
-            <a:pPr indent="0" lvl="0" marL="0" rtl="0" algn="l">
+            <a:pPr marL="0" lvl="0" indent="0" algn="l" rtl="0">
               <a:spcBef>
                 <a:spcPts val="0"/>
               </a:spcBef>
@@ -11895,9 +11819,6 @@
               </a:spcAft>
               <a:buNone/>
             </a:pPr>
-            <a:r>
-              <a:t/>
-            </a:r>
             <a:endParaRPr/>
           </a:p>
         </p:txBody>
@@ -11911,11 +11832,11 @@
 </file>
 
 <file path=ppt/slides/slide7.xml><?xml version="1.0" encoding="utf-8"?>
-<p:sld xmlns:a="http://schemas.openxmlformats.org/drawingml/2006/main" xmlns:r="http://schemas.openxmlformats.org/officeDocument/2006/relationships" xmlns:mc="http://schemas.openxmlformats.org/markup-compatibility/2006" xmlns:mv="urn:schemas-microsoft-com:mac:vml" xmlns:p="http://schemas.openxmlformats.org/presentationml/2006/main" xmlns:c="http://schemas.openxmlformats.org/drawingml/2006/chart" xmlns:dgm="http://schemas.openxmlformats.org/drawingml/2006/diagram" xmlns:o="urn:schemas-microsoft-com:office:office" xmlns:v="urn:schemas-microsoft-com:vml" xmlns:pvml="urn:schemas-microsoft-com:office:powerpoint" xmlns:com="http://schemas.openxmlformats.org/drawingml/2006/compatibility" xmlns:p14="http://schemas.microsoft.com/office/powerpoint/2010/main" xmlns:p15="http://schemas.microsoft.com/office/powerpoint/2012/main">
+<p:sld xmlns:a="http://schemas.openxmlformats.org/drawingml/2006/main" xmlns:r="http://schemas.openxmlformats.org/officeDocument/2006/relationships" xmlns:p="http://schemas.openxmlformats.org/presentationml/2006/main">
   <p:cSld>
     <p:spTree>
       <p:nvGrpSpPr>
-        <p:cNvPr id="190" name="Shape 190"/>
+        <p:cNvPr id="1" name="Shape 190"/>
         <p:cNvGrpSpPr/>
         <p:nvPr/>
       </p:nvGrpSpPr>
@@ -11975,12 +11896,12 @@
           </a:ln>
         </p:spPr>
         <p:txBody>
-          <a:bodyPr anchorCtr="0" anchor="t" bIns="91425" lIns="91425" spcFirstLastPara="1" rIns="91425" wrap="square" tIns="91425">
+          <a:bodyPr spcFirstLastPara="1" wrap="square" lIns="91425" tIns="91425" rIns="91425" bIns="91425" anchor="t" anchorCtr="0">
             <a:noAutofit/>
           </a:bodyPr>
           <a:lstStyle/>
           <a:p>
-            <a:pPr indent="0" lvl="0" marL="0" rtl="0" algn="l">
+            <a:pPr marL="0" lvl="0" indent="0" algn="l" rtl="0">
               <a:spcBef>
                 <a:spcPts val="0"/>
               </a:spcBef>
@@ -11990,7 +11911,7 @@
               <a:buNone/>
             </a:pPr>
             <a:r>
-              <a:rPr b="1" lang="en" sz="1200">
+              <a:rPr lang="en" sz="1200" b="1">
                 <a:solidFill>
                   <a:schemeClr val="lt1"/>
                 </a:solidFill>
@@ -12001,7 +11922,7 @@
               </a:rPr>
               <a:t>Top 5 Genres per Month based on Worldwide Profit:</a:t>
             </a:r>
-            <a:endParaRPr b="1" sz="1200">
+            <a:endParaRPr sz="1200" b="1">
               <a:solidFill>
                 <a:schemeClr val="lt1"/>
               </a:solidFill>
@@ -12028,23 +11949,23 @@
             <a:avLst/>
           </a:prstGeom>
           <a:noFill/>
-          <a:ln cap="flat" cmpd="sng" w="76200">
+          <a:ln w="76200" cap="flat" cmpd="sng">
             <a:solidFill>
               <a:schemeClr val="dk2"/>
             </a:solidFill>
             <a:prstDash val="solid"/>
             <a:round/>
-            <a:headEnd len="sm" w="sm" type="none"/>
-            <a:tailEnd len="sm" w="sm" type="none"/>
+            <a:headEnd type="none" w="sm" len="sm"/>
+            <a:tailEnd type="none" w="sm" len="sm"/>
           </a:ln>
         </p:spPr>
         <p:txBody>
-          <a:bodyPr anchorCtr="0" anchor="ctr" bIns="91425" lIns="91425" spcFirstLastPara="1" rIns="91425" wrap="square" tIns="91425">
+          <a:bodyPr spcFirstLastPara="1" wrap="square" lIns="91425" tIns="91425" rIns="91425" bIns="91425" anchor="ctr" anchorCtr="0">
             <a:noAutofit/>
           </a:bodyPr>
           <a:lstStyle/>
           <a:p>
-            <a:pPr indent="0" lvl="0" marL="0" rtl="0" algn="l">
+            <a:pPr marL="0" lvl="0" indent="0" algn="l" rtl="0">
               <a:spcBef>
                 <a:spcPts val="0"/>
               </a:spcBef>
@@ -12053,9 +11974,6 @@
               </a:spcAft>
               <a:buNone/>
             </a:pPr>
-            <a:r>
-              <a:t/>
-            </a:r>
             <a:endParaRPr/>
           </a:p>
         </p:txBody>
@@ -12075,23 +11993,23 @@
             <a:avLst/>
           </a:prstGeom>
           <a:noFill/>
-          <a:ln cap="flat" cmpd="sng" w="76200">
+          <a:ln w="76200" cap="flat" cmpd="sng">
             <a:solidFill>
               <a:schemeClr val="dk2"/>
             </a:solidFill>
             <a:prstDash val="solid"/>
             <a:round/>
-            <a:headEnd len="sm" w="sm" type="none"/>
-            <a:tailEnd len="sm" w="sm" type="none"/>
+            <a:headEnd type="none" w="sm" len="sm"/>
+            <a:tailEnd type="none" w="sm" len="sm"/>
           </a:ln>
         </p:spPr>
         <p:txBody>
-          <a:bodyPr anchorCtr="0" anchor="ctr" bIns="91425" lIns="91425" spcFirstLastPara="1" rIns="91425" wrap="square" tIns="91425">
+          <a:bodyPr spcFirstLastPara="1" wrap="square" lIns="91425" tIns="91425" rIns="91425" bIns="91425" anchor="ctr" anchorCtr="0">
             <a:noAutofit/>
           </a:bodyPr>
           <a:lstStyle/>
           <a:p>
-            <a:pPr indent="0" lvl="0" marL="0" rtl="0" algn="l">
+            <a:pPr marL="0" lvl="0" indent="0" algn="l" rtl="0">
               <a:spcBef>
                 <a:spcPts val="0"/>
               </a:spcBef>
@@ -12100,9 +12018,6 @@
               </a:spcAft>
               <a:buNone/>
             </a:pPr>
-            <a:r>
-              <a:t/>
-            </a:r>
             <a:endParaRPr/>
           </a:p>
         </p:txBody>
@@ -12116,11 +12031,11 @@
 </file>
 
 <file path=ppt/slides/slide8.xml><?xml version="1.0" encoding="utf-8"?>
-<p:sld xmlns:a="http://schemas.openxmlformats.org/drawingml/2006/main" xmlns:r="http://schemas.openxmlformats.org/officeDocument/2006/relationships" xmlns:mc="http://schemas.openxmlformats.org/markup-compatibility/2006" xmlns:mv="urn:schemas-microsoft-com:mac:vml" xmlns:p="http://schemas.openxmlformats.org/presentationml/2006/main" xmlns:c="http://schemas.openxmlformats.org/drawingml/2006/chart" xmlns:dgm="http://schemas.openxmlformats.org/drawingml/2006/diagram" xmlns:o="urn:schemas-microsoft-com:office:office" xmlns:v="urn:schemas-microsoft-com:vml" xmlns:pvml="urn:schemas-microsoft-com:office:powerpoint" xmlns:com="http://schemas.openxmlformats.org/drawingml/2006/compatibility" xmlns:p14="http://schemas.microsoft.com/office/powerpoint/2010/main" xmlns:p15="http://schemas.microsoft.com/office/powerpoint/2012/main">
+<p:sld xmlns:a="http://schemas.openxmlformats.org/drawingml/2006/main" xmlns:r="http://schemas.openxmlformats.org/officeDocument/2006/relationships" xmlns:p="http://schemas.openxmlformats.org/presentationml/2006/main">
   <p:cSld>
     <p:spTree>
       <p:nvGrpSpPr>
-        <p:cNvPr id="198" name="Shape 198"/>
+        <p:cNvPr id="1" name="Shape 198"/>
         <p:cNvGrpSpPr/>
         <p:nvPr/>
       </p:nvGrpSpPr>
@@ -12135,7 +12050,9 @@
       <p:sp>
         <p:nvSpPr>
           <p:cNvPr id="199" name="Google Shape;199;p20"/>
-          <p:cNvSpPr txBox="1"/>
+          <p:cNvSpPr txBox="1">
+            <a:spLocks noGrp="1"/>
+          </p:cNvSpPr>
           <p:nvPr>
             <p:ph type="title"/>
           </p:nvPr>
@@ -12150,12 +12067,12 @@
           </a:prstGeom>
         </p:spPr>
         <p:txBody>
-          <a:bodyPr anchorCtr="0" anchor="t" bIns="91425" lIns="91425" spcFirstLastPara="1" rIns="91425" wrap="square" tIns="91425">
+          <a:bodyPr spcFirstLastPara="1" wrap="square" lIns="91425" tIns="91425" rIns="91425" bIns="91425" anchor="t" anchorCtr="0">
             <a:noAutofit/>
           </a:bodyPr>
           <a:lstStyle/>
           <a:p>
-            <a:pPr indent="0" lvl="0" marL="0" rtl="0" algn="l">
+            <a:pPr marL="0" lvl="0" indent="0" algn="l" rtl="0">
               <a:spcBef>
                 <a:spcPts val="0"/>
               </a:spcBef>
@@ -12165,7 +12082,7 @@
               <a:buNone/>
             </a:pPr>
             <a:r>
-              <a:rPr b="1" lang="en" sz="4000">
+              <a:rPr lang="en" sz="4000" b="1">
                 <a:latin typeface="Times New Roman"/>
                 <a:ea typeface="Times New Roman"/>
                 <a:cs typeface="Times New Roman"/>
@@ -12173,7 +12090,7 @@
               </a:rPr>
               <a:t>Conclusion</a:t>
             </a:r>
-            <a:endParaRPr b="1" sz="4000">
+            <a:endParaRPr sz="4000" b="1">
               <a:latin typeface="Times New Roman"/>
               <a:ea typeface="Times New Roman"/>
               <a:cs typeface="Times New Roman"/>
@@ -12185,9 +12102,11 @@
       <p:sp>
         <p:nvSpPr>
           <p:cNvPr id="200" name="Google Shape;200;p20"/>
-          <p:cNvSpPr txBox="1"/>
+          <p:cNvSpPr txBox="1">
+            <a:spLocks noGrp="1"/>
+          </p:cNvSpPr>
           <p:nvPr>
-            <p:ph idx="1" type="body"/>
+            <p:ph type="body" idx="1"/>
           </p:nvPr>
         </p:nvSpPr>
         <p:spPr>
@@ -12200,12 +12119,12 @@
           </a:prstGeom>
         </p:spPr>
         <p:txBody>
-          <a:bodyPr anchorCtr="0" anchor="t" bIns="91425" lIns="91425" spcFirstLastPara="1" rIns="91425" wrap="square" tIns="91425">
+          <a:bodyPr spcFirstLastPara="1" wrap="square" lIns="91425" tIns="91425" rIns="91425" bIns="91425" anchor="t" anchorCtr="0">
             <a:noAutofit/>
           </a:bodyPr>
           <a:lstStyle/>
           <a:p>
-            <a:pPr indent="-304800" lvl="0" marL="457200" rtl="0" algn="l">
+            <a:pPr marL="457200" lvl="0" indent="-304800" algn="l" rtl="0">
               <a:spcBef>
                 <a:spcPts val="0"/>
               </a:spcBef>
@@ -12217,7 +12136,7 @@
               <a:buChar char="●"/>
             </a:pPr>
             <a:r>
-              <a:rPr b="1" lang="en" sz="1200">
+              <a:rPr lang="en" sz="1200" b="1">
                 <a:latin typeface="Times New Roman"/>
                 <a:ea typeface="Times New Roman"/>
                 <a:cs typeface="Times New Roman"/>
@@ -12225,7 +12144,7 @@
               </a:rPr>
               <a:t>Special emphasis should be given to the international market due to its rapid growth compared with the domestic market. This can be done with a greater allocation of overall marketing budget towards that market, with the utilization of social media, along with focusing on stories, characters, and ideas that are of interest to other countries and regions. </a:t>
             </a:r>
-            <a:endParaRPr b="1" sz="1200">
+            <a:endParaRPr sz="1200" b="1">
               <a:latin typeface="Times New Roman"/>
               <a:ea typeface="Times New Roman"/>
               <a:cs typeface="Times New Roman"/>
@@ -12233,7 +12152,7 @@
             </a:endParaRPr>
           </a:p>
           <a:p>
-            <a:pPr indent="-304800" lvl="0" marL="457200" rtl="0" algn="l">
+            <a:pPr marL="457200" lvl="0" indent="-304800" algn="l" rtl="0">
               <a:spcBef>
                 <a:spcPts val="0"/>
               </a:spcBef>
@@ -12245,7 +12164,7 @@
               <a:buChar char="●"/>
             </a:pPr>
             <a:r>
-              <a:rPr b="1" lang="en" sz="1200">
+              <a:rPr lang="en" sz="1200" b="1">
                 <a:latin typeface="Times New Roman"/>
                 <a:ea typeface="Times New Roman"/>
                 <a:cs typeface="Times New Roman"/>
@@ -12253,7 +12172,7 @@
               </a:rPr>
               <a:t>Release movies during one of these months in one or more of these genres:</a:t>
             </a:r>
-            <a:endParaRPr b="1" sz="1200">
+            <a:endParaRPr sz="1200" b="1">
               <a:latin typeface="Times New Roman"/>
               <a:ea typeface="Times New Roman"/>
               <a:cs typeface="Times New Roman"/>
@@ -12261,7 +12180,7 @@
             </a:endParaRPr>
           </a:p>
           <a:p>
-            <a:pPr indent="-304800" lvl="1" marL="914400" rtl="0" algn="l">
+            <a:pPr marL="914400" lvl="1" indent="-304800" algn="l" rtl="0">
               <a:lnSpc>
                 <a:spcPct val="135714"/>
               </a:lnSpc>
@@ -12276,7 +12195,7 @@
               <a:buChar char="○"/>
             </a:pPr>
             <a:r>
-              <a:rPr b="1" lang="en" sz="1200">
+              <a:rPr lang="en" sz="1200" b="1">
                 <a:latin typeface="Times New Roman"/>
                 <a:ea typeface="Times New Roman"/>
                 <a:cs typeface="Times New Roman"/>
@@ -12284,7 +12203,7 @@
               </a:rPr>
               <a:t>May: Animation, Sci-Fi, and/or Adventure. </a:t>
             </a:r>
-            <a:endParaRPr b="1" sz="1200">
+            <a:endParaRPr sz="1200" b="1">
               <a:latin typeface="Times New Roman"/>
               <a:ea typeface="Times New Roman"/>
               <a:cs typeface="Times New Roman"/>
@@ -12292,7 +12211,7 @@
             </a:endParaRPr>
           </a:p>
           <a:p>
-            <a:pPr indent="-304800" lvl="1" marL="914400" rtl="0" algn="l">
+            <a:pPr marL="914400" lvl="1" indent="-304800" algn="l" rtl="0">
               <a:lnSpc>
                 <a:spcPct val="135714"/>
               </a:lnSpc>
@@ -12307,7 +12226,7 @@
               <a:buChar char="○"/>
             </a:pPr>
             <a:r>
-              <a:rPr b="1" lang="en" sz="1200">
+              <a:rPr lang="en" sz="1200" b="1">
                 <a:latin typeface="Times New Roman"/>
                 <a:ea typeface="Times New Roman"/>
                 <a:cs typeface="Times New Roman"/>
@@ -12315,7 +12234,7 @@
               </a:rPr>
               <a:t>June: Animation, Adventure, and/or Sci-Fi. </a:t>
             </a:r>
-            <a:endParaRPr b="1" sz="1200">
+            <a:endParaRPr sz="1200" b="1">
               <a:latin typeface="Times New Roman"/>
               <a:ea typeface="Times New Roman"/>
               <a:cs typeface="Times New Roman"/>
@@ -12323,7 +12242,7 @@
             </a:endParaRPr>
           </a:p>
           <a:p>
-            <a:pPr indent="-304800" lvl="1" marL="914400" rtl="0" algn="l">
+            <a:pPr marL="914400" lvl="1" indent="-304800" algn="l" rtl="0">
               <a:lnSpc>
                 <a:spcPct val="135714"/>
               </a:lnSpc>
@@ -12338,7 +12257,7 @@
               <a:buChar char="○"/>
             </a:pPr>
             <a:r>
-              <a:rPr b="1" lang="en" sz="1200">
+              <a:rPr lang="en" sz="1200" b="1">
                 <a:latin typeface="Times New Roman"/>
                 <a:ea typeface="Times New Roman"/>
                 <a:cs typeface="Times New Roman"/>
@@ -12346,7 +12265,7 @@
               </a:rPr>
               <a:t>July: War, Animation, and/or Musical. </a:t>
             </a:r>
-            <a:endParaRPr b="1" sz="1200">
+            <a:endParaRPr sz="1200" b="1">
               <a:latin typeface="Times New Roman"/>
               <a:ea typeface="Times New Roman"/>
               <a:cs typeface="Times New Roman"/>
@@ -12354,7 +12273,7 @@
             </a:endParaRPr>
           </a:p>
           <a:p>
-            <a:pPr indent="-304800" lvl="1" marL="914400" rtl="0" algn="l">
+            <a:pPr marL="914400" lvl="1" indent="-304800" algn="l" rtl="0">
               <a:lnSpc>
                 <a:spcPct val="135714"/>
               </a:lnSpc>
@@ -12369,7 +12288,7 @@
               <a:buChar char="○"/>
             </a:pPr>
             <a:r>
-              <a:rPr b="1" lang="en" sz="1200">
+              <a:rPr lang="en" sz="1200" b="1">
                 <a:latin typeface="Times New Roman"/>
                 <a:ea typeface="Times New Roman"/>
                 <a:cs typeface="Times New Roman"/>
@@ -12377,7 +12296,7 @@
               </a:rPr>
               <a:t>November: Animation, Adventure, and/or Family. </a:t>
             </a:r>
-            <a:endParaRPr b="1" sz="1200">
+            <a:endParaRPr sz="1200" b="1">
               <a:latin typeface="Times New Roman"/>
               <a:ea typeface="Times New Roman"/>
               <a:cs typeface="Times New Roman"/>
@@ -12385,7 +12304,7 @@
             </a:endParaRPr>
           </a:p>
           <a:p>
-            <a:pPr indent="-304800" lvl="1" marL="914400" rtl="0" algn="l">
+            <a:pPr marL="914400" lvl="1" indent="-304800" algn="l" rtl="0">
               <a:lnSpc>
                 <a:spcPct val="135714"/>
               </a:lnSpc>
@@ -12400,7 +12319,7 @@
               <a:buChar char="○"/>
             </a:pPr>
             <a:r>
-              <a:rPr b="1" lang="en" sz="1200">
+              <a:rPr lang="en" sz="1200" b="1">
                 <a:latin typeface="Times New Roman"/>
                 <a:ea typeface="Times New Roman"/>
                 <a:cs typeface="Times New Roman"/>
@@ -12408,7 +12327,7 @@
               </a:rPr>
               <a:t>December: Fantasy, Adventure, and/or Action.</a:t>
             </a:r>
-            <a:endParaRPr b="1" sz="1200">
+            <a:endParaRPr sz="1200" b="1">
               <a:latin typeface="Times New Roman"/>
               <a:ea typeface="Times New Roman"/>
               <a:cs typeface="Times New Roman"/>
@@ -12416,7 +12335,7 @@
             </a:endParaRPr>
           </a:p>
           <a:p>
-            <a:pPr indent="-304800" lvl="0" marL="457200" rtl="0" algn="l">
+            <a:pPr marL="457200" lvl="0" indent="-304800" algn="l" rtl="0">
               <a:lnSpc>
                 <a:spcPct val="135714"/>
               </a:lnSpc>
@@ -12431,33 +12350,15 @@
               <a:buChar char="●"/>
             </a:pPr>
             <a:r>
-              <a:rPr b="1" lang="en" sz="1200">
+              <a:rPr lang="en" sz="1200" b="1">
                 <a:latin typeface="Times New Roman"/>
                 <a:ea typeface="Times New Roman"/>
                 <a:cs typeface="Times New Roman"/>
                 <a:sym typeface="Times New Roman"/>
               </a:rPr>
-              <a:t>If the release month cannot be </a:t>
+              <a:t>If the release month cannot be predetermined, then focus on the following genres: </a:t>
             </a:r>
-            <a:r>
-              <a:rPr b="1" lang="en" sz="1200">
-                <a:latin typeface="Times New Roman"/>
-                <a:ea typeface="Times New Roman"/>
-                <a:cs typeface="Times New Roman"/>
-                <a:sym typeface="Times New Roman"/>
-              </a:rPr>
-              <a:t>predetermined</a:t>
-            </a:r>
-            <a:r>
-              <a:rPr b="1" lang="en" sz="1200">
-                <a:latin typeface="Times New Roman"/>
-                <a:ea typeface="Times New Roman"/>
-                <a:cs typeface="Times New Roman"/>
-                <a:sym typeface="Times New Roman"/>
-              </a:rPr>
-              <a:t>, then focus on the following genres: </a:t>
-            </a:r>
-            <a:endParaRPr b="1" sz="1200">
+            <a:endParaRPr sz="1200" b="1">
               <a:latin typeface="Times New Roman"/>
               <a:ea typeface="Times New Roman"/>
               <a:cs typeface="Times New Roman"/>
@@ -12465,7 +12366,7 @@
             </a:endParaRPr>
           </a:p>
           <a:p>
-            <a:pPr indent="-304800" lvl="1" marL="914400" rtl="0" algn="l">
+            <a:pPr marL="914400" lvl="1" indent="-304800" algn="l" rtl="0">
               <a:lnSpc>
                 <a:spcPct val="135714"/>
               </a:lnSpc>
@@ -12480,7 +12381,7 @@
               <a:buChar char="○"/>
             </a:pPr>
             <a:r>
-              <a:rPr b="1" lang="en" sz="1200">
+              <a:rPr lang="en" sz="1200" b="1">
                 <a:latin typeface="Times New Roman"/>
                 <a:ea typeface="Times New Roman"/>
                 <a:cs typeface="Times New Roman"/>
@@ -12488,7 +12389,7 @@
               </a:rPr>
               <a:t>Animation, Adventure, Sci-Fi, Family, and/or Action.</a:t>
             </a:r>
-            <a:endParaRPr b="1" sz="1200">
+            <a:endParaRPr sz="1200" b="1">
               <a:latin typeface="Times New Roman"/>
               <a:ea typeface="Times New Roman"/>
               <a:cs typeface="Times New Roman"/>
@@ -12512,23 +12413,23 @@
             <a:avLst/>
           </a:prstGeom>
           <a:noFill/>
-          <a:ln cap="flat" cmpd="sng" w="76200">
+          <a:ln w="76200" cap="flat" cmpd="sng">
             <a:solidFill>
               <a:schemeClr val="dk2"/>
             </a:solidFill>
             <a:prstDash val="solid"/>
             <a:round/>
-            <a:headEnd len="sm" w="sm" type="none"/>
-            <a:tailEnd len="sm" w="sm" type="none"/>
+            <a:headEnd type="none" w="sm" len="sm"/>
+            <a:tailEnd type="none" w="sm" len="sm"/>
           </a:ln>
         </p:spPr>
         <p:txBody>
-          <a:bodyPr anchorCtr="0" anchor="ctr" bIns="91425" lIns="91425" spcFirstLastPara="1" rIns="91425" wrap="square" tIns="91425">
+          <a:bodyPr spcFirstLastPara="1" wrap="square" lIns="91425" tIns="91425" rIns="91425" bIns="91425" anchor="ctr" anchorCtr="0">
             <a:noAutofit/>
           </a:bodyPr>
           <a:lstStyle/>
           <a:p>
-            <a:pPr indent="0" lvl="0" marL="0" rtl="0" algn="l">
+            <a:pPr marL="0" lvl="0" indent="0" algn="l" rtl="0">
               <a:spcBef>
                 <a:spcPts val="0"/>
               </a:spcBef>
@@ -12537,9 +12438,6 @@
               </a:spcAft>
               <a:buNone/>
             </a:pPr>
-            <a:r>
-              <a:t/>
-            </a:r>
             <a:endParaRPr/>
           </a:p>
         </p:txBody>
@@ -12553,11 +12451,11 @@
 </file>
 
 <file path=ppt/slides/slide9.xml><?xml version="1.0" encoding="utf-8"?>
-<p:sld xmlns:a="http://schemas.openxmlformats.org/drawingml/2006/main" xmlns:r="http://schemas.openxmlformats.org/officeDocument/2006/relationships" xmlns:mc="http://schemas.openxmlformats.org/markup-compatibility/2006" xmlns:mv="urn:schemas-microsoft-com:mac:vml" xmlns:p="http://schemas.openxmlformats.org/presentationml/2006/main" xmlns:c="http://schemas.openxmlformats.org/drawingml/2006/chart" xmlns:dgm="http://schemas.openxmlformats.org/drawingml/2006/diagram" xmlns:o="urn:schemas-microsoft-com:office:office" xmlns:v="urn:schemas-microsoft-com:vml" xmlns:pvml="urn:schemas-microsoft-com:office:powerpoint" xmlns:com="http://schemas.openxmlformats.org/drawingml/2006/compatibility" xmlns:p14="http://schemas.microsoft.com/office/powerpoint/2010/main" xmlns:p15="http://schemas.microsoft.com/office/powerpoint/2012/main">
+<p:sld xmlns:a="http://schemas.openxmlformats.org/drawingml/2006/main" xmlns:r="http://schemas.openxmlformats.org/officeDocument/2006/relationships" xmlns:p="http://schemas.openxmlformats.org/presentationml/2006/main">
   <p:cSld>
     <p:spTree>
       <p:nvGrpSpPr>
-        <p:cNvPr id="205" name="Shape 205"/>
+        <p:cNvPr id="1" name="Shape 205"/>
         <p:cNvGrpSpPr/>
         <p:nvPr/>
       </p:nvGrpSpPr>
@@ -12572,7 +12470,9 @@
       <p:sp>
         <p:nvSpPr>
           <p:cNvPr id="206" name="Google Shape;206;p21"/>
-          <p:cNvSpPr txBox="1"/>
+          <p:cNvSpPr txBox="1">
+            <a:spLocks noGrp="1"/>
+          </p:cNvSpPr>
           <p:nvPr>
             <p:ph type="title"/>
           </p:nvPr>
@@ -12587,12 +12487,12 @@
           </a:prstGeom>
         </p:spPr>
         <p:txBody>
-          <a:bodyPr anchorCtr="0" anchor="t" bIns="91425" lIns="91425" spcFirstLastPara="1" rIns="91425" wrap="square" tIns="91425">
+          <a:bodyPr spcFirstLastPara="1" wrap="square" lIns="91425" tIns="91425" rIns="91425" bIns="91425" anchor="t" anchorCtr="0">
             <a:noAutofit/>
           </a:bodyPr>
           <a:lstStyle/>
           <a:p>
-            <a:pPr indent="0" lvl="0" marL="0" rtl="0" algn="l">
+            <a:pPr marL="0" lvl="0" indent="0" algn="l" rtl="0">
               <a:spcBef>
                 <a:spcPts val="0"/>
               </a:spcBef>
@@ -12602,7 +12502,7 @@
               <a:buNone/>
             </a:pPr>
             <a:r>
-              <a:rPr b="1" lang="en" sz="4800">
+              <a:rPr lang="en" sz="4800" b="1">
                 <a:latin typeface="Times New Roman"/>
                 <a:ea typeface="Times New Roman"/>
                 <a:cs typeface="Times New Roman"/>
@@ -12610,7 +12510,7 @@
               </a:rPr>
               <a:t>Next Steps</a:t>
             </a:r>
-            <a:endParaRPr b="1" sz="4800">
+            <a:endParaRPr sz="4800" b="1">
               <a:latin typeface="Times New Roman"/>
               <a:ea typeface="Times New Roman"/>
               <a:cs typeface="Times New Roman"/>
@@ -12622,9 +12522,11 @@
       <p:sp>
         <p:nvSpPr>
           <p:cNvPr id="207" name="Google Shape;207;p21"/>
-          <p:cNvSpPr txBox="1"/>
+          <p:cNvSpPr txBox="1">
+            <a:spLocks noGrp="1"/>
+          </p:cNvSpPr>
           <p:nvPr>
-            <p:ph idx="1" type="body"/>
+            <p:ph type="body" idx="1"/>
           </p:nvPr>
         </p:nvSpPr>
         <p:spPr>
@@ -12637,12 +12539,12 @@
           </a:prstGeom>
         </p:spPr>
         <p:txBody>
-          <a:bodyPr anchorCtr="0" anchor="t" bIns="91425" lIns="91425" spcFirstLastPara="1" rIns="91425" wrap="square" tIns="91425">
+          <a:bodyPr spcFirstLastPara="1" wrap="square" lIns="91425" tIns="91425" rIns="91425" bIns="91425" anchor="t" anchorCtr="0">
             <a:noAutofit/>
           </a:bodyPr>
           <a:lstStyle/>
           <a:p>
-            <a:pPr indent="-304800" lvl="0" marL="457200" rtl="0" algn="l">
+            <a:pPr marL="457200" lvl="0" indent="-304800" algn="l" rtl="0">
               <a:spcBef>
                 <a:spcPts val="0"/>
               </a:spcBef>
@@ -12654,7 +12556,7 @@
               <a:buChar char="●"/>
             </a:pPr>
             <a:r>
-              <a:rPr b="1" lang="en" sz="1200">
+              <a:rPr lang="en" sz="1200" b="1">
                 <a:latin typeface="Times New Roman"/>
                 <a:ea typeface="Times New Roman"/>
                 <a:cs typeface="Times New Roman"/>
@@ -12662,7 +12564,7 @@
               </a:rPr>
               <a:t>Gathering data to show the relationship between domestic and global marketing budgets to domestic and global profits. </a:t>
             </a:r>
-            <a:endParaRPr b="1" sz="1200">
+            <a:endParaRPr sz="1200" b="1">
               <a:latin typeface="Times New Roman"/>
               <a:ea typeface="Times New Roman"/>
               <a:cs typeface="Times New Roman"/>
@@ -12670,7 +12572,7 @@
             </a:endParaRPr>
           </a:p>
           <a:p>
-            <a:pPr indent="-304800" lvl="0" marL="457200" rtl="0" algn="l">
+            <a:pPr marL="457200" lvl="0" indent="-304800" algn="l" rtl="0">
               <a:spcBef>
                 <a:spcPts val="0"/>
               </a:spcBef>
@@ -12682,24 +12584,15 @@
               <a:buChar char="●"/>
             </a:pPr>
             <a:r>
-              <a:rPr b="1" lang="en" sz="1200">
+              <a:rPr lang="en" sz="1200" b="1">
                 <a:latin typeface="Times New Roman"/>
                 <a:ea typeface="Times New Roman"/>
                 <a:cs typeface="Times New Roman"/>
                 <a:sym typeface="Times New Roman"/>
               </a:rPr>
-              <a:t>To find which genres and storylines are </a:t>
+              <a:t>To find which genres and storylines are most appealing to growing international markets, such as China. </a:t>
             </a:r>
-            <a:r>
-              <a:rPr b="1" lang="en" sz="1200">
-                <a:latin typeface="Times New Roman"/>
-                <a:ea typeface="Times New Roman"/>
-                <a:cs typeface="Times New Roman"/>
-                <a:sym typeface="Times New Roman"/>
-              </a:rPr>
-              <a:t>most appealing to growing international markets, such as China. </a:t>
-            </a:r>
-            <a:endParaRPr b="1" sz="1200">
+            <a:endParaRPr sz="1200" b="1">
               <a:latin typeface="Times New Roman"/>
               <a:ea typeface="Times New Roman"/>
               <a:cs typeface="Times New Roman"/>
@@ -12707,7 +12600,7 @@
             </a:endParaRPr>
           </a:p>
           <a:p>
-            <a:pPr indent="-304800" lvl="0" marL="457200" rtl="0" algn="l">
+            <a:pPr marL="457200" lvl="0" indent="-304800" algn="l" rtl="0">
               <a:spcBef>
                 <a:spcPts val="0"/>
               </a:spcBef>
@@ -12719,7 +12612,7 @@
               <a:buChar char="●"/>
             </a:pPr>
             <a:r>
-              <a:rPr b="1" lang="en" sz="1200">
+              <a:rPr lang="en" sz="1200" b="1">
                 <a:latin typeface="Times New Roman"/>
                 <a:ea typeface="Times New Roman"/>
                 <a:cs typeface="Times New Roman"/>
@@ -12727,7 +12620,7 @@
               </a:rPr>
               <a:t>To find which directors, actors, and actresses are most popular in those international markets as well.</a:t>
             </a:r>
-            <a:endParaRPr b="1" sz="1200">
+            <a:endParaRPr sz="1200" b="1">
               <a:latin typeface="Times New Roman"/>
               <a:ea typeface="Times New Roman"/>
               <a:cs typeface="Times New Roman"/>
@@ -12735,7 +12628,7 @@
             </a:endParaRPr>
           </a:p>
           <a:p>
-            <a:pPr indent="-304800" lvl="0" marL="457200" rtl="0" algn="l">
+            <a:pPr marL="457200" lvl="0" indent="-304800" algn="l" rtl="0">
               <a:spcBef>
                 <a:spcPts val="0"/>
               </a:spcBef>
@@ -12747,7 +12640,7 @@
               <a:buChar char="●"/>
             </a:pPr>
             <a:r>
-              <a:rPr b="1" lang="en" sz="1200">
+              <a:rPr lang="en" sz="1200" b="1">
                 <a:latin typeface="Times New Roman"/>
                 <a:ea typeface="Times New Roman"/>
                 <a:cs typeface="Times New Roman"/>
@@ -12755,7 +12648,7 @@
               </a:rPr>
               <a:t>To find which movie lengths generate the most worldwide profits per genre. </a:t>
             </a:r>
-            <a:endParaRPr b="1" sz="1200">
+            <a:endParaRPr sz="1200" b="1">
               <a:latin typeface="Times New Roman"/>
               <a:ea typeface="Times New Roman"/>
               <a:cs typeface="Times New Roman"/>
@@ -12763,7 +12656,7 @@
             </a:endParaRPr>
           </a:p>
           <a:p>
-            <a:pPr indent="-304800" lvl="0" marL="457200" rtl="0" algn="l">
+            <a:pPr marL="457200" lvl="0" indent="-304800" algn="l" rtl="0">
               <a:spcBef>
                 <a:spcPts val="0"/>
               </a:spcBef>
@@ -12775,7 +12668,7 @@
               <a:buChar char="●"/>
             </a:pPr>
             <a:r>
-              <a:rPr b="1" lang="en" sz="1200">
+              <a:rPr lang="en" sz="1200" b="1">
                 <a:latin typeface="Times New Roman"/>
                 <a:ea typeface="Times New Roman"/>
                 <a:cs typeface="Times New Roman"/>
@@ -12783,7 +12676,7 @@
               </a:rPr>
               <a:t>To generate a model that predicts the ROI with specific marketing budgets, genres and directors. </a:t>
             </a:r>
-            <a:endParaRPr b="1" sz="1200">
+            <a:endParaRPr sz="1200" b="1">
               <a:latin typeface="Times New Roman"/>
               <a:ea typeface="Times New Roman"/>
               <a:cs typeface="Times New Roman"/>
@@ -12807,23 +12700,23 @@
             <a:avLst/>
           </a:prstGeom>
           <a:noFill/>
-          <a:ln cap="flat" cmpd="sng" w="76200">
+          <a:ln w="76200" cap="flat" cmpd="sng">
             <a:solidFill>
               <a:schemeClr val="dk2"/>
             </a:solidFill>
             <a:prstDash val="solid"/>
             <a:round/>
-            <a:headEnd len="sm" w="sm" type="none"/>
-            <a:tailEnd len="sm" w="sm" type="none"/>
+            <a:headEnd type="none" w="sm" len="sm"/>
+            <a:tailEnd type="none" w="sm" len="sm"/>
           </a:ln>
         </p:spPr>
         <p:txBody>
-          <a:bodyPr anchorCtr="0" anchor="ctr" bIns="91425" lIns="91425" spcFirstLastPara="1" rIns="91425" wrap="square" tIns="91425">
+          <a:bodyPr spcFirstLastPara="1" wrap="square" lIns="91425" tIns="91425" rIns="91425" bIns="91425" anchor="ctr" anchorCtr="0">
             <a:noAutofit/>
           </a:bodyPr>
           <a:lstStyle/>
           <a:p>
-            <a:pPr indent="0" lvl="0" marL="0" rtl="0" algn="l">
+            <a:pPr marL="0" lvl="0" indent="0" algn="l" rtl="0">
               <a:spcBef>
                 <a:spcPts val="0"/>
               </a:spcBef>
@@ -12832,9 +12725,6 @@
               </a:spcAft>
               <a:buNone/>
             </a:pPr>
-            <a:r>
-              <a:t/>
-            </a:r>
             <a:endParaRPr/>
           </a:p>
         </p:txBody>
@@ -12848,7 +12738,288 @@
 </file>
 
 <file path=ppt/theme/theme1.xml><?xml version="1.0" encoding="utf-8"?>
-<a:theme xmlns:a="http://schemas.openxmlformats.org/drawingml/2006/main" xmlns:r="http://schemas.openxmlformats.org/officeDocument/2006/relationships">
+<a:theme xmlns:a="http://schemas.openxmlformats.org/drawingml/2006/main" name="Focus">
+  <a:themeElements>
+    <a:clrScheme name="Focus">
+      <a:dk1>
+        <a:srgbClr val="1B212C"/>
+      </a:dk1>
+      <a:lt1>
+        <a:srgbClr val="FFFFFF"/>
+      </a:lt1>
+      <a:dk2>
+        <a:srgbClr val="D9D9D9"/>
+      </a:dk2>
+      <a:lt2>
+        <a:srgbClr val="82C7A5"/>
+      </a:lt2>
+      <a:accent1>
+        <a:srgbClr val="0145AC"/>
+      </a:accent1>
+      <a:accent2>
+        <a:srgbClr val="EECE1A"/>
+      </a:accent2>
+      <a:accent3>
+        <a:srgbClr val="4E5567"/>
+      </a:accent3>
+      <a:accent4>
+        <a:srgbClr val="F4D6AD"/>
+      </a:accent4>
+      <a:accent5>
+        <a:srgbClr val="7890CD"/>
+      </a:accent5>
+      <a:accent6>
+        <a:srgbClr val="F15E22"/>
+      </a:accent6>
+      <a:hlink>
+        <a:srgbClr val="7890CD"/>
+      </a:hlink>
+      <a:folHlink>
+        <a:srgbClr val="7890CD"/>
+      </a:folHlink>
+    </a:clrScheme>
+    <a:fontScheme name="Office">
+      <a:majorFont>
+        <a:latin typeface="Arial"/>
+        <a:ea typeface=""/>
+        <a:cs typeface=""/>
+        <a:font script="Jpan" typeface="ＭＳ Ｐゴシック"/>
+        <a:font script="Hang" typeface="맑은 고딕"/>
+        <a:font script="Hans" typeface="宋体"/>
+        <a:font script="Hant" typeface="新細明體"/>
+        <a:font script="Arab" typeface="Times New Roman"/>
+        <a:font script="Hebr" typeface="Times New Roman"/>
+        <a:font script="Thai" typeface="Angsana New"/>
+        <a:font script="Ethi" typeface="Nyala"/>
+        <a:font script="Beng" typeface="Vrinda"/>
+        <a:font script="Gujr" typeface="Shruti"/>
+        <a:font script="Khmr" typeface="MoolBoran"/>
+        <a:font script="Knda" typeface="Tunga"/>
+        <a:font script="Guru" typeface="Raavi"/>
+        <a:font script="Cans" typeface="Euphemia"/>
+        <a:font script="Cher" typeface="Plantagenet Cherokee"/>
+        <a:font script="Yiii" typeface="Microsoft Yi Baiti"/>
+        <a:font script="Tibt" typeface="Microsoft Himalaya"/>
+        <a:font script="Thaa" typeface="MV Boli"/>
+        <a:font script="Deva" typeface="Mangal"/>
+        <a:font script="Telu" typeface="Gautami"/>
+        <a:font script="Taml" typeface="Latha"/>
+        <a:font script="Syrc" typeface="Estrangelo Edessa"/>
+        <a:font script="Orya" typeface="Kalinga"/>
+        <a:font script="Mlym" typeface="Kartika"/>
+        <a:font script="Laoo" typeface="DokChampa"/>
+        <a:font script="Sinh" typeface="Iskoola Pota"/>
+        <a:font script="Mong" typeface="Mongolian Baiti"/>
+        <a:font script="Viet" typeface="Times New Roman"/>
+        <a:font script="Uigh" typeface="Microsoft Uighur"/>
+        <a:font script="Geor" typeface="Sylfaen"/>
+      </a:majorFont>
+      <a:minorFont>
+        <a:latin typeface="Arial"/>
+        <a:ea typeface=""/>
+        <a:cs typeface=""/>
+        <a:font script="Jpan" typeface="ＭＳ Ｐゴシック"/>
+        <a:font script="Hang" typeface="맑은 고딕"/>
+        <a:font script="Hans" typeface="宋体"/>
+        <a:font script="Hant" typeface="新細明體"/>
+        <a:font script="Arab" typeface="Arial"/>
+        <a:font script="Hebr" typeface="Arial"/>
+        <a:font script="Thai" typeface="Cordia New"/>
+        <a:font script="Ethi" typeface="Nyala"/>
+        <a:font script="Beng" typeface="Vrinda"/>
+        <a:font script="Gujr" typeface="Shruti"/>
+        <a:font script="Khmr" typeface="DaunPenh"/>
+        <a:font script="Knda" typeface="Tunga"/>
+        <a:font script="Guru" typeface="Raavi"/>
+        <a:font script="Cans" typeface="Euphemia"/>
+        <a:font script="Cher" typeface="Plantagenet Cherokee"/>
+        <a:font script="Yiii" typeface="Microsoft Yi Baiti"/>
+        <a:font script="Tibt" typeface="Microsoft Himalaya"/>
+        <a:font script="Thaa" typeface="MV Boli"/>
+        <a:font script="Deva" typeface="Mangal"/>
+        <a:font script="Telu" typeface="Gautami"/>
+        <a:font script="Taml" typeface="Latha"/>
+        <a:font script="Syrc" typeface="Estrangelo Edessa"/>
+        <a:font script="Orya" typeface="Kalinga"/>
+        <a:font script="Mlym" typeface="Kartika"/>
+        <a:font script="Laoo" typeface="DokChampa"/>
+        <a:font script="Sinh" typeface="Iskoola Pota"/>
+        <a:font script="Mong" typeface="Mongolian Baiti"/>
+        <a:font script="Viet" typeface="Arial"/>
+        <a:font script="Uigh" typeface="Microsoft Uighur"/>
+        <a:font script="Geor" typeface="Sylfaen"/>
+      </a:minorFont>
+    </a:fontScheme>
+    <a:fmtScheme name="Office">
+      <a:fillStyleLst>
+        <a:solidFill>
+          <a:schemeClr val="phClr"/>
+        </a:solidFill>
+        <a:gradFill rotWithShape="1">
+          <a:gsLst>
+            <a:gs pos="0">
+              <a:schemeClr val="phClr">
+                <a:tint val="50000"/>
+                <a:satMod val="300000"/>
+              </a:schemeClr>
+            </a:gs>
+            <a:gs pos="35000">
+              <a:schemeClr val="phClr">
+                <a:tint val="37000"/>
+                <a:satMod val="300000"/>
+              </a:schemeClr>
+            </a:gs>
+            <a:gs pos="100000">
+              <a:schemeClr val="phClr">
+                <a:tint val="15000"/>
+                <a:satMod val="350000"/>
+              </a:schemeClr>
+            </a:gs>
+          </a:gsLst>
+          <a:lin ang="16200000" scaled="1"/>
+        </a:gradFill>
+        <a:gradFill rotWithShape="1">
+          <a:gsLst>
+            <a:gs pos="0">
+              <a:schemeClr val="phClr">
+                <a:tint val="100000"/>
+                <a:shade val="100000"/>
+                <a:satMod val="130000"/>
+              </a:schemeClr>
+            </a:gs>
+            <a:gs pos="100000">
+              <a:schemeClr val="phClr">
+                <a:tint val="50000"/>
+                <a:shade val="100000"/>
+                <a:satMod val="350000"/>
+              </a:schemeClr>
+            </a:gs>
+          </a:gsLst>
+          <a:lin ang="16200000" scaled="0"/>
+        </a:gradFill>
+      </a:fillStyleLst>
+      <a:lnStyleLst>
+        <a:ln w="9525" cap="flat" cmpd="sng" algn="ctr">
+          <a:solidFill>
+            <a:schemeClr val="phClr">
+              <a:shade val="95000"/>
+              <a:satMod val="105000"/>
+            </a:schemeClr>
+          </a:solidFill>
+          <a:prstDash val="solid"/>
+        </a:ln>
+        <a:ln w="25400" cap="flat" cmpd="sng" algn="ctr">
+          <a:solidFill>
+            <a:schemeClr val="phClr"/>
+          </a:solidFill>
+          <a:prstDash val="solid"/>
+        </a:ln>
+        <a:ln w="38100" cap="flat" cmpd="sng" algn="ctr">
+          <a:solidFill>
+            <a:schemeClr val="phClr"/>
+          </a:solidFill>
+          <a:prstDash val="solid"/>
+        </a:ln>
+      </a:lnStyleLst>
+      <a:effectStyleLst>
+        <a:effectStyle>
+          <a:effectLst>
+            <a:outerShdw blurRad="40000" dist="20000" dir="5400000" rotWithShape="0">
+              <a:srgbClr val="000000">
+                <a:alpha val="38000"/>
+              </a:srgbClr>
+            </a:outerShdw>
+          </a:effectLst>
+        </a:effectStyle>
+        <a:effectStyle>
+          <a:effectLst>
+            <a:outerShdw blurRad="40000" dist="23000" dir="5400000" rotWithShape="0">
+              <a:srgbClr val="000000">
+                <a:alpha val="35000"/>
+              </a:srgbClr>
+            </a:outerShdw>
+          </a:effectLst>
+        </a:effectStyle>
+        <a:effectStyle>
+          <a:effectLst>
+            <a:outerShdw blurRad="40000" dist="23000" dir="5400000" rotWithShape="0">
+              <a:srgbClr val="000000">
+                <a:alpha val="35000"/>
+              </a:srgbClr>
+            </a:outerShdw>
+          </a:effectLst>
+          <a:scene3d>
+            <a:camera prst="orthographicFront">
+              <a:rot lat="0" lon="0" rev="0"/>
+            </a:camera>
+            <a:lightRig rig="threePt" dir="t">
+              <a:rot lat="0" lon="0" rev="1200000"/>
+            </a:lightRig>
+          </a:scene3d>
+          <a:sp3d>
+            <a:bevelT w="63500" h="25400"/>
+          </a:sp3d>
+        </a:effectStyle>
+      </a:effectStyleLst>
+      <a:bgFillStyleLst>
+        <a:solidFill>
+          <a:schemeClr val="phClr"/>
+        </a:solidFill>
+        <a:gradFill rotWithShape="1">
+          <a:gsLst>
+            <a:gs pos="0">
+              <a:schemeClr val="phClr">
+                <a:tint val="40000"/>
+                <a:satMod val="350000"/>
+              </a:schemeClr>
+            </a:gs>
+            <a:gs pos="40000">
+              <a:schemeClr val="phClr">
+                <a:tint val="45000"/>
+                <a:shade val="99000"/>
+                <a:satMod val="350000"/>
+              </a:schemeClr>
+            </a:gs>
+            <a:gs pos="100000">
+              <a:schemeClr val="phClr">
+                <a:shade val="20000"/>
+                <a:satMod val="255000"/>
+              </a:schemeClr>
+            </a:gs>
+          </a:gsLst>
+          <a:path path="circle">
+            <a:fillToRect l="50000" t="-80000" r="50000" b="180000"/>
+          </a:path>
+        </a:gradFill>
+        <a:gradFill rotWithShape="1">
+          <a:gsLst>
+            <a:gs pos="0">
+              <a:schemeClr val="phClr">
+                <a:tint val="80000"/>
+                <a:satMod val="300000"/>
+              </a:schemeClr>
+            </a:gs>
+            <a:gs pos="100000">
+              <a:schemeClr val="phClr">
+                <a:shade val="30000"/>
+                <a:satMod val="200000"/>
+              </a:schemeClr>
+            </a:gs>
+          </a:gsLst>
+          <a:path path="circle">
+            <a:fillToRect l="50000" t="50000" r="50000" b="50000"/>
+          </a:path>
+        </a:gradFill>
+      </a:bgFillStyleLst>
+    </a:fmtScheme>
+  </a:themeElements>
+  <a:objectDefaults/>
+  <a:extraClrSchemeLst/>
+</a:theme>
+</file>
+
+<file path=ppt/theme/theme2.xml><?xml version="1.0" encoding="utf-8"?>
+<a:theme xmlns:a="http://schemas.openxmlformats.org/drawingml/2006/main">
   <a:themeElements>
     <a:clrScheme name="Default">
       <a:dk1>
@@ -13123,284 +13294,7 @@
       </a:bgFillStyleLst>
     </a:fmtScheme>
   </a:themeElements>
-</a:theme>
-</file>
-
-<file path=ppt/theme/theme2.xml><?xml version="1.0" encoding="utf-8"?>
-<a:theme xmlns:a="http://schemas.openxmlformats.org/drawingml/2006/main" xmlns:r="http://schemas.openxmlformats.org/officeDocument/2006/relationships" name="Focus">
-  <a:themeElements>
-    <a:clrScheme name="Focus">
-      <a:dk1>
-        <a:srgbClr val="1B212C"/>
-      </a:dk1>
-      <a:lt1>
-        <a:srgbClr val="FFFFFF"/>
-      </a:lt1>
-      <a:dk2>
-        <a:srgbClr val="D9D9D9"/>
-      </a:dk2>
-      <a:lt2>
-        <a:srgbClr val="82C7A5"/>
-      </a:lt2>
-      <a:accent1>
-        <a:srgbClr val="0145AC"/>
-      </a:accent1>
-      <a:accent2>
-        <a:srgbClr val="EECE1A"/>
-      </a:accent2>
-      <a:accent3>
-        <a:srgbClr val="4E5567"/>
-      </a:accent3>
-      <a:accent4>
-        <a:srgbClr val="F4D6AD"/>
-      </a:accent4>
-      <a:accent5>
-        <a:srgbClr val="7890CD"/>
-      </a:accent5>
-      <a:accent6>
-        <a:srgbClr val="F15E22"/>
-      </a:accent6>
-      <a:hlink>
-        <a:srgbClr val="7890CD"/>
-      </a:hlink>
-      <a:folHlink>
-        <a:srgbClr val="7890CD"/>
-      </a:folHlink>
-    </a:clrScheme>
-    <a:fontScheme name="Office">
-      <a:majorFont>
-        <a:latin typeface="Arial"/>
-        <a:ea typeface=""/>
-        <a:cs typeface=""/>
-        <a:font script="Jpan" typeface="ＭＳ Ｐゴシック"/>
-        <a:font script="Hang" typeface="맑은 고딕"/>
-        <a:font script="Hans" typeface="宋体"/>
-        <a:font script="Hant" typeface="新細明體"/>
-        <a:font script="Arab" typeface="Times New Roman"/>
-        <a:font script="Hebr" typeface="Times New Roman"/>
-        <a:font script="Thai" typeface="Angsana New"/>
-        <a:font script="Ethi" typeface="Nyala"/>
-        <a:font script="Beng" typeface="Vrinda"/>
-        <a:font script="Gujr" typeface="Shruti"/>
-        <a:font script="Khmr" typeface="MoolBoran"/>
-        <a:font script="Knda" typeface="Tunga"/>
-        <a:font script="Guru" typeface="Raavi"/>
-        <a:font script="Cans" typeface="Euphemia"/>
-        <a:font script="Cher" typeface="Plantagenet Cherokee"/>
-        <a:font script="Yiii" typeface="Microsoft Yi Baiti"/>
-        <a:font script="Tibt" typeface="Microsoft Himalaya"/>
-        <a:font script="Thaa" typeface="MV Boli"/>
-        <a:font script="Deva" typeface="Mangal"/>
-        <a:font script="Telu" typeface="Gautami"/>
-        <a:font script="Taml" typeface="Latha"/>
-        <a:font script="Syrc" typeface="Estrangelo Edessa"/>
-        <a:font script="Orya" typeface="Kalinga"/>
-        <a:font script="Mlym" typeface="Kartika"/>
-        <a:font script="Laoo" typeface="DokChampa"/>
-        <a:font script="Sinh" typeface="Iskoola Pota"/>
-        <a:font script="Mong" typeface="Mongolian Baiti"/>
-        <a:font script="Viet" typeface="Times New Roman"/>
-        <a:font script="Uigh" typeface="Microsoft Uighur"/>
-        <a:font script="Geor" typeface="Sylfaen"/>
-      </a:majorFont>
-      <a:minorFont>
-        <a:latin typeface="Arial"/>
-        <a:ea typeface=""/>
-        <a:cs typeface=""/>
-        <a:font script="Jpan" typeface="ＭＳ Ｐゴシック"/>
-        <a:font script="Hang" typeface="맑은 고딕"/>
-        <a:font script="Hans" typeface="宋体"/>
-        <a:font script="Hant" typeface="新細明體"/>
-        <a:font script="Arab" typeface="Arial"/>
-        <a:font script="Hebr" typeface="Arial"/>
-        <a:font script="Thai" typeface="Cordia New"/>
-        <a:font script="Ethi" typeface="Nyala"/>
-        <a:font script="Beng" typeface="Vrinda"/>
-        <a:font script="Gujr" typeface="Shruti"/>
-        <a:font script="Khmr" typeface="DaunPenh"/>
-        <a:font script="Knda" typeface="Tunga"/>
-        <a:font script="Guru" typeface="Raavi"/>
-        <a:font script="Cans" typeface="Euphemia"/>
-        <a:font script="Cher" typeface="Plantagenet Cherokee"/>
-        <a:font script="Yiii" typeface="Microsoft Yi Baiti"/>
-        <a:font script="Tibt" typeface="Microsoft Himalaya"/>
-        <a:font script="Thaa" typeface="MV Boli"/>
-        <a:font script="Deva" typeface="Mangal"/>
-        <a:font script="Telu" typeface="Gautami"/>
-        <a:font script="Taml" typeface="Latha"/>
-        <a:font script="Syrc" typeface="Estrangelo Edessa"/>
-        <a:font script="Orya" typeface="Kalinga"/>
-        <a:font script="Mlym" typeface="Kartika"/>
-        <a:font script="Laoo" typeface="DokChampa"/>
-        <a:font script="Sinh" typeface="Iskoola Pota"/>
-        <a:font script="Mong" typeface="Mongolian Baiti"/>
-        <a:font script="Viet" typeface="Arial"/>
-        <a:font script="Uigh" typeface="Microsoft Uighur"/>
-        <a:font script="Geor" typeface="Sylfaen"/>
-      </a:minorFont>
-    </a:fontScheme>
-    <a:fmtScheme name="Office">
-      <a:fillStyleLst>
-        <a:solidFill>
-          <a:schemeClr val="phClr"/>
-        </a:solidFill>
-        <a:gradFill rotWithShape="1">
-          <a:gsLst>
-            <a:gs pos="0">
-              <a:schemeClr val="phClr">
-                <a:tint val="50000"/>
-                <a:satMod val="300000"/>
-              </a:schemeClr>
-            </a:gs>
-            <a:gs pos="35000">
-              <a:schemeClr val="phClr">
-                <a:tint val="37000"/>
-                <a:satMod val="300000"/>
-              </a:schemeClr>
-            </a:gs>
-            <a:gs pos="100000">
-              <a:schemeClr val="phClr">
-                <a:tint val="15000"/>
-                <a:satMod val="350000"/>
-              </a:schemeClr>
-            </a:gs>
-          </a:gsLst>
-          <a:lin ang="16200000" scaled="1"/>
-        </a:gradFill>
-        <a:gradFill rotWithShape="1">
-          <a:gsLst>
-            <a:gs pos="0">
-              <a:schemeClr val="phClr">
-                <a:tint val="100000"/>
-                <a:shade val="100000"/>
-                <a:satMod val="130000"/>
-              </a:schemeClr>
-            </a:gs>
-            <a:gs pos="100000">
-              <a:schemeClr val="phClr">
-                <a:tint val="50000"/>
-                <a:shade val="100000"/>
-                <a:satMod val="350000"/>
-              </a:schemeClr>
-            </a:gs>
-          </a:gsLst>
-          <a:lin ang="16200000" scaled="0"/>
-        </a:gradFill>
-      </a:fillStyleLst>
-      <a:lnStyleLst>
-        <a:ln w="9525" cap="flat" cmpd="sng" algn="ctr">
-          <a:solidFill>
-            <a:schemeClr val="phClr">
-              <a:shade val="95000"/>
-              <a:satMod val="105000"/>
-            </a:schemeClr>
-          </a:solidFill>
-          <a:prstDash val="solid"/>
-        </a:ln>
-        <a:ln w="25400" cap="flat" cmpd="sng" algn="ctr">
-          <a:solidFill>
-            <a:schemeClr val="phClr"/>
-          </a:solidFill>
-          <a:prstDash val="solid"/>
-        </a:ln>
-        <a:ln w="38100" cap="flat" cmpd="sng" algn="ctr">
-          <a:solidFill>
-            <a:schemeClr val="phClr"/>
-          </a:solidFill>
-          <a:prstDash val="solid"/>
-        </a:ln>
-      </a:lnStyleLst>
-      <a:effectStyleLst>
-        <a:effectStyle>
-          <a:effectLst>
-            <a:outerShdw blurRad="40000" dist="20000" dir="5400000" rotWithShape="0">
-              <a:srgbClr val="000000">
-                <a:alpha val="38000"/>
-              </a:srgbClr>
-            </a:outerShdw>
-          </a:effectLst>
-        </a:effectStyle>
-        <a:effectStyle>
-          <a:effectLst>
-            <a:outerShdw blurRad="40000" dist="23000" dir="5400000" rotWithShape="0">
-              <a:srgbClr val="000000">
-                <a:alpha val="35000"/>
-              </a:srgbClr>
-            </a:outerShdw>
-          </a:effectLst>
-        </a:effectStyle>
-        <a:effectStyle>
-          <a:effectLst>
-            <a:outerShdw blurRad="40000" dist="23000" dir="5400000" rotWithShape="0">
-              <a:srgbClr val="000000">
-                <a:alpha val="35000"/>
-              </a:srgbClr>
-            </a:outerShdw>
-          </a:effectLst>
-          <a:scene3d>
-            <a:camera prst="orthographicFront">
-              <a:rot lat="0" lon="0" rev="0"/>
-            </a:camera>
-            <a:lightRig rig="threePt" dir="t">
-              <a:rot lat="0" lon="0" rev="1200000"/>
-            </a:lightRig>
-          </a:scene3d>
-          <a:sp3d>
-            <a:bevelT w="63500" h="25400"/>
-          </a:sp3d>
-        </a:effectStyle>
-      </a:effectStyleLst>
-      <a:bgFillStyleLst>
-        <a:solidFill>
-          <a:schemeClr val="phClr"/>
-        </a:solidFill>
-        <a:gradFill rotWithShape="1">
-          <a:gsLst>
-            <a:gs pos="0">
-              <a:schemeClr val="phClr">
-                <a:tint val="40000"/>
-                <a:satMod val="350000"/>
-              </a:schemeClr>
-            </a:gs>
-            <a:gs pos="40000">
-              <a:schemeClr val="phClr">
-                <a:tint val="45000"/>
-                <a:shade val="99000"/>
-                <a:satMod val="350000"/>
-              </a:schemeClr>
-            </a:gs>
-            <a:gs pos="100000">
-              <a:schemeClr val="phClr">
-                <a:shade val="20000"/>
-                <a:satMod val="255000"/>
-              </a:schemeClr>
-            </a:gs>
-          </a:gsLst>
-          <a:path path="circle">
-            <a:fillToRect l="50000" t="-80000" r="50000" b="180000"/>
-          </a:path>
-        </a:gradFill>
-        <a:gradFill rotWithShape="1">
-          <a:gsLst>
-            <a:gs pos="0">
-              <a:schemeClr val="phClr">
-                <a:tint val="80000"/>
-                <a:satMod val="300000"/>
-              </a:schemeClr>
-            </a:gs>
-            <a:gs pos="100000">
-              <a:schemeClr val="phClr">
-                <a:shade val="30000"/>
-                <a:satMod val="200000"/>
-              </a:schemeClr>
-            </a:gs>
-          </a:gsLst>
-          <a:path path="circle">
-            <a:fillToRect l="50000" t="50000" r="50000" b="50000"/>
-          </a:path>
-        </a:gradFill>
-      </a:bgFillStyleLst>
-    </a:fmtScheme>
-  </a:themeElements>
+  <a:objectDefaults/>
+  <a:extraClrSchemeLst/>
 </a:theme>
 </file>